--- a/doc/GPU-Accelerated_Ray_Tracing.pptx
+++ b/doc/GPU-Accelerated_Ray_Tracing.pptx
@@ -4404,6 +4404,10 @@
           <a:bodyPr/>
           <a:lstStyle/>
           <a:p>
+            <a:r>
+              <a:rPr lang="en-US" altLang="ko-KR" smtClean="0"/>
+              <a:t>  </a:t>
+            </a:r>
             <a:endParaRPr lang="ko-KR" altLang="en-US" dirty="0"/>
           </a:p>
         </p:txBody>
@@ -6615,11 +6619,6 @@
                         </a:rPr>
                         <a:t>, )</a:t>
                       </a:r>
-                      <a:endParaRPr lang="en-US" altLang="ko-KR" baseline="0" dirty="0" smtClean="0">
-                        <a:solidFill>
-                          <a:schemeClr val="tx1"/>
-                        </a:solidFill>
-                      </a:endParaRPr>
                     </a:p>
                   </a:txBody>
                   <a:tcPr anchor="ctr">

--- a/doc/GPU-Accelerated_Ray_Tracing.pptx
+++ b/doc/GPU-Accelerated_Ray_Tracing.pptx
@@ -5,7 +5,7 @@
     <p:sldMasterId id="2147483648" r:id="rId1"/>
   </p:sldMasterIdLst>
   <p:notesMasterIdLst>
-    <p:notesMasterId r:id="rId14"/>
+    <p:notesMasterId r:id="rId16"/>
   </p:notesMasterIdLst>
   <p:sldIdLst>
     <p:sldId id="256" r:id="rId2"/>
@@ -17,9 +17,11 @@
     <p:sldId id="264" r:id="rId8"/>
     <p:sldId id="266" r:id="rId9"/>
     <p:sldId id="265" r:id="rId10"/>
-    <p:sldId id="267" r:id="rId11"/>
-    <p:sldId id="257" r:id="rId12"/>
-    <p:sldId id="260" r:id="rId13"/>
+    <p:sldId id="269" r:id="rId11"/>
+    <p:sldId id="268" r:id="rId12"/>
+    <p:sldId id="267" r:id="rId13"/>
+    <p:sldId id="257" r:id="rId14"/>
+    <p:sldId id="260" r:id="rId15"/>
   </p:sldIdLst>
   <p:sldSz cx="12192000" cy="6858000"/>
   <p:notesSz cx="6858000" cy="9144000"/>
@@ -593,6 +595,90 @@
     <p:extLst>
       <p:ext uri="{BB962C8B-B14F-4D97-AF65-F5344CB8AC3E}">
         <p14:creationId xmlns:p14="http://schemas.microsoft.com/office/powerpoint/2010/main" val="1616377849"/>
+      </p:ext>
+    </p:extLst>
+  </p:cSld>
+  <p:clrMapOvr>
+    <a:masterClrMapping/>
+  </p:clrMapOvr>
+</p:notes>
+</file>
+
+<file path=ppt/notesSlides/notesSlide2.xml><?xml version="1.0" encoding="utf-8"?>
+<p:notes xmlns:a="http://schemas.openxmlformats.org/drawingml/2006/main" xmlns:r="http://schemas.openxmlformats.org/officeDocument/2006/relationships" xmlns:p="http://schemas.openxmlformats.org/presentationml/2006/main">
+  <p:cSld>
+    <p:spTree>
+      <p:nvGrpSpPr>
+        <p:cNvPr id="1" name=""/>
+        <p:cNvGrpSpPr/>
+        <p:nvPr/>
+      </p:nvGrpSpPr>
+      <p:grpSpPr>
+        <a:xfrm>
+          <a:off x="0" y="0"/>
+          <a:ext cx="0" cy="0"/>
+          <a:chOff x="0" y="0"/>
+          <a:chExt cx="0" cy="0"/>
+        </a:xfrm>
+      </p:grpSpPr>
+      <p:sp>
+        <p:nvSpPr>
+          <p:cNvPr id="2" name="슬라이드 이미지 개체 틀 1"/>
+          <p:cNvSpPr>
+            <a:spLocks noGrp="1" noRot="1" noChangeAspect="1"/>
+          </p:cNvSpPr>
+          <p:nvPr>
+            <p:ph type="sldImg"/>
+          </p:nvPr>
+        </p:nvSpPr>
+        <p:spPr/>
+      </p:sp>
+      <p:sp>
+        <p:nvSpPr>
+          <p:cNvPr id="3" name="슬라이드 노트 개체 틀 2"/>
+          <p:cNvSpPr>
+            <a:spLocks noGrp="1"/>
+          </p:cNvSpPr>
+          <p:nvPr>
+            <p:ph type="body" idx="1"/>
+          </p:nvPr>
+        </p:nvSpPr>
+        <p:spPr/>
+        <p:txBody>
+          <a:bodyPr/>
+          <a:lstStyle/>
+          <a:p>
+            <a:endParaRPr lang="ko-KR" altLang="en-US" dirty="0"/>
+          </a:p>
+        </p:txBody>
+      </p:sp>
+      <p:sp>
+        <p:nvSpPr>
+          <p:cNvPr id="4" name="슬라이드 번호 개체 틀 3"/>
+          <p:cNvSpPr>
+            <a:spLocks noGrp="1"/>
+          </p:cNvSpPr>
+          <p:nvPr>
+            <p:ph type="sldNum" sz="quarter" idx="10"/>
+          </p:nvPr>
+        </p:nvSpPr>
+        <p:spPr/>
+        <p:txBody>
+          <a:bodyPr/>
+          <a:lstStyle/>
+          <a:p>
+            <a:fld id="{3D8435DC-41A3-4858-9BB7-2D7A591C6922}" type="slidenum">
+              <a:rPr lang="ko-KR" altLang="en-US" smtClean="0"/>
+              <a:t>13</a:t>
+            </a:fld>
+            <a:endParaRPr lang="ko-KR" altLang="en-US"/>
+          </a:p>
+        </p:txBody>
+      </p:sp>
+    </p:spTree>
+    <p:extLst>
+      <p:ext uri="{BB962C8B-B14F-4D97-AF65-F5344CB8AC3E}">
+        <p14:creationId xmlns:p14="http://schemas.microsoft.com/office/powerpoint/2010/main" val="3353164081"/>
       </p:ext>
     </p:extLst>
   </p:cSld>
@@ -3674,7 +3760,15 @@
           <a:p>
             <a:r>
               <a:rPr lang="ko-KR" altLang="en-US" dirty="0"/>
-              <a:t>졸업 연구 일정</a:t>
+              <a:t>개발 </a:t>
+            </a:r>
+            <a:r>
+              <a:rPr lang="ko-KR" altLang="en-US" dirty="0" smtClean="0"/>
+              <a:t>환</a:t>
+            </a:r>
+            <a:r>
+              <a:rPr lang="ko-KR" altLang="en-US" dirty="0"/>
+              <a:t>경</a:t>
             </a:r>
             <a:endParaRPr lang="en-US" altLang="ko-KR" dirty="0"/>
           </a:p>
@@ -3695,7 +3789,82 @@
           <a:bodyPr/>
           <a:lstStyle/>
           <a:p>
-            <a:endParaRPr lang="ko-KR" altLang="en-US" dirty="0"/>
+            <a:r>
+              <a:rPr lang="en-US" altLang="ko-KR" dirty="0" err="1" smtClean="0"/>
+              <a:t>Git</a:t>
+            </a:r>
+            <a:r>
+              <a:rPr lang="en-US" altLang="ko-KR" dirty="0" smtClean="0"/>
+              <a:t>/</a:t>
+            </a:r>
+            <a:r>
+              <a:rPr lang="en-US" altLang="ko-KR" dirty="0" err="1" smtClean="0"/>
+              <a:t>Github</a:t>
+            </a:r>
+            <a:endParaRPr lang="en-US" altLang="ko-KR" dirty="0" smtClean="0"/>
+          </a:p>
+          <a:p>
+            <a:pPr lvl="1"/>
+            <a:r>
+              <a:rPr lang="en-US" altLang="ko-KR" dirty="0" smtClean="0"/>
+              <a:t>organization : </a:t>
+            </a:r>
+            <a:r>
+              <a:rPr lang="en-US" altLang="ko-KR" dirty="0" smtClean="0">
+                <a:hlinkClick r:id="rId2"/>
+              </a:rPr>
+              <a:t>SEETHELIGHTS</a:t>
+            </a:r>
+            <a:endParaRPr lang="en-US" altLang="ko-KR" dirty="0" smtClean="0"/>
+          </a:p>
+          <a:p>
+            <a:pPr lvl="1"/>
+            <a:r>
+              <a:rPr lang="en-US" altLang="ko-KR" sz="2000" dirty="0" smtClean="0"/>
+              <a:t>root repo: </a:t>
+            </a:r>
+            <a:r>
+              <a:rPr lang="en-US" altLang="ko-KR" sz="2000" dirty="0" smtClean="0">
+                <a:hlinkClick r:id="rId3"/>
+              </a:rPr>
+              <a:t>https://github.com/SEETHELIGHTS/CapstoneDesign</a:t>
+            </a:r>
+            <a:endParaRPr lang="en-US" altLang="ko-KR" sz="2000" dirty="0" smtClean="0"/>
+          </a:p>
+          <a:p>
+            <a:pPr lvl="1"/>
+            <a:r>
+              <a:rPr lang="en-US" altLang="ko-KR" sz="2000" dirty="0" smtClean="0"/>
+              <a:t>planning doc. repo: </a:t>
+            </a:r>
+            <a:r>
+              <a:rPr lang="en-US" altLang="ko-KR" sz="2000" dirty="0" smtClean="0">
+                <a:hlinkClick r:id="rId4"/>
+              </a:rPr>
+              <a:t>https://github.com/SEETHELIGHTS/CapstonePlanning</a:t>
+            </a:r>
+            <a:endParaRPr lang="en-US" altLang="ko-KR" sz="2000" dirty="0" smtClean="0"/>
+          </a:p>
+          <a:p>
+            <a:pPr lvl="1"/>
+            <a:r>
+              <a:rPr lang="en-US" altLang="ko-KR" sz="2000" dirty="0" smtClean="0"/>
+              <a:t>core calculator</a:t>
+            </a:r>
+            <a:r>
+              <a:rPr lang="en-US" altLang="ko-KR" sz="2000" dirty="0" smtClean="0"/>
+              <a:t> repo: </a:t>
+            </a:r>
+            <a:r>
+              <a:rPr lang="en-US" altLang="ko-KR" sz="2000" dirty="0" smtClean="0">
+                <a:hlinkClick r:id="rId5"/>
+              </a:rPr>
+              <a:t>https://github.com/SEETHELIGHTS/RadianceGrabber</a:t>
+            </a:r>
+            <a:endParaRPr lang="en-US" altLang="ko-KR" sz="2000" dirty="0" smtClean="0"/>
+          </a:p>
+          <a:p>
+            <a:endParaRPr lang="en-US" altLang="ko-KR" dirty="0" smtClean="0"/>
           </a:p>
         </p:txBody>
       </p:sp>
@@ -3725,7 +3894,7 @@
     </p:spTree>
     <p:extLst>
       <p:ext uri="{BB962C8B-B14F-4D97-AF65-F5344CB8AC3E}">
-        <p14:creationId xmlns:p14="http://schemas.microsoft.com/office/powerpoint/2010/main" val="3525204028"/>
+        <p14:creationId xmlns:p14="http://schemas.microsoft.com/office/powerpoint/2010/main" val="3428024995"/>
       </p:ext>
     </p:extLst>
   </p:cSld>
@@ -3775,278 +3944,73 @@
           <a:lstStyle/>
           <a:p>
             <a:r>
+              <a:rPr lang="ko-KR" altLang="en-US" dirty="0" smtClean="0"/>
+              <a:t>개발 </a:t>
+            </a:r>
+            <a:r>
+              <a:rPr lang="ko-KR" altLang="en-US" dirty="0"/>
+              <a:t>방법</a:t>
+            </a:r>
+            <a:endParaRPr lang="en-US" altLang="ko-KR" dirty="0"/>
+          </a:p>
+        </p:txBody>
+      </p:sp>
+      <p:sp>
+        <p:nvSpPr>
+          <p:cNvPr id="3" name="내용 개체 틀 2"/>
+          <p:cNvSpPr>
+            <a:spLocks noGrp="1"/>
+          </p:cNvSpPr>
+          <p:nvPr>
+            <p:ph idx="1"/>
+          </p:nvPr>
+        </p:nvSpPr>
+        <p:spPr/>
+        <p:txBody>
+          <a:bodyPr/>
+          <a:lstStyle/>
+          <a:p>
+            <a:r>
               <a:rPr lang="en-US" altLang="ko-KR" dirty="0" smtClean="0"/>
-              <a:t>References</a:t>
-            </a:r>
-            <a:endParaRPr lang="ko-KR" altLang="en-US" dirty="0"/>
-          </a:p>
-        </p:txBody>
-      </p:sp>
-      <p:sp>
-        <p:nvSpPr>
-          <p:cNvPr id="3" name="내용 개체 틀 2"/>
-          <p:cNvSpPr>
-            <a:spLocks noGrp="1"/>
-          </p:cNvSpPr>
-          <p:nvPr>
-            <p:ph idx="1"/>
-          </p:nvPr>
-        </p:nvSpPr>
-        <p:spPr/>
-        <p:txBody>
-          <a:bodyPr>
-            <a:noAutofit/>
-          </a:bodyPr>
-          <a:lstStyle/>
-          <a:p>
-            <a:pPr>
-              <a:lnSpc>
-                <a:spcPct val="120000"/>
-              </a:lnSpc>
-            </a:pPr>
-            <a:r>
-              <a:rPr lang="en-US" altLang="ko-KR" sz="1800" dirty="0" smtClean="0"/>
-              <a:t>CUDA</a:t>
-            </a:r>
-          </a:p>
-          <a:p>
-            <a:pPr lvl="1">
-              <a:lnSpc>
-                <a:spcPct val="120000"/>
-              </a:lnSpc>
-            </a:pPr>
-            <a:r>
-              <a:rPr lang="en-US" altLang="ko-KR" sz="1400" dirty="0" smtClean="0"/>
-              <a:t>David B. Kirk, Wen-</a:t>
-            </a:r>
-            <a:r>
-              <a:rPr lang="en-US" altLang="ko-KR" sz="1400" dirty="0" err="1" smtClean="0"/>
-              <a:t>mei</a:t>
-            </a:r>
-            <a:r>
-              <a:rPr lang="en-US" altLang="ko-KR" sz="1400" dirty="0" smtClean="0"/>
-              <a:t> </a:t>
-            </a:r>
-            <a:r>
-              <a:rPr lang="en-US" altLang="ko-KR" sz="1400" dirty="0" err="1" smtClean="0"/>
-              <a:t>W.Hwu</a:t>
-            </a:r>
-            <a:r>
-              <a:rPr lang="en-US" altLang="ko-KR" sz="1400" dirty="0" smtClean="0"/>
-              <a:t>, </a:t>
-            </a:r>
-            <a:r>
-              <a:rPr lang="ko-KR" altLang="en-US" sz="1400" dirty="0" err="1" smtClean="0"/>
-              <a:t>하순회</a:t>
-            </a:r>
-            <a:r>
-              <a:rPr lang="en-US" altLang="ko-KR" sz="1400" dirty="0" smtClean="0"/>
-              <a:t>(</a:t>
-            </a:r>
-            <a:r>
-              <a:rPr lang="ko-KR" altLang="en-US" sz="1400" dirty="0" smtClean="0"/>
-              <a:t>역</a:t>
-            </a:r>
-            <a:r>
-              <a:rPr lang="en-US" altLang="ko-KR" sz="1400" dirty="0" smtClean="0"/>
-              <a:t>), </a:t>
-            </a:r>
-            <a:r>
-              <a:rPr lang="ko-KR" altLang="en-US" sz="1400" dirty="0" err="1" smtClean="0"/>
-              <a:t>김크리스</a:t>
-            </a:r>
-            <a:r>
-              <a:rPr lang="en-US" altLang="ko-KR" sz="1400" dirty="0" smtClean="0"/>
-              <a:t>(</a:t>
-            </a:r>
-            <a:r>
-              <a:rPr lang="ko-KR" altLang="en-US" sz="1400" dirty="0" smtClean="0"/>
-              <a:t>역</a:t>
-            </a:r>
-            <a:r>
-              <a:rPr lang="en-US" altLang="ko-KR" sz="1400" dirty="0" smtClean="0"/>
-              <a:t>), </a:t>
-            </a:r>
-            <a:r>
-              <a:rPr lang="ko-KR" altLang="en-US" sz="1400" dirty="0" smtClean="0"/>
-              <a:t>이영민</a:t>
-            </a:r>
-            <a:r>
-              <a:rPr lang="en-US" altLang="ko-KR" sz="1400" dirty="0" smtClean="0"/>
-              <a:t>(</a:t>
-            </a:r>
-            <a:r>
-              <a:rPr lang="ko-KR" altLang="en-US" sz="1400" dirty="0" smtClean="0"/>
-              <a:t>역</a:t>
-            </a:r>
-            <a:r>
-              <a:rPr lang="en-US" altLang="ko-KR" sz="1400" dirty="0" smtClean="0"/>
-              <a:t>), </a:t>
-            </a:r>
-            <a:r>
-              <a:rPr lang="ko-KR" altLang="en-US" sz="1400" dirty="0" smtClean="0"/>
-              <a:t>대규모 병렬 프로세서 프로그래밍</a:t>
-            </a:r>
-            <a:r>
-              <a:rPr lang="en-US" altLang="ko-KR" sz="1400" dirty="0" smtClean="0"/>
-              <a:t>, </a:t>
-            </a:r>
-            <a:r>
-              <a:rPr lang="en-US" altLang="ko-KR" sz="1400" dirty="0" err="1" smtClean="0"/>
-              <a:t>Bj</a:t>
-            </a:r>
-            <a:r>
-              <a:rPr lang="en-US" altLang="ko-KR" sz="1400" dirty="0" smtClean="0"/>
-              <a:t> </a:t>
-            </a:r>
-            <a:r>
-              <a:rPr lang="ko-KR" altLang="en-US" sz="1400" dirty="0" err="1" smtClean="0"/>
-              <a:t>퍼블릭</a:t>
-            </a:r>
-            <a:r>
-              <a:rPr lang="en-US" altLang="ko-KR" sz="1400" dirty="0" smtClean="0"/>
-              <a:t>, 2010</a:t>
-            </a:r>
-          </a:p>
-          <a:p>
-            <a:pPr lvl="1">
-              <a:lnSpc>
-                <a:spcPct val="120000"/>
-              </a:lnSpc>
-            </a:pPr>
-            <a:r>
-              <a:rPr lang="en-US" altLang="ko-KR" sz="1400" dirty="0" smtClean="0"/>
-              <a:t>Jason Sanders, Edward </a:t>
-            </a:r>
-            <a:r>
-              <a:rPr lang="en-US" altLang="ko-KR" sz="1400" dirty="0" err="1" smtClean="0"/>
-              <a:t>Kandrot</a:t>
-            </a:r>
-            <a:r>
-              <a:rPr lang="en-US" altLang="ko-KR" sz="1400" dirty="0" smtClean="0"/>
-              <a:t>, CUDA By Example, NVidia, 2010</a:t>
-            </a:r>
-          </a:p>
-          <a:p>
-            <a:pPr lvl="1">
-              <a:lnSpc>
-                <a:spcPct val="120000"/>
-              </a:lnSpc>
-            </a:pPr>
-            <a:r>
-              <a:rPr lang="en-US" altLang="ko-KR" sz="1400" dirty="0" smtClean="0"/>
-              <a:t>Roger Allen, Accelerated Ray Tracing in One Weekend in CUDA, NVidia, 2018</a:t>
-            </a:r>
-          </a:p>
-          <a:p>
-            <a:pPr>
-              <a:lnSpc>
-                <a:spcPct val="120000"/>
-              </a:lnSpc>
-            </a:pPr>
-            <a:r>
-              <a:rPr lang="en-US" altLang="ko-KR" sz="1800" dirty="0" smtClean="0"/>
-              <a:t>Ray tracing</a:t>
-            </a:r>
-          </a:p>
-          <a:p>
-            <a:pPr lvl="1">
-              <a:lnSpc>
-                <a:spcPct val="120000"/>
-              </a:lnSpc>
-            </a:pPr>
-            <a:r>
-              <a:rPr lang="en-US" altLang="ko-KR" sz="1400" dirty="0" smtClean="0"/>
-              <a:t>Matt Pharr, Wenzel </a:t>
-            </a:r>
-            <a:r>
-              <a:rPr lang="en-US" altLang="ko-KR" sz="1400" dirty="0" err="1" smtClean="0"/>
-              <a:t>Jakob</a:t>
-            </a:r>
-            <a:r>
-              <a:rPr lang="en-US" altLang="ko-KR" sz="1400" dirty="0" smtClean="0"/>
-              <a:t>, Greg Humphreys, Physically Based Rendering: From Theory to Implementation, 2016</a:t>
-            </a:r>
-          </a:p>
-          <a:p>
-            <a:pPr lvl="1">
-              <a:lnSpc>
-                <a:spcPct val="120000"/>
-              </a:lnSpc>
-            </a:pPr>
-            <a:r>
-              <a:rPr lang="en-US" altLang="ko-KR" sz="1400" dirty="0" smtClean="0"/>
-              <a:t>Eric </a:t>
-            </a:r>
-            <a:r>
-              <a:rPr lang="en-US" altLang="ko-KR" sz="1400" dirty="0" err="1" smtClean="0"/>
-              <a:t>Veach</a:t>
-            </a:r>
-            <a:r>
-              <a:rPr lang="en-US" altLang="ko-KR" sz="1400" dirty="0" smtClean="0"/>
-              <a:t>, Leonida  J. </a:t>
-            </a:r>
-            <a:r>
-              <a:rPr lang="en-US" altLang="ko-KR" sz="1400" dirty="0" err="1" smtClean="0"/>
-              <a:t>Guibas</a:t>
-            </a:r>
-            <a:r>
-              <a:rPr lang="en-US" altLang="ko-KR" sz="1400" dirty="0" smtClean="0"/>
-              <a:t>, Metropolis Light Transport, 1997</a:t>
-            </a:r>
-          </a:p>
-          <a:p>
-            <a:pPr lvl="1">
-              <a:lnSpc>
-                <a:spcPct val="120000"/>
-              </a:lnSpc>
-            </a:pPr>
-            <a:r>
-              <a:rPr lang="en-US" altLang="ko-KR" sz="1400" dirty="0" smtClean="0"/>
-              <a:t>Eric P. </a:t>
-            </a:r>
-            <a:r>
-              <a:rPr lang="en-US" altLang="ko-KR" sz="1400" dirty="0" err="1" smtClean="0"/>
-              <a:t>Lafortune</a:t>
-            </a:r>
-            <a:r>
-              <a:rPr lang="en-US" altLang="ko-KR" sz="1400" dirty="0" smtClean="0"/>
-              <a:t>, Yves D. Willems, Bi-directional Path Tracing, 1993</a:t>
-            </a:r>
-          </a:p>
-          <a:p>
-            <a:pPr lvl="1">
-              <a:lnSpc>
-                <a:spcPct val="120000"/>
-              </a:lnSpc>
-            </a:pPr>
-            <a:r>
-              <a:rPr lang="en-US" altLang="ko-KR" sz="1400" dirty="0" smtClean="0"/>
-              <a:t>Peter Shirley, Ray Tracing in One Weekend, 2018</a:t>
-            </a:r>
-          </a:p>
-          <a:p>
-            <a:pPr lvl="1">
-              <a:lnSpc>
-                <a:spcPct val="120000"/>
-              </a:lnSpc>
-            </a:pPr>
-            <a:r>
-              <a:rPr lang="en-US" altLang="ko-KR" sz="1400" dirty="0" smtClean="0"/>
-              <a:t>Peter Shirley, Ray Tracing in The Next Weekend, 2018</a:t>
-            </a:r>
-          </a:p>
-          <a:p>
-            <a:pPr lvl="1">
-              <a:lnSpc>
-                <a:spcPct val="120000"/>
-              </a:lnSpc>
-            </a:pPr>
-            <a:r>
-              <a:rPr lang="en-US" altLang="ko-KR" sz="1400" dirty="0" smtClean="0"/>
-              <a:t>Peter Shirley, Ray Tracing in The Rest of Your Life, 2018</a:t>
-            </a:r>
-            <a:endParaRPr lang="ko-KR" altLang="en-US" sz="1400" dirty="0"/>
+              <a:t>Unity Plugin</a:t>
+            </a:r>
+          </a:p>
+          <a:p>
+            <a:pPr lvl="1"/>
+            <a:r>
+              <a:rPr lang="ko-KR" altLang="en-US" dirty="0" smtClean="0"/>
+              <a:t>어찌 </a:t>
+            </a:r>
+            <a:r>
+              <a:rPr lang="ko-KR" altLang="en-US" dirty="0" err="1" smtClean="0"/>
+              <a:t>허쉴</a:t>
+            </a:r>
+            <a:r>
+              <a:rPr lang="en-US" altLang="ko-KR" dirty="0" smtClean="0"/>
+              <a:t>?</a:t>
+            </a:r>
+          </a:p>
+          <a:p>
+            <a:r>
+              <a:rPr lang="en-US" altLang="ko-KR" dirty="0" smtClean="0"/>
+              <a:t>Pure Estimator</a:t>
+            </a:r>
+          </a:p>
+          <a:p>
+            <a:pPr lvl="1"/>
+            <a:r>
+              <a:rPr lang="ko-KR" altLang="en-US" dirty="0" smtClean="0"/>
+              <a:t>어찌 </a:t>
+            </a:r>
+            <a:r>
+              <a:rPr lang="ko-KR" altLang="en-US" dirty="0" err="1" smtClean="0"/>
+              <a:t>허쉴</a:t>
+            </a:r>
+            <a:r>
+              <a:rPr lang="en-US" altLang="ko-KR" dirty="0" smtClean="0"/>
+              <a:t>?</a:t>
+            </a:r>
+            <a:endParaRPr lang="en-US" altLang="ko-KR" dirty="0" smtClean="0"/>
           </a:p>
         </p:txBody>
       </p:sp>
@@ -4076,7 +4040,7 @@
     </p:spTree>
     <p:extLst>
       <p:ext uri="{BB962C8B-B14F-4D97-AF65-F5344CB8AC3E}">
-        <p14:creationId xmlns:p14="http://schemas.microsoft.com/office/powerpoint/2010/main" val="1714415786"/>
+        <p14:creationId xmlns:p14="http://schemas.microsoft.com/office/powerpoint/2010/main" val="3781503152"/>
       </p:ext>
     </p:extLst>
   </p:cSld>
@@ -4112,6 +4076,682 @@
       </p:grpSpPr>
       <p:sp>
         <p:nvSpPr>
+          <p:cNvPr id="2" name="제목 1"/>
+          <p:cNvSpPr>
+            <a:spLocks noGrp="1"/>
+          </p:cNvSpPr>
+          <p:nvPr>
+            <p:ph type="title"/>
+          </p:nvPr>
+        </p:nvSpPr>
+        <p:spPr/>
+        <p:txBody>
+          <a:bodyPr/>
+          <a:lstStyle/>
+          <a:p>
+            <a:r>
+              <a:rPr lang="ko-KR" altLang="en-US" dirty="0"/>
+              <a:t>졸업 연구 일정</a:t>
+            </a:r>
+            <a:endParaRPr lang="en-US" altLang="ko-KR" dirty="0"/>
+          </a:p>
+        </p:txBody>
+      </p:sp>
+      <p:sp>
+        <p:nvSpPr>
+          <p:cNvPr id="5" name="슬라이드 번호 개체 틀 4"/>
+          <p:cNvSpPr>
+            <a:spLocks noGrp="1"/>
+          </p:cNvSpPr>
+          <p:nvPr>
+            <p:ph type="sldNum" sz="quarter" idx="12"/>
+          </p:nvPr>
+        </p:nvSpPr>
+        <p:spPr/>
+        <p:txBody>
+          <a:bodyPr/>
+          <a:lstStyle/>
+          <a:p>
+            <a:fld id="{45A78784-36F7-416F-8356-2E2264BCDE76}" type="slidenum">
+              <a:rPr lang="ko-KR" altLang="en-US" smtClean="0"/>
+              <a:t>12</a:t>
+            </a:fld>
+            <a:endParaRPr lang="ko-KR" altLang="en-US"/>
+          </a:p>
+        </p:txBody>
+      </p:sp>
+      <p:sp>
+        <p:nvSpPr>
+          <p:cNvPr id="4" name="내용 개체 틀 3"/>
+          <p:cNvSpPr>
+            <a:spLocks noGrp="1"/>
+          </p:cNvSpPr>
+          <p:nvPr>
+            <p:ph idx="1"/>
+          </p:nvPr>
+        </p:nvSpPr>
+        <p:spPr/>
+        <p:txBody>
+          <a:bodyPr>
+            <a:normAutofit fontScale="85000" lnSpcReduction="20000"/>
+          </a:bodyPr>
+          <a:lstStyle/>
+          <a:p>
+            <a:r>
+              <a:rPr lang="en-US" altLang="ko-KR" dirty="0" smtClean="0"/>
+              <a:t>11/15</a:t>
+            </a:r>
+            <a:r>
+              <a:rPr lang="ko-KR" altLang="en-US" dirty="0" smtClean="0"/>
+              <a:t>일 이후에 할 예정</a:t>
+            </a:r>
+            <a:r>
+              <a:rPr lang="en-US" altLang="ko-KR" dirty="0" smtClean="0"/>
+              <a:t>? </a:t>
+            </a:r>
+            <a:r>
+              <a:rPr lang="ko-KR" altLang="en-US" dirty="0" smtClean="0"/>
+              <a:t>항목들만</a:t>
+            </a:r>
+            <a:endParaRPr lang="en-US" altLang="ko-KR" dirty="0"/>
+          </a:p>
+          <a:p>
+            <a:pPr marL="514350" indent="-514350">
+              <a:buAutoNum type="arabicPeriod"/>
+            </a:pPr>
+            <a:r>
+              <a:rPr lang="ko-KR" altLang="en-US" dirty="0" smtClean="0"/>
+              <a:t>계산 기법 연구</a:t>
+            </a:r>
+            <a:endParaRPr lang="en-US" altLang="ko-KR" dirty="0" smtClean="0"/>
+          </a:p>
+          <a:p>
+            <a:pPr marL="971550" lvl="1" indent="-514350">
+              <a:buAutoNum type="arabicPeriod"/>
+            </a:pPr>
+            <a:r>
+              <a:rPr lang="ko-KR" altLang="en-US" dirty="0" smtClean="0"/>
+              <a:t>계산 모델 연구 </a:t>
+            </a:r>
+            <a:r>
+              <a:rPr lang="en-US" altLang="ko-KR" dirty="0" smtClean="0"/>
+              <a:t>: MLT, Path-Tracing</a:t>
+            </a:r>
+          </a:p>
+          <a:p>
+            <a:pPr marL="971550" lvl="1" indent="-514350">
+              <a:buAutoNum type="arabicPeriod"/>
+            </a:pPr>
+            <a:r>
+              <a:rPr lang="en-US" altLang="ko-KR" dirty="0" smtClean="0"/>
+              <a:t>Accelerated data structure : ray traversal </a:t>
+            </a:r>
+          </a:p>
+          <a:p>
+            <a:pPr marL="514350" indent="-514350">
+              <a:buAutoNum type="arabicPeriod"/>
+            </a:pPr>
+            <a:r>
+              <a:rPr lang="ko-KR" altLang="en-US" dirty="0" smtClean="0"/>
+              <a:t>설계</a:t>
+            </a:r>
+            <a:endParaRPr lang="en-US" altLang="ko-KR" dirty="0" smtClean="0"/>
+          </a:p>
+          <a:p>
+            <a:pPr marL="514350" indent="-514350">
+              <a:buAutoNum type="arabicPeriod"/>
+            </a:pPr>
+            <a:r>
+              <a:rPr lang="ko-KR" altLang="en-US" dirty="0" smtClean="0"/>
+              <a:t>구현</a:t>
+            </a:r>
+            <a:endParaRPr lang="en-US" altLang="ko-KR" dirty="0" smtClean="0"/>
+          </a:p>
+          <a:p>
+            <a:pPr marL="971550" lvl="1" indent="-514350">
+              <a:buAutoNum type="arabicPeriod"/>
+            </a:pPr>
+            <a:r>
+              <a:rPr lang="en-US" altLang="ko-KR" dirty="0" smtClean="0"/>
+              <a:t>Foundation Implementation</a:t>
+            </a:r>
+          </a:p>
+          <a:p>
+            <a:pPr marL="971550" lvl="1" indent="-514350">
+              <a:buAutoNum type="arabicPeriod"/>
+            </a:pPr>
+            <a:r>
+              <a:rPr lang="en-US" altLang="ko-KR" dirty="0" smtClean="0"/>
+              <a:t>Estimator Implementation</a:t>
+            </a:r>
+          </a:p>
+          <a:p>
+            <a:pPr marL="514350" indent="-514350">
+              <a:buAutoNum type="arabicPeriod"/>
+            </a:pPr>
+            <a:r>
+              <a:rPr lang="ko-KR" altLang="en-US" dirty="0" smtClean="0"/>
+              <a:t>테스트 및 데모</a:t>
+            </a:r>
+            <a:endParaRPr lang="en-US" altLang="ko-KR" dirty="0" smtClean="0"/>
+          </a:p>
+          <a:p>
+            <a:pPr marL="514350" indent="-514350">
+              <a:buAutoNum type="arabicPeriod"/>
+            </a:pPr>
+            <a:r>
+              <a:rPr lang="ko-KR" altLang="en-US" dirty="0" smtClean="0"/>
+              <a:t>문서화 및 발표</a:t>
+            </a:r>
+            <a:endParaRPr lang="en-US" altLang="ko-KR" dirty="0" smtClean="0"/>
+          </a:p>
+          <a:p>
+            <a:pPr marL="514350" indent="-514350">
+              <a:buAutoNum type="arabicPeriod"/>
+            </a:pPr>
+            <a:r>
+              <a:rPr lang="ko-KR" altLang="en-US" dirty="0" smtClean="0"/>
+              <a:t>최종 보고서 작성</a:t>
+            </a:r>
+            <a:endParaRPr lang="en-US" altLang="ko-KR" dirty="0" smtClean="0"/>
+          </a:p>
+          <a:p>
+            <a:pPr marL="0" indent="0">
+              <a:buNone/>
+            </a:pPr>
+            <a:r>
+              <a:rPr lang="en-US" altLang="ko-KR" dirty="0"/>
+              <a:t>- </a:t>
+            </a:r>
+            <a:r>
+              <a:rPr lang="ko-KR" altLang="en-US" dirty="0" smtClean="0"/>
+              <a:t>테스트 및 데모 부터는 작년 양식 </a:t>
+            </a:r>
+            <a:r>
+              <a:rPr lang="ko-KR" altLang="en-US" dirty="0" err="1" smtClean="0"/>
+              <a:t>따온거임</a:t>
+            </a:r>
+            <a:r>
+              <a:rPr lang="en-US" altLang="ko-KR" dirty="0" smtClean="0"/>
+              <a:t>.</a:t>
+            </a:r>
+          </a:p>
+          <a:p>
+            <a:pPr marL="514350" indent="-514350">
+              <a:buAutoNum type="arabicPeriod"/>
+            </a:pPr>
+            <a:endParaRPr lang="ko-KR" altLang="en-US" dirty="0"/>
+          </a:p>
+        </p:txBody>
+      </p:sp>
+    </p:spTree>
+    <p:extLst>
+      <p:ext uri="{BB962C8B-B14F-4D97-AF65-F5344CB8AC3E}">
+        <p14:creationId xmlns:p14="http://schemas.microsoft.com/office/powerpoint/2010/main" val="3525204028"/>
+      </p:ext>
+    </p:extLst>
+  </p:cSld>
+  <p:clrMapOvr>
+    <a:masterClrMapping/>
+  </p:clrMapOvr>
+  <p:timing>
+    <p:tnLst>
+      <p:par>
+        <p:cTn id="1" dur="indefinite" restart="never" nodeType="tmRoot"/>
+      </p:par>
+    </p:tnLst>
+  </p:timing>
+</p:sld>
+</file>
+
+<file path=ppt/slides/slide13.xml><?xml version="1.0" encoding="utf-8"?>
+<p:sld xmlns:a="http://schemas.openxmlformats.org/drawingml/2006/main" xmlns:r="http://schemas.openxmlformats.org/officeDocument/2006/relationships" xmlns:p="http://schemas.openxmlformats.org/presentationml/2006/main">
+  <p:cSld>
+    <p:spTree>
+      <p:nvGrpSpPr>
+        <p:cNvPr id="1" name=""/>
+        <p:cNvGrpSpPr/>
+        <p:nvPr/>
+      </p:nvGrpSpPr>
+      <p:grpSpPr>
+        <a:xfrm>
+          <a:off x="0" y="0"/>
+          <a:ext cx="0" cy="0"/>
+          <a:chOff x="0" y="0"/>
+          <a:chExt cx="0" cy="0"/>
+        </a:xfrm>
+      </p:grpSpPr>
+      <p:sp>
+        <p:nvSpPr>
+          <p:cNvPr id="2" name="제목 1"/>
+          <p:cNvSpPr>
+            <a:spLocks noGrp="1"/>
+          </p:cNvSpPr>
+          <p:nvPr>
+            <p:ph type="title"/>
+          </p:nvPr>
+        </p:nvSpPr>
+        <p:spPr/>
+        <p:txBody>
+          <a:bodyPr/>
+          <a:lstStyle/>
+          <a:p>
+            <a:r>
+              <a:rPr lang="en-US" altLang="ko-KR" dirty="0" smtClean="0"/>
+              <a:t>References</a:t>
+            </a:r>
+            <a:endParaRPr lang="ko-KR" altLang="en-US" dirty="0"/>
+          </a:p>
+        </p:txBody>
+      </p:sp>
+      <p:sp>
+        <p:nvSpPr>
+          <p:cNvPr id="3" name="내용 개체 틀 2"/>
+          <p:cNvSpPr>
+            <a:spLocks noGrp="1"/>
+          </p:cNvSpPr>
+          <p:nvPr>
+            <p:ph idx="1"/>
+          </p:nvPr>
+        </p:nvSpPr>
+        <p:spPr/>
+        <p:txBody>
+          <a:bodyPr>
+            <a:noAutofit/>
+          </a:bodyPr>
+          <a:lstStyle/>
+          <a:p>
+            <a:pPr>
+              <a:lnSpc>
+                <a:spcPct val="120000"/>
+              </a:lnSpc>
+            </a:pPr>
+            <a:r>
+              <a:rPr lang="en-US" altLang="ko-KR" sz="1800" dirty="0" smtClean="0"/>
+              <a:t>Unity</a:t>
+            </a:r>
+          </a:p>
+          <a:p>
+            <a:pPr lvl="1">
+              <a:lnSpc>
+                <a:spcPct val="120000"/>
+              </a:lnSpc>
+            </a:pPr>
+            <a:r>
+              <a:rPr lang="ko-KR" altLang="en-US" sz="1400" dirty="0" smtClean="0">
+                <a:hlinkClick r:id="rId3" action="ppaction://hlinkfile"/>
+              </a:rPr>
+              <a:t>이영진</a:t>
+            </a:r>
+            <a:r>
+              <a:rPr lang="en-US" altLang="ko-KR" sz="1400" dirty="0" smtClean="0">
+                <a:hlinkClick r:id="rId3" action="ppaction://hlinkfile"/>
+              </a:rPr>
+              <a:t>, </a:t>
+            </a:r>
+            <a:r>
+              <a:rPr lang="ko-KR" altLang="en-US" sz="1400" dirty="0" smtClean="0">
+                <a:hlinkClick r:id="rId3" action="ppaction://hlinkfile"/>
+              </a:rPr>
+              <a:t>김중한</a:t>
+            </a:r>
+            <a:r>
+              <a:rPr lang="en-US" altLang="ko-KR" sz="1400" dirty="0" smtClean="0">
+                <a:hlinkClick r:id="rId3" action="ppaction://hlinkfile"/>
+              </a:rPr>
+              <a:t>, Unity Technologies: </a:t>
+            </a:r>
+            <a:r>
+              <a:rPr lang="ko-KR" altLang="en-US" sz="1400" dirty="0" smtClean="0">
+                <a:hlinkClick r:id="rId3" action="ppaction://hlinkfile"/>
+              </a:rPr>
+              <a:t>게임 제작에도 족보가 있다</a:t>
+            </a:r>
+            <a:r>
+              <a:rPr lang="en-US" altLang="ko-KR" sz="1400" dirty="0" smtClean="0">
+                <a:hlinkClick r:id="rId3" action="ppaction://hlinkfile"/>
+              </a:rPr>
+              <a:t>, </a:t>
+            </a:r>
+            <a:r>
+              <a:rPr lang="ko-KR" altLang="en-US" sz="1400" dirty="0" smtClean="0">
+                <a:hlinkClick r:id="rId3" action="ppaction://hlinkfile"/>
+              </a:rPr>
+              <a:t>삼성증권</a:t>
+            </a:r>
+            <a:r>
+              <a:rPr lang="en-US" altLang="ko-KR" sz="1400" dirty="0" smtClean="0">
+                <a:hlinkClick r:id="rId3" action="ppaction://hlinkfile"/>
+              </a:rPr>
+              <a:t>, 2019</a:t>
+            </a:r>
+            <a:endParaRPr lang="en-US" altLang="ko-KR" sz="1400" dirty="0" smtClean="0"/>
+          </a:p>
+          <a:p>
+            <a:pPr>
+              <a:lnSpc>
+                <a:spcPct val="120000"/>
+              </a:lnSpc>
+            </a:pPr>
+            <a:r>
+              <a:rPr lang="en-US" altLang="ko-KR" sz="1800" dirty="0" smtClean="0"/>
+              <a:t>CUDA</a:t>
+            </a:r>
+          </a:p>
+          <a:p>
+            <a:pPr lvl="1">
+              <a:lnSpc>
+                <a:spcPct val="120000"/>
+              </a:lnSpc>
+            </a:pPr>
+            <a:r>
+              <a:rPr lang="en-US" altLang="ko-KR" sz="1400" dirty="0" smtClean="0"/>
+              <a:t>David B. Kirk, Wen-</a:t>
+            </a:r>
+            <a:r>
+              <a:rPr lang="en-US" altLang="ko-KR" sz="1400" dirty="0" err="1" smtClean="0"/>
+              <a:t>mei</a:t>
+            </a:r>
+            <a:r>
+              <a:rPr lang="en-US" altLang="ko-KR" sz="1400" dirty="0" smtClean="0"/>
+              <a:t> </a:t>
+            </a:r>
+            <a:r>
+              <a:rPr lang="en-US" altLang="ko-KR" sz="1400" dirty="0" err="1" smtClean="0"/>
+              <a:t>W.Hwu</a:t>
+            </a:r>
+            <a:r>
+              <a:rPr lang="en-US" altLang="ko-KR" sz="1400" dirty="0" smtClean="0"/>
+              <a:t>, </a:t>
+            </a:r>
+            <a:r>
+              <a:rPr lang="ko-KR" altLang="en-US" sz="1400" dirty="0" err="1" smtClean="0"/>
+              <a:t>하순회</a:t>
+            </a:r>
+            <a:r>
+              <a:rPr lang="en-US" altLang="ko-KR" sz="1400" dirty="0" smtClean="0"/>
+              <a:t>(</a:t>
+            </a:r>
+            <a:r>
+              <a:rPr lang="ko-KR" altLang="en-US" sz="1400" dirty="0" smtClean="0"/>
+              <a:t>역</a:t>
+            </a:r>
+            <a:r>
+              <a:rPr lang="en-US" altLang="ko-KR" sz="1400" dirty="0" smtClean="0"/>
+              <a:t>), </a:t>
+            </a:r>
+            <a:r>
+              <a:rPr lang="ko-KR" altLang="en-US" sz="1400" dirty="0" err="1" smtClean="0"/>
+              <a:t>김크리스</a:t>
+            </a:r>
+            <a:r>
+              <a:rPr lang="en-US" altLang="ko-KR" sz="1400" dirty="0" smtClean="0"/>
+              <a:t>(</a:t>
+            </a:r>
+            <a:r>
+              <a:rPr lang="ko-KR" altLang="en-US" sz="1400" dirty="0" smtClean="0"/>
+              <a:t>역</a:t>
+            </a:r>
+            <a:r>
+              <a:rPr lang="en-US" altLang="ko-KR" sz="1400" dirty="0" smtClean="0"/>
+              <a:t>), </a:t>
+            </a:r>
+            <a:r>
+              <a:rPr lang="ko-KR" altLang="en-US" sz="1400" dirty="0" smtClean="0"/>
+              <a:t>이영민</a:t>
+            </a:r>
+            <a:r>
+              <a:rPr lang="en-US" altLang="ko-KR" sz="1400" dirty="0" smtClean="0"/>
+              <a:t>(</a:t>
+            </a:r>
+            <a:r>
+              <a:rPr lang="ko-KR" altLang="en-US" sz="1400" dirty="0" smtClean="0"/>
+              <a:t>역</a:t>
+            </a:r>
+            <a:r>
+              <a:rPr lang="en-US" altLang="ko-KR" sz="1400" dirty="0" smtClean="0"/>
+              <a:t>), </a:t>
+            </a:r>
+            <a:r>
+              <a:rPr lang="ko-KR" altLang="en-US" sz="1400" dirty="0" smtClean="0"/>
+              <a:t>대규모 병렬 프로세서 프로그래밍</a:t>
+            </a:r>
+            <a:r>
+              <a:rPr lang="en-US" altLang="ko-KR" sz="1400" dirty="0" smtClean="0"/>
+              <a:t>, </a:t>
+            </a:r>
+            <a:r>
+              <a:rPr lang="en-US" altLang="ko-KR" sz="1400" dirty="0" err="1" smtClean="0"/>
+              <a:t>Bj</a:t>
+            </a:r>
+            <a:r>
+              <a:rPr lang="en-US" altLang="ko-KR" sz="1400" dirty="0" smtClean="0"/>
+              <a:t> </a:t>
+            </a:r>
+            <a:r>
+              <a:rPr lang="ko-KR" altLang="en-US" sz="1400" dirty="0" err="1" smtClean="0"/>
+              <a:t>퍼블릭</a:t>
+            </a:r>
+            <a:r>
+              <a:rPr lang="en-US" altLang="ko-KR" sz="1400" dirty="0" smtClean="0"/>
+              <a:t>, 2010</a:t>
+            </a:r>
+          </a:p>
+          <a:p>
+            <a:pPr lvl="1">
+              <a:lnSpc>
+                <a:spcPct val="120000"/>
+              </a:lnSpc>
+            </a:pPr>
+            <a:r>
+              <a:rPr lang="en-US" altLang="ko-KR" sz="1400" dirty="0" smtClean="0"/>
+              <a:t>Jason Sanders, Edward </a:t>
+            </a:r>
+            <a:r>
+              <a:rPr lang="en-US" altLang="ko-KR" sz="1400" dirty="0" err="1" smtClean="0"/>
+              <a:t>Kandrot</a:t>
+            </a:r>
+            <a:r>
+              <a:rPr lang="en-US" altLang="ko-KR" sz="1400" dirty="0" smtClean="0"/>
+              <a:t>, CUDA By Example, NVidia, 2010</a:t>
+            </a:r>
+          </a:p>
+          <a:p>
+            <a:pPr lvl="1">
+              <a:lnSpc>
+                <a:spcPct val="120000"/>
+              </a:lnSpc>
+            </a:pPr>
+            <a:r>
+              <a:rPr lang="en-US" altLang="ko-KR" sz="1400" dirty="0" smtClean="0">
+                <a:hlinkClick r:id="rId4"/>
+              </a:rPr>
+              <a:t>Roger Allen, Accelerated Ray Tracing in One Weekend in CUDA, NVidia, 2018</a:t>
+            </a:r>
+            <a:endParaRPr lang="en-US" altLang="ko-KR" sz="1400" dirty="0" smtClean="0"/>
+          </a:p>
+          <a:p>
+            <a:pPr>
+              <a:lnSpc>
+                <a:spcPct val="120000"/>
+              </a:lnSpc>
+            </a:pPr>
+            <a:r>
+              <a:rPr lang="en-US" altLang="ko-KR" sz="1800" dirty="0" smtClean="0"/>
+              <a:t>Ray tracing</a:t>
+            </a:r>
+          </a:p>
+          <a:p>
+            <a:pPr lvl="1">
+              <a:lnSpc>
+                <a:spcPct val="120000"/>
+              </a:lnSpc>
+            </a:pPr>
+            <a:r>
+              <a:rPr lang="en-US" altLang="ko-KR" sz="1400" dirty="0" smtClean="0"/>
+              <a:t>Matt Pharr, Wenzel </a:t>
+            </a:r>
+            <a:r>
+              <a:rPr lang="en-US" altLang="ko-KR" sz="1400" dirty="0" err="1" smtClean="0"/>
+              <a:t>Jakob</a:t>
+            </a:r>
+            <a:r>
+              <a:rPr lang="en-US" altLang="ko-KR" sz="1400" dirty="0" smtClean="0"/>
+              <a:t>, Greg Humphreys, Physically Based Rendering: From Theory to Implementation, 2016</a:t>
+            </a:r>
+          </a:p>
+          <a:p>
+            <a:pPr lvl="1">
+              <a:lnSpc>
+                <a:spcPct val="120000"/>
+              </a:lnSpc>
+            </a:pPr>
+            <a:r>
+              <a:rPr lang="en-US" altLang="ko-KR" sz="1400" dirty="0" smtClean="0"/>
+              <a:t>Eric </a:t>
+            </a:r>
+            <a:r>
+              <a:rPr lang="en-US" altLang="ko-KR" sz="1400" dirty="0" err="1" smtClean="0"/>
+              <a:t>Veach</a:t>
+            </a:r>
+            <a:r>
+              <a:rPr lang="en-US" altLang="ko-KR" sz="1400" dirty="0" smtClean="0"/>
+              <a:t>, Leonida  J. </a:t>
+            </a:r>
+            <a:r>
+              <a:rPr lang="en-US" altLang="ko-KR" sz="1400" dirty="0" err="1" smtClean="0"/>
+              <a:t>Guibas</a:t>
+            </a:r>
+            <a:r>
+              <a:rPr lang="en-US" altLang="ko-KR" sz="1400" dirty="0" smtClean="0"/>
+              <a:t>, Metropolis Light Transport, 1997</a:t>
+            </a:r>
+          </a:p>
+          <a:p>
+            <a:pPr lvl="1">
+              <a:lnSpc>
+                <a:spcPct val="120000"/>
+              </a:lnSpc>
+            </a:pPr>
+            <a:r>
+              <a:rPr lang="en-US" altLang="ko-KR" sz="1400" dirty="0" smtClean="0"/>
+              <a:t>Eric P. </a:t>
+            </a:r>
+            <a:r>
+              <a:rPr lang="en-US" altLang="ko-KR" sz="1400" dirty="0" err="1" smtClean="0"/>
+              <a:t>Lafortune</a:t>
+            </a:r>
+            <a:r>
+              <a:rPr lang="en-US" altLang="ko-KR" sz="1400" dirty="0" smtClean="0"/>
+              <a:t>, Yves D. Willems, Bi-directional Path Tracing, 1993</a:t>
+            </a:r>
+          </a:p>
+          <a:p>
+            <a:pPr lvl="1">
+              <a:lnSpc>
+                <a:spcPct val="120000"/>
+              </a:lnSpc>
+            </a:pPr>
+            <a:r>
+              <a:rPr lang="en-US" altLang="ko-KR" sz="1400" dirty="0" smtClean="0">
+                <a:hlinkClick r:id="rId5"/>
+              </a:rPr>
+              <a:t>Peter Shirley, Ray Tracing in One Weekend, 2018</a:t>
+            </a:r>
+            <a:endParaRPr lang="en-US" altLang="ko-KR" sz="1400" dirty="0" smtClean="0"/>
+          </a:p>
+          <a:p>
+            <a:pPr lvl="1">
+              <a:lnSpc>
+                <a:spcPct val="120000"/>
+              </a:lnSpc>
+            </a:pPr>
+            <a:r>
+              <a:rPr lang="en-US" altLang="ko-KR" sz="1400" dirty="0" smtClean="0">
+                <a:hlinkClick r:id="rId6"/>
+              </a:rPr>
+              <a:t>Peter Shirley, Ray Tracing in The Next Weekend, 2018</a:t>
+            </a:r>
+            <a:endParaRPr lang="en-US" altLang="ko-KR" sz="1400" dirty="0" smtClean="0"/>
+          </a:p>
+          <a:p>
+            <a:pPr lvl="1">
+              <a:lnSpc>
+                <a:spcPct val="120000"/>
+              </a:lnSpc>
+            </a:pPr>
+            <a:r>
+              <a:rPr lang="en-US" altLang="ko-KR" sz="1400" dirty="0" smtClean="0">
+                <a:hlinkClick r:id="rId7"/>
+              </a:rPr>
+              <a:t>Peter Shirley, Ray Tracing in The Rest of Your Life, 2018</a:t>
+            </a:r>
+            <a:endParaRPr lang="ko-KR" altLang="en-US" sz="1400" dirty="0"/>
+          </a:p>
+        </p:txBody>
+      </p:sp>
+      <p:sp>
+        <p:nvSpPr>
+          <p:cNvPr id="5" name="슬라이드 번호 개체 틀 4"/>
+          <p:cNvSpPr>
+            <a:spLocks noGrp="1"/>
+          </p:cNvSpPr>
+          <p:nvPr>
+            <p:ph type="sldNum" sz="quarter" idx="12"/>
+          </p:nvPr>
+        </p:nvSpPr>
+        <p:spPr/>
+        <p:txBody>
+          <a:bodyPr/>
+          <a:lstStyle/>
+          <a:p>
+            <a:fld id="{45A78784-36F7-416F-8356-2E2264BCDE76}" type="slidenum">
+              <a:rPr lang="ko-KR" altLang="en-US" smtClean="0"/>
+              <a:t>13</a:t>
+            </a:fld>
+            <a:endParaRPr lang="ko-KR" altLang="en-US"/>
+          </a:p>
+        </p:txBody>
+      </p:sp>
+    </p:spTree>
+    <p:extLst>
+      <p:ext uri="{BB962C8B-B14F-4D97-AF65-F5344CB8AC3E}">
+        <p14:creationId xmlns:p14="http://schemas.microsoft.com/office/powerpoint/2010/main" val="1714415786"/>
+      </p:ext>
+    </p:extLst>
+  </p:cSld>
+  <p:clrMapOvr>
+    <a:masterClrMapping/>
+  </p:clrMapOvr>
+  <p:timing>
+    <p:tnLst>
+      <p:par>
+        <p:cTn id="1" dur="indefinite" restart="never" nodeType="tmRoot"/>
+      </p:par>
+    </p:tnLst>
+  </p:timing>
+</p:sld>
+</file>
+
+<file path=ppt/slides/slide14.xml><?xml version="1.0" encoding="utf-8"?>
+<p:sld xmlns:a="http://schemas.openxmlformats.org/drawingml/2006/main" xmlns:r="http://schemas.openxmlformats.org/officeDocument/2006/relationships" xmlns:p="http://schemas.openxmlformats.org/presentationml/2006/main">
+  <p:cSld>
+    <p:spTree>
+      <p:nvGrpSpPr>
+        <p:cNvPr id="1" name=""/>
+        <p:cNvGrpSpPr/>
+        <p:nvPr/>
+      </p:nvGrpSpPr>
+      <p:grpSpPr>
+        <a:xfrm>
+          <a:off x="0" y="0"/>
+          <a:ext cx="0" cy="0"/>
+          <a:chOff x="0" y="0"/>
+          <a:chExt cx="0" cy="0"/>
+        </a:xfrm>
+      </p:grpSpPr>
+      <p:sp>
+        <p:nvSpPr>
           <p:cNvPr id="3" name="내용 개체 틀 2"/>
           <p:cNvSpPr>
             <a:spLocks noGrp="1"/>
@@ -4160,7 +4800,7 @@
           <a:p>
             <a:fld id="{45A78784-36F7-416F-8356-2E2264BCDE76}" type="slidenum">
               <a:rPr lang="ko-KR" altLang="en-US" smtClean="0"/>
-              <a:t>12</a:t>
+              <a:t>14</a:t>
             </a:fld>
             <a:endParaRPr lang="ko-KR" altLang="en-US"/>
           </a:p>
@@ -4405,8 +5045,62 @@
           <a:lstStyle/>
           <a:p>
             <a:r>
-              <a:rPr lang="en-US" altLang="ko-KR" smtClean="0"/>
-              <a:t>  </a:t>
+              <a:rPr lang="ko-KR" altLang="en-US" dirty="0" smtClean="0"/>
+              <a:t>시장 설명 </a:t>
+            </a:r>
+            <a:r>
+              <a:rPr lang="en-US" altLang="ko-KR" dirty="0" smtClean="0"/>
+              <a:t>: Unity </a:t>
+            </a:r>
+            <a:r>
+              <a:rPr lang="en-US" altLang="ko-KR" dirty="0" err="1" smtClean="0"/>
+              <a:t>AssetStore</a:t>
+            </a:r>
+            <a:r>
+              <a:rPr lang="en-US" altLang="ko-KR" dirty="0" smtClean="0"/>
+              <a:t>, UE4 marketplace, </a:t>
+            </a:r>
+            <a:r>
+              <a:rPr lang="en-US" altLang="ko-KR" dirty="0" smtClean="0"/>
+              <a:t>technical hall </a:t>
+            </a:r>
+            <a:r>
+              <a:rPr lang="ko-KR" altLang="en-US" dirty="0" smtClean="0"/>
+              <a:t>을 메우는</a:t>
+            </a:r>
+            <a:r>
+              <a:rPr lang="en-US" altLang="ko-KR" dirty="0" smtClean="0"/>
+              <a:t> </a:t>
+            </a:r>
+            <a:r>
+              <a:rPr lang="ko-KR" altLang="en-US" dirty="0" smtClean="0"/>
+              <a:t>대형 </a:t>
+            </a:r>
+            <a:r>
+              <a:rPr lang="ko-KR" altLang="en-US" dirty="0" err="1" smtClean="0"/>
+              <a:t>서드파티</a:t>
+            </a:r>
+            <a:r>
+              <a:rPr lang="ko-KR" altLang="en-US" dirty="0" smtClean="0"/>
+              <a:t> 플러그인 </a:t>
+            </a:r>
+            <a:r>
+              <a:rPr lang="en-US" altLang="ko-KR" dirty="0" smtClean="0"/>
+              <a:t>: </a:t>
+            </a:r>
+            <a:r>
+              <a:rPr lang="en-US" altLang="ko-KR" dirty="0" err="1" smtClean="0"/>
+              <a:t>iKinema</a:t>
+            </a:r>
+            <a:r>
+              <a:rPr lang="en-US" altLang="ko-KR" dirty="0" smtClean="0"/>
+              <a:t>, Enlighten</a:t>
+            </a:r>
+          </a:p>
+          <a:p>
+            <a:r>
+              <a:rPr lang="ko-KR" altLang="en-US" dirty="0" smtClean="0"/>
+              <a:t>기술 중 하나인 </a:t>
             </a:r>
             <a:endParaRPr lang="ko-KR" altLang="en-US" dirty="0"/>
           </a:p>
@@ -6888,7 +7582,15 @@
           <a:p>
             <a:r>
               <a:rPr lang="ko-KR" altLang="en-US" dirty="0"/>
-              <a:t>개발 환경 및 개발 방법</a:t>
+              <a:t>개발 </a:t>
+            </a:r>
+            <a:r>
+              <a:rPr lang="ko-KR" altLang="en-US" dirty="0" smtClean="0"/>
+              <a:t>환</a:t>
+            </a:r>
+            <a:r>
+              <a:rPr lang="ko-KR" altLang="en-US" dirty="0"/>
+              <a:t>경</a:t>
             </a:r>
             <a:endParaRPr lang="en-US" altLang="ko-KR" dirty="0"/>
           </a:p>
@@ -6919,43 +7621,36 @@
             </a:r>
             <a:r>
               <a:rPr lang="en-US" altLang="ko-KR" dirty="0" smtClean="0"/>
-              <a:t>2017, CUDA Tool Kit 10.1</a:t>
-            </a:r>
-          </a:p>
-          <a:p>
+              <a:t>2017.15.9.17, </a:t>
+            </a:r>
+            <a:r>
+              <a:rPr lang="en-US" altLang="ko-KR" dirty="0"/>
+              <a:t>NVidia Driver GRD </a:t>
+            </a:r>
             <a:r>
               <a:rPr lang="en-US" altLang="ko-KR" dirty="0" smtClean="0"/>
-              <a:t>HW : Intel I7-4790/GTX 970, Intel I7-6700/GTX-1070</a:t>
+              <a:t>441.08, NVidia CUDA Toolkit 10.1 Update 2</a:t>
             </a:r>
           </a:p>
           <a:p>
             <a:r>
               <a:rPr lang="en-US" altLang="ko-KR" dirty="0" smtClean="0"/>
-              <a:t>Repositories</a:t>
-            </a:r>
-          </a:p>
-          <a:p>
-            <a:pPr lvl="1"/>
+              <a:t>HW : Intel I7-4790/DDR3 16GB/GTX 970, Intel </a:t>
+            </a:r>
             <a:r>
               <a:rPr lang="en-US" altLang="ko-KR" dirty="0" smtClean="0"/>
-              <a:t>Root repo: ~</a:t>
-            </a:r>
-          </a:p>
-          <a:p>
-            <a:pPr lvl="1"/>
+              <a:t>I7-6700/GTX-1070</a:t>
+            </a:r>
+          </a:p>
+          <a:p>
+            <a:r>
+              <a:rPr lang="ko-KR" altLang="en-US" dirty="0" smtClean="0"/>
+              <a:t>묻고 그림으로가</a:t>
+            </a:r>
             <a:r>
               <a:rPr lang="en-US" altLang="ko-KR" dirty="0" smtClean="0"/>
-              <a:t>Documentation repo: ~</a:t>
-            </a:r>
-          </a:p>
-          <a:p>
-            <a:pPr lvl="1"/>
-            <a:r>
-              <a:rPr lang="en-US" altLang="ko-KR" dirty="0" smtClean="0"/>
-              <a:t>Production repo: ~</a:t>
-            </a:r>
-          </a:p>
-          <a:p>
+              <a:t>!</a:t>
+            </a:r>
             <a:endParaRPr lang="en-US" altLang="ko-KR" dirty="0" smtClean="0"/>
           </a:p>
         </p:txBody>

--- a/doc/GPU-Accelerated_Ray_Tracing.pptx
+++ b/doc/GPU-Accelerated_Ray_Tracing.pptx
@@ -5,15 +5,15 @@
     <p:sldMasterId id="2147483648" r:id="rId1"/>
   </p:sldMasterIdLst>
   <p:notesMasterIdLst>
-    <p:notesMasterId r:id="rId23"/>
+    <p:notesMasterId r:id="rId19"/>
   </p:notesMasterIdLst>
   <p:sldIdLst>
     <p:sldId id="256" r:id="rId2"/>
     <p:sldId id="258" r:id="rId3"/>
     <p:sldId id="259" r:id="rId4"/>
     <p:sldId id="274" r:id="rId5"/>
-    <p:sldId id="272" r:id="rId6"/>
-    <p:sldId id="261" r:id="rId7"/>
+    <p:sldId id="261" r:id="rId6"/>
+    <p:sldId id="272" r:id="rId7"/>
     <p:sldId id="262" r:id="rId8"/>
     <p:sldId id="263" r:id="rId9"/>
     <p:sldId id="264" r:id="rId10"/>
@@ -24,11 +24,7 @@
     <p:sldId id="270" r:id="rId15"/>
     <p:sldId id="257" r:id="rId16"/>
     <p:sldId id="260" r:id="rId17"/>
-    <p:sldId id="277" r:id="rId18"/>
-    <p:sldId id="275" r:id="rId19"/>
-    <p:sldId id="273" r:id="rId20"/>
-    <p:sldId id="276" r:id="rId21"/>
-    <p:sldId id="267" r:id="rId22"/>
+    <p:sldId id="280" r:id="rId18"/>
   </p:sldIdLst>
   <p:sldSz cx="12192000" cy="6858000"/>
   <p:notesSz cx="6858000" cy="9144000"/>
@@ -150,29 +146,6 @@
 </p:cmAuthorLst>
 </file>
 
-<file path=ppt/comments/comment1.xml><?xml version="1.0" encoding="utf-8"?>
-<p:cmLst xmlns:a="http://schemas.openxmlformats.org/drawingml/2006/main" xmlns:r="http://schemas.openxmlformats.org/officeDocument/2006/relationships" xmlns:p="http://schemas.openxmlformats.org/presentationml/2006/main">
-  <p:cm authorId="1" dt="2019-11-03T14:58:35.785" idx="1">
-    <p:pos x="10" y="10"/>
-    <p:text>개요: 연구 개발 배경, 목표, 효과</p:text>
-    <p:extLst>
-      <p:ext uri="{C676402C-5697-4E1C-873F-D02D1690AC5C}">
-        <p15:threadingInfo xmlns:p15="http://schemas.microsoft.com/office/powerpoint/2012/main" timeZoneBias="-540"/>
-      </p:ext>
-    </p:extLst>
-  </p:cm>
-  <p:cm authorId="1" dt="2019-11-03T14:59:25.343" idx="3">
-    <p:pos x="146" y="146"/>
-    <p:text>관련 연구 및 사례 : 기존의 예와의 비교한 우수성 및 차별성</p:text>
-    <p:extLst>
-      <p:ext uri="{C676402C-5697-4E1C-873F-D02D1690AC5C}">
-        <p15:threadingInfo xmlns:p15="http://schemas.microsoft.com/office/powerpoint/2012/main" timeZoneBias="-540"/>
-      </p:ext>
-    </p:extLst>
-  </p:cm>
-</p:cmLst>
-</file>
-
 <file path=ppt/notesMasters/notesMaster1.xml><?xml version="1.0" encoding="utf-8"?>
 <p:notesMaster xmlns:a="http://schemas.openxmlformats.org/drawingml/2006/main" xmlns:r="http://schemas.openxmlformats.org/officeDocument/2006/relationships" xmlns:p="http://schemas.openxmlformats.org/presentationml/2006/main">
   <p:cSld>
@@ -255,7 +228,7 @@
           <a:p>
             <a:fld id="{E85A74EF-0F29-4F15-A838-AE15A087EC32}" type="datetimeFigureOut">
               <a:rPr lang="ko-KR" altLang="en-US" smtClean="0"/>
-              <a:t>2019-11-06</a:t>
+              <a:t>2019-11-09</a:t>
             </a:fld>
             <a:endParaRPr lang="ko-KR" altLang="en-US"/>
           </a:p>
@@ -910,7 +883,7 @@
             <a:spLocks noGrp="1"/>
           </p:cNvSpPr>
           <p:nvPr>
-            <p:ph type="sldNum" sz="quarter" idx="10"/>
+            <p:ph type="sldNum" sz="quarter" idx="5"/>
           </p:nvPr>
         </p:nvSpPr>
         <p:spPr/>
@@ -920,7 +893,7 @@
           <a:p>
             <a:fld id="{3D8435DC-41A3-4858-9BB7-2D7A591C6922}" type="slidenum">
               <a:rPr lang="ko-KR" altLang="en-US" smtClean="0"/>
-              <a:t>15</a:t>
+              <a:t>8</a:t>
             </a:fld>
             <a:endParaRPr lang="ko-KR" altLang="en-US"/>
           </a:p>
@@ -929,7 +902,7 @@
     </p:spTree>
     <p:extLst>
       <p:ext uri="{BB962C8B-B14F-4D97-AF65-F5344CB8AC3E}">
-        <p14:creationId xmlns:p14="http://schemas.microsoft.com/office/powerpoint/2010/main" val="3353164081"/>
+        <p14:creationId xmlns:p14="http://schemas.microsoft.com/office/powerpoint/2010/main" val="3093781895"/>
       </p:ext>
     </p:extLst>
   </p:cSld>
@@ -983,46 +956,7 @@
           <a:bodyPr/>
           <a:lstStyle/>
           <a:p>
-            <a:r>
-              <a:rPr lang="ko-KR" altLang="en-US" dirty="0" err="1"/>
-              <a:t>에셋</a:t>
-            </a:r>
-            <a:r>
-              <a:rPr lang="ko-KR" altLang="en-US" dirty="0"/>
-              <a:t> 스토어</a:t>
-            </a:r>
-            <a:r>
-              <a:rPr lang="en-US" altLang="ko-KR" dirty="0"/>
-              <a:t>, </a:t>
-            </a:r>
-            <a:r>
-              <a:rPr lang="ko-KR" altLang="en-US" dirty="0"/>
-              <a:t>마켓 </a:t>
-            </a:r>
-            <a:r>
-              <a:rPr lang="ko-KR" altLang="en-US" dirty="0" err="1"/>
-              <a:t>플레이스의</a:t>
-            </a:r>
-            <a:r>
-              <a:rPr lang="ko-KR" altLang="en-US" dirty="0"/>
-              <a:t> 시장 성</a:t>
-            </a:r>
-            <a:r>
-              <a:rPr lang="en-US" altLang="ko-KR" dirty="0"/>
-              <a:t>, Technical</a:t>
-            </a:r>
-            <a:r>
-              <a:rPr lang="ko-KR" altLang="en-US" dirty="0"/>
-              <a:t> </a:t>
-            </a:r>
-            <a:r>
-              <a:rPr lang="en-US" altLang="ko-KR" dirty="0"/>
-              <a:t>Solution </a:t>
-            </a:r>
-            <a:r>
-              <a:rPr lang="ko-KR" altLang="en-US" dirty="0"/>
-              <a:t>의 시장성</a:t>
-            </a:r>
+            <a:endParaRPr lang="ko-KR" altLang="en-US" dirty="0"/>
           </a:p>
         </p:txBody>
       </p:sp>
@@ -1043,7 +977,7 @@
           <a:p>
             <a:fld id="{3D8435DC-41A3-4858-9BB7-2D7A591C6922}" type="slidenum">
               <a:rPr lang="ko-KR" altLang="en-US" smtClean="0"/>
-              <a:t>18</a:t>
+              <a:t>9</a:t>
             </a:fld>
             <a:endParaRPr lang="ko-KR" altLang="en-US"/>
           </a:p>
@@ -1052,7 +986,7 @@
     </p:spTree>
     <p:extLst>
       <p:ext uri="{BB962C8B-B14F-4D97-AF65-F5344CB8AC3E}">
-        <p14:creationId xmlns:p14="http://schemas.microsoft.com/office/powerpoint/2010/main" val="1722130761"/>
+        <p14:creationId xmlns:p14="http://schemas.microsoft.com/office/powerpoint/2010/main" val="194891487"/>
       </p:ext>
     </p:extLst>
   </p:cSld>
@@ -1106,46 +1040,7 @@
           <a:bodyPr/>
           <a:lstStyle/>
           <a:p>
-            <a:r>
-              <a:rPr lang="ko-KR" altLang="en-US" dirty="0" err="1"/>
-              <a:t>에셋</a:t>
-            </a:r>
-            <a:r>
-              <a:rPr lang="ko-KR" altLang="en-US" dirty="0"/>
-              <a:t> 스토어</a:t>
-            </a:r>
-            <a:r>
-              <a:rPr lang="en-US" altLang="ko-KR" dirty="0"/>
-              <a:t>, </a:t>
-            </a:r>
-            <a:r>
-              <a:rPr lang="ko-KR" altLang="en-US" dirty="0"/>
-              <a:t>마켓 </a:t>
-            </a:r>
-            <a:r>
-              <a:rPr lang="ko-KR" altLang="en-US" dirty="0" err="1"/>
-              <a:t>플레이스의</a:t>
-            </a:r>
-            <a:r>
-              <a:rPr lang="ko-KR" altLang="en-US" dirty="0"/>
-              <a:t> 시장 성</a:t>
-            </a:r>
-            <a:r>
-              <a:rPr lang="en-US" altLang="ko-KR" dirty="0"/>
-              <a:t>, Technical</a:t>
-            </a:r>
-            <a:r>
-              <a:rPr lang="ko-KR" altLang="en-US" dirty="0"/>
-              <a:t> </a:t>
-            </a:r>
-            <a:r>
-              <a:rPr lang="en-US" altLang="ko-KR" dirty="0"/>
-              <a:t>Solution </a:t>
-            </a:r>
-            <a:r>
-              <a:rPr lang="ko-KR" altLang="en-US" dirty="0"/>
-              <a:t>의 시장성</a:t>
-            </a:r>
+            <a:endParaRPr lang="ko-KR" altLang="en-US" dirty="0"/>
           </a:p>
         </p:txBody>
       </p:sp>
@@ -1156,7 +1051,7 @@
             <a:spLocks noGrp="1"/>
           </p:cNvSpPr>
           <p:nvPr>
-            <p:ph type="sldNum" sz="quarter" idx="5"/>
+            <p:ph type="sldNum" sz="quarter" idx="10"/>
           </p:nvPr>
         </p:nvSpPr>
         <p:spPr/>
@@ -1166,7 +1061,7 @@
           <a:p>
             <a:fld id="{3D8435DC-41A3-4858-9BB7-2D7A591C6922}" type="slidenum">
               <a:rPr lang="ko-KR" altLang="en-US" smtClean="0"/>
-              <a:t>19</a:t>
+              <a:t>15</a:t>
             </a:fld>
             <a:endParaRPr lang="ko-KR" altLang="en-US"/>
           </a:p>
@@ -1175,7 +1070,7 @@
     </p:spTree>
     <p:extLst>
       <p:ext uri="{BB962C8B-B14F-4D97-AF65-F5344CB8AC3E}">
-        <p14:creationId xmlns:p14="http://schemas.microsoft.com/office/powerpoint/2010/main" val="355188917"/>
+        <p14:creationId xmlns:p14="http://schemas.microsoft.com/office/powerpoint/2010/main" val="3353164081"/>
       </p:ext>
     </p:extLst>
   </p:cSld>
@@ -1312,10 +1207,10 @@
           <a:bodyPr/>
           <a:lstStyle/>
           <a:p>
-            <a:fld id="{9041B9AF-6840-4CAC-BAF0-DC48D5260605}" type="datetime1">
-              <a:rPr lang="ko-KR" altLang="en-US" smtClean="0"/>
-              <a:t>2019-11-06</a:t>
-            </a:fld>
+            <a:r>
+              <a:rPr lang="en-US" altLang="ko-KR"/>
+              <a:t>2019-11-10</a:t>
+            </a:r>
             <a:endParaRPr lang="ko-KR" altLang="en-US"/>
           </a:p>
         </p:txBody>
@@ -1335,6 +1230,10 @@
           <a:bodyPr/>
           <a:lstStyle/>
           <a:p>
+            <a:r>
+              <a:rPr lang="en-US" altLang="ko-KR"/>
+              <a:t>SEETHELIGHTS</a:t>
+            </a:r>
             <a:endParaRPr lang="ko-KR" altLang="en-US"/>
           </a:p>
         </p:txBody>
@@ -1480,10 +1379,10 @@
           <a:bodyPr/>
           <a:lstStyle/>
           <a:p>
-            <a:fld id="{33F41184-1578-49E0-A077-11482ACBF319}" type="datetime1">
-              <a:rPr lang="ko-KR" altLang="en-US" smtClean="0"/>
-              <a:t>2019-11-06</a:t>
-            </a:fld>
+            <a:r>
+              <a:rPr lang="en-US" altLang="ko-KR"/>
+              <a:t>2019-11-10</a:t>
+            </a:r>
             <a:endParaRPr lang="ko-KR" altLang="en-US"/>
           </a:p>
         </p:txBody>
@@ -1503,6 +1402,10 @@
           <a:bodyPr/>
           <a:lstStyle/>
           <a:p>
+            <a:r>
+              <a:rPr lang="en-US" altLang="ko-KR"/>
+              <a:t>SEETHELIGHTS</a:t>
+            </a:r>
             <a:endParaRPr lang="ko-KR" altLang="en-US"/>
           </a:p>
         </p:txBody>
@@ -1658,10 +1561,10 @@
           <a:bodyPr/>
           <a:lstStyle/>
           <a:p>
-            <a:fld id="{DB7687BA-B587-43A4-B025-8739C66E6635}" type="datetime1">
-              <a:rPr lang="ko-KR" altLang="en-US" smtClean="0"/>
-              <a:t>2019-11-06</a:t>
-            </a:fld>
+            <a:r>
+              <a:rPr lang="en-US" altLang="ko-KR"/>
+              <a:t>2019-11-10</a:t>
+            </a:r>
             <a:endParaRPr lang="ko-KR" altLang="en-US"/>
           </a:p>
         </p:txBody>
@@ -1681,6 +1584,10 @@
           <a:bodyPr/>
           <a:lstStyle/>
           <a:p>
+            <a:r>
+              <a:rPr lang="en-US" altLang="ko-KR"/>
+              <a:t>SEETHELIGHTS</a:t>
+            </a:r>
             <a:endParaRPr lang="ko-KR" altLang="en-US"/>
           </a:p>
         </p:txBody>
@@ -1826,10 +1733,10 @@
           <a:bodyPr/>
           <a:lstStyle/>
           <a:p>
-            <a:fld id="{F2A6455C-014F-40E0-9421-79C2E6702BDB}" type="datetime1">
-              <a:rPr lang="ko-KR" altLang="en-US" smtClean="0"/>
-              <a:t>2019-11-06</a:t>
-            </a:fld>
+            <a:r>
+              <a:rPr lang="en-US" altLang="ko-KR"/>
+              <a:t>2019-11-10</a:t>
+            </a:r>
             <a:endParaRPr lang="ko-KR" altLang="en-US"/>
           </a:p>
         </p:txBody>
@@ -1849,6 +1756,10 @@
           <a:bodyPr/>
           <a:lstStyle/>
           <a:p>
+            <a:r>
+              <a:rPr lang="en-US" altLang="ko-KR"/>
+              <a:t>SEETHELIGHTS</a:t>
+            </a:r>
             <a:endParaRPr lang="ko-KR" altLang="en-US"/>
           </a:p>
         </p:txBody>
@@ -2071,10 +1982,10 @@
           <a:bodyPr/>
           <a:lstStyle/>
           <a:p>
-            <a:fld id="{D0285FCC-8041-40FA-A7FA-53D7E1FE88B7}" type="datetime1">
-              <a:rPr lang="ko-KR" altLang="en-US" smtClean="0"/>
-              <a:t>2019-11-06</a:t>
-            </a:fld>
+            <a:r>
+              <a:rPr lang="en-US" altLang="ko-KR"/>
+              <a:t>2019-11-10</a:t>
+            </a:r>
             <a:endParaRPr lang="ko-KR" altLang="en-US"/>
           </a:p>
         </p:txBody>
@@ -2094,6 +2005,10 @@
           <a:bodyPr/>
           <a:lstStyle/>
           <a:p>
+            <a:r>
+              <a:rPr lang="en-US" altLang="ko-KR"/>
+              <a:t>SEETHELIGHTS</a:t>
+            </a:r>
             <a:endParaRPr lang="ko-KR" altLang="en-US"/>
           </a:p>
         </p:txBody>
@@ -2300,10 +2215,10 @@
           <a:bodyPr/>
           <a:lstStyle/>
           <a:p>
-            <a:fld id="{9877DF9A-71E9-4E71-A6C7-7591F98D49B3}" type="datetime1">
-              <a:rPr lang="ko-KR" altLang="en-US" smtClean="0"/>
-              <a:t>2019-11-06</a:t>
-            </a:fld>
+            <a:r>
+              <a:rPr lang="en-US" altLang="ko-KR"/>
+              <a:t>2019-11-10</a:t>
+            </a:r>
             <a:endParaRPr lang="ko-KR" altLang="en-US"/>
           </a:p>
         </p:txBody>
@@ -2323,6 +2238,10 @@
           <a:bodyPr/>
           <a:lstStyle/>
           <a:p>
+            <a:r>
+              <a:rPr lang="en-US" altLang="ko-KR"/>
+              <a:t>SEETHELIGHTS</a:t>
+            </a:r>
             <a:endParaRPr lang="ko-KR" altLang="en-US"/>
           </a:p>
         </p:txBody>
@@ -2664,10 +2583,10 @@
           <a:bodyPr/>
           <a:lstStyle/>
           <a:p>
-            <a:fld id="{73254372-E39B-48F1-B9B4-032F0E390763}" type="datetime1">
-              <a:rPr lang="ko-KR" altLang="en-US" smtClean="0"/>
-              <a:t>2019-11-06</a:t>
-            </a:fld>
+            <a:r>
+              <a:rPr lang="en-US" altLang="ko-KR"/>
+              <a:t>2019-11-10</a:t>
+            </a:r>
             <a:endParaRPr lang="ko-KR" altLang="en-US"/>
           </a:p>
         </p:txBody>
@@ -2687,6 +2606,10 @@
           <a:bodyPr/>
           <a:lstStyle/>
           <a:p>
+            <a:r>
+              <a:rPr lang="en-US" altLang="ko-KR"/>
+              <a:t>SEETHELIGHTS</a:t>
+            </a:r>
             <a:endParaRPr lang="ko-KR" altLang="en-US"/>
           </a:p>
         </p:txBody>
@@ -2781,10 +2704,10 @@
           <a:bodyPr/>
           <a:lstStyle/>
           <a:p>
-            <a:fld id="{6786FEE8-A5CC-4AFD-AA20-60DAA12D89D0}" type="datetime1">
-              <a:rPr lang="ko-KR" altLang="en-US" smtClean="0"/>
-              <a:t>2019-11-06</a:t>
-            </a:fld>
+            <a:r>
+              <a:rPr lang="en-US" altLang="ko-KR"/>
+              <a:t>2019-11-10</a:t>
+            </a:r>
             <a:endParaRPr lang="ko-KR" altLang="en-US"/>
           </a:p>
         </p:txBody>
@@ -2804,6 +2727,10 @@
           <a:bodyPr/>
           <a:lstStyle/>
           <a:p>
+            <a:r>
+              <a:rPr lang="en-US" altLang="ko-KR"/>
+              <a:t>SEETHELIGHTS</a:t>
+            </a:r>
             <a:endParaRPr lang="ko-KR" altLang="en-US"/>
           </a:p>
         </p:txBody>
@@ -2876,10 +2803,10 @@
           <a:bodyPr/>
           <a:lstStyle/>
           <a:p>
-            <a:fld id="{893F359B-E9C0-4529-96A4-710D72E8D033}" type="datetime1">
-              <a:rPr lang="ko-KR" altLang="en-US" smtClean="0"/>
-              <a:t>2019-11-06</a:t>
-            </a:fld>
+            <a:r>
+              <a:rPr lang="en-US" altLang="ko-KR"/>
+              <a:t>2019-11-10</a:t>
+            </a:r>
             <a:endParaRPr lang="ko-KR" altLang="en-US"/>
           </a:p>
         </p:txBody>
@@ -2899,6 +2826,10 @@
           <a:bodyPr/>
           <a:lstStyle/>
           <a:p>
+            <a:r>
+              <a:rPr lang="en-US" altLang="ko-KR"/>
+              <a:t>SEETHELIGHTS</a:t>
+            </a:r>
             <a:endParaRPr lang="ko-KR" altLang="en-US"/>
           </a:p>
         </p:txBody>
@@ -3151,10 +3082,10 @@
           <a:bodyPr/>
           <a:lstStyle/>
           <a:p>
-            <a:fld id="{111C920A-400A-43D5-81BE-F9D78FFF9926}" type="datetime1">
-              <a:rPr lang="ko-KR" altLang="en-US" smtClean="0"/>
-              <a:t>2019-11-06</a:t>
-            </a:fld>
+            <a:r>
+              <a:rPr lang="en-US" altLang="ko-KR"/>
+              <a:t>2019-11-10</a:t>
+            </a:r>
             <a:endParaRPr lang="ko-KR" altLang="en-US"/>
           </a:p>
         </p:txBody>
@@ -3174,6 +3105,10 @@
           <a:bodyPr/>
           <a:lstStyle/>
           <a:p>
+            <a:r>
+              <a:rPr lang="en-US" altLang="ko-KR"/>
+              <a:t>SEETHELIGHTS</a:t>
+            </a:r>
             <a:endParaRPr lang="ko-KR" altLang="en-US"/>
           </a:p>
         </p:txBody>
@@ -3403,10 +3338,10 @@
           <a:bodyPr/>
           <a:lstStyle/>
           <a:p>
-            <a:fld id="{F6D4D743-349F-4353-89CB-AA5347E54EE3}" type="datetime1">
-              <a:rPr lang="ko-KR" altLang="en-US" smtClean="0"/>
-              <a:t>2019-11-06</a:t>
-            </a:fld>
+            <a:r>
+              <a:rPr lang="en-US" altLang="ko-KR"/>
+              <a:t>2019-11-10</a:t>
+            </a:r>
             <a:endParaRPr lang="ko-KR" altLang="en-US"/>
           </a:p>
         </p:txBody>
@@ -3426,6 +3361,10 @@
           <a:bodyPr/>
           <a:lstStyle/>
           <a:p>
+            <a:r>
+              <a:rPr lang="en-US" altLang="ko-KR"/>
+              <a:t>SEETHELIGHTS</a:t>
+            </a:r>
             <a:endParaRPr lang="ko-KR" altLang="en-US"/>
           </a:p>
         </p:txBody>
@@ -3617,10 +3556,10 @@
             </a:lvl1pPr>
           </a:lstStyle>
           <a:p>
-            <a:fld id="{0F6D56A0-A4C9-484E-88DF-75F2E21F9662}" type="datetime1">
-              <a:rPr lang="ko-KR" altLang="en-US" smtClean="0"/>
-              <a:t>2019-11-06</a:t>
-            </a:fld>
+            <a:r>
+              <a:rPr lang="en-US" altLang="ko-KR"/>
+              <a:t>2019-11-10</a:t>
+            </a:r>
             <a:endParaRPr lang="ko-KR" altLang="en-US"/>
           </a:p>
         </p:txBody>
@@ -3658,6 +3597,10 @@
             </a:lvl1pPr>
           </a:lstStyle>
           <a:p>
+            <a:r>
+              <a:rPr lang="en-US" altLang="ko-KR"/>
+              <a:t>SEETHELIGHTS</a:t>
+            </a:r>
             <a:endParaRPr lang="ko-KR" altLang="en-US"/>
           </a:p>
         </p:txBody>
@@ -3724,7 +3667,7 @@
     <p:sldLayoutId id="2147483658" r:id="rId10"/>
     <p:sldLayoutId id="2147483659" r:id="rId11"/>
   </p:sldLayoutIdLst>
-  <p:hf sldNum="0" hdr="0" ftr="0" dt="0"/>
+  <p:hf hdr="0"/>
   <p:txStyles>
     <p:titleStyle>
       <a:lvl1pPr algn="l" defTabSz="914400" rtl="0" eaLnBrk="1" latinLnBrk="1" hangingPunct="1">
@@ -4087,6 +4030,13 @@
             <a:pPr algn="r"/>
             <a:r>
               <a:rPr lang="en-US" altLang="ko-KR" sz="2000" dirty="0"/>
+              <a:t>SEETHELIGHTS</a:t>
+            </a:r>
+          </a:p>
+          <a:p>
+            <a:pPr algn="r"/>
+            <a:r>
+              <a:rPr lang="en-US" altLang="ko-KR" sz="2000" dirty="0"/>
               <a:t>2012154010 </a:t>
             </a:r>
             <a:r>
@@ -4125,6 +4075,93 @@
               <a:rPr lang="ko-KR" altLang="en-US" sz="2000" dirty="0"/>
               <a:t> 정지윤</a:t>
             </a:r>
+          </a:p>
+        </p:txBody>
+      </p:sp>
+      <p:sp>
+        <p:nvSpPr>
+          <p:cNvPr id="4" name="날짜 개체 틀 3">
+            <a:extLst>
+              <a:ext uri="{FF2B5EF4-FFF2-40B4-BE49-F238E27FC236}">
+                <a16:creationId xmlns:a16="http://schemas.microsoft.com/office/drawing/2014/main" id="{BB8ABD2B-30C4-4189-B00D-E77E64887026}"/>
+              </a:ext>
+            </a:extLst>
+          </p:cNvPr>
+          <p:cNvSpPr>
+            <a:spLocks noGrp="1"/>
+          </p:cNvSpPr>
+          <p:nvPr>
+            <p:ph type="dt" sz="half" idx="10"/>
+          </p:nvPr>
+        </p:nvSpPr>
+        <p:spPr/>
+        <p:txBody>
+          <a:bodyPr/>
+          <a:lstStyle/>
+          <a:p>
+            <a:r>
+              <a:rPr lang="en-US" altLang="ko-KR"/>
+              <a:t>2019-11-10</a:t>
+            </a:r>
+            <a:endParaRPr lang="ko-KR" altLang="en-US"/>
+          </a:p>
+        </p:txBody>
+      </p:sp>
+      <p:sp>
+        <p:nvSpPr>
+          <p:cNvPr id="5" name="바닥글 개체 틀 4">
+            <a:extLst>
+              <a:ext uri="{FF2B5EF4-FFF2-40B4-BE49-F238E27FC236}">
+                <a16:creationId xmlns:a16="http://schemas.microsoft.com/office/drawing/2014/main" id="{3B1B658F-E9D4-4F49-A4D3-471A1D7C1DB2}"/>
+              </a:ext>
+            </a:extLst>
+          </p:cNvPr>
+          <p:cNvSpPr>
+            <a:spLocks noGrp="1"/>
+          </p:cNvSpPr>
+          <p:nvPr>
+            <p:ph type="ftr" sz="quarter" idx="11"/>
+          </p:nvPr>
+        </p:nvSpPr>
+        <p:spPr/>
+        <p:txBody>
+          <a:bodyPr/>
+          <a:lstStyle/>
+          <a:p>
+            <a:r>
+              <a:rPr lang="en-US" altLang="ko-KR"/>
+              <a:t>SEETHELIGHTS</a:t>
+            </a:r>
+            <a:endParaRPr lang="ko-KR" altLang="en-US"/>
+          </a:p>
+        </p:txBody>
+      </p:sp>
+      <p:sp>
+        <p:nvSpPr>
+          <p:cNvPr id="6" name="슬라이드 번호 개체 틀 5">
+            <a:extLst>
+              <a:ext uri="{FF2B5EF4-FFF2-40B4-BE49-F238E27FC236}">
+                <a16:creationId xmlns:a16="http://schemas.microsoft.com/office/drawing/2014/main" id="{4E4B2708-2A44-47AA-9DAC-E12756C2E5D5}"/>
+              </a:ext>
+            </a:extLst>
+          </p:cNvPr>
+          <p:cNvSpPr>
+            <a:spLocks noGrp="1"/>
+          </p:cNvSpPr>
+          <p:nvPr>
+            <p:ph type="sldNum" sz="quarter" idx="12"/>
+          </p:nvPr>
+        </p:nvSpPr>
+        <p:spPr/>
+        <p:txBody>
+          <a:bodyPr/>
+          <a:lstStyle/>
+          <a:p>
+            <a:fld id="{45A78784-36F7-416F-8356-2E2264BCDE76}" type="slidenum">
+              <a:rPr lang="ko-KR" altLang="en-US" smtClean="0"/>
+              <a:t>1</a:t>
+            </a:fld>
+            <a:endParaRPr lang="ko-KR" altLang="en-US"/>
           </a:p>
         </p:txBody>
       </p:sp>
@@ -4191,7 +4228,7 @@
             <p:ph idx="1"/>
             <p:extLst>
               <p:ext uri="{D42A27DB-BD31-4B8C-83A1-F6EECF244321}">
-                <p14:modId xmlns:p14="http://schemas.microsoft.com/office/powerpoint/2010/main" val="3967755635"/>
+                <p14:modId xmlns:p14="http://schemas.microsoft.com/office/powerpoint/2010/main" val="2536620956"/>
               </p:ext>
             </p:extLst>
           </p:nvPr>
@@ -4356,8 +4393,9 @@
                       <a:prstDash val="solid"/>
                     </a:lnBlToTr>
                     <a:solidFill>
-                      <a:schemeClr val="tx1">
-                        <a:lumMod val="50000"/>
+                      <a:schemeClr val="bg1">
+                        <a:lumMod val="75000"/>
+                        <a:lumOff val="25000"/>
                       </a:schemeClr>
                     </a:solidFill>
                   </a:tcPr>
@@ -4424,8 +4462,9 @@
                       <a:prstDash val="solid"/>
                     </a:lnBlToTr>
                     <a:solidFill>
-                      <a:schemeClr val="tx1">
-                        <a:lumMod val="50000"/>
+                      <a:schemeClr val="bg1">
+                        <a:lumMod val="75000"/>
+                        <a:lumOff val="25000"/>
                       </a:schemeClr>
                     </a:solidFill>
                   </a:tcPr>
@@ -4492,8 +4531,9 @@
                       <a:prstDash val="solid"/>
                     </a:lnBlToTr>
                     <a:solidFill>
-                      <a:schemeClr val="tx1">
-                        <a:lumMod val="50000"/>
+                      <a:schemeClr val="bg1">
+                        <a:lumMod val="75000"/>
+                        <a:lumOff val="25000"/>
                       </a:schemeClr>
                     </a:solidFill>
                   </a:tcPr>
@@ -4567,8 +4607,9 @@
                       <a:prstDash val="solid"/>
                     </a:lnBlToTr>
                     <a:solidFill>
-                      <a:schemeClr val="tx1">
-                        <a:lumMod val="50000"/>
+                      <a:schemeClr val="bg1">
+                        <a:lumMod val="75000"/>
+                        <a:lumOff val="25000"/>
                       </a:schemeClr>
                     </a:solidFill>
                   </a:tcPr>
@@ -4656,10 +4697,7 @@
                       <a:prstDash val="solid"/>
                     </a:lnBlToTr>
                     <a:solidFill>
-                      <a:schemeClr val="bg2">
-                        <a:lumMod val="85000"/>
-                        <a:lumOff val="15000"/>
-                      </a:schemeClr>
+                      <a:srgbClr val="131313"/>
                     </a:solidFill>
                   </a:tcPr>
                 </a:tc>
@@ -4730,10 +4768,7 @@
                       <a:prstDash val="solid"/>
                     </a:lnBlToTr>
                     <a:solidFill>
-                      <a:schemeClr val="bg2">
-                        <a:lumMod val="85000"/>
-                        <a:lumOff val="15000"/>
-                      </a:schemeClr>
+                      <a:srgbClr val="131313"/>
                     </a:solidFill>
                   </a:tcPr>
                 </a:tc>
@@ -4815,10 +4850,7 @@
                       <a:prstDash val="solid"/>
                     </a:lnBlToTr>
                     <a:solidFill>
-                      <a:schemeClr val="bg2">
-                        <a:lumMod val="85000"/>
-                        <a:lumOff val="15000"/>
-                      </a:schemeClr>
+                      <a:srgbClr val="131313"/>
                     </a:solidFill>
                   </a:tcPr>
                 </a:tc>
@@ -4891,8 +4923,9 @@
                       <a:prstDash val="solid"/>
                     </a:lnBlToTr>
                     <a:solidFill>
-                      <a:schemeClr val="tx1">
-                        <a:lumMod val="50000"/>
+                      <a:schemeClr val="bg1">
+                        <a:lumMod val="75000"/>
+                        <a:lumOff val="25000"/>
                       </a:schemeClr>
                     </a:solidFill>
                   </a:tcPr>
@@ -5012,10 +5045,7 @@
                       <a:prstDash val="solid"/>
                     </a:lnBlToTr>
                     <a:solidFill>
-                      <a:schemeClr val="bg2">
-                        <a:lumMod val="85000"/>
-                        <a:lumOff val="15000"/>
-                      </a:schemeClr>
+                      <a:srgbClr val="131313"/>
                     </a:solidFill>
                   </a:tcPr>
                 </a:tc>
@@ -5126,10 +5156,7 @@
                       <a:prstDash val="solid"/>
                     </a:lnBlToTr>
                     <a:solidFill>
-                      <a:schemeClr val="bg2">
-                        <a:lumMod val="85000"/>
-                        <a:lumOff val="15000"/>
-                      </a:schemeClr>
+                      <a:srgbClr val="131313"/>
                     </a:solidFill>
                   </a:tcPr>
                 </a:tc>
@@ -5264,10 +5291,7 @@
                       <a:prstDash val="solid"/>
                     </a:lnBlToTr>
                     <a:solidFill>
-                      <a:schemeClr val="bg2">
-                        <a:lumMod val="85000"/>
-                        <a:lumOff val="15000"/>
-                      </a:schemeClr>
+                      <a:srgbClr val="131313"/>
                     </a:solidFill>
                   </a:tcPr>
                 </a:tc>
@@ -5340,8 +5364,9 @@
                       <a:prstDash val="solid"/>
                     </a:lnBlToTr>
                     <a:solidFill>
-                      <a:schemeClr val="tx1">
-                        <a:lumMod val="50000"/>
+                      <a:schemeClr val="bg1">
+                        <a:lumMod val="75000"/>
+                        <a:lumOff val="25000"/>
                       </a:schemeClr>
                     </a:solidFill>
                   </a:tcPr>
@@ -5501,10 +5526,7 @@
                       <a:prstDash val="solid"/>
                     </a:lnBlToTr>
                     <a:solidFill>
-                      <a:schemeClr val="bg2">
-                        <a:lumMod val="85000"/>
-                        <a:lumOff val="15000"/>
-                      </a:schemeClr>
+                      <a:srgbClr val="131313"/>
                     </a:solidFill>
                   </a:tcPr>
                 </a:tc>
@@ -5713,10 +5735,7 @@
                       <a:prstDash val="solid"/>
                     </a:lnBlToTr>
                     <a:solidFill>
-                      <a:schemeClr val="bg2">
-                        <a:lumMod val="85000"/>
-                        <a:lumOff val="15000"/>
-                      </a:schemeClr>
+                      <a:srgbClr val="131313"/>
                     </a:solidFill>
                   </a:tcPr>
                 </a:tc>
@@ -5789,8 +5808,9 @@
                       <a:prstDash val="solid"/>
                     </a:lnBlToTr>
                     <a:solidFill>
-                      <a:schemeClr val="tx1">
-                        <a:lumMod val="50000"/>
+                      <a:schemeClr val="bg1">
+                        <a:lumMod val="75000"/>
+                        <a:lumOff val="25000"/>
                       </a:schemeClr>
                     </a:solidFill>
                   </a:tcPr>
@@ -5802,14 +5822,14 @@
                     <a:p>
                       <a:pPr algn="ctr" latinLnBrk="1"/>
                       <a:r>
-                        <a:rPr lang="ko-KR" altLang="en-US" b="1" baseline="0" dirty="0">
+                        <a:rPr lang="ko-KR" altLang="en-US" b="0" baseline="0" dirty="0">
                           <a:solidFill>
                             <a:schemeClr val="tx1"/>
                           </a:solidFill>
                         </a:rPr>
                         <a:t>테스트</a:t>
                       </a:r>
-                      <a:endParaRPr lang="en-US" altLang="ko-KR" b="1" baseline="0" dirty="0">
+                      <a:endParaRPr lang="en-US" altLang="ko-KR" b="0" baseline="0" dirty="0">
                         <a:solidFill>
                           <a:schemeClr val="tx1"/>
                         </a:solidFill>
@@ -5879,7 +5899,7 @@
                             <a:schemeClr val="tx1"/>
                           </a:solidFill>
                         </a:rPr>
-                        <a:t>, )</a:t>
+                        <a:t>)</a:t>
                       </a:r>
                     </a:p>
                   </a:txBody>
@@ -5929,10 +5949,7 @@
                       <a:prstDash val="solid"/>
                     </a:lnBlToTr>
                     <a:solidFill>
-                      <a:schemeClr val="bg2">
-                        <a:lumMod val="85000"/>
-                        <a:lumOff val="15000"/>
-                      </a:schemeClr>
+                      <a:srgbClr val="131313"/>
                     </a:solidFill>
                   </a:tcPr>
                 </a:tc>
@@ -6103,6 +6120,64 @@
               <a:rPr lang="ko-KR" altLang="en-US" smtClean="0"/>
               <a:t>10</a:t>
             </a:fld>
+            <a:endParaRPr lang="ko-KR" altLang="en-US"/>
+          </a:p>
+        </p:txBody>
+      </p:sp>
+      <p:sp>
+        <p:nvSpPr>
+          <p:cNvPr id="7" name="날짜 개체 틀 6">
+            <a:extLst>
+              <a:ext uri="{FF2B5EF4-FFF2-40B4-BE49-F238E27FC236}">
+                <a16:creationId xmlns:a16="http://schemas.microsoft.com/office/drawing/2014/main" id="{20A83F5D-C694-4242-82B9-0CC98799A23B}"/>
+              </a:ext>
+            </a:extLst>
+          </p:cNvPr>
+          <p:cNvSpPr>
+            <a:spLocks noGrp="1"/>
+          </p:cNvSpPr>
+          <p:nvPr>
+            <p:ph type="dt" sz="half" idx="10"/>
+          </p:nvPr>
+        </p:nvSpPr>
+        <p:spPr/>
+        <p:txBody>
+          <a:bodyPr/>
+          <a:lstStyle/>
+          <a:p>
+            <a:r>
+              <a:rPr lang="en-US" altLang="ko-KR"/>
+              <a:t>2019-11-10</a:t>
+            </a:r>
+            <a:endParaRPr lang="ko-KR" altLang="en-US"/>
+          </a:p>
+        </p:txBody>
+      </p:sp>
+      <p:sp>
+        <p:nvSpPr>
+          <p:cNvPr id="8" name="바닥글 개체 틀 7">
+            <a:extLst>
+              <a:ext uri="{FF2B5EF4-FFF2-40B4-BE49-F238E27FC236}">
+                <a16:creationId xmlns:a16="http://schemas.microsoft.com/office/drawing/2014/main" id="{9C2F4DBD-6979-41AF-A23A-E990D8E5CDF8}"/>
+              </a:ext>
+            </a:extLst>
+          </p:cNvPr>
+          <p:cNvSpPr>
+            <a:spLocks noGrp="1"/>
+          </p:cNvSpPr>
+          <p:nvPr>
+            <p:ph type="ftr" sz="quarter" idx="11"/>
+          </p:nvPr>
+        </p:nvSpPr>
+        <p:spPr/>
+        <p:txBody>
+          <a:bodyPr/>
+          <a:lstStyle/>
+          <a:p>
+            <a:r>
+              <a:rPr lang="en-US" altLang="ko-KR"/>
+              <a:t>SEETHELIGHTS</a:t>
+            </a:r>
             <a:endParaRPr lang="ko-KR" altLang="en-US"/>
           </a:p>
         </p:txBody>
@@ -6162,54 +6237,6 @@
       </p:sp>
       <p:sp>
         <p:nvSpPr>
-          <p:cNvPr id="3" name="내용 개체 틀 2"/>
-          <p:cNvSpPr>
-            <a:spLocks noGrp="1"/>
-          </p:cNvSpPr>
-          <p:nvPr>
-            <p:ph idx="1"/>
-          </p:nvPr>
-        </p:nvSpPr>
-        <p:spPr>
-          <a:xfrm>
-            <a:off x="3488095" y="4255332"/>
-            <a:ext cx="2735424" cy="1875551"/>
-          </a:xfrm>
-        </p:spPr>
-        <p:txBody>
-          <a:bodyPr anchor="ctr"/>
-          <a:lstStyle/>
-          <a:p>
-            <a:pPr marL="0" indent="0" algn="ctr">
-              <a:buNone/>
-            </a:pPr>
-            <a:r>
-              <a:rPr lang="en-US" altLang="ko-KR" dirty="0"/>
-              <a:t>Intel I7-4790</a:t>
-            </a:r>
-          </a:p>
-          <a:p>
-            <a:pPr marL="0" indent="0" algn="ctr">
-              <a:buNone/>
-            </a:pPr>
-            <a:r>
-              <a:rPr lang="en-US" altLang="ko-KR" dirty="0"/>
-              <a:t>DDR3 16GB</a:t>
-            </a:r>
-          </a:p>
-          <a:p>
-            <a:pPr marL="0" indent="0" algn="ctr">
-              <a:buNone/>
-            </a:pPr>
-            <a:r>
-              <a:rPr lang="en-US" altLang="ko-KR" dirty="0"/>
-              <a:t>GTX 970</a:t>
-            </a:r>
-          </a:p>
-        </p:txBody>
-      </p:sp>
-      <p:sp>
-        <p:nvSpPr>
           <p:cNvPr id="6" name="슬라이드 번호 개체 틀 5">
             <a:extLst>
               <a:ext uri="{FF2B5EF4-FFF2-40B4-BE49-F238E27FC236}">
@@ -6239,10 +6266,10 @@
       </p:sp>
       <p:pic>
         <p:nvPicPr>
-          <p:cNvPr id="9" name="그림 8" descr="그리기이(가) 표시된 사진&#10;&#10;자동 생성된 설명">
+          <p:cNvPr id="11" name="그림 10">
             <a:extLst>
               <a:ext uri="{FF2B5EF4-FFF2-40B4-BE49-F238E27FC236}">
-                <a16:creationId xmlns:a16="http://schemas.microsoft.com/office/drawing/2014/main" id="{8AEDCA15-3DCB-44DA-8E9C-50337A982787}"/>
+                <a16:creationId xmlns:a16="http://schemas.microsoft.com/office/drawing/2014/main" id="{DA0123DB-A143-4DED-82DA-CF72D9631C99}"/>
               </a:ext>
             </a:extLst>
           </p:cNvPr>
@@ -6265,44 +6292,8 @@
         </p:blipFill>
         <p:spPr>
           <a:xfrm>
-            <a:off x="1062596" y="4187913"/>
-            <a:ext cx="2277593" cy="1942970"/>
-          </a:xfrm>
-          <a:prstGeom prst="rect">
-            <a:avLst/>
-          </a:prstGeom>
-        </p:spPr>
-      </p:pic>
-      <p:pic>
-        <p:nvPicPr>
-          <p:cNvPr id="14" name="그림 13" descr="그리기이(가) 표시된 사진&#10;&#10;자동 생성된 설명">
-            <a:extLst>
-              <a:ext uri="{FF2B5EF4-FFF2-40B4-BE49-F238E27FC236}">
-                <a16:creationId xmlns:a16="http://schemas.microsoft.com/office/drawing/2014/main" id="{F690EFD5-6D07-4E10-859C-829F7F28443B}"/>
-              </a:ext>
-            </a:extLst>
-          </p:cNvPr>
-          <p:cNvPicPr>
-            <a:picLocks noChangeAspect="1"/>
-          </p:cNvPicPr>
-          <p:nvPr/>
-        </p:nvPicPr>
-        <p:blipFill>
-          <a:blip r:embed="rId2" cstate="print">
-            <a:extLst>
-              <a:ext uri="{28A0092B-C50C-407E-A947-70E740481C1C}">
-                <a14:useLocalDpi xmlns:a14="http://schemas.microsoft.com/office/drawing/2010/main" val="0"/>
-              </a:ext>
-            </a:extLst>
-          </a:blip>
-          <a:stretch>
-            <a:fillRect/>
-          </a:stretch>
-        </p:blipFill>
-        <p:spPr>
-          <a:xfrm>
-            <a:off x="6371425" y="4221622"/>
-            <a:ext cx="2277593" cy="1942970"/>
+            <a:off x="685129" y="1917834"/>
+            <a:ext cx="983559" cy="723137"/>
           </a:xfrm>
           <a:prstGeom prst="rect">
             <a:avLst/>
@@ -6311,10 +6302,10 @@
       </p:pic>
       <p:sp>
         <p:nvSpPr>
-          <p:cNvPr id="15" name="내용 개체 틀 2">
+          <p:cNvPr id="19" name="내용 개체 틀 2">
             <a:extLst>
               <a:ext uri="{FF2B5EF4-FFF2-40B4-BE49-F238E27FC236}">
-                <a16:creationId xmlns:a16="http://schemas.microsoft.com/office/drawing/2014/main" id="{E13C5BD6-4054-4529-B3A9-8A4F4F19A25E}"/>
+                <a16:creationId xmlns:a16="http://schemas.microsoft.com/office/drawing/2014/main" id="{BB328486-14C0-48B0-8800-240770D9A16F}"/>
               </a:ext>
             </a:extLst>
           </p:cNvPr>
@@ -6325,8 +6316,8 @@
         </p:nvSpPr>
         <p:spPr>
           <a:xfrm>
-            <a:off x="8796924" y="4255331"/>
-            <a:ext cx="2735424" cy="1875551"/>
+            <a:off x="1912087" y="2035275"/>
+            <a:ext cx="1550437" cy="488254"/>
           </a:xfrm>
           <a:prstGeom prst="rect">
             <a:avLst/>
@@ -6501,40 +6492,23 @@
             </a:lvl9pPr>
           </a:lstStyle>
           <a:p>
-            <a:pPr marL="0" indent="0" algn="ctr">
+            <a:pPr marL="0" indent="0">
+              <a:buFont typeface="Arial" panose="020B0604020202020204" pitchFamily="34" charset="0"/>
               <a:buNone/>
             </a:pPr>
             <a:r>
-              <a:rPr lang="en-US" altLang="ko-KR" dirty="0"/>
-              <a:t>Intel I7-6700</a:t>
-            </a:r>
-          </a:p>
-          <a:p>
-            <a:pPr marL="0" indent="0" algn="ctr">
-              <a:buNone/>
-            </a:pPr>
-            <a:r>
-              <a:rPr lang="en-US" altLang="ko-KR" dirty="0"/>
-              <a:t>DDR4 32GB</a:t>
-            </a:r>
-          </a:p>
-          <a:p>
-            <a:pPr marL="0" indent="0" algn="ctr">
-              <a:buNone/>
-            </a:pPr>
-            <a:r>
-              <a:rPr lang="en-US" altLang="ko-KR" dirty="0"/>
-              <a:t>GTX-1070</a:t>
+              <a:rPr lang="en-US" altLang="ko-KR" sz="1600" dirty="0"/>
+              <a:t>Windows 10</a:t>
             </a:r>
           </a:p>
         </p:txBody>
       </p:sp>
       <p:pic>
         <p:nvPicPr>
-          <p:cNvPr id="11" name="그림 10">
+          <p:cNvPr id="20" name="그림 19">
             <a:extLst>
               <a:ext uri="{FF2B5EF4-FFF2-40B4-BE49-F238E27FC236}">
-                <a16:creationId xmlns:a16="http://schemas.microsoft.com/office/drawing/2014/main" id="{DA0123DB-A143-4DED-82DA-CF72D9631C99}"/>
+                <a16:creationId xmlns:a16="http://schemas.microsoft.com/office/drawing/2014/main" id="{C1E2F979-B756-41F3-BDA6-9447C1526137}"/>
               </a:ext>
             </a:extLst>
           </p:cNvPr>
@@ -6544,7 +6518,7 @@
           <p:nvPr/>
         </p:nvPicPr>
         <p:blipFill>
-          <a:blip r:embed="rId3">
+          <a:blip r:embed="rId3" cstate="print">
             <a:extLst>
               <a:ext uri="{28A0092B-C50C-407E-A947-70E740481C1C}">
                 <a14:useLocalDpi xmlns:a14="http://schemas.microsoft.com/office/drawing/2010/main" val="0"/>
@@ -6557,8 +6531,8 @@
         </p:blipFill>
         <p:spPr>
           <a:xfrm>
-            <a:off x="1229624" y="1914372"/>
-            <a:ext cx="1964567" cy="1444398"/>
+            <a:off x="810898" y="2778417"/>
+            <a:ext cx="732020" cy="733739"/>
           </a:xfrm>
           <a:prstGeom prst="rect">
             <a:avLst/>
@@ -6567,10 +6541,10 @@
       </p:pic>
       <p:sp>
         <p:nvSpPr>
-          <p:cNvPr id="19" name="내용 개체 틀 2">
+          <p:cNvPr id="26" name="내용 개체 틀 2">
             <a:extLst>
               <a:ext uri="{FF2B5EF4-FFF2-40B4-BE49-F238E27FC236}">
-                <a16:creationId xmlns:a16="http://schemas.microsoft.com/office/drawing/2014/main" id="{BB328486-14C0-48B0-8800-240770D9A16F}"/>
+                <a16:creationId xmlns:a16="http://schemas.microsoft.com/office/drawing/2014/main" id="{73461C1C-BB7C-4F74-B415-B276AE8353C2}"/>
               </a:ext>
             </a:extLst>
           </p:cNvPr>
@@ -6581,8 +6555,8 @@
         </p:nvSpPr>
         <p:spPr>
           <a:xfrm>
-            <a:off x="838200" y="3408556"/>
-            <a:ext cx="2735424" cy="488254"/>
+            <a:off x="1911797" y="2948361"/>
+            <a:ext cx="2743200" cy="488254"/>
           </a:xfrm>
           <a:prstGeom prst="rect">
             <a:avLst/>
@@ -6757,23 +6731,169 @@
             </a:lvl9pPr>
           </a:lstStyle>
           <a:p>
-            <a:pPr marL="0" indent="0" algn="ctr">
-              <a:buFont typeface="Arial" panose="020B0604020202020204" pitchFamily="34" charset="0"/>
+            <a:pPr marL="0" indent="0">
               <a:buNone/>
             </a:pPr>
             <a:r>
-              <a:rPr lang="en-US" altLang="ko-KR" sz="2400" dirty="0"/>
-              <a:t>Windows 10</a:t>
+              <a:rPr lang="en-US" altLang="ko-KR" sz="1600" dirty="0"/>
+              <a:t>Visual Studio 2017.15.9.17</a:t>
+            </a:r>
+          </a:p>
+        </p:txBody>
+      </p:sp>
+      <p:sp>
+        <p:nvSpPr>
+          <p:cNvPr id="4" name="날짜 개체 틀 3">
+            <a:extLst>
+              <a:ext uri="{FF2B5EF4-FFF2-40B4-BE49-F238E27FC236}">
+                <a16:creationId xmlns:a16="http://schemas.microsoft.com/office/drawing/2014/main" id="{8A985931-D5B7-4B04-8150-8728B9EE7B10}"/>
+              </a:ext>
+            </a:extLst>
+          </p:cNvPr>
+          <p:cNvSpPr>
+            <a:spLocks noGrp="1"/>
+          </p:cNvSpPr>
+          <p:nvPr>
+            <p:ph type="dt" sz="half" idx="10"/>
+          </p:nvPr>
+        </p:nvSpPr>
+        <p:spPr/>
+        <p:txBody>
+          <a:bodyPr/>
+          <a:lstStyle/>
+          <a:p>
+            <a:r>
+              <a:rPr lang="en-US" altLang="ko-KR"/>
+              <a:t>2019-11-10</a:t>
+            </a:r>
+            <a:endParaRPr lang="ko-KR" altLang="en-US" dirty="0"/>
+          </a:p>
+        </p:txBody>
+      </p:sp>
+      <p:sp>
+        <p:nvSpPr>
+          <p:cNvPr id="5" name="바닥글 개체 틀 4">
+            <a:extLst>
+              <a:ext uri="{FF2B5EF4-FFF2-40B4-BE49-F238E27FC236}">
+                <a16:creationId xmlns:a16="http://schemas.microsoft.com/office/drawing/2014/main" id="{9ED0732A-5058-40D1-9D7F-497D83C53DF0}"/>
+              </a:ext>
+            </a:extLst>
+          </p:cNvPr>
+          <p:cNvSpPr>
+            <a:spLocks noGrp="1"/>
+          </p:cNvSpPr>
+          <p:nvPr>
+            <p:ph type="ftr" sz="quarter" idx="11"/>
+          </p:nvPr>
+        </p:nvSpPr>
+        <p:spPr/>
+        <p:txBody>
+          <a:bodyPr/>
+          <a:lstStyle/>
+          <a:p>
+            <a:r>
+              <a:rPr lang="en-US" altLang="ko-KR"/>
+              <a:t>SEETHELIGHTS</a:t>
+            </a:r>
+            <a:endParaRPr lang="ko-KR" altLang="en-US"/>
+          </a:p>
+        </p:txBody>
+      </p:sp>
+      <p:sp>
+        <p:nvSpPr>
+          <p:cNvPr id="21" name="내용 개체 틀 2">
+            <a:extLst>
+              <a:ext uri="{FF2B5EF4-FFF2-40B4-BE49-F238E27FC236}">
+                <a16:creationId xmlns:a16="http://schemas.microsoft.com/office/drawing/2014/main" id="{9E8EAB78-4CE3-443C-9E11-3EF64245E816}"/>
+              </a:ext>
+            </a:extLst>
+          </p:cNvPr>
+          <p:cNvSpPr>
+            <a:spLocks noGrp="1"/>
+          </p:cNvSpPr>
+          <p:nvPr>
+            <p:ph idx="1"/>
+          </p:nvPr>
+        </p:nvSpPr>
+        <p:spPr>
+          <a:xfrm>
+            <a:off x="8975878" y="1932498"/>
+            <a:ext cx="2381407" cy="1864780"/>
+          </a:xfrm>
+        </p:spPr>
+        <p:txBody>
+          <a:bodyPr anchor="ctr">
+            <a:normAutofit/>
+          </a:bodyPr>
+          <a:lstStyle/>
+          <a:p>
+            <a:pPr marL="0" indent="0">
+              <a:buNone/>
+            </a:pPr>
+            <a:r>
+              <a:rPr lang="en-US" altLang="ko-KR" sz="1600" dirty="0"/>
+              <a:t>PC</a:t>
+            </a:r>
+            <a:r>
+              <a:rPr lang="ko-KR" altLang="en-US" sz="1600" dirty="0"/>
+              <a:t> </a:t>
+            </a:r>
+            <a:r>
+              <a:rPr lang="en-US" altLang="ko-KR" sz="1600" dirty="0"/>
+              <a:t>1</a:t>
+            </a:r>
+          </a:p>
+          <a:p>
+            <a:pPr marL="0" indent="0">
+              <a:buNone/>
+            </a:pPr>
+            <a:r>
+              <a:rPr lang="en-US" altLang="ko-KR" sz="1600" dirty="0"/>
+              <a:t>CPU</a:t>
+            </a:r>
+            <a:r>
+              <a:rPr lang="ko-KR" altLang="en-US" sz="1600" dirty="0"/>
+              <a:t> </a:t>
+            </a:r>
+            <a:r>
+              <a:rPr lang="en-US" altLang="ko-KR" sz="1600" dirty="0"/>
+              <a:t>:</a:t>
+            </a:r>
+            <a:r>
+              <a:rPr lang="ko-KR" altLang="en-US" sz="1600" dirty="0"/>
+              <a:t> </a:t>
+            </a:r>
+            <a:r>
+              <a:rPr lang="en-US" altLang="ko-KR" sz="1600" dirty="0"/>
+              <a:t>Intel I7-4790</a:t>
+            </a:r>
+          </a:p>
+          <a:p>
+            <a:pPr marL="0" indent="0">
+              <a:buNone/>
+            </a:pPr>
+            <a:r>
+              <a:rPr lang="en-US" altLang="ko-KR" sz="1600" dirty="0"/>
+              <a:t>RAM: DDR3 16GB</a:t>
+            </a:r>
+          </a:p>
+          <a:p>
+            <a:pPr marL="0" indent="0">
+              <a:buNone/>
+            </a:pPr>
+            <a:r>
+              <a:rPr lang="en-US" altLang="ko-KR" sz="1600" dirty="0"/>
+              <a:t>GPU: GTX 970(4GB GDDR5)</a:t>
             </a:r>
           </a:p>
         </p:txBody>
       </p:sp>
       <p:pic>
         <p:nvPicPr>
-          <p:cNvPr id="20" name="그림 19">
+          <p:cNvPr id="22" name="그림 21" descr="그리기이(가) 표시된 사진&#10;&#10;자동 생성된 설명">
             <a:extLst>
               <a:ext uri="{FF2B5EF4-FFF2-40B4-BE49-F238E27FC236}">
-                <a16:creationId xmlns:a16="http://schemas.microsoft.com/office/drawing/2014/main" id="{C1E2F979-B756-41F3-BDA6-9447C1526137}"/>
+                <a16:creationId xmlns:a16="http://schemas.microsoft.com/office/drawing/2014/main" id="{17FEEC09-7173-49CA-BFDA-12DD84EFF591}"/>
               </a:ext>
             </a:extLst>
           </p:cNvPr>
@@ -6796,223 +6916,20 @@
         </p:blipFill>
         <p:spPr>
           <a:xfrm>
-            <a:off x="3786685" y="1874922"/>
-            <a:ext cx="1550437" cy="1554078"/>
+            <a:off x="6344269" y="1844407"/>
+            <a:ext cx="2286547" cy="1950608"/>
           </a:xfrm>
           <a:prstGeom prst="rect">
             <a:avLst/>
           </a:prstGeom>
         </p:spPr>
       </p:pic>
-      <p:sp>
-        <p:nvSpPr>
-          <p:cNvPr id="26" name="내용 개체 틀 2">
+      <p:pic>
+        <p:nvPicPr>
+          <p:cNvPr id="24" name="그림 23" descr="그리기이(가) 표시된 사진&#10;&#10;자동 생성된 설명">
             <a:extLst>
               <a:ext uri="{FF2B5EF4-FFF2-40B4-BE49-F238E27FC236}">
-                <a16:creationId xmlns:a16="http://schemas.microsoft.com/office/drawing/2014/main" id="{73461C1C-BB7C-4F74-B415-B276AE8353C2}"/>
-              </a:ext>
-            </a:extLst>
-          </p:cNvPr>
-          <p:cNvSpPr txBox="1">
-            <a:spLocks/>
-          </p:cNvSpPr>
-          <p:nvPr/>
-        </p:nvSpPr>
-        <p:spPr>
-          <a:xfrm>
-            <a:off x="3194191" y="3408556"/>
-            <a:ext cx="2735424" cy="488254"/>
-          </a:xfrm>
-          <a:prstGeom prst="rect">
-            <a:avLst/>
-          </a:prstGeom>
-        </p:spPr>
-        <p:txBody>
-          <a:bodyPr vert="horz" lIns="91440" tIns="45720" rIns="91440" bIns="45720" rtlCol="0" anchor="ctr">
-            <a:normAutofit fontScale="92500"/>
-          </a:bodyPr>
-          <a:lstStyle>
-            <a:lvl1pPr marL="228600" indent="-228600" algn="l" defTabSz="914400" rtl="0" eaLnBrk="1" latinLnBrk="1" hangingPunct="1">
-              <a:lnSpc>
-                <a:spcPct val="90000"/>
-              </a:lnSpc>
-              <a:spcBef>
-                <a:spcPts val="1000"/>
-              </a:spcBef>
-              <a:buFont typeface="Arial" panose="020B0604020202020204" pitchFamily="34" charset="0"/>
-              <a:buChar char="•"/>
-              <a:defRPr sz="2800" kern="1200">
-                <a:solidFill>
-                  <a:schemeClr val="tx1"/>
-                </a:solidFill>
-                <a:latin typeface="+mn-lt"/>
-                <a:ea typeface="+mn-ea"/>
-                <a:cs typeface="+mn-cs"/>
-              </a:defRPr>
-            </a:lvl1pPr>
-            <a:lvl2pPr marL="685800" indent="-228600" algn="l" defTabSz="914400" rtl="0" eaLnBrk="1" latinLnBrk="1" hangingPunct="1">
-              <a:lnSpc>
-                <a:spcPct val="90000"/>
-              </a:lnSpc>
-              <a:spcBef>
-                <a:spcPts val="500"/>
-              </a:spcBef>
-              <a:buFont typeface="Arial" panose="020B0604020202020204" pitchFamily="34" charset="0"/>
-              <a:buChar char="•"/>
-              <a:defRPr sz="2400" kern="1200">
-                <a:solidFill>
-                  <a:schemeClr val="tx1"/>
-                </a:solidFill>
-                <a:latin typeface="+mn-lt"/>
-                <a:ea typeface="+mn-ea"/>
-                <a:cs typeface="+mn-cs"/>
-              </a:defRPr>
-            </a:lvl2pPr>
-            <a:lvl3pPr marL="1143000" indent="-228600" algn="l" defTabSz="914400" rtl="0" eaLnBrk="1" latinLnBrk="1" hangingPunct="1">
-              <a:lnSpc>
-                <a:spcPct val="90000"/>
-              </a:lnSpc>
-              <a:spcBef>
-                <a:spcPts val="500"/>
-              </a:spcBef>
-              <a:buFont typeface="Arial" panose="020B0604020202020204" pitchFamily="34" charset="0"/>
-              <a:buChar char="•"/>
-              <a:defRPr sz="2000" kern="1200">
-                <a:solidFill>
-                  <a:schemeClr val="tx1"/>
-                </a:solidFill>
-                <a:latin typeface="+mn-lt"/>
-                <a:ea typeface="+mn-ea"/>
-                <a:cs typeface="+mn-cs"/>
-              </a:defRPr>
-            </a:lvl3pPr>
-            <a:lvl4pPr marL="1600200" indent="-228600" algn="l" defTabSz="914400" rtl="0" eaLnBrk="1" latinLnBrk="1" hangingPunct="1">
-              <a:lnSpc>
-                <a:spcPct val="90000"/>
-              </a:lnSpc>
-              <a:spcBef>
-                <a:spcPts val="500"/>
-              </a:spcBef>
-              <a:buFont typeface="Arial" panose="020B0604020202020204" pitchFamily="34" charset="0"/>
-              <a:buChar char="•"/>
-              <a:defRPr sz="1800" kern="1200">
-                <a:solidFill>
-                  <a:schemeClr val="tx1"/>
-                </a:solidFill>
-                <a:latin typeface="+mn-lt"/>
-                <a:ea typeface="+mn-ea"/>
-                <a:cs typeface="+mn-cs"/>
-              </a:defRPr>
-            </a:lvl4pPr>
-            <a:lvl5pPr marL="2057400" indent="-228600" algn="l" defTabSz="914400" rtl="0" eaLnBrk="1" latinLnBrk="1" hangingPunct="1">
-              <a:lnSpc>
-                <a:spcPct val="90000"/>
-              </a:lnSpc>
-              <a:spcBef>
-                <a:spcPts val="500"/>
-              </a:spcBef>
-              <a:buFont typeface="Arial" panose="020B0604020202020204" pitchFamily="34" charset="0"/>
-              <a:buChar char="•"/>
-              <a:defRPr sz="1800" kern="1200">
-                <a:solidFill>
-                  <a:schemeClr val="tx1"/>
-                </a:solidFill>
-                <a:latin typeface="+mn-lt"/>
-                <a:ea typeface="+mn-ea"/>
-                <a:cs typeface="+mn-cs"/>
-              </a:defRPr>
-            </a:lvl5pPr>
-            <a:lvl6pPr marL="2514600" indent="-228600" algn="l" defTabSz="914400" rtl="0" eaLnBrk="1" latinLnBrk="1" hangingPunct="1">
-              <a:lnSpc>
-                <a:spcPct val="90000"/>
-              </a:lnSpc>
-              <a:spcBef>
-                <a:spcPts val="500"/>
-              </a:spcBef>
-              <a:buFont typeface="Arial" panose="020B0604020202020204" pitchFamily="34" charset="0"/>
-              <a:buChar char="•"/>
-              <a:defRPr sz="1800" kern="1200">
-                <a:solidFill>
-                  <a:schemeClr val="tx1"/>
-                </a:solidFill>
-                <a:latin typeface="+mn-lt"/>
-                <a:ea typeface="+mn-ea"/>
-                <a:cs typeface="+mn-cs"/>
-              </a:defRPr>
-            </a:lvl6pPr>
-            <a:lvl7pPr marL="2971800" indent="-228600" algn="l" defTabSz="914400" rtl="0" eaLnBrk="1" latinLnBrk="1" hangingPunct="1">
-              <a:lnSpc>
-                <a:spcPct val="90000"/>
-              </a:lnSpc>
-              <a:spcBef>
-                <a:spcPts val="500"/>
-              </a:spcBef>
-              <a:buFont typeface="Arial" panose="020B0604020202020204" pitchFamily="34" charset="0"/>
-              <a:buChar char="•"/>
-              <a:defRPr sz="1800" kern="1200">
-                <a:solidFill>
-                  <a:schemeClr val="tx1"/>
-                </a:solidFill>
-                <a:latin typeface="+mn-lt"/>
-                <a:ea typeface="+mn-ea"/>
-                <a:cs typeface="+mn-cs"/>
-              </a:defRPr>
-            </a:lvl7pPr>
-            <a:lvl8pPr marL="3429000" indent="-228600" algn="l" defTabSz="914400" rtl="0" eaLnBrk="1" latinLnBrk="1" hangingPunct="1">
-              <a:lnSpc>
-                <a:spcPct val="90000"/>
-              </a:lnSpc>
-              <a:spcBef>
-                <a:spcPts val="500"/>
-              </a:spcBef>
-              <a:buFont typeface="Arial" panose="020B0604020202020204" pitchFamily="34" charset="0"/>
-              <a:buChar char="•"/>
-              <a:defRPr sz="1800" kern="1200">
-                <a:solidFill>
-                  <a:schemeClr val="tx1"/>
-                </a:solidFill>
-                <a:latin typeface="+mn-lt"/>
-                <a:ea typeface="+mn-ea"/>
-                <a:cs typeface="+mn-cs"/>
-              </a:defRPr>
-            </a:lvl8pPr>
-            <a:lvl9pPr marL="3886200" indent="-228600" algn="l" defTabSz="914400" rtl="0" eaLnBrk="1" latinLnBrk="1" hangingPunct="1">
-              <a:lnSpc>
-                <a:spcPct val="90000"/>
-              </a:lnSpc>
-              <a:spcBef>
-                <a:spcPts val="500"/>
-              </a:spcBef>
-              <a:buFont typeface="Arial" panose="020B0604020202020204" pitchFamily="34" charset="0"/>
-              <a:buChar char="•"/>
-              <a:defRPr sz="1800" kern="1200">
-                <a:solidFill>
-                  <a:schemeClr val="tx1"/>
-                </a:solidFill>
-                <a:latin typeface="+mn-lt"/>
-                <a:ea typeface="+mn-ea"/>
-                <a:cs typeface="+mn-cs"/>
-              </a:defRPr>
-            </a:lvl9pPr>
-          </a:lstStyle>
-          <a:p>
-            <a:pPr marL="0" indent="0" algn="ctr">
-              <a:buFont typeface="Arial" panose="020B0604020202020204" pitchFamily="34" charset="0"/>
-              <a:buNone/>
-            </a:pPr>
-            <a:r>
-              <a:rPr lang="en-US" altLang="ko-KR" sz="2400" dirty="0"/>
-              <a:t>Visual Studio 2017</a:t>
-            </a:r>
-          </a:p>
-        </p:txBody>
-      </p:sp>
-      <p:pic>
-        <p:nvPicPr>
-          <p:cNvPr id="23" name="그림 22" descr="표지판, 검은색, 그리기, 교통이(가) 표시된 사진&#10;&#10;자동 생성된 설명">
-            <a:extLst>
-              <a:ext uri="{FF2B5EF4-FFF2-40B4-BE49-F238E27FC236}">
-                <a16:creationId xmlns:a16="http://schemas.microsoft.com/office/drawing/2014/main" id="{9B90D2A3-4BD6-4F84-9348-3B304E81963C}"/>
+                <a16:creationId xmlns:a16="http://schemas.microsoft.com/office/drawing/2014/main" id="{2FC1907E-1299-4180-8AD8-705A16DBA37E}"/>
               </a:ext>
             </a:extLst>
           </p:cNvPr>
@@ -7022,7 +6939,7 @@
           <p:nvPr/>
         </p:nvPicPr>
         <p:blipFill>
-          <a:blip r:embed="rId5">
+          <a:blip r:embed="rId4" cstate="print">
             <a:extLst>
               <a:ext uri="{28A0092B-C50C-407E-A947-70E740481C1C}">
                 <a14:useLocalDpi xmlns:a14="http://schemas.microsoft.com/office/drawing/2010/main" val="0"/>
@@ -7035,8 +6952,8 @@
         </p:blipFill>
         <p:spPr>
           <a:xfrm>
-            <a:off x="8285606" y="1747196"/>
-            <a:ext cx="2682718" cy="1778363"/>
+            <a:off x="6306570" y="4042108"/>
+            <a:ext cx="2277593" cy="1942970"/>
           </a:xfrm>
           <a:prstGeom prst="rect">
             <a:avLst/>
@@ -7045,10 +6962,10 @@
       </p:pic>
       <p:sp>
         <p:nvSpPr>
-          <p:cNvPr id="30" name="내용 개체 틀 2">
+          <p:cNvPr id="25" name="내용 개체 틀 2">
             <a:extLst>
               <a:ext uri="{FF2B5EF4-FFF2-40B4-BE49-F238E27FC236}">
-                <a16:creationId xmlns:a16="http://schemas.microsoft.com/office/drawing/2014/main" id="{BD488CCE-838A-436F-B869-DFC739AA2F6F}"/>
+                <a16:creationId xmlns:a16="http://schemas.microsoft.com/office/drawing/2014/main" id="{0632A84C-AA1E-4FC1-9258-DDDF1A73F294}"/>
               </a:ext>
             </a:extLst>
           </p:cNvPr>
@@ -7059,8 +6976,8 @@
         </p:nvSpPr>
         <p:spPr>
           <a:xfrm>
-            <a:off x="8259253" y="3392973"/>
-            <a:ext cx="2735424" cy="488254"/>
+            <a:off x="8900480" y="4074140"/>
+            <a:ext cx="2445543" cy="1864781"/>
           </a:xfrm>
           <a:prstGeom prst="rect">
             <a:avLst/>
@@ -7235,23 +7152,49 @@
             </a:lvl9pPr>
           </a:lstStyle>
           <a:p>
-            <a:pPr marL="0" indent="0" algn="ctr">
-              <a:buFont typeface="Arial" panose="020B0604020202020204" pitchFamily="34" charset="0"/>
+            <a:pPr marL="0" indent="0">
               <a:buNone/>
             </a:pPr>
             <a:r>
-              <a:rPr lang="en-US" altLang="ko-KR" sz="2400" dirty="0"/>
-              <a:t>Nvidia CUDA</a:t>
+              <a:rPr lang="en-US" altLang="ko-KR" sz="1600" dirty="0"/>
+              <a:t>PC 2</a:t>
+            </a:r>
+          </a:p>
+          <a:p>
+            <a:pPr marL="0" indent="0">
+              <a:buNone/>
+            </a:pPr>
+            <a:r>
+              <a:rPr lang="en-US" altLang="ko-KR" sz="1600" dirty="0"/>
+              <a:t>CPU: Intel I7-6700</a:t>
+            </a:r>
+          </a:p>
+          <a:p>
+            <a:pPr marL="0" indent="0">
+              <a:buNone/>
+            </a:pPr>
+            <a:r>
+              <a:rPr lang="en-US" altLang="ko-KR" sz="1600" dirty="0"/>
+              <a:t>RAM: DDR4 32GB</a:t>
+            </a:r>
+          </a:p>
+          <a:p>
+            <a:pPr marL="0" indent="0">
+              <a:buNone/>
+            </a:pPr>
+            <a:r>
+              <a:rPr lang="en-US" altLang="ko-KR" sz="1600" dirty="0"/>
+              <a:t>GPU: GTX-1070(8GB GDDR5)</a:t>
             </a:r>
           </a:p>
         </p:txBody>
       </p:sp>
       <p:pic>
         <p:nvPicPr>
-          <p:cNvPr id="28" name="그림 27" descr="평야, 서있는이(가) 표시된 사진&#10;&#10;자동 생성된 설명">
+          <p:cNvPr id="30" name="내용 개체 틀 4" descr="그리기이(가) 표시된 사진&#10;&#10;자동 생성된 설명">
             <a:extLst>
               <a:ext uri="{FF2B5EF4-FFF2-40B4-BE49-F238E27FC236}">
-                <a16:creationId xmlns:a16="http://schemas.microsoft.com/office/drawing/2014/main" id="{12C40EB4-DC81-450F-90D8-D65EA6E6D99E}"/>
+                <a16:creationId xmlns:a16="http://schemas.microsoft.com/office/drawing/2014/main" id="{56E8B61E-2478-4498-AE3B-04CEA783277B}"/>
               </a:ext>
             </a:extLst>
           </p:cNvPr>
@@ -7260,34 +7203,36 @@
           </p:cNvPicPr>
           <p:nvPr/>
         </p:nvPicPr>
-        <p:blipFill>
-          <a:blip r:embed="rId6">
+        <p:blipFill rotWithShape="1">
+          <a:blip r:embed="rId5" cstate="print">
             <a:extLst>
               <a:ext uri="{28A0092B-C50C-407E-A947-70E740481C1C}">
                 <a14:useLocalDpi xmlns:a14="http://schemas.microsoft.com/office/drawing/2010/main" val="0"/>
               </a:ext>
             </a:extLst>
           </a:blip>
-          <a:stretch>
-            <a:fillRect/>
-          </a:stretch>
+          <a:srcRect b="35559"/>
+          <a:stretch/>
         </p:blipFill>
         <p:spPr>
           <a:xfrm>
-            <a:off x="6095655" y="1783273"/>
-            <a:ext cx="1684045" cy="1684045"/>
+            <a:off x="734117" y="3615141"/>
+            <a:ext cx="934571" cy="810715"/>
           </a:xfrm>
           <a:prstGeom prst="rect">
             <a:avLst/>
           </a:prstGeom>
+          <a:solidFill>
+            <a:srgbClr val="131313"/>
+          </a:solidFill>
         </p:spPr>
       </p:pic>
       <p:sp>
         <p:nvSpPr>
-          <p:cNvPr id="35" name="내용 개체 틀 2">
+          <p:cNvPr id="31" name="내용 개체 틀 2">
             <a:extLst>
               <a:ext uri="{FF2B5EF4-FFF2-40B4-BE49-F238E27FC236}">
-                <a16:creationId xmlns:a16="http://schemas.microsoft.com/office/drawing/2014/main" id="{7842D9AB-0CF3-4A56-884D-22BC5BD6E060}"/>
+                <a16:creationId xmlns:a16="http://schemas.microsoft.com/office/drawing/2014/main" id="{D2349EDD-91D6-461E-B778-8B903DCC240D}"/>
               </a:ext>
             </a:extLst>
           </p:cNvPr>
@@ -7298,8 +7243,8 @@
         </p:nvSpPr>
         <p:spPr>
           <a:xfrm>
-            <a:off x="5550182" y="3429000"/>
-            <a:ext cx="2735424" cy="488254"/>
+            <a:off x="1911797" y="3829698"/>
+            <a:ext cx="2743200" cy="488254"/>
           </a:xfrm>
           <a:prstGeom prst="rect">
             <a:avLst/>
@@ -7474,14 +7419,491 @@
             </a:lvl9pPr>
           </a:lstStyle>
           <a:p>
-            <a:pPr marL="0" indent="0" algn="ctr">
-              <a:buFont typeface="Arial" panose="020B0604020202020204" pitchFamily="34" charset="0"/>
+            <a:pPr marL="0" indent="0">
               <a:buNone/>
             </a:pPr>
             <a:r>
-              <a:rPr lang="en-US" altLang="ko-KR" sz="2400" dirty="0"/>
-              <a:t>C++</a:t>
-            </a:r>
+              <a:rPr lang="en-US" altLang="ko-KR" sz="1600" dirty="0"/>
+              <a:t>Unity 2019</a:t>
+            </a:r>
+          </a:p>
+        </p:txBody>
+      </p:sp>
+      <p:pic>
+        <p:nvPicPr>
+          <p:cNvPr id="32" name="그림 31" descr="평야, 서있는이(가) 표시된 사진&#10;&#10;자동 생성된 설명">
+            <a:extLst>
+              <a:ext uri="{FF2B5EF4-FFF2-40B4-BE49-F238E27FC236}">
+                <a16:creationId xmlns:a16="http://schemas.microsoft.com/office/drawing/2014/main" id="{E38DCDF5-A817-4AAF-9A21-826EF4FE11C1}"/>
+              </a:ext>
+            </a:extLst>
+          </p:cNvPr>
+          <p:cNvPicPr>
+            <a:picLocks noChangeAspect="1"/>
+          </p:cNvPicPr>
+          <p:nvPr/>
+        </p:nvPicPr>
+        <p:blipFill>
+          <a:blip r:embed="rId6" cstate="print">
+            <a:extLst>
+              <a:ext uri="{28A0092B-C50C-407E-A947-70E740481C1C}">
+                <a14:useLocalDpi xmlns:a14="http://schemas.microsoft.com/office/drawing/2010/main" val="0"/>
+              </a:ext>
+            </a:extLst>
+          </a:blip>
+          <a:stretch>
+            <a:fillRect/>
+          </a:stretch>
+        </p:blipFill>
+        <p:spPr>
+          <a:xfrm>
+            <a:off x="794166" y="4486326"/>
+            <a:ext cx="814471" cy="814471"/>
+          </a:xfrm>
+          <a:prstGeom prst="rect">
+            <a:avLst/>
+          </a:prstGeom>
+        </p:spPr>
+      </p:pic>
+      <p:pic>
+        <p:nvPicPr>
+          <p:cNvPr id="33" name="그림 32" descr="표지판, 검은색, 그리기, 교통이(가) 표시된 사진&#10;&#10;자동 생성된 설명">
+            <a:extLst>
+              <a:ext uri="{FF2B5EF4-FFF2-40B4-BE49-F238E27FC236}">
+                <a16:creationId xmlns:a16="http://schemas.microsoft.com/office/drawing/2014/main" id="{EDBDB011-5A57-47C4-94CD-62FA4CADD990}"/>
+              </a:ext>
+            </a:extLst>
+          </p:cNvPr>
+          <p:cNvPicPr>
+            <a:picLocks noChangeAspect="1"/>
+          </p:cNvPicPr>
+          <p:nvPr/>
+        </p:nvPicPr>
+        <p:blipFill>
+          <a:blip r:embed="rId7" cstate="print">
+            <a:extLst>
+              <a:ext uri="{28A0092B-C50C-407E-A947-70E740481C1C}">
+                <a14:useLocalDpi xmlns:a14="http://schemas.microsoft.com/office/drawing/2010/main" val="0"/>
+              </a:ext>
+            </a:extLst>
+          </a:blip>
+          <a:stretch>
+            <a:fillRect/>
+          </a:stretch>
+        </p:blipFill>
+        <p:spPr>
+          <a:xfrm>
+            <a:off x="741137" y="5430213"/>
+            <a:ext cx="934571" cy="619524"/>
+          </a:xfrm>
+          <a:prstGeom prst="rect">
+            <a:avLst/>
+          </a:prstGeom>
+        </p:spPr>
+      </p:pic>
+      <p:sp>
+        <p:nvSpPr>
+          <p:cNvPr id="34" name="내용 개체 틀 2">
+            <a:extLst>
+              <a:ext uri="{FF2B5EF4-FFF2-40B4-BE49-F238E27FC236}">
+                <a16:creationId xmlns:a16="http://schemas.microsoft.com/office/drawing/2014/main" id="{79A8F939-C5E0-4B70-9503-44B6F34D0514}"/>
+              </a:ext>
+            </a:extLst>
+          </p:cNvPr>
+          <p:cNvSpPr txBox="1">
+            <a:spLocks/>
+          </p:cNvSpPr>
+          <p:nvPr/>
+        </p:nvSpPr>
+        <p:spPr>
+          <a:xfrm>
+            <a:off x="1924954" y="4700780"/>
+            <a:ext cx="2743200" cy="488254"/>
+          </a:xfrm>
+          <a:prstGeom prst="rect">
+            <a:avLst/>
+          </a:prstGeom>
+        </p:spPr>
+        <p:txBody>
+          <a:bodyPr vert="horz" lIns="91440" tIns="45720" rIns="91440" bIns="45720" rtlCol="0" anchor="ctr">
+            <a:normAutofit/>
+          </a:bodyPr>
+          <a:lstStyle>
+            <a:lvl1pPr marL="228600" indent="-228600" algn="l" defTabSz="914400" rtl="0" eaLnBrk="1" latinLnBrk="1" hangingPunct="1">
+              <a:lnSpc>
+                <a:spcPct val="90000"/>
+              </a:lnSpc>
+              <a:spcBef>
+                <a:spcPts val="1000"/>
+              </a:spcBef>
+              <a:buFont typeface="Arial" panose="020B0604020202020204" pitchFamily="34" charset="0"/>
+              <a:buChar char="•"/>
+              <a:defRPr sz="2800" kern="1200">
+                <a:solidFill>
+                  <a:schemeClr val="tx1"/>
+                </a:solidFill>
+                <a:latin typeface="+mn-lt"/>
+                <a:ea typeface="+mn-ea"/>
+                <a:cs typeface="+mn-cs"/>
+              </a:defRPr>
+            </a:lvl1pPr>
+            <a:lvl2pPr marL="685800" indent="-228600" algn="l" defTabSz="914400" rtl="0" eaLnBrk="1" latinLnBrk="1" hangingPunct="1">
+              <a:lnSpc>
+                <a:spcPct val="90000"/>
+              </a:lnSpc>
+              <a:spcBef>
+                <a:spcPts val="500"/>
+              </a:spcBef>
+              <a:buFont typeface="Arial" panose="020B0604020202020204" pitchFamily="34" charset="0"/>
+              <a:buChar char="•"/>
+              <a:defRPr sz="2400" kern="1200">
+                <a:solidFill>
+                  <a:schemeClr val="tx1"/>
+                </a:solidFill>
+                <a:latin typeface="+mn-lt"/>
+                <a:ea typeface="+mn-ea"/>
+                <a:cs typeface="+mn-cs"/>
+              </a:defRPr>
+            </a:lvl2pPr>
+            <a:lvl3pPr marL="1143000" indent="-228600" algn="l" defTabSz="914400" rtl="0" eaLnBrk="1" latinLnBrk="1" hangingPunct="1">
+              <a:lnSpc>
+                <a:spcPct val="90000"/>
+              </a:lnSpc>
+              <a:spcBef>
+                <a:spcPts val="500"/>
+              </a:spcBef>
+              <a:buFont typeface="Arial" panose="020B0604020202020204" pitchFamily="34" charset="0"/>
+              <a:buChar char="•"/>
+              <a:defRPr sz="2000" kern="1200">
+                <a:solidFill>
+                  <a:schemeClr val="tx1"/>
+                </a:solidFill>
+                <a:latin typeface="+mn-lt"/>
+                <a:ea typeface="+mn-ea"/>
+                <a:cs typeface="+mn-cs"/>
+              </a:defRPr>
+            </a:lvl3pPr>
+            <a:lvl4pPr marL="1600200" indent="-228600" algn="l" defTabSz="914400" rtl="0" eaLnBrk="1" latinLnBrk="1" hangingPunct="1">
+              <a:lnSpc>
+                <a:spcPct val="90000"/>
+              </a:lnSpc>
+              <a:spcBef>
+                <a:spcPts val="500"/>
+              </a:spcBef>
+              <a:buFont typeface="Arial" panose="020B0604020202020204" pitchFamily="34" charset="0"/>
+              <a:buChar char="•"/>
+              <a:defRPr sz="1800" kern="1200">
+                <a:solidFill>
+                  <a:schemeClr val="tx1"/>
+                </a:solidFill>
+                <a:latin typeface="+mn-lt"/>
+                <a:ea typeface="+mn-ea"/>
+                <a:cs typeface="+mn-cs"/>
+              </a:defRPr>
+            </a:lvl4pPr>
+            <a:lvl5pPr marL="2057400" indent="-228600" algn="l" defTabSz="914400" rtl="0" eaLnBrk="1" latinLnBrk="1" hangingPunct="1">
+              <a:lnSpc>
+                <a:spcPct val="90000"/>
+              </a:lnSpc>
+              <a:spcBef>
+                <a:spcPts val="500"/>
+              </a:spcBef>
+              <a:buFont typeface="Arial" panose="020B0604020202020204" pitchFamily="34" charset="0"/>
+              <a:buChar char="•"/>
+              <a:defRPr sz="1800" kern="1200">
+                <a:solidFill>
+                  <a:schemeClr val="tx1"/>
+                </a:solidFill>
+                <a:latin typeface="+mn-lt"/>
+                <a:ea typeface="+mn-ea"/>
+                <a:cs typeface="+mn-cs"/>
+              </a:defRPr>
+            </a:lvl5pPr>
+            <a:lvl6pPr marL="2514600" indent="-228600" algn="l" defTabSz="914400" rtl="0" eaLnBrk="1" latinLnBrk="1" hangingPunct="1">
+              <a:lnSpc>
+                <a:spcPct val="90000"/>
+              </a:lnSpc>
+              <a:spcBef>
+                <a:spcPts val="500"/>
+              </a:spcBef>
+              <a:buFont typeface="Arial" panose="020B0604020202020204" pitchFamily="34" charset="0"/>
+              <a:buChar char="•"/>
+              <a:defRPr sz="1800" kern="1200">
+                <a:solidFill>
+                  <a:schemeClr val="tx1"/>
+                </a:solidFill>
+                <a:latin typeface="+mn-lt"/>
+                <a:ea typeface="+mn-ea"/>
+                <a:cs typeface="+mn-cs"/>
+              </a:defRPr>
+            </a:lvl6pPr>
+            <a:lvl7pPr marL="2971800" indent="-228600" algn="l" defTabSz="914400" rtl="0" eaLnBrk="1" latinLnBrk="1" hangingPunct="1">
+              <a:lnSpc>
+                <a:spcPct val="90000"/>
+              </a:lnSpc>
+              <a:spcBef>
+                <a:spcPts val="500"/>
+              </a:spcBef>
+              <a:buFont typeface="Arial" panose="020B0604020202020204" pitchFamily="34" charset="0"/>
+              <a:buChar char="•"/>
+              <a:defRPr sz="1800" kern="1200">
+                <a:solidFill>
+                  <a:schemeClr val="tx1"/>
+                </a:solidFill>
+                <a:latin typeface="+mn-lt"/>
+                <a:ea typeface="+mn-ea"/>
+                <a:cs typeface="+mn-cs"/>
+              </a:defRPr>
+            </a:lvl7pPr>
+            <a:lvl8pPr marL="3429000" indent="-228600" algn="l" defTabSz="914400" rtl="0" eaLnBrk="1" latinLnBrk="1" hangingPunct="1">
+              <a:lnSpc>
+                <a:spcPct val="90000"/>
+              </a:lnSpc>
+              <a:spcBef>
+                <a:spcPts val="500"/>
+              </a:spcBef>
+              <a:buFont typeface="Arial" panose="020B0604020202020204" pitchFamily="34" charset="0"/>
+              <a:buChar char="•"/>
+              <a:defRPr sz="1800" kern="1200">
+                <a:solidFill>
+                  <a:schemeClr val="tx1"/>
+                </a:solidFill>
+                <a:latin typeface="+mn-lt"/>
+                <a:ea typeface="+mn-ea"/>
+                <a:cs typeface="+mn-cs"/>
+              </a:defRPr>
+            </a:lvl8pPr>
+            <a:lvl9pPr marL="3886200" indent="-228600" algn="l" defTabSz="914400" rtl="0" eaLnBrk="1" latinLnBrk="1" hangingPunct="1">
+              <a:lnSpc>
+                <a:spcPct val="90000"/>
+              </a:lnSpc>
+              <a:spcBef>
+                <a:spcPts val="500"/>
+              </a:spcBef>
+              <a:buFont typeface="Arial" panose="020B0604020202020204" pitchFamily="34" charset="0"/>
+              <a:buChar char="•"/>
+              <a:defRPr sz="1800" kern="1200">
+                <a:solidFill>
+                  <a:schemeClr val="tx1"/>
+                </a:solidFill>
+                <a:latin typeface="+mn-lt"/>
+                <a:ea typeface="+mn-ea"/>
+                <a:cs typeface="+mn-cs"/>
+              </a:defRPr>
+            </a:lvl9pPr>
+          </a:lstStyle>
+          <a:p>
+            <a:pPr marL="0" indent="0" latinLnBrk="0">
+              <a:buNone/>
+            </a:pPr>
+            <a:r>
+              <a:rPr lang="en-US" altLang="ko-KR" sz="1600" dirty="0"/>
+              <a:t>C++11/C++14/C++17</a:t>
+            </a:r>
+            <a:endParaRPr lang="ko-KR" altLang="en-US" sz="1600" dirty="0"/>
+          </a:p>
+        </p:txBody>
+      </p:sp>
+      <p:sp>
+        <p:nvSpPr>
+          <p:cNvPr id="36" name="내용 개체 틀 2">
+            <a:extLst>
+              <a:ext uri="{FF2B5EF4-FFF2-40B4-BE49-F238E27FC236}">
+                <a16:creationId xmlns:a16="http://schemas.microsoft.com/office/drawing/2014/main" id="{AAA5D6DE-8F48-4162-922C-1881CD974D7E}"/>
+              </a:ext>
+            </a:extLst>
+          </p:cNvPr>
+          <p:cNvSpPr txBox="1">
+            <a:spLocks/>
+          </p:cNvSpPr>
+          <p:nvPr/>
+        </p:nvSpPr>
+        <p:spPr>
+          <a:xfrm>
+            <a:off x="1924954" y="5486185"/>
+            <a:ext cx="3487535" cy="488254"/>
+          </a:xfrm>
+          <a:prstGeom prst="rect">
+            <a:avLst/>
+          </a:prstGeom>
+        </p:spPr>
+        <p:txBody>
+          <a:bodyPr vert="horz" lIns="91440" tIns="45720" rIns="91440" bIns="45720" rtlCol="0" anchor="ctr">
+            <a:normAutofit/>
+          </a:bodyPr>
+          <a:lstStyle>
+            <a:lvl1pPr marL="228600" indent="-228600" algn="l" defTabSz="914400" rtl="0" eaLnBrk="1" latinLnBrk="1" hangingPunct="1">
+              <a:lnSpc>
+                <a:spcPct val="90000"/>
+              </a:lnSpc>
+              <a:spcBef>
+                <a:spcPts val="1000"/>
+              </a:spcBef>
+              <a:buFont typeface="Arial" panose="020B0604020202020204" pitchFamily="34" charset="0"/>
+              <a:buChar char="•"/>
+              <a:defRPr sz="2800" kern="1200">
+                <a:solidFill>
+                  <a:schemeClr val="tx1"/>
+                </a:solidFill>
+                <a:latin typeface="+mn-lt"/>
+                <a:ea typeface="+mn-ea"/>
+                <a:cs typeface="+mn-cs"/>
+              </a:defRPr>
+            </a:lvl1pPr>
+            <a:lvl2pPr marL="685800" indent="-228600" algn="l" defTabSz="914400" rtl="0" eaLnBrk="1" latinLnBrk="1" hangingPunct="1">
+              <a:lnSpc>
+                <a:spcPct val="90000"/>
+              </a:lnSpc>
+              <a:spcBef>
+                <a:spcPts val="500"/>
+              </a:spcBef>
+              <a:buFont typeface="Arial" panose="020B0604020202020204" pitchFamily="34" charset="0"/>
+              <a:buChar char="•"/>
+              <a:defRPr sz="2400" kern="1200">
+                <a:solidFill>
+                  <a:schemeClr val="tx1"/>
+                </a:solidFill>
+                <a:latin typeface="+mn-lt"/>
+                <a:ea typeface="+mn-ea"/>
+                <a:cs typeface="+mn-cs"/>
+              </a:defRPr>
+            </a:lvl2pPr>
+            <a:lvl3pPr marL="1143000" indent="-228600" algn="l" defTabSz="914400" rtl="0" eaLnBrk="1" latinLnBrk="1" hangingPunct="1">
+              <a:lnSpc>
+                <a:spcPct val="90000"/>
+              </a:lnSpc>
+              <a:spcBef>
+                <a:spcPts val="500"/>
+              </a:spcBef>
+              <a:buFont typeface="Arial" panose="020B0604020202020204" pitchFamily="34" charset="0"/>
+              <a:buChar char="•"/>
+              <a:defRPr sz="2000" kern="1200">
+                <a:solidFill>
+                  <a:schemeClr val="tx1"/>
+                </a:solidFill>
+                <a:latin typeface="+mn-lt"/>
+                <a:ea typeface="+mn-ea"/>
+                <a:cs typeface="+mn-cs"/>
+              </a:defRPr>
+            </a:lvl3pPr>
+            <a:lvl4pPr marL="1600200" indent="-228600" algn="l" defTabSz="914400" rtl="0" eaLnBrk="1" latinLnBrk="1" hangingPunct="1">
+              <a:lnSpc>
+                <a:spcPct val="90000"/>
+              </a:lnSpc>
+              <a:spcBef>
+                <a:spcPts val="500"/>
+              </a:spcBef>
+              <a:buFont typeface="Arial" panose="020B0604020202020204" pitchFamily="34" charset="0"/>
+              <a:buChar char="•"/>
+              <a:defRPr sz="1800" kern="1200">
+                <a:solidFill>
+                  <a:schemeClr val="tx1"/>
+                </a:solidFill>
+                <a:latin typeface="+mn-lt"/>
+                <a:ea typeface="+mn-ea"/>
+                <a:cs typeface="+mn-cs"/>
+              </a:defRPr>
+            </a:lvl4pPr>
+            <a:lvl5pPr marL="2057400" indent="-228600" algn="l" defTabSz="914400" rtl="0" eaLnBrk="1" latinLnBrk="1" hangingPunct="1">
+              <a:lnSpc>
+                <a:spcPct val="90000"/>
+              </a:lnSpc>
+              <a:spcBef>
+                <a:spcPts val="500"/>
+              </a:spcBef>
+              <a:buFont typeface="Arial" panose="020B0604020202020204" pitchFamily="34" charset="0"/>
+              <a:buChar char="•"/>
+              <a:defRPr sz="1800" kern="1200">
+                <a:solidFill>
+                  <a:schemeClr val="tx1"/>
+                </a:solidFill>
+                <a:latin typeface="+mn-lt"/>
+                <a:ea typeface="+mn-ea"/>
+                <a:cs typeface="+mn-cs"/>
+              </a:defRPr>
+            </a:lvl5pPr>
+            <a:lvl6pPr marL="2514600" indent="-228600" algn="l" defTabSz="914400" rtl="0" eaLnBrk="1" latinLnBrk="1" hangingPunct="1">
+              <a:lnSpc>
+                <a:spcPct val="90000"/>
+              </a:lnSpc>
+              <a:spcBef>
+                <a:spcPts val="500"/>
+              </a:spcBef>
+              <a:buFont typeface="Arial" panose="020B0604020202020204" pitchFamily="34" charset="0"/>
+              <a:buChar char="•"/>
+              <a:defRPr sz="1800" kern="1200">
+                <a:solidFill>
+                  <a:schemeClr val="tx1"/>
+                </a:solidFill>
+                <a:latin typeface="+mn-lt"/>
+                <a:ea typeface="+mn-ea"/>
+                <a:cs typeface="+mn-cs"/>
+              </a:defRPr>
+            </a:lvl6pPr>
+            <a:lvl7pPr marL="2971800" indent="-228600" algn="l" defTabSz="914400" rtl="0" eaLnBrk="1" latinLnBrk="1" hangingPunct="1">
+              <a:lnSpc>
+                <a:spcPct val="90000"/>
+              </a:lnSpc>
+              <a:spcBef>
+                <a:spcPts val="500"/>
+              </a:spcBef>
+              <a:buFont typeface="Arial" panose="020B0604020202020204" pitchFamily="34" charset="0"/>
+              <a:buChar char="•"/>
+              <a:defRPr sz="1800" kern="1200">
+                <a:solidFill>
+                  <a:schemeClr val="tx1"/>
+                </a:solidFill>
+                <a:latin typeface="+mn-lt"/>
+                <a:ea typeface="+mn-ea"/>
+                <a:cs typeface="+mn-cs"/>
+              </a:defRPr>
+            </a:lvl7pPr>
+            <a:lvl8pPr marL="3429000" indent="-228600" algn="l" defTabSz="914400" rtl="0" eaLnBrk="1" latinLnBrk="1" hangingPunct="1">
+              <a:lnSpc>
+                <a:spcPct val="90000"/>
+              </a:lnSpc>
+              <a:spcBef>
+                <a:spcPts val="500"/>
+              </a:spcBef>
+              <a:buFont typeface="Arial" panose="020B0604020202020204" pitchFamily="34" charset="0"/>
+              <a:buChar char="•"/>
+              <a:defRPr sz="1800" kern="1200">
+                <a:solidFill>
+                  <a:schemeClr val="tx1"/>
+                </a:solidFill>
+                <a:latin typeface="+mn-lt"/>
+                <a:ea typeface="+mn-ea"/>
+                <a:cs typeface="+mn-cs"/>
+              </a:defRPr>
+            </a:lvl8pPr>
+            <a:lvl9pPr marL="3886200" indent="-228600" algn="l" defTabSz="914400" rtl="0" eaLnBrk="1" latinLnBrk="1" hangingPunct="1">
+              <a:lnSpc>
+                <a:spcPct val="90000"/>
+              </a:lnSpc>
+              <a:spcBef>
+                <a:spcPts val="500"/>
+              </a:spcBef>
+              <a:buFont typeface="Arial" panose="020B0604020202020204" pitchFamily="34" charset="0"/>
+              <a:buChar char="•"/>
+              <a:defRPr sz="1800" kern="1200">
+                <a:solidFill>
+                  <a:schemeClr val="tx1"/>
+                </a:solidFill>
+                <a:latin typeface="+mn-lt"/>
+                <a:ea typeface="+mn-ea"/>
+                <a:cs typeface="+mn-cs"/>
+              </a:defRPr>
+            </a:lvl9pPr>
+          </a:lstStyle>
+          <a:p>
+            <a:pPr marL="0" indent="0" latinLnBrk="0">
+              <a:buNone/>
+            </a:pPr>
+            <a:r>
+              <a:rPr lang="en-US" altLang="ko-KR" sz="1600" dirty="0"/>
+              <a:t>Nvidia CUDA Toolkit 10.1 Update 2</a:t>
+            </a:r>
+            <a:endParaRPr lang="ko-KR" altLang="en-US" sz="1600" dirty="0"/>
           </a:p>
         </p:txBody>
       </p:sp>
@@ -7517,29 +7939,6 @@
       </p:grpSpPr>
       <p:sp>
         <p:nvSpPr>
-          <p:cNvPr id="2" name="제목 1"/>
-          <p:cNvSpPr>
-            <a:spLocks noGrp="1"/>
-          </p:cNvSpPr>
-          <p:nvPr>
-            <p:ph type="title"/>
-          </p:nvPr>
-        </p:nvSpPr>
-        <p:spPr/>
-        <p:txBody>
-          <a:bodyPr/>
-          <a:lstStyle/>
-          <a:p>
-            <a:r>
-              <a:rPr lang="ko-KR" altLang="en-US" dirty="0"/>
-              <a:t>개발 환경</a:t>
-            </a:r>
-            <a:endParaRPr lang="en-US" altLang="ko-KR" dirty="0"/>
-          </a:p>
-        </p:txBody>
-      </p:sp>
-      <p:sp>
-        <p:nvSpPr>
           <p:cNvPr id="3" name="내용 개체 틀 2"/>
           <p:cNvSpPr>
             <a:spLocks noGrp="1"/>
@@ -7565,6 +7964,141 @@
             <a:r>
               <a:rPr lang="en-US" altLang="ko-KR" dirty="0" err="1"/>
               <a:t>Github</a:t>
+            </a:r>
+            <a:endParaRPr lang="en-US" altLang="ko-KR" dirty="0"/>
+          </a:p>
+        </p:txBody>
+      </p:sp>
+      <p:sp>
+        <p:nvSpPr>
+          <p:cNvPr id="24" name="직사각형 23">
+            <a:extLst>
+              <a:ext uri="{FF2B5EF4-FFF2-40B4-BE49-F238E27FC236}">
+                <a16:creationId xmlns:a16="http://schemas.microsoft.com/office/drawing/2014/main" id="{867EC09C-2707-4937-900E-92DCACD7B1E0}"/>
+              </a:ext>
+            </a:extLst>
+          </p:cNvPr>
+          <p:cNvSpPr/>
+          <p:nvPr/>
+        </p:nvSpPr>
+        <p:spPr>
+          <a:xfrm>
+            <a:off x="7949682" y="1531229"/>
+            <a:ext cx="3404118" cy="912859"/>
+          </a:xfrm>
+          <a:prstGeom prst="rect">
+            <a:avLst/>
+          </a:prstGeom>
+          <a:noFill/>
+          <a:ln w="28575">
+            <a:solidFill>
+              <a:schemeClr val="tx1"/>
+            </a:solidFill>
+          </a:ln>
+        </p:spPr>
+        <p:style>
+          <a:lnRef idx="2">
+            <a:schemeClr val="accent1">
+              <a:shade val="50000"/>
+            </a:schemeClr>
+          </a:lnRef>
+          <a:fillRef idx="1">
+            <a:schemeClr val="accent1"/>
+          </a:fillRef>
+          <a:effectRef idx="0">
+            <a:schemeClr val="accent1"/>
+          </a:effectRef>
+          <a:fontRef idx="minor">
+            <a:schemeClr val="lt1"/>
+          </a:fontRef>
+        </p:style>
+        <p:txBody>
+          <a:bodyPr rtlCol="0" anchor="t"/>
+          <a:lstStyle/>
+          <a:p>
+            <a:r>
+              <a:rPr lang="en-US" altLang="ko-KR" sz="200" dirty="0"/>
+              <a:t> </a:t>
+            </a:r>
+          </a:p>
+          <a:p>
+            <a:endParaRPr lang="en-US" altLang="ko-KR" sz="100" dirty="0"/>
+          </a:p>
+          <a:p>
+            <a:r>
+              <a:rPr lang="ko-KR" altLang="en-US" sz="1400" dirty="0"/>
+              <a:t> 김수혁</a:t>
+            </a:r>
+            <a:r>
+              <a:rPr lang="en-US" altLang="ko-KR" sz="1400" dirty="0"/>
+              <a:t>: </a:t>
+            </a:r>
+            <a:r>
+              <a:rPr lang="en-US" altLang="ko-KR" sz="1400" dirty="0">
+                <a:hlinkClick r:id="rId2"/>
+              </a:rPr>
+              <a:t>https://github.com/hrmrzizon</a:t>
+            </a:r>
+            <a:endParaRPr lang="en-US" altLang="ko-KR" sz="1400" dirty="0"/>
+          </a:p>
+          <a:p>
+            <a:r>
+              <a:rPr lang="ko-KR" altLang="en-US" sz="1400" dirty="0"/>
+              <a:t> </a:t>
+            </a:r>
+            <a:r>
+              <a:rPr lang="ko-KR" altLang="en-US" sz="1400" dirty="0" err="1"/>
+              <a:t>김한상</a:t>
+            </a:r>
+            <a:r>
+              <a:rPr lang="en-US" altLang="ko-KR" sz="1400" dirty="0"/>
+              <a:t>: </a:t>
+            </a:r>
+            <a:r>
+              <a:rPr lang="en-US" altLang="ko-KR" sz="1400" dirty="0">
+                <a:hlinkClick r:id="rId3"/>
+              </a:rPr>
+              <a:t>https://github.com/banetta</a:t>
+            </a:r>
+            <a:endParaRPr lang="en-US" altLang="ko-KR" sz="1400" dirty="0"/>
+          </a:p>
+          <a:p>
+            <a:r>
+              <a:rPr lang="ko-KR" altLang="en-US" sz="1400" dirty="0"/>
+              <a:t> 정지윤</a:t>
+            </a:r>
+            <a:r>
+              <a:rPr lang="en-US" altLang="ko-KR" sz="1400" dirty="0"/>
+              <a:t>: </a:t>
+            </a:r>
+            <a:r>
+              <a:rPr lang="en-US" altLang="ko-KR" sz="1400" dirty="0">
+                <a:hlinkClick r:id="rId4"/>
+              </a:rPr>
+              <a:t>https://github.com/jiyun-jiyun</a:t>
+            </a:r>
+            <a:endParaRPr lang="ko-KR" altLang="en-US" sz="1400" dirty="0"/>
+          </a:p>
+        </p:txBody>
+      </p:sp>
+      <p:sp>
+        <p:nvSpPr>
+          <p:cNvPr id="2" name="제목 1"/>
+          <p:cNvSpPr>
+            <a:spLocks noGrp="1"/>
+          </p:cNvSpPr>
+          <p:nvPr>
+            <p:ph type="title"/>
+          </p:nvPr>
+        </p:nvSpPr>
+        <p:spPr/>
+        <p:txBody>
+          <a:bodyPr/>
+          <a:lstStyle/>
+          <a:p>
+            <a:r>
+              <a:rPr lang="ko-KR" altLang="en-US" dirty="0"/>
+              <a:t>개발 환경</a:t>
             </a:r>
             <a:endParaRPr lang="en-US" altLang="ko-KR" dirty="0"/>
           </a:p>
@@ -8206,15 +8740,9 @@
             </a:pPr>
             <a:r>
               <a:rPr lang="en-US" altLang="ko-KR" sz="1600" dirty="0">
-                <a:hlinkClick r:id="rId2"/>
+                <a:hlinkClick r:id="rId5"/>
               </a:rPr>
-              <a:t>https://github.com/SEETHELIGHTS/</a:t>
-            </a:r>
-            <a:r>
-              <a:rPr lang="en-US" altLang="ko-KR" sz="1600" dirty="0">
-                <a:hlinkClick r:id="rId3"/>
-              </a:rPr>
-              <a:t>CapstonePlanning</a:t>
+              <a:t>https://github.com/SEETHELIGHTS/CapstonePlanning</a:t>
             </a:r>
             <a:endParaRPr lang="en-US" altLang="ko-KR" sz="1600" dirty="0"/>
           </a:p>
@@ -8426,7 +8954,7 @@
             </a:pPr>
             <a:r>
               <a:rPr lang="en-US" altLang="ko-KR" sz="1600" dirty="0">
-                <a:hlinkClick r:id="rId4"/>
+                <a:hlinkClick r:id="rId6"/>
               </a:rPr>
               <a:t>https://github.com/SEETHELIGHTS/RadianceGrabber</a:t>
             </a:r>
@@ -8640,15 +9168,9 @@
             </a:pPr>
             <a:r>
               <a:rPr lang="en-US" altLang="ko-KR" sz="1600" dirty="0">
-                <a:hlinkClick r:id="rId2"/>
+                <a:hlinkClick r:id="rId7"/>
               </a:rPr>
-              <a:t>https://github.com/SEETHELIGHTS/</a:t>
-            </a:r>
-            <a:r>
-              <a:rPr lang="en-US" altLang="ko-KR" sz="1600" dirty="0">
-                <a:hlinkClick r:id="rId5"/>
-              </a:rPr>
-              <a:t>CapstoneDesign</a:t>
+              <a:t>https://github.com/SEETHELIGHTS/CapstoneDesign</a:t>
             </a:r>
             <a:endParaRPr lang="en-US" altLang="ko-KR" sz="1600" dirty="0"/>
           </a:p>
@@ -8704,7 +9226,7 @@
             <a:pPr algn="ctr"/>
             <a:r>
               <a:rPr lang="en-US" altLang="ko-KR" dirty="0"/>
-              <a:t>submodule</a:t>
+              <a:t>submodule/ref</a:t>
             </a:r>
             <a:endParaRPr lang="ko-KR" altLang="en-US" dirty="0"/>
           </a:p>
@@ -8760,7 +9282,7 @@
             <a:pPr algn="ctr"/>
             <a:r>
               <a:rPr lang="en-US" altLang="ko-KR" dirty="0"/>
-              <a:t>submodule</a:t>
+              <a:t>submodule/ref</a:t>
             </a:r>
             <a:endParaRPr lang="ko-KR" altLang="en-US" dirty="0"/>
           </a:p>
@@ -8832,8 +9354,8 @@
         </p:nvSpPr>
         <p:spPr>
           <a:xfrm>
-            <a:off x="7949682" y="2204667"/>
-            <a:ext cx="3404118" cy="481421"/>
+            <a:off x="7977570" y="2285635"/>
+            <a:ext cx="3357568" cy="316907"/>
           </a:xfrm>
           <a:prstGeom prst="rect">
             <a:avLst/>
@@ -8994,6 +9516,64 @@
           </a:fontRef>
         </p:style>
       </p:cxnSp>
+      <p:sp>
+        <p:nvSpPr>
+          <p:cNvPr id="4" name="날짜 개체 틀 3">
+            <a:extLst>
+              <a:ext uri="{FF2B5EF4-FFF2-40B4-BE49-F238E27FC236}">
+                <a16:creationId xmlns:a16="http://schemas.microsoft.com/office/drawing/2014/main" id="{B8C245E2-7CEB-4A29-B973-D3CABB102D7F}"/>
+              </a:ext>
+            </a:extLst>
+          </p:cNvPr>
+          <p:cNvSpPr>
+            <a:spLocks noGrp="1"/>
+          </p:cNvSpPr>
+          <p:nvPr>
+            <p:ph type="dt" sz="half" idx="10"/>
+          </p:nvPr>
+        </p:nvSpPr>
+        <p:spPr/>
+        <p:txBody>
+          <a:bodyPr/>
+          <a:lstStyle/>
+          <a:p>
+            <a:r>
+              <a:rPr lang="en-US" altLang="ko-KR"/>
+              <a:t>2019-11-10</a:t>
+            </a:r>
+            <a:endParaRPr lang="ko-KR" altLang="en-US"/>
+          </a:p>
+        </p:txBody>
+      </p:sp>
+      <p:sp>
+        <p:nvSpPr>
+          <p:cNvPr id="5" name="바닥글 개체 틀 4">
+            <a:extLst>
+              <a:ext uri="{FF2B5EF4-FFF2-40B4-BE49-F238E27FC236}">
+                <a16:creationId xmlns:a16="http://schemas.microsoft.com/office/drawing/2014/main" id="{403CE3E8-47B3-4CA0-8786-948827FE9B61}"/>
+              </a:ext>
+            </a:extLst>
+          </p:cNvPr>
+          <p:cNvSpPr>
+            <a:spLocks noGrp="1"/>
+          </p:cNvSpPr>
+          <p:nvPr>
+            <p:ph type="ftr" sz="quarter" idx="11"/>
+          </p:nvPr>
+        </p:nvSpPr>
+        <p:spPr/>
+        <p:txBody>
+          <a:bodyPr/>
+          <a:lstStyle/>
+          <a:p>
+            <a:r>
+              <a:rPr lang="en-US" altLang="ko-KR"/>
+              <a:t>SEETHELIGHTS</a:t>
+            </a:r>
+            <a:endParaRPr lang="ko-KR" altLang="en-US"/>
+          </a:p>
+        </p:txBody>
+      </p:sp>
     </p:spTree>
     <p:extLst>
       <p:ext uri="{BB962C8B-B14F-4D97-AF65-F5344CB8AC3E}">
@@ -9059,48 +9639,181 @@
         </p:nvSpPr>
         <p:spPr/>
         <p:txBody>
-          <a:bodyPr/>
+          <a:bodyPr>
+            <a:normAutofit lnSpcReduction="10000"/>
+          </a:bodyPr>
           <a:lstStyle/>
           <a:p>
             <a:r>
               <a:rPr lang="en-US" altLang="ko-KR" dirty="0"/>
-              <a:t>Unity Plugin : overlapping</a:t>
+              <a:t>Unity Plugin/Invoker(C#)</a:t>
             </a:r>
           </a:p>
           <a:p>
             <a:pPr lvl="1"/>
             <a:r>
+              <a:rPr lang="en-US" altLang="ko-KR" dirty="0"/>
+              <a:t>Unity </a:t>
+            </a:r>
+            <a:r>
               <a:rPr lang="ko-KR" altLang="en-US" dirty="0"/>
-              <a:t>어찌 </a:t>
-            </a:r>
-            <a:r>
-              <a:rPr lang="ko-KR" altLang="en-US" dirty="0" err="1"/>
-              <a:t>허쉴</a:t>
+              <a:t>의 렌더링 데이터 수집</a:t>
             </a:r>
             <a:r>
               <a:rPr lang="en-US" altLang="ko-KR" dirty="0"/>
-              <a:t>?</a:t>
-            </a:r>
-          </a:p>
-          <a:p>
+              <a:t>: </a:t>
+            </a:r>
+            <a:r>
+              <a:rPr lang="ko-KR" altLang="en-US" dirty="0"/>
+              <a:t>각 프레임의 데이터</a:t>
+            </a:r>
             <a:r>
               <a:rPr lang="en-US" altLang="ko-KR" dirty="0"/>
-              <a:t>Pure Estimator : core function</a:t>
+              <a:t>, </a:t>
+            </a:r>
+            <a:r>
+              <a:rPr lang="ko-KR" altLang="en-US" dirty="0"/>
+              <a:t>프레임별 시간차</a:t>
+            </a:r>
+            <a:endParaRPr lang="en-US" altLang="ko-KR" dirty="0"/>
+          </a:p>
+          <a:p>
+            <a:pPr lvl="2"/>
+            <a:r>
+              <a:rPr lang="en-US" altLang="ko-KR" dirty="0"/>
+              <a:t>Graphics driver </a:t>
+            </a:r>
+            <a:r>
+              <a:rPr lang="ko-KR" altLang="en-US" dirty="0"/>
+              <a:t>데이터</a:t>
+            </a:r>
+            <a:r>
+              <a:rPr lang="en-US" altLang="ko-KR" dirty="0"/>
+              <a:t>(vertex, index buffer, texture)</a:t>
+            </a:r>
+          </a:p>
+          <a:p>
+            <a:pPr lvl="2"/>
+            <a:r>
+              <a:rPr lang="en-US" altLang="ko-KR" dirty="0"/>
+              <a:t>Named</a:t>
+            </a:r>
+            <a:r>
+              <a:rPr lang="ko-KR" altLang="en-US" dirty="0"/>
+              <a:t> </a:t>
+            </a:r>
+            <a:r>
+              <a:rPr lang="en-US" altLang="ko-KR" dirty="0"/>
+              <a:t>shader -&gt;</a:t>
+            </a:r>
+            <a:r>
+              <a:rPr lang="ko-KR" altLang="en-US" dirty="0"/>
+              <a:t> </a:t>
+            </a:r>
+            <a:r>
+              <a:rPr lang="en-US" altLang="ko-KR" dirty="0"/>
+              <a:t>BSDF </a:t>
+            </a:r>
+          </a:p>
+          <a:p>
+            <a:pPr lvl="2"/>
+            <a:r>
+              <a:rPr lang="ko-KR" altLang="en-US" dirty="0"/>
+              <a:t>모든 </a:t>
+            </a:r>
+            <a:r>
+              <a:rPr lang="en-US" altLang="ko-KR" dirty="0" err="1"/>
+              <a:t>MeshRenderer</a:t>
+            </a:r>
+            <a:r>
+              <a:rPr lang="ko-KR" altLang="en-US" dirty="0"/>
+              <a:t>의 </a:t>
+            </a:r>
+            <a:r>
+              <a:rPr lang="en-US" altLang="ko-KR" dirty="0"/>
+              <a:t>transformation matrix</a:t>
             </a:r>
           </a:p>
           <a:p>
             <a:pPr lvl="1"/>
             <a:r>
               <a:rPr lang="ko-KR" altLang="en-US" dirty="0"/>
-              <a:t>어찌 </a:t>
-            </a:r>
-            <a:r>
-              <a:rPr lang="ko-KR" altLang="en-US" dirty="0" err="1"/>
-              <a:t>허쉴</a:t>
+              <a:t>에디터 상의 결과 이미지 뷰어</a:t>
+            </a:r>
+            <a:endParaRPr lang="en-US" altLang="ko-KR" dirty="0"/>
+          </a:p>
+          <a:p>
+            <a:pPr lvl="1"/>
+            <a:r>
+              <a:rPr lang="ko-KR" altLang="en-US" dirty="0"/>
+              <a:t>여러 개의 이미지를 통한 영상 녹화</a:t>
             </a:r>
             <a:r>
               <a:rPr lang="en-US" altLang="ko-KR" dirty="0"/>
-              <a:t>?</a:t>
+              <a:t>: </a:t>
+            </a:r>
+            <a:r>
+              <a:rPr lang="ko-KR" altLang="en-US" dirty="0"/>
+              <a:t>오픈소스 혹은 제공 기능 사용</a:t>
+            </a:r>
+            <a:endParaRPr lang="en-US" altLang="ko-KR" dirty="0"/>
+          </a:p>
+          <a:p>
+            <a:r>
+              <a:rPr lang="en-US" altLang="ko-KR" dirty="0"/>
+              <a:t>Path-Tracer(C++/CUDA)</a:t>
+            </a:r>
+          </a:p>
+          <a:p>
+            <a:pPr lvl="1"/>
+            <a:r>
+              <a:rPr lang="en-US" altLang="ko-KR" dirty="0"/>
+              <a:t>Graphics driver </a:t>
+            </a:r>
+            <a:r>
+              <a:rPr lang="ko-KR" altLang="en-US" dirty="0"/>
+              <a:t>데이터 </a:t>
+            </a:r>
+            <a:r>
+              <a:rPr lang="en-US" altLang="ko-KR" dirty="0"/>
+              <a:t>-&gt; </a:t>
+            </a:r>
+            <a:r>
+              <a:rPr lang="ko-KR" altLang="en-US" dirty="0"/>
+              <a:t>가공된 데이터</a:t>
+            </a:r>
+            <a:r>
+              <a:rPr lang="en-US" altLang="ko-KR" dirty="0"/>
+              <a:t> (device and host)</a:t>
+            </a:r>
+          </a:p>
+          <a:p>
+            <a:pPr lvl="1"/>
+            <a:r>
+              <a:rPr lang="en-US" altLang="ko-KR" dirty="0"/>
+              <a:t>Framework: </a:t>
+            </a:r>
+            <a:r>
+              <a:rPr lang="ko-KR" altLang="en-US" dirty="0"/>
+              <a:t>기본 연산 기능</a:t>
+            </a:r>
+            <a:r>
+              <a:rPr lang="en-US" altLang="ko-KR" dirty="0"/>
+              <a:t>(device and host), camera, BSDF (device)</a:t>
+            </a:r>
+          </a:p>
+          <a:p>
+            <a:pPr lvl="1"/>
+            <a:r>
+              <a:rPr lang="en-US" altLang="ko-KR" dirty="0"/>
+              <a:t>Acceleration structure: BVH, LVBH, ..(device or host)</a:t>
+            </a:r>
+          </a:p>
+          <a:p>
+            <a:pPr lvl="1"/>
+            <a:r>
+              <a:rPr lang="en-US" altLang="ko-KR" dirty="0"/>
+              <a:t>MLT, bidirectional path tracing (device)</a:t>
             </a:r>
           </a:p>
         </p:txBody>
@@ -9130,6 +9843,64 @@
               <a:rPr lang="ko-KR" altLang="en-US" smtClean="0"/>
               <a:t>13</a:t>
             </a:fld>
+            <a:endParaRPr lang="ko-KR" altLang="en-US"/>
+          </a:p>
+        </p:txBody>
+      </p:sp>
+      <p:sp>
+        <p:nvSpPr>
+          <p:cNvPr id="4" name="날짜 개체 틀 3">
+            <a:extLst>
+              <a:ext uri="{FF2B5EF4-FFF2-40B4-BE49-F238E27FC236}">
+                <a16:creationId xmlns:a16="http://schemas.microsoft.com/office/drawing/2014/main" id="{D6D20A44-468C-4FA8-A972-C55A81D126FA}"/>
+              </a:ext>
+            </a:extLst>
+          </p:cNvPr>
+          <p:cNvSpPr>
+            <a:spLocks noGrp="1"/>
+          </p:cNvSpPr>
+          <p:nvPr>
+            <p:ph type="dt" sz="half" idx="10"/>
+          </p:nvPr>
+        </p:nvSpPr>
+        <p:spPr/>
+        <p:txBody>
+          <a:bodyPr/>
+          <a:lstStyle/>
+          <a:p>
+            <a:r>
+              <a:rPr lang="en-US" altLang="ko-KR"/>
+              <a:t>2019-11-10</a:t>
+            </a:r>
+            <a:endParaRPr lang="ko-KR" altLang="en-US"/>
+          </a:p>
+        </p:txBody>
+      </p:sp>
+      <p:sp>
+        <p:nvSpPr>
+          <p:cNvPr id="5" name="바닥글 개체 틀 4">
+            <a:extLst>
+              <a:ext uri="{FF2B5EF4-FFF2-40B4-BE49-F238E27FC236}">
+                <a16:creationId xmlns:a16="http://schemas.microsoft.com/office/drawing/2014/main" id="{4FF24EF1-4704-422C-B957-350C518F3D05}"/>
+              </a:ext>
+            </a:extLst>
+          </p:cNvPr>
+          <p:cNvSpPr>
+            <a:spLocks noGrp="1"/>
+          </p:cNvSpPr>
+          <p:nvPr>
+            <p:ph type="ftr" sz="quarter" idx="11"/>
+          </p:nvPr>
+        </p:nvSpPr>
+        <p:spPr/>
+        <p:txBody>
+          <a:bodyPr/>
+          <a:lstStyle/>
+          <a:p>
+            <a:r>
+              <a:rPr lang="en-US" altLang="ko-KR"/>
+              <a:t>SEETHELIGHTS</a:t>
+            </a:r>
             <a:endParaRPr lang="ko-KR" altLang="en-US"/>
           </a:p>
         </p:txBody>
@@ -13969,6 +14740,64 @@
           </a:p>
         </p:txBody>
       </p:sp>
+      <p:sp>
+        <p:nvSpPr>
+          <p:cNvPr id="3" name="날짜 개체 틀 2">
+            <a:extLst>
+              <a:ext uri="{FF2B5EF4-FFF2-40B4-BE49-F238E27FC236}">
+                <a16:creationId xmlns:a16="http://schemas.microsoft.com/office/drawing/2014/main" id="{CF918100-D3E1-4661-9AAC-B7C82017500A}"/>
+              </a:ext>
+            </a:extLst>
+          </p:cNvPr>
+          <p:cNvSpPr>
+            <a:spLocks noGrp="1"/>
+          </p:cNvSpPr>
+          <p:nvPr>
+            <p:ph type="dt" sz="half" idx="10"/>
+          </p:nvPr>
+        </p:nvSpPr>
+        <p:spPr/>
+        <p:txBody>
+          <a:bodyPr/>
+          <a:lstStyle/>
+          <a:p>
+            <a:r>
+              <a:rPr lang="en-US" altLang="ko-KR"/>
+              <a:t>2019-11-10</a:t>
+            </a:r>
+            <a:endParaRPr lang="ko-KR" altLang="en-US"/>
+          </a:p>
+        </p:txBody>
+      </p:sp>
+      <p:sp>
+        <p:nvSpPr>
+          <p:cNvPr id="5" name="바닥글 개체 틀 4">
+            <a:extLst>
+              <a:ext uri="{FF2B5EF4-FFF2-40B4-BE49-F238E27FC236}">
+                <a16:creationId xmlns:a16="http://schemas.microsoft.com/office/drawing/2014/main" id="{B8C6B6F3-5F29-49CA-8D39-CE9A539144C4}"/>
+              </a:ext>
+            </a:extLst>
+          </p:cNvPr>
+          <p:cNvSpPr>
+            <a:spLocks noGrp="1"/>
+          </p:cNvSpPr>
+          <p:nvPr>
+            <p:ph type="ftr" sz="quarter" idx="11"/>
+          </p:nvPr>
+        </p:nvSpPr>
+        <p:spPr/>
+        <p:txBody>
+          <a:bodyPr/>
+          <a:lstStyle/>
+          <a:p>
+            <a:r>
+              <a:rPr lang="en-US" altLang="ko-KR"/>
+              <a:t>SEETHELIGHTS</a:t>
+            </a:r>
+            <a:endParaRPr lang="ko-KR" altLang="en-US"/>
+          </a:p>
+        </p:txBody>
+      </p:sp>
     </p:spTree>
     <p:extLst>
       <p:ext uri="{BB962C8B-B14F-4D97-AF65-F5344CB8AC3E}">
@@ -14015,10 +14844,9 @@
           <a:lstStyle/>
           <a:p>
             <a:r>
-              <a:rPr lang="en-US" altLang="ko-KR" dirty="0"/>
-              <a:t>References</a:t>
-            </a:r>
-            <a:endParaRPr lang="ko-KR" altLang="en-US" dirty="0"/>
+              <a:rPr lang="ko-KR" altLang="en-US" dirty="0"/>
+              <a:t>필요 기술 및 참고 문헌</a:t>
+            </a:r>
           </a:p>
         </p:txBody>
       </p:sp>
@@ -14032,7 +14860,12 @@
             <p:ph idx="1"/>
           </p:nvPr>
         </p:nvSpPr>
-        <p:spPr/>
+        <p:spPr>
+          <a:xfrm>
+            <a:off x="838200" y="1825625"/>
+            <a:ext cx="10515600" cy="4351338"/>
+          </a:xfrm>
+        </p:spPr>
         <p:txBody>
           <a:bodyPr>
             <a:noAutofit/>
@@ -14045,7 +14878,7 @@
               </a:lnSpc>
             </a:pPr>
             <a:r>
-              <a:rPr lang="en-US" altLang="ko-KR" sz="1800" dirty="0"/>
+              <a:rPr lang="en-US" altLang="ko-KR" sz="1200" dirty="0"/>
               <a:t>Unity</a:t>
             </a:r>
           </a:p>
@@ -14056,54 +14889,68 @@
               </a:lnSpc>
             </a:pPr>
             <a:r>
-              <a:rPr lang="ko-KR" altLang="en-US" sz="1400" dirty="0">
+              <a:rPr lang="ko-KR" altLang="en-US" sz="1050" dirty="0">
                 <a:hlinkClick r:id="rId3" action="ppaction://hlinkfile"/>
               </a:rPr>
               <a:t>이영진</a:t>
             </a:r>
             <a:r>
-              <a:rPr lang="en-US" altLang="ko-KR" sz="1400" dirty="0">
+              <a:rPr lang="en-US" altLang="ko-KR" sz="1050" dirty="0">
                 <a:hlinkClick r:id="rId3" action="ppaction://hlinkfile"/>
               </a:rPr>
               <a:t>, </a:t>
             </a:r>
             <a:r>
-              <a:rPr lang="ko-KR" altLang="en-US" sz="1400" dirty="0">
+              <a:rPr lang="ko-KR" altLang="en-US" sz="1050" dirty="0">
                 <a:hlinkClick r:id="rId3" action="ppaction://hlinkfile"/>
               </a:rPr>
               <a:t>김중한</a:t>
             </a:r>
             <a:r>
-              <a:rPr lang="en-US" altLang="ko-KR" sz="1400" dirty="0">
+              <a:rPr lang="en-US" altLang="ko-KR" sz="1050" dirty="0">
                 <a:hlinkClick r:id="rId3" action="ppaction://hlinkfile"/>
               </a:rPr>
               <a:t>, Unity Technologies: </a:t>
             </a:r>
             <a:r>
-              <a:rPr lang="ko-KR" altLang="en-US" sz="1400" dirty="0">
+              <a:rPr lang="ko-KR" altLang="en-US" sz="1050" dirty="0">
                 <a:hlinkClick r:id="rId3" action="ppaction://hlinkfile"/>
               </a:rPr>
               <a:t>게임 제작에도 족보가 있다</a:t>
             </a:r>
             <a:r>
-              <a:rPr lang="en-US" altLang="ko-KR" sz="1400" dirty="0">
+              <a:rPr lang="en-US" altLang="ko-KR" sz="1050" dirty="0">
                 <a:hlinkClick r:id="rId3" action="ppaction://hlinkfile"/>
               </a:rPr>
               <a:t>, </a:t>
             </a:r>
             <a:r>
-              <a:rPr lang="ko-KR" altLang="en-US" sz="1400" dirty="0">
+              <a:rPr lang="ko-KR" altLang="en-US" sz="1050" dirty="0">
                 <a:hlinkClick r:id="rId3" action="ppaction://hlinkfile"/>
               </a:rPr>
               <a:t>삼성증권</a:t>
             </a:r>
             <a:r>
-              <a:rPr lang="en-US" altLang="ko-KR" sz="1400" dirty="0">
+              <a:rPr lang="en-US" altLang="ko-KR" sz="1050" dirty="0">
                 <a:hlinkClick r:id="rId3" action="ppaction://hlinkfile"/>
               </a:rPr>
               <a:t>, 2019</a:t>
             </a:r>
-            <a:endParaRPr lang="en-US" altLang="ko-KR" sz="1400" dirty="0"/>
+            <a:endParaRPr lang="en-US" altLang="ko-KR" sz="1050" dirty="0"/>
+          </a:p>
+          <a:p>
+            <a:pPr lvl="1">
+              <a:lnSpc>
+                <a:spcPct val="120000"/>
+              </a:lnSpc>
+            </a:pPr>
+            <a:r>
+              <a:rPr lang="en-US" altLang="ko-KR" sz="1050" dirty="0">
+                <a:hlinkClick r:id="rId4"/>
+              </a:rPr>
+              <a:t>Mono, Interop with Native Libraries, 2005</a:t>
+            </a:r>
+            <a:endParaRPr lang="en-US" altLang="ko-KR" sz="1050" dirty="0"/>
           </a:p>
           <a:p>
             <a:pPr>
@@ -14112,7 +14959,7 @@
               </a:lnSpc>
             </a:pPr>
             <a:r>
-              <a:rPr lang="en-US" altLang="ko-KR" sz="1800" dirty="0"/>
+              <a:rPr lang="en-US" altLang="ko-KR" sz="1200" dirty="0"/>
               <a:t>CUDA</a:t>
             </a:r>
           </a:p>
@@ -14123,95 +14970,95 @@
               </a:lnSpc>
             </a:pPr>
             <a:r>
-              <a:rPr lang="en-US" altLang="ko-KR" sz="1400" dirty="0"/>
+              <a:rPr lang="en-US" altLang="ko-KR" sz="1050" dirty="0"/>
               <a:t>David B. Kirk, Wen-</a:t>
             </a:r>
             <a:r>
-              <a:rPr lang="en-US" altLang="ko-KR" sz="1400" dirty="0" err="1"/>
+              <a:rPr lang="en-US" altLang="ko-KR" sz="1050" dirty="0" err="1"/>
               <a:t>mei</a:t>
             </a:r>
             <a:r>
-              <a:rPr lang="en-US" altLang="ko-KR" sz="1400" dirty="0"/>
+              <a:rPr lang="en-US" altLang="ko-KR" sz="1050" dirty="0"/>
               <a:t> </a:t>
             </a:r>
             <a:r>
-              <a:rPr lang="en-US" altLang="ko-KR" sz="1400" dirty="0" err="1"/>
+              <a:rPr lang="en-US" altLang="ko-KR" sz="1050" dirty="0" err="1"/>
               <a:t>W.Hwu</a:t>
             </a:r>
             <a:r>
-              <a:rPr lang="en-US" altLang="ko-KR" sz="1400" dirty="0"/>
+              <a:rPr lang="en-US" altLang="ko-KR" sz="1050" dirty="0"/>
               <a:t>, </a:t>
             </a:r>
             <a:r>
-              <a:rPr lang="ko-KR" altLang="en-US" sz="1400" dirty="0" err="1"/>
+              <a:rPr lang="ko-KR" altLang="en-US" sz="1050" dirty="0" err="1"/>
               <a:t>하순회</a:t>
             </a:r>
             <a:r>
-              <a:rPr lang="en-US" altLang="ko-KR" sz="1400" dirty="0"/>
+              <a:rPr lang="en-US" altLang="ko-KR" sz="1050" dirty="0"/>
               <a:t>(</a:t>
             </a:r>
             <a:r>
-              <a:rPr lang="ko-KR" altLang="en-US" sz="1400" dirty="0"/>
+              <a:rPr lang="ko-KR" altLang="en-US" sz="1050" dirty="0"/>
               <a:t>역</a:t>
             </a:r>
             <a:r>
-              <a:rPr lang="en-US" altLang="ko-KR" sz="1400" dirty="0"/>
+              <a:rPr lang="en-US" altLang="ko-KR" sz="1050" dirty="0"/>
               <a:t>), </a:t>
             </a:r>
             <a:r>
-              <a:rPr lang="ko-KR" altLang="en-US" sz="1400" dirty="0" err="1"/>
+              <a:rPr lang="ko-KR" altLang="en-US" sz="1050" dirty="0" err="1"/>
               <a:t>김크리스</a:t>
             </a:r>
             <a:r>
-              <a:rPr lang="en-US" altLang="ko-KR" sz="1400" dirty="0"/>
+              <a:rPr lang="en-US" altLang="ko-KR" sz="1050" dirty="0"/>
               <a:t>(</a:t>
             </a:r>
             <a:r>
-              <a:rPr lang="ko-KR" altLang="en-US" sz="1400" dirty="0"/>
+              <a:rPr lang="ko-KR" altLang="en-US" sz="1050" dirty="0"/>
               <a:t>역</a:t>
             </a:r>
             <a:r>
-              <a:rPr lang="en-US" altLang="ko-KR" sz="1400" dirty="0"/>
+              <a:rPr lang="en-US" altLang="ko-KR" sz="1050" dirty="0"/>
               <a:t>), </a:t>
             </a:r>
             <a:r>
-              <a:rPr lang="ko-KR" altLang="en-US" sz="1400" dirty="0"/>
+              <a:rPr lang="ko-KR" altLang="en-US" sz="1050" dirty="0"/>
               <a:t>이영민</a:t>
             </a:r>
             <a:r>
-              <a:rPr lang="en-US" altLang="ko-KR" sz="1400" dirty="0"/>
+              <a:rPr lang="en-US" altLang="ko-KR" sz="1050" dirty="0"/>
               <a:t>(</a:t>
             </a:r>
             <a:r>
-              <a:rPr lang="ko-KR" altLang="en-US" sz="1400" dirty="0"/>
+              <a:rPr lang="ko-KR" altLang="en-US" sz="1050" dirty="0"/>
               <a:t>역</a:t>
             </a:r>
             <a:r>
-              <a:rPr lang="en-US" altLang="ko-KR" sz="1400" dirty="0"/>
+              <a:rPr lang="en-US" altLang="ko-KR" sz="1050" dirty="0"/>
               <a:t>), </a:t>
             </a:r>
             <a:r>
-              <a:rPr lang="ko-KR" altLang="en-US" sz="1400" dirty="0"/>
+              <a:rPr lang="ko-KR" altLang="en-US" sz="1050" dirty="0"/>
               <a:t>대규모 병렬 프로세서 프로그래밍</a:t>
             </a:r>
             <a:r>
-              <a:rPr lang="en-US" altLang="ko-KR" sz="1400" dirty="0"/>
+              <a:rPr lang="en-US" altLang="ko-KR" sz="1050" dirty="0"/>
               <a:t>, </a:t>
             </a:r>
             <a:r>
-              <a:rPr lang="en-US" altLang="ko-KR" sz="1400" dirty="0" err="1"/>
+              <a:rPr lang="en-US" altLang="ko-KR" sz="1050" dirty="0" err="1"/>
               <a:t>Bj</a:t>
             </a:r>
             <a:r>
-              <a:rPr lang="en-US" altLang="ko-KR" sz="1400" dirty="0"/>
+              <a:rPr lang="en-US" altLang="ko-KR" sz="1050" dirty="0"/>
               <a:t> </a:t>
             </a:r>
             <a:r>
-              <a:rPr lang="ko-KR" altLang="en-US" sz="1400" dirty="0" err="1"/>
+              <a:rPr lang="ko-KR" altLang="en-US" sz="1050" dirty="0" err="1"/>
               <a:t>퍼블릭</a:t>
             </a:r>
             <a:r>
-              <a:rPr lang="en-US" altLang="ko-KR" sz="1400" dirty="0"/>
+              <a:rPr lang="en-US" altLang="ko-KR" sz="1050" dirty="0"/>
               <a:t>, 2010</a:t>
             </a:r>
           </a:p>
@@ -14222,15 +15069,15 @@
               </a:lnSpc>
             </a:pPr>
             <a:r>
-              <a:rPr lang="en-US" altLang="ko-KR" sz="1400" dirty="0"/>
+              <a:rPr lang="en-US" altLang="ko-KR" sz="1050" dirty="0"/>
               <a:t>Jason Sanders, Edward </a:t>
             </a:r>
             <a:r>
-              <a:rPr lang="en-US" altLang="ko-KR" sz="1400" dirty="0" err="1"/>
+              <a:rPr lang="en-US" altLang="ko-KR" sz="1050" dirty="0" err="1"/>
               <a:t>Kandrot</a:t>
             </a:r>
             <a:r>
-              <a:rPr lang="en-US" altLang="ko-KR" sz="1400" dirty="0"/>
+              <a:rPr lang="en-US" altLang="ko-KR" sz="1050" dirty="0"/>
               <a:t>, CUDA By Example, NVidia, 2010</a:t>
             </a:r>
           </a:p>
@@ -14241,12 +15088,12 @@
               </a:lnSpc>
             </a:pPr>
             <a:r>
-              <a:rPr lang="en-US" altLang="ko-KR" sz="1400" dirty="0">
-                <a:hlinkClick r:id="rId4"/>
+              <a:rPr lang="en-US" altLang="ko-KR" sz="1050" dirty="0">
+                <a:hlinkClick r:id="rId5"/>
               </a:rPr>
               <a:t>Roger Allen, Accelerated Ray Tracing in One Weekend in CUDA, NVidia, 2018</a:t>
             </a:r>
-            <a:endParaRPr lang="en-US" altLang="ko-KR" sz="1400" dirty="0"/>
+            <a:endParaRPr lang="en-US" altLang="ko-KR" sz="1050" dirty="0"/>
           </a:p>
           <a:p>
             <a:pPr>
@@ -14255,7 +15102,7 @@
               </a:lnSpc>
             </a:pPr>
             <a:r>
-              <a:rPr lang="en-US" altLang="ko-KR" sz="1800" dirty="0"/>
+              <a:rPr lang="en-US" altLang="ko-KR" sz="1200" dirty="0"/>
               <a:t>Ray tracing</a:t>
             </a:r>
           </a:p>
@@ -14266,16 +15113,16 @@
               </a:lnSpc>
             </a:pPr>
             <a:r>
-              <a:rPr lang="en-US" altLang="ko-KR" sz="1400" dirty="0"/>
-              <a:t>Matt Pharr, Wenzel </a:t>
-            </a:r>
-            <a:r>
-              <a:rPr lang="en-US" altLang="ko-KR" sz="1400" dirty="0" err="1"/>
-              <a:t>Jakob</a:t>
-            </a:r>
-            <a:r>
-              <a:rPr lang="en-US" altLang="ko-KR" sz="1400" dirty="0"/>
-              <a:t>, Greg Humphreys, Physically Based Rendering: From Theory to Implementation, 2016</a:t>
+              <a:rPr lang="en-US" altLang="ko-KR" sz="1050" dirty="0"/>
+              <a:t>Eric Haines (Editor), Tomas </a:t>
+            </a:r>
+            <a:r>
+              <a:rPr lang="en-US" altLang="ko-KR" sz="1050" dirty="0" err="1"/>
+              <a:t>Akenine-Möller</a:t>
+            </a:r>
+            <a:r>
+              <a:rPr lang="en-US" altLang="ko-KR" sz="1050" dirty="0"/>
+              <a:t> (Editor), Ray Tracing Gems: High-Quality and Real-Time Rendering with DXR and Other APIs, 2019</a:t>
             </a:r>
           </a:p>
           <a:p>
@@ -14285,24 +15132,8 @@
               </a:lnSpc>
             </a:pPr>
             <a:r>
-              <a:rPr lang="en-US" altLang="ko-KR" sz="1400" dirty="0"/>
-              <a:t>Eric </a:t>
-            </a:r>
-            <a:r>
-              <a:rPr lang="en-US" altLang="ko-KR" sz="1400" dirty="0" err="1"/>
-              <a:t>Veach</a:t>
-            </a:r>
-            <a:r>
-              <a:rPr lang="en-US" altLang="ko-KR" sz="1400" dirty="0"/>
-              <a:t>, Leonida  J. </a:t>
-            </a:r>
-            <a:r>
-              <a:rPr lang="en-US" altLang="ko-KR" sz="1400" dirty="0" err="1"/>
-              <a:t>Guibas</a:t>
-            </a:r>
-            <a:r>
-              <a:rPr lang="en-US" altLang="ko-KR" sz="1400" dirty="0"/>
-              <a:t>, Metropolis Light Transport, 1997</a:t>
+              <a:rPr lang="en-US" altLang="ko-KR" sz="1050" dirty="0"/>
+              <a:t>Matt Pharr, Wenzel Jakob, Greg Humphreys, Physically Based Rendering: From Theory to Implementation, 2016</a:t>
             </a:r>
           </a:p>
           <a:p>
@@ -14312,16 +15143,24 @@
               </a:lnSpc>
             </a:pPr>
             <a:r>
-              <a:rPr lang="en-US" altLang="ko-KR" sz="1400" dirty="0"/>
-              <a:t>Eric P. </a:t>
-            </a:r>
-            <a:r>
-              <a:rPr lang="en-US" altLang="ko-KR" sz="1400" dirty="0" err="1"/>
-              <a:t>Lafortune</a:t>
-            </a:r>
-            <a:r>
-              <a:rPr lang="en-US" altLang="ko-KR" sz="1400" dirty="0"/>
-              <a:t>, Yves D. Willems, Bi-directional Path Tracing, 1993</a:t>
+              <a:rPr lang="en-US" altLang="ko-KR" sz="1050" dirty="0"/>
+              <a:t>C. Lauterbach, M. Garland, S. Sengupta, D. </a:t>
+            </a:r>
+            <a:r>
+              <a:rPr lang="en-US" altLang="ko-KR" sz="1050" dirty="0" err="1"/>
+              <a:t>Luebke</a:t>
+            </a:r>
+            <a:r>
+              <a:rPr lang="en-US" altLang="ko-KR" sz="1050" dirty="0"/>
+              <a:t>, D. </a:t>
+            </a:r>
+            <a:r>
+              <a:rPr lang="en-US" altLang="ko-KR" sz="1050" dirty="0" err="1"/>
+              <a:t>Manocha</a:t>
+            </a:r>
+            <a:r>
+              <a:rPr lang="en-US" altLang="ko-KR" sz="1050" dirty="0"/>
+              <a:t>, Fast BVH Construction on GPUs, 2009</a:t>
             </a:r>
           </a:p>
           <a:p>
@@ -14331,12 +15170,25 @@
               </a:lnSpc>
             </a:pPr>
             <a:r>
-              <a:rPr lang="en-US" altLang="ko-KR" sz="1400" dirty="0">
-                <a:hlinkClick r:id="rId5"/>
-              </a:rPr>
-              <a:t>Peter Shirley, Ray Tracing in One Weekend, 2018</a:t>
-            </a:r>
-            <a:endParaRPr lang="en-US" altLang="ko-KR" sz="1400" dirty="0"/>
+              <a:rPr lang="en-US" altLang="ko-KR" sz="1050" dirty="0"/>
+              <a:t>Eric </a:t>
+            </a:r>
+            <a:r>
+              <a:rPr lang="en-US" altLang="ko-KR" sz="1050" dirty="0" err="1"/>
+              <a:t>Veach</a:t>
+            </a:r>
+            <a:r>
+              <a:rPr lang="en-US" altLang="ko-KR" sz="1050" dirty="0"/>
+              <a:t>, Leonida  J. </a:t>
+            </a:r>
+            <a:r>
+              <a:rPr lang="en-US" altLang="ko-KR" sz="1050" dirty="0" err="1"/>
+              <a:t>Guibas</a:t>
+            </a:r>
+            <a:r>
+              <a:rPr lang="en-US" altLang="ko-KR" sz="1050" dirty="0"/>
+              <a:t>, Metropolis Light Transport, 1997</a:t>
+            </a:r>
           </a:p>
           <a:p>
             <a:pPr lvl="1">
@@ -14345,12 +15197,17 @@
               </a:lnSpc>
             </a:pPr>
             <a:r>
-              <a:rPr lang="en-US" altLang="ko-KR" sz="1400" dirty="0">
-                <a:hlinkClick r:id="rId6"/>
-              </a:rPr>
-              <a:t>Peter Shirley, Ray Tracing in The Next Weekend, 2018</a:t>
-            </a:r>
-            <a:endParaRPr lang="en-US" altLang="ko-KR" sz="1400" dirty="0"/>
+              <a:rPr lang="en-US" altLang="ko-KR" sz="1050" dirty="0"/>
+              <a:t>Eric P. </a:t>
+            </a:r>
+            <a:r>
+              <a:rPr lang="en-US" altLang="ko-KR" sz="1050" dirty="0" err="1"/>
+              <a:t>Lafortune</a:t>
+            </a:r>
+            <a:r>
+              <a:rPr lang="en-US" altLang="ko-KR" sz="1050" dirty="0"/>
+              <a:t>, Yves D. Willems, Bi-directional Path Tracing, 1993</a:t>
+            </a:r>
           </a:p>
           <a:p>
             <a:pPr lvl="1">
@@ -14359,12 +15216,40 @@
               </a:lnSpc>
             </a:pPr>
             <a:r>
-              <a:rPr lang="en-US" altLang="ko-KR" sz="1400" dirty="0">
+              <a:rPr lang="en-US" altLang="ko-KR" sz="1050" dirty="0">
+                <a:hlinkClick r:id="rId6"/>
+              </a:rPr>
+              <a:t>Peter Shirley, Ray Tracing in One Weekend, 2018</a:t>
+            </a:r>
+            <a:endParaRPr lang="en-US" altLang="ko-KR" sz="1050" dirty="0"/>
+          </a:p>
+          <a:p>
+            <a:pPr lvl="1">
+              <a:lnSpc>
+                <a:spcPct val="120000"/>
+              </a:lnSpc>
+            </a:pPr>
+            <a:r>
+              <a:rPr lang="en-US" altLang="ko-KR" sz="1050" dirty="0">
                 <a:hlinkClick r:id="rId7"/>
               </a:rPr>
+              <a:t>Peter Shirley, Ray Tracing in The Next Weekend, 2018</a:t>
+            </a:r>
+            <a:endParaRPr lang="en-US" altLang="ko-KR" sz="1050" dirty="0"/>
+          </a:p>
+          <a:p>
+            <a:pPr lvl="1">
+              <a:lnSpc>
+                <a:spcPct val="120000"/>
+              </a:lnSpc>
+            </a:pPr>
+            <a:r>
+              <a:rPr lang="en-US" altLang="ko-KR" sz="1050" dirty="0">
+                <a:hlinkClick r:id="rId8"/>
+              </a:rPr>
               <a:t>Peter Shirley, Ray Tracing in The Rest of Your Life, 2018</a:t>
             </a:r>
-            <a:endParaRPr lang="ko-KR" altLang="en-US" sz="1400" dirty="0"/>
+            <a:endParaRPr lang="ko-KR" altLang="en-US" sz="1050" dirty="0"/>
           </a:p>
         </p:txBody>
       </p:sp>
@@ -14393,6 +15278,64 @@
               <a:rPr lang="ko-KR" altLang="en-US" smtClean="0"/>
               <a:t>15</a:t>
             </a:fld>
+            <a:endParaRPr lang="ko-KR" altLang="en-US"/>
+          </a:p>
+        </p:txBody>
+      </p:sp>
+      <p:sp>
+        <p:nvSpPr>
+          <p:cNvPr id="4" name="날짜 개체 틀 3">
+            <a:extLst>
+              <a:ext uri="{FF2B5EF4-FFF2-40B4-BE49-F238E27FC236}">
+                <a16:creationId xmlns:a16="http://schemas.microsoft.com/office/drawing/2014/main" id="{CBF33917-6E02-48BE-BCCF-5AF2DE9E0E0F}"/>
+              </a:ext>
+            </a:extLst>
+          </p:cNvPr>
+          <p:cNvSpPr>
+            <a:spLocks noGrp="1"/>
+          </p:cNvSpPr>
+          <p:nvPr>
+            <p:ph type="dt" sz="half" idx="10"/>
+          </p:nvPr>
+        </p:nvSpPr>
+        <p:spPr/>
+        <p:txBody>
+          <a:bodyPr/>
+          <a:lstStyle/>
+          <a:p>
+            <a:r>
+              <a:rPr lang="en-US" altLang="ko-KR"/>
+              <a:t>2019-11-10</a:t>
+            </a:r>
+            <a:endParaRPr lang="ko-KR" altLang="en-US"/>
+          </a:p>
+        </p:txBody>
+      </p:sp>
+      <p:sp>
+        <p:nvSpPr>
+          <p:cNvPr id="7" name="바닥글 개체 틀 6">
+            <a:extLst>
+              <a:ext uri="{FF2B5EF4-FFF2-40B4-BE49-F238E27FC236}">
+                <a16:creationId xmlns:a16="http://schemas.microsoft.com/office/drawing/2014/main" id="{95D89C42-85FB-48CD-A7AE-41CB3FB5A4BA}"/>
+              </a:ext>
+            </a:extLst>
+          </p:cNvPr>
+          <p:cNvSpPr>
+            <a:spLocks noGrp="1"/>
+          </p:cNvSpPr>
+          <p:nvPr>
+            <p:ph type="ftr" sz="quarter" idx="11"/>
+          </p:nvPr>
+        </p:nvSpPr>
+        <p:spPr/>
+        <p:txBody>
+          <a:bodyPr/>
+          <a:lstStyle/>
+          <a:p>
+            <a:r>
+              <a:rPr lang="en-US" altLang="ko-KR"/>
+              <a:t>SEETHELIGHTS</a:t>
+            </a:r>
             <a:endParaRPr lang="ko-KR" altLang="en-US"/>
           </a:p>
         </p:txBody>
@@ -14460,6 +15403,93 @@
           </a:p>
         </p:txBody>
       </p:sp>
+      <p:sp>
+        <p:nvSpPr>
+          <p:cNvPr id="2" name="날짜 개체 틀 1">
+            <a:extLst>
+              <a:ext uri="{FF2B5EF4-FFF2-40B4-BE49-F238E27FC236}">
+                <a16:creationId xmlns:a16="http://schemas.microsoft.com/office/drawing/2014/main" id="{A6E28CAE-B7D2-41D5-857C-56CE578700AF}"/>
+              </a:ext>
+            </a:extLst>
+          </p:cNvPr>
+          <p:cNvSpPr>
+            <a:spLocks noGrp="1"/>
+          </p:cNvSpPr>
+          <p:nvPr>
+            <p:ph type="dt" sz="half" idx="10"/>
+          </p:nvPr>
+        </p:nvSpPr>
+        <p:spPr/>
+        <p:txBody>
+          <a:bodyPr/>
+          <a:lstStyle/>
+          <a:p>
+            <a:r>
+              <a:rPr lang="en-US" altLang="ko-KR"/>
+              <a:t>2019-11-10</a:t>
+            </a:r>
+            <a:endParaRPr lang="ko-KR" altLang="en-US"/>
+          </a:p>
+        </p:txBody>
+      </p:sp>
+      <p:sp>
+        <p:nvSpPr>
+          <p:cNvPr id="4" name="바닥글 개체 틀 3">
+            <a:extLst>
+              <a:ext uri="{FF2B5EF4-FFF2-40B4-BE49-F238E27FC236}">
+                <a16:creationId xmlns:a16="http://schemas.microsoft.com/office/drawing/2014/main" id="{80EF651D-24EC-4064-AC03-C3F59DA6FEF1}"/>
+              </a:ext>
+            </a:extLst>
+          </p:cNvPr>
+          <p:cNvSpPr>
+            <a:spLocks noGrp="1"/>
+          </p:cNvSpPr>
+          <p:nvPr>
+            <p:ph type="ftr" sz="quarter" idx="11"/>
+          </p:nvPr>
+        </p:nvSpPr>
+        <p:spPr/>
+        <p:txBody>
+          <a:bodyPr/>
+          <a:lstStyle/>
+          <a:p>
+            <a:r>
+              <a:rPr lang="en-US" altLang="ko-KR"/>
+              <a:t>SEETHELIGHTS</a:t>
+            </a:r>
+            <a:endParaRPr lang="ko-KR" altLang="en-US"/>
+          </a:p>
+        </p:txBody>
+      </p:sp>
+      <p:sp>
+        <p:nvSpPr>
+          <p:cNvPr id="5" name="슬라이드 번호 개체 틀 4">
+            <a:extLst>
+              <a:ext uri="{FF2B5EF4-FFF2-40B4-BE49-F238E27FC236}">
+                <a16:creationId xmlns:a16="http://schemas.microsoft.com/office/drawing/2014/main" id="{1BA011F3-C09F-454D-B7F2-9A4E2687573F}"/>
+              </a:ext>
+            </a:extLst>
+          </p:cNvPr>
+          <p:cNvSpPr>
+            <a:spLocks noGrp="1"/>
+          </p:cNvSpPr>
+          <p:nvPr>
+            <p:ph type="sldNum" sz="quarter" idx="12"/>
+          </p:nvPr>
+        </p:nvSpPr>
+        <p:spPr/>
+        <p:txBody>
+          <a:bodyPr/>
+          <a:lstStyle/>
+          <a:p>
+            <a:fld id="{45A78784-36F7-416F-8356-2E2264BCDE76}" type="slidenum">
+              <a:rPr lang="ko-KR" altLang="en-US" smtClean="0"/>
+              <a:t>16</a:t>
+            </a:fld>
+            <a:endParaRPr lang="ko-KR" altLang="en-US"/>
+          </a:p>
+        </p:txBody>
+      </p:sp>
     </p:spTree>
     <p:extLst>
       <p:ext uri="{BB962C8B-B14F-4D97-AF65-F5344CB8AC3E}">
@@ -14474,7 +15504,7 @@
 </file>
 
 <file path=ppt/slides/slide17.xml><?xml version="1.0" encoding="utf-8"?>
-<p:sld xmlns:a="http://schemas.openxmlformats.org/drawingml/2006/main" xmlns:r="http://schemas.openxmlformats.org/officeDocument/2006/relationships" xmlns:p="http://schemas.openxmlformats.org/presentationml/2006/main" show="0">
+<p:sld xmlns:a="http://schemas.openxmlformats.org/drawingml/2006/main" xmlns:r="http://schemas.openxmlformats.org/officeDocument/2006/relationships" xmlns:p="http://schemas.openxmlformats.org/presentationml/2006/main">
   <p:cSld>
     <p:spTree>
       <p:nvGrpSpPr>
@@ -14490,14 +15520,53 @@
           <a:chExt cx="0" cy="0"/>
         </a:xfrm>
       </p:grpSpPr>
+      <p:pic>
+        <p:nvPicPr>
+          <p:cNvPr id="5" name="온라인 미디어 8" title="Disney's Practical Guide to Path Tracing">
+            <a:hlinkClick r:id="" action="ppaction://media"/>
+            <a:extLst>
+              <a:ext uri="{FF2B5EF4-FFF2-40B4-BE49-F238E27FC236}">
+                <a16:creationId xmlns:a16="http://schemas.microsoft.com/office/drawing/2014/main" id="{68FB7AA7-1B11-4614-806A-C96FE9FE29A0}"/>
+              </a:ext>
+            </a:extLst>
+          </p:cNvPr>
+          <p:cNvPicPr>
+            <a:picLocks noRot="1" noChangeAspect="1"/>
+          </p:cNvPicPr>
+          <p:nvPr>
+            <a:videoFile r:link="rId1"/>
+          </p:nvPr>
+        </p:nvPicPr>
+        <p:blipFill>
+          <a:blip r:embed="rId3"/>
+          <a:stretch>
+            <a:fillRect/>
+          </a:stretch>
+        </p:blipFill>
+        <p:spPr>
+          <a:xfrm>
+            <a:off x="0" y="0"/>
+            <a:ext cx="12192000" cy="6858000"/>
+          </a:xfrm>
+          <a:prstGeom prst="rect">
+            <a:avLst/>
+          </a:prstGeom>
+        </p:spPr>
+      </p:pic>
       <p:sp>
         <p:nvSpPr>
-          <p:cNvPr id="2" name="제목 1"/>
+          <p:cNvPr id="2" name="날짜 개체 틀 1">
+            <a:extLst>
+              <a:ext uri="{FF2B5EF4-FFF2-40B4-BE49-F238E27FC236}">
+                <a16:creationId xmlns:a16="http://schemas.microsoft.com/office/drawing/2014/main" id="{4DE84D0D-B730-4600-AF4F-39A1CF91D4A8}"/>
+              </a:ext>
+            </a:extLst>
+          </p:cNvPr>
           <p:cNvSpPr>
             <a:spLocks noGrp="1"/>
           </p:cNvSpPr>
           <p:nvPr>
-            <p:ph type="title"/>
+            <p:ph type="dt" sz="half" idx="10"/>
           </p:nvPr>
         </p:nvSpPr>
         <p:spPr/>
@@ -14506,21 +15575,27 @@
           <a:lstStyle/>
           <a:p>
             <a:r>
-              <a:rPr lang="ko-KR" altLang="en-US" dirty="0"/>
-              <a:t>개발 환경</a:t>
-            </a:r>
-            <a:endParaRPr lang="en-US" altLang="ko-KR" dirty="0"/>
+              <a:rPr lang="en-US" altLang="ko-KR"/>
+              <a:t>2019-11-10</a:t>
+            </a:r>
+            <a:endParaRPr lang="ko-KR" altLang="en-US"/>
           </a:p>
         </p:txBody>
       </p:sp>
       <p:sp>
         <p:nvSpPr>
-          <p:cNvPr id="3" name="내용 개체 틀 2"/>
+          <p:cNvPr id="3" name="바닥글 개체 틀 2">
+            <a:extLst>
+              <a:ext uri="{FF2B5EF4-FFF2-40B4-BE49-F238E27FC236}">
+                <a16:creationId xmlns:a16="http://schemas.microsoft.com/office/drawing/2014/main" id="{FF6D2F9D-9164-40D5-928A-63F39F4090C3}"/>
+              </a:ext>
+            </a:extLst>
+          </p:cNvPr>
           <p:cNvSpPr>
             <a:spLocks noGrp="1"/>
           </p:cNvSpPr>
           <p:nvPr>
-            <p:ph idx="1"/>
+            <p:ph type="ftr" sz="quarter" idx="11"/>
           </p:nvPr>
         </p:nvSpPr>
         <p:spPr/>
@@ -14529,35 +15604,19 @@
           <a:lstStyle/>
           <a:p>
             <a:r>
-              <a:rPr lang="en-US" altLang="ko-KR" dirty="0"/>
-              <a:t>Env : Windows 10, Visual Studio 2017.15.9.17, NVidia Driver GRD 441.08, NVidia CUDA Toolkit 10.1 Update 2, C++/CUDA</a:t>
-            </a:r>
-          </a:p>
-          <a:p>
-            <a:r>
-              <a:rPr lang="en-US" altLang="ko-KR" dirty="0"/>
-              <a:t>HW : Intel I7-4790/DDR3 16GB/GTX 970, Intel I7-6700/GTX-1070</a:t>
-            </a:r>
-          </a:p>
-          <a:p>
-            <a:pPr lvl="1"/>
-            <a:r>
-              <a:rPr lang="ko-KR" altLang="en-US" dirty="0" err="1"/>
-              <a:t>그림으로가</a:t>
-            </a:r>
-            <a:r>
-              <a:rPr lang="en-US" altLang="ko-KR" dirty="0"/>
-              <a:t>!</a:t>
-            </a:r>
+              <a:rPr lang="en-US" altLang="ko-KR"/>
+              <a:t>SEETHELIGHTS</a:t>
+            </a:r>
+            <a:endParaRPr lang="ko-KR" altLang="en-US"/>
           </a:p>
         </p:txBody>
       </p:sp>
       <p:sp>
         <p:nvSpPr>
-          <p:cNvPr id="6" name="슬라이드 번호 개체 틀 5">
+          <p:cNvPr id="4" name="슬라이드 번호 개체 틀 3">
             <a:extLst>
               <a:ext uri="{FF2B5EF4-FFF2-40B4-BE49-F238E27FC236}">
-                <a16:creationId xmlns:a16="http://schemas.microsoft.com/office/drawing/2014/main" id="{F349623E-C483-4218-927A-594CFCFEC30E}"/>
+                <a16:creationId xmlns:a16="http://schemas.microsoft.com/office/drawing/2014/main" id="{95FFEF79-A53B-4007-9CE4-DD6FD2615390}"/>
               </a:ext>
             </a:extLst>
           </p:cNvPr>
@@ -14584,592 +15643,148 @@
     </p:spTree>
     <p:extLst>
       <p:ext uri="{BB962C8B-B14F-4D97-AF65-F5344CB8AC3E}">
-        <p14:creationId xmlns:p14="http://schemas.microsoft.com/office/powerpoint/2010/main" val="2706951759"/>
+        <p14:creationId xmlns:p14="http://schemas.microsoft.com/office/powerpoint/2010/main" val="3962771935"/>
       </p:ext>
     </p:extLst>
   </p:cSld>
   <p:clrMapOvr>
     <a:masterClrMapping/>
   </p:clrMapOvr>
-</p:sld>
-</file>
-
-<file path=ppt/slides/slide18.xml><?xml version="1.0" encoding="utf-8"?>
-<p:sld xmlns:a="http://schemas.openxmlformats.org/drawingml/2006/main" xmlns:r="http://schemas.openxmlformats.org/officeDocument/2006/relationships" xmlns:p="http://schemas.openxmlformats.org/presentationml/2006/main" show="0">
-  <p:cSld>
-    <p:spTree>
-      <p:nvGrpSpPr>
-        <p:cNvPr id="1" name=""/>
-        <p:cNvGrpSpPr/>
-        <p:nvPr/>
-      </p:nvGrpSpPr>
-      <p:grpSpPr>
-        <a:xfrm>
-          <a:off x="0" y="0"/>
-          <a:ext cx="0" cy="0"/>
-          <a:chOff x="0" y="0"/>
-          <a:chExt cx="0" cy="0"/>
-        </a:xfrm>
-      </p:grpSpPr>
-      <p:sp>
-        <p:nvSpPr>
-          <p:cNvPr id="2" name="제목 1"/>
-          <p:cNvSpPr>
-            <a:spLocks noGrp="1"/>
-          </p:cNvSpPr>
-          <p:nvPr>
-            <p:ph type="title"/>
-          </p:nvPr>
-        </p:nvSpPr>
-        <p:spPr/>
-        <p:txBody>
-          <a:bodyPr/>
-          <a:lstStyle/>
-          <a:p>
-            <a:r>
-              <a:rPr lang="ko-KR" altLang="en-US" dirty="0"/>
-              <a:t>졸업 연구 개요</a:t>
-            </a:r>
-            <a:r>
-              <a:rPr lang="en-US" altLang="ko-KR" dirty="0"/>
-              <a:t>: </a:t>
-            </a:r>
-            <a:r>
-              <a:rPr lang="ko-KR" altLang="en-US" dirty="0"/>
-              <a:t>연구 개발 배경</a:t>
-            </a:r>
-          </a:p>
-        </p:txBody>
-      </p:sp>
-      <p:pic>
-        <p:nvPicPr>
-          <p:cNvPr id="1044" name="Picture 20" descr="unity logo에 대한 이미지 검색결과">
-            <a:extLst>
-              <a:ext uri="{FF2B5EF4-FFF2-40B4-BE49-F238E27FC236}">
-                <a16:creationId xmlns:a16="http://schemas.microsoft.com/office/drawing/2014/main" id="{8B2B1C1A-4D4C-44DE-B365-6ABB441015F5}"/>
-              </a:ext>
-            </a:extLst>
-          </p:cNvPr>
-          <p:cNvPicPr>
-            <a:picLocks noGrp="1" noChangeAspect="1" noChangeArrowheads="1"/>
-          </p:cNvPicPr>
-          <p:nvPr>
-            <p:ph idx="1"/>
-          </p:nvPr>
-        </p:nvPicPr>
-        <p:blipFill>
-          <a:blip r:embed="rId3" cstate="print">
-            <a:extLst>
-              <a:ext uri="{28A0092B-C50C-407E-A947-70E740481C1C}">
-                <a14:useLocalDpi xmlns:a14="http://schemas.microsoft.com/office/drawing/2010/main" val="0"/>
-              </a:ext>
-            </a:extLst>
-          </a:blip>
-          <a:srcRect/>
-          <a:stretch>
-            <a:fillRect/>
-          </a:stretch>
-        </p:blipFill>
-        <p:spPr bwMode="auto">
-          <a:xfrm>
-            <a:off x="7817926" y="1275118"/>
-            <a:ext cx="4135995" cy="2326497"/>
-          </a:xfrm>
-          <a:prstGeom prst="rect">
-            <a:avLst/>
-          </a:prstGeom>
-          <a:noFill/>
-          <a:extLst>
-            <a:ext uri="{909E8E84-426E-40DD-AFC4-6F175D3DCCD1}">
-              <a14:hiddenFill xmlns:a14="http://schemas.microsoft.com/office/drawing/2010/main">
-                <a:solidFill>
-                  <a:srgbClr val="FFFFFF"/>
-                </a:solidFill>
-              </a14:hiddenFill>
-            </a:ext>
-          </a:extLst>
-        </p:spPr>
-      </p:pic>
-      <p:pic>
-        <p:nvPicPr>
-          <p:cNvPr id="1056" name="Picture 32" descr="unreal engine 4 logo에 대한 이미지 검색결과">
-            <a:extLst>
-              <a:ext uri="{FF2B5EF4-FFF2-40B4-BE49-F238E27FC236}">
-                <a16:creationId xmlns:a16="http://schemas.microsoft.com/office/drawing/2014/main" id="{9290E2C3-E360-4389-AE7A-534BB2B757B9}"/>
-              </a:ext>
-            </a:extLst>
-          </p:cNvPr>
-          <p:cNvPicPr>
-            <a:picLocks noChangeAspect="1" noChangeArrowheads="1"/>
-          </p:cNvPicPr>
-          <p:nvPr/>
-        </p:nvPicPr>
-        <p:blipFill rotWithShape="1">
-          <a:blip r:embed="rId4">
-            <a:extLst>
-              <a:ext uri="{28A0092B-C50C-407E-A947-70E740481C1C}">
-                <a14:useLocalDpi xmlns:a14="http://schemas.microsoft.com/office/drawing/2010/main" val="0"/>
-              </a:ext>
-            </a:extLst>
-          </a:blip>
-          <a:srcRect l="31837" t="14014" r="31964" b="14286"/>
-          <a:stretch/>
-        </p:blipFill>
-        <p:spPr bwMode="auto">
-          <a:xfrm>
-            <a:off x="8690698" y="3601615"/>
-            <a:ext cx="2663102" cy="2967136"/>
-          </a:xfrm>
-          <a:prstGeom prst="rect">
-            <a:avLst/>
-          </a:prstGeom>
-          <a:noFill/>
-          <a:extLst>
-            <a:ext uri="{909E8E84-426E-40DD-AFC4-6F175D3DCCD1}">
-              <a14:hiddenFill xmlns:a14="http://schemas.microsoft.com/office/drawing/2010/main">
-                <a:solidFill>
-                  <a:srgbClr val="FFFFFF"/>
-                </a:solidFill>
-              </a14:hiddenFill>
-            </a:ext>
-          </a:extLst>
-        </p:spPr>
-      </p:pic>
-      <p:sp>
-        <p:nvSpPr>
-          <p:cNvPr id="32" name="내용 개체 틀 2">
-            <a:extLst>
-              <a:ext uri="{FF2B5EF4-FFF2-40B4-BE49-F238E27FC236}">
-                <a16:creationId xmlns:a16="http://schemas.microsoft.com/office/drawing/2014/main" id="{03AB5DC3-7AA0-4764-A007-8B16EF4F0F31}"/>
-              </a:ext>
-            </a:extLst>
-          </p:cNvPr>
-          <p:cNvSpPr txBox="1">
-            <a:spLocks/>
-          </p:cNvSpPr>
-          <p:nvPr/>
-        </p:nvSpPr>
-        <p:spPr>
-          <a:xfrm>
-            <a:off x="838200" y="1825625"/>
-            <a:ext cx="10515600" cy="4351338"/>
-          </a:xfrm>
-          <a:prstGeom prst="rect">
-            <a:avLst/>
-          </a:prstGeom>
-        </p:spPr>
-        <p:txBody>
-          <a:bodyPr vert="horz" lIns="91440" tIns="45720" rIns="91440" bIns="45720" rtlCol="0">
-            <a:normAutofit/>
-          </a:bodyPr>
-          <a:lstStyle>
-            <a:lvl1pPr marL="228600" indent="-228600" algn="l" defTabSz="914400" rtl="0" eaLnBrk="1" latinLnBrk="1" hangingPunct="1">
-              <a:lnSpc>
-                <a:spcPct val="90000"/>
-              </a:lnSpc>
-              <a:spcBef>
-                <a:spcPts val="1000"/>
-              </a:spcBef>
-              <a:buFont typeface="Arial" panose="020B0604020202020204" pitchFamily="34" charset="0"/>
-              <a:buChar char="•"/>
-              <a:defRPr sz="2800" kern="1200">
-                <a:solidFill>
-                  <a:schemeClr val="tx1"/>
-                </a:solidFill>
-                <a:latin typeface="+mn-lt"/>
-                <a:ea typeface="+mn-ea"/>
-                <a:cs typeface="+mn-cs"/>
-              </a:defRPr>
-            </a:lvl1pPr>
-            <a:lvl2pPr marL="685800" indent="-228600" algn="l" defTabSz="914400" rtl="0" eaLnBrk="1" latinLnBrk="1" hangingPunct="1">
-              <a:lnSpc>
-                <a:spcPct val="90000"/>
-              </a:lnSpc>
-              <a:spcBef>
-                <a:spcPts val="500"/>
-              </a:spcBef>
-              <a:buFont typeface="Arial" panose="020B0604020202020204" pitchFamily="34" charset="0"/>
-              <a:buChar char="•"/>
-              <a:defRPr sz="2400" kern="1200">
-                <a:solidFill>
-                  <a:schemeClr val="tx1"/>
-                </a:solidFill>
-                <a:latin typeface="+mn-lt"/>
-                <a:ea typeface="+mn-ea"/>
-                <a:cs typeface="+mn-cs"/>
-              </a:defRPr>
-            </a:lvl2pPr>
-            <a:lvl3pPr marL="1143000" indent="-228600" algn="l" defTabSz="914400" rtl="0" eaLnBrk="1" latinLnBrk="1" hangingPunct="1">
-              <a:lnSpc>
-                <a:spcPct val="90000"/>
-              </a:lnSpc>
-              <a:spcBef>
-                <a:spcPts val="500"/>
-              </a:spcBef>
-              <a:buFont typeface="Arial" panose="020B0604020202020204" pitchFamily="34" charset="0"/>
-              <a:buChar char="•"/>
-              <a:defRPr sz="2000" kern="1200">
-                <a:solidFill>
-                  <a:schemeClr val="tx1"/>
-                </a:solidFill>
-                <a:latin typeface="+mn-lt"/>
-                <a:ea typeface="+mn-ea"/>
-                <a:cs typeface="+mn-cs"/>
-              </a:defRPr>
-            </a:lvl3pPr>
-            <a:lvl4pPr marL="1600200" indent="-228600" algn="l" defTabSz="914400" rtl="0" eaLnBrk="1" latinLnBrk="1" hangingPunct="1">
-              <a:lnSpc>
-                <a:spcPct val="90000"/>
-              </a:lnSpc>
-              <a:spcBef>
-                <a:spcPts val="500"/>
-              </a:spcBef>
-              <a:buFont typeface="Arial" panose="020B0604020202020204" pitchFamily="34" charset="0"/>
-              <a:buChar char="•"/>
-              <a:defRPr sz="1800" kern="1200">
-                <a:solidFill>
-                  <a:schemeClr val="tx1"/>
-                </a:solidFill>
-                <a:latin typeface="+mn-lt"/>
-                <a:ea typeface="+mn-ea"/>
-                <a:cs typeface="+mn-cs"/>
-              </a:defRPr>
-            </a:lvl4pPr>
-            <a:lvl5pPr marL="2057400" indent="-228600" algn="l" defTabSz="914400" rtl="0" eaLnBrk="1" latinLnBrk="1" hangingPunct="1">
-              <a:lnSpc>
-                <a:spcPct val="90000"/>
-              </a:lnSpc>
-              <a:spcBef>
-                <a:spcPts val="500"/>
-              </a:spcBef>
-              <a:buFont typeface="Arial" panose="020B0604020202020204" pitchFamily="34" charset="0"/>
-              <a:buChar char="•"/>
-              <a:defRPr sz="1800" kern="1200">
-                <a:solidFill>
-                  <a:schemeClr val="tx1"/>
-                </a:solidFill>
-                <a:latin typeface="+mn-lt"/>
-                <a:ea typeface="+mn-ea"/>
-                <a:cs typeface="+mn-cs"/>
-              </a:defRPr>
-            </a:lvl5pPr>
-            <a:lvl6pPr marL="2514600" indent="-228600" algn="l" defTabSz="914400" rtl="0" eaLnBrk="1" latinLnBrk="1" hangingPunct="1">
-              <a:lnSpc>
-                <a:spcPct val="90000"/>
-              </a:lnSpc>
-              <a:spcBef>
-                <a:spcPts val="500"/>
-              </a:spcBef>
-              <a:buFont typeface="Arial" panose="020B0604020202020204" pitchFamily="34" charset="0"/>
-              <a:buChar char="•"/>
-              <a:defRPr sz="1800" kern="1200">
-                <a:solidFill>
-                  <a:schemeClr val="tx1"/>
-                </a:solidFill>
-                <a:latin typeface="+mn-lt"/>
-                <a:ea typeface="+mn-ea"/>
-                <a:cs typeface="+mn-cs"/>
-              </a:defRPr>
-            </a:lvl6pPr>
-            <a:lvl7pPr marL="2971800" indent="-228600" algn="l" defTabSz="914400" rtl="0" eaLnBrk="1" latinLnBrk="1" hangingPunct="1">
-              <a:lnSpc>
-                <a:spcPct val="90000"/>
-              </a:lnSpc>
-              <a:spcBef>
-                <a:spcPts val="500"/>
-              </a:spcBef>
-              <a:buFont typeface="Arial" panose="020B0604020202020204" pitchFamily="34" charset="0"/>
-              <a:buChar char="•"/>
-              <a:defRPr sz="1800" kern="1200">
-                <a:solidFill>
-                  <a:schemeClr val="tx1"/>
-                </a:solidFill>
-                <a:latin typeface="+mn-lt"/>
-                <a:ea typeface="+mn-ea"/>
-                <a:cs typeface="+mn-cs"/>
-              </a:defRPr>
-            </a:lvl7pPr>
-            <a:lvl8pPr marL="3429000" indent="-228600" algn="l" defTabSz="914400" rtl="0" eaLnBrk="1" latinLnBrk="1" hangingPunct="1">
-              <a:lnSpc>
-                <a:spcPct val="90000"/>
-              </a:lnSpc>
-              <a:spcBef>
-                <a:spcPts val="500"/>
-              </a:spcBef>
-              <a:buFont typeface="Arial" panose="020B0604020202020204" pitchFamily="34" charset="0"/>
-              <a:buChar char="•"/>
-              <a:defRPr sz="1800" kern="1200">
-                <a:solidFill>
-                  <a:schemeClr val="tx1"/>
-                </a:solidFill>
-                <a:latin typeface="+mn-lt"/>
-                <a:ea typeface="+mn-ea"/>
-                <a:cs typeface="+mn-cs"/>
-              </a:defRPr>
-            </a:lvl8pPr>
-            <a:lvl9pPr marL="3886200" indent="-228600" algn="l" defTabSz="914400" rtl="0" eaLnBrk="1" latinLnBrk="1" hangingPunct="1">
-              <a:lnSpc>
-                <a:spcPct val="90000"/>
-              </a:lnSpc>
-              <a:spcBef>
-                <a:spcPts val="500"/>
-              </a:spcBef>
-              <a:buFont typeface="Arial" panose="020B0604020202020204" pitchFamily="34" charset="0"/>
-              <a:buChar char="•"/>
-              <a:defRPr sz="1800" kern="1200">
-                <a:solidFill>
-                  <a:schemeClr val="tx1"/>
-                </a:solidFill>
-                <a:latin typeface="+mn-lt"/>
-                <a:ea typeface="+mn-ea"/>
-                <a:cs typeface="+mn-cs"/>
-              </a:defRPr>
-            </a:lvl9pPr>
-          </a:lstStyle>
-          <a:p>
-            <a:r>
-              <a:rPr lang="en-US" altLang="ko-KR" dirty="0"/>
-              <a:t>Real-Time Rendering Engine </a:t>
-            </a:r>
-          </a:p>
-          <a:p>
-            <a:pPr lvl="1"/>
-            <a:r>
-              <a:rPr lang="ko-KR" altLang="en-US" dirty="0"/>
-              <a:t>주요 사용 용도는 게임제작</a:t>
-            </a:r>
-            <a:r>
-              <a:rPr lang="en-US" altLang="ko-KR" dirty="0"/>
-              <a:t>. </a:t>
-            </a:r>
-          </a:p>
-          <a:p>
-            <a:pPr lvl="1"/>
-            <a:r>
-              <a:rPr lang="ko-KR" altLang="en-US" dirty="0"/>
-              <a:t>요즘에는 영상 제작 용도로도 많이 사용됨</a:t>
-            </a:r>
-            <a:r>
-              <a:rPr lang="en-US" altLang="ko-KR" dirty="0"/>
-              <a:t>.</a:t>
-            </a:r>
-          </a:p>
-        </p:txBody>
-      </p:sp>
-    </p:spTree>
-    <p:extLst>
-      <p:ext uri="{BB962C8B-B14F-4D97-AF65-F5344CB8AC3E}">
-        <p14:creationId xmlns:p14="http://schemas.microsoft.com/office/powerpoint/2010/main" val="3453058456"/>
-      </p:ext>
-    </p:extLst>
-  </p:cSld>
-  <p:clrMapOvr>
-    <a:masterClrMapping/>
-  </p:clrMapOvr>
-</p:sld>
-</file>
-
-<file path=ppt/slides/slide19.xml><?xml version="1.0" encoding="utf-8"?>
-<p:sld xmlns:a="http://schemas.openxmlformats.org/drawingml/2006/main" xmlns:r="http://schemas.openxmlformats.org/officeDocument/2006/relationships" xmlns:p="http://schemas.openxmlformats.org/presentationml/2006/main" show="0">
-  <p:cSld>
-    <p:spTree>
-      <p:nvGrpSpPr>
-        <p:cNvPr id="1" name=""/>
-        <p:cNvGrpSpPr/>
-        <p:nvPr/>
-      </p:nvGrpSpPr>
-      <p:grpSpPr>
-        <a:xfrm>
-          <a:off x="0" y="0"/>
-          <a:ext cx="0" cy="0"/>
-          <a:chOff x="0" y="0"/>
-          <a:chExt cx="0" cy="0"/>
-        </a:xfrm>
-      </p:grpSpPr>
-      <p:sp>
-        <p:nvSpPr>
-          <p:cNvPr id="2" name="제목 1"/>
-          <p:cNvSpPr>
-            <a:spLocks noGrp="1"/>
-          </p:cNvSpPr>
-          <p:nvPr>
-            <p:ph type="title"/>
-          </p:nvPr>
-        </p:nvSpPr>
-        <p:spPr/>
-        <p:txBody>
-          <a:bodyPr/>
-          <a:lstStyle/>
-          <a:p>
-            <a:r>
-              <a:rPr lang="ko-KR" altLang="en-US" dirty="0"/>
-              <a:t>졸업 연구 개요</a:t>
-            </a:r>
-            <a:r>
-              <a:rPr lang="en-US" altLang="ko-KR" dirty="0"/>
-              <a:t>: </a:t>
-            </a:r>
-            <a:r>
-              <a:rPr lang="ko-KR" altLang="en-US" dirty="0"/>
-              <a:t>연구 개발 배경</a:t>
-            </a:r>
-          </a:p>
-        </p:txBody>
-      </p:sp>
-      <p:sp>
-        <p:nvSpPr>
-          <p:cNvPr id="3" name="내용 개체 틀 2"/>
-          <p:cNvSpPr>
-            <a:spLocks noGrp="1"/>
-          </p:cNvSpPr>
-          <p:nvPr>
-            <p:ph idx="1"/>
-          </p:nvPr>
-        </p:nvSpPr>
-        <p:spPr>
-          <a:xfrm>
-            <a:off x="838200" y="1692535"/>
-            <a:ext cx="10367865" cy="4351338"/>
-          </a:xfrm>
-        </p:spPr>
-        <p:txBody>
-          <a:bodyPr/>
-          <a:lstStyle/>
-          <a:p>
-            <a:r>
-              <a:rPr lang="ko-KR" altLang="en-US" dirty="0"/>
-              <a:t>시장 설명 </a:t>
-            </a:r>
-            <a:r>
-              <a:rPr lang="en-US" altLang="ko-KR" dirty="0"/>
-              <a:t>: </a:t>
-            </a:r>
-          </a:p>
-          <a:p>
-            <a:pPr lvl="1"/>
-            <a:r>
-              <a:rPr lang="en-US" altLang="ko-KR" dirty="0"/>
-              <a:t>Unity </a:t>
-            </a:r>
-            <a:r>
-              <a:rPr lang="en-US" altLang="ko-KR" dirty="0" err="1"/>
-              <a:t>Assetstore</a:t>
-            </a:r>
-            <a:r>
-              <a:rPr lang="en-US" altLang="ko-KR" dirty="0"/>
-              <a:t>, UE4 marketplace : </a:t>
-            </a:r>
-            <a:r>
-              <a:rPr lang="ko-KR" altLang="en-US" dirty="0"/>
-              <a:t>다양한 아트 </a:t>
-            </a:r>
-            <a:r>
-              <a:rPr lang="ko-KR" altLang="en-US" dirty="0" err="1"/>
-              <a:t>에셋부터</a:t>
-            </a:r>
-            <a:r>
-              <a:rPr lang="en-US" altLang="ko-KR" dirty="0"/>
-              <a:t> Technical</a:t>
-            </a:r>
-            <a:r>
-              <a:rPr lang="ko-KR" altLang="en-US" dirty="0"/>
-              <a:t> </a:t>
-            </a:r>
-            <a:r>
-              <a:rPr lang="en-US" altLang="ko-KR" dirty="0"/>
-              <a:t>Hall</a:t>
-            </a:r>
-            <a:r>
-              <a:rPr lang="ko-KR" altLang="en-US" dirty="0"/>
-              <a:t> 을 메우는 </a:t>
-            </a:r>
-            <a:r>
-              <a:rPr lang="en-US" altLang="ko-KR" dirty="0"/>
-              <a:t>Solution </a:t>
-            </a:r>
-            <a:r>
-              <a:rPr lang="ko-KR" altLang="en-US" dirty="0"/>
-              <a:t>까지</a:t>
-            </a:r>
-            <a:endParaRPr lang="en-US" altLang="ko-KR" dirty="0"/>
-          </a:p>
-          <a:p>
-            <a:r>
-              <a:rPr lang="en-US" altLang="ko-KR" dirty="0"/>
-              <a:t>Art</a:t>
-            </a:r>
-            <a:r>
-              <a:rPr lang="ko-KR" altLang="en-US" dirty="0"/>
-              <a:t> </a:t>
-            </a:r>
-            <a:r>
-              <a:rPr lang="en-US" altLang="ko-KR" dirty="0"/>
-              <a:t>Assets</a:t>
-            </a:r>
-            <a:r>
-              <a:rPr lang="ko-KR" altLang="en-US" dirty="0"/>
-              <a:t> </a:t>
-            </a:r>
-            <a:r>
-              <a:rPr lang="en-US" altLang="ko-KR" dirty="0"/>
-              <a:t>:</a:t>
-            </a:r>
-            <a:r>
-              <a:rPr lang="ko-KR" altLang="en-US" dirty="0"/>
-              <a:t> </a:t>
-            </a:r>
-            <a:r>
-              <a:rPr lang="en-US" altLang="ko-KR" dirty="0"/>
-              <a:t>~ $200 </a:t>
-            </a:r>
-            <a:r>
-              <a:rPr lang="ko-KR" altLang="en-US" dirty="0"/>
-              <a:t>이하의 가격</a:t>
-            </a:r>
-            <a:endParaRPr lang="en-US" altLang="ko-KR" dirty="0"/>
-          </a:p>
-          <a:p>
-            <a:r>
-              <a:rPr lang="ko-KR" altLang="en-US" dirty="0"/>
-              <a:t>대표적인 </a:t>
-            </a:r>
-            <a:r>
-              <a:rPr lang="en-US" altLang="ko-KR" dirty="0"/>
-              <a:t>Technical Solution : </a:t>
-            </a:r>
-            <a:r>
-              <a:rPr lang="en-US" altLang="ko-KR" dirty="0" err="1"/>
-              <a:t>iKinema</a:t>
-            </a:r>
-            <a:r>
-              <a:rPr lang="en-US" altLang="ko-KR" dirty="0"/>
-              <a:t>, Enlighten</a:t>
-            </a:r>
-          </a:p>
-          <a:p>
-            <a:pPr lvl="1"/>
-            <a:r>
-              <a:rPr lang="en-US" altLang="ko-KR" dirty="0"/>
-              <a:t>Enterprise License : </a:t>
-            </a:r>
-            <a:r>
-              <a:rPr lang="ko-KR" altLang="en-US" dirty="0"/>
-              <a:t>천만원 단위의 가격</a:t>
-            </a:r>
-            <a:endParaRPr lang="en-US" altLang="ko-KR" dirty="0"/>
-          </a:p>
-        </p:txBody>
-      </p:sp>
-    </p:spTree>
-    <p:extLst>
-      <p:ext uri="{BB962C8B-B14F-4D97-AF65-F5344CB8AC3E}">
-        <p14:creationId xmlns:p14="http://schemas.microsoft.com/office/powerpoint/2010/main" val="3487838374"/>
-      </p:ext>
-    </p:extLst>
-  </p:cSld>
-  <p:clrMapOvr>
-    <a:masterClrMapping/>
-  </p:clrMapOvr>
+  <p:timing>
+    <p:tnLst>
+      <p:par>
+        <p:cTn id="1" dur="indefinite" restart="never" nodeType="tmRoot">
+          <p:childTnLst>
+            <p:seq concurrent="1" nextAc="seek">
+              <p:cTn id="2" dur="indefinite" nodeType="mainSeq">
+                <p:childTnLst>
+                  <p:par>
+                    <p:cTn id="3" fill="hold">
+                      <p:stCondLst>
+                        <p:cond delay="indefinite"/>
+                      </p:stCondLst>
+                      <p:childTnLst>
+                        <p:par>
+                          <p:cTn id="4" fill="hold">
+                            <p:stCondLst>
+                              <p:cond delay="0"/>
+                            </p:stCondLst>
+                            <p:childTnLst>
+                              <p:par>
+                                <p:cTn id="5" presetID="1" presetClass="mediacall" presetSubtype="0" fill="hold" nodeType="clickEffect">
+                                  <p:stCondLst>
+                                    <p:cond delay="0"/>
+                                  </p:stCondLst>
+                                  <p:childTnLst>
+                                    <p:cmd type="call" cmd="playFrom(0.0)">
+                                      <p:cBhvr>
+                                        <p:cTn id="6" dur="1" fill="hold"/>
+                                        <p:tgtEl>
+                                          <p:spTgt spid="5"/>
+                                        </p:tgtEl>
+                                      </p:cBhvr>
+                                    </p:cmd>
+                                  </p:childTnLst>
+                                </p:cTn>
+                              </p:par>
+                            </p:childTnLst>
+                          </p:cTn>
+                        </p:par>
+                      </p:childTnLst>
+                    </p:cTn>
+                  </p:par>
+                </p:childTnLst>
+              </p:cTn>
+              <p:prevCondLst>
+                <p:cond evt="onPrev" delay="0">
+                  <p:tgtEl>
+                    <p:sldTgt/>
+                  </p:tgtEl>
+                </p:cond>
+              </p:prevCondLst>
+              <p:nextCondLst>
+                <p:cond evt="onNext" delay="0">
+                  <p:tgtEl>
+                    <p:sldTgt/>
+                  </p:tgtEl>
+                </p:cond>
+              </p:nextCondLst>
+            </p:seq>
+            <p:seq concurrent="1" nextAc="seek">
+              <p:cTn id="7" restart="whenNotActive" fill="hold" evtFilter="cancelBubble" nodeType="interactiveSeq">
+                <p:stCondLst>
+                  <p:cond evt="onClick" delay="0">
+                    <p:tgtEl>
+                      <p:spTgt spid="5"/>
+                    </p:tgtEl>
+                  </p:cond>
+                </p:stCondLst>
+                <p:endSync evt="end" delay="0">
+                  <p:rtn val="all"/>
+                </p:endSync>
+                <p:childTnLst>
+                  <p:par>
+                    <p:cTn id="8" fill="hold">
+                      <p:stCondLst>
+                        <p:cond delay="0"/>
+                      </p:stCondLst>
+                      <p:childTnLst>
+                        <p:par>
+                          <p:cTn id="9" fill="hold">
+                            <p:stCondLst>
+                              <p:cond delay="0"/>
+                            </p:stCondLst>
+                            <p:childTnLst>
+                              <p:par>
+                                <p:cTn id="10" presetID="2" presetClass="mediacall" presetSubtype="0" fill="hold" nodeType="clickEffect">
+                                  <p:stCondLst>
+                                    <p:cond delay="0"/>
+                                  </p:stCondLst>
+                                  <p:childTnLst>
+                                    <p:cmd type="call" cmd="togglePause">
+                                      <p:cBhvr>
+                                        <p:cTn id="11" dur="1" fill="hold"/>
+                                        <p:tgtEl>
+                                          <p:spTgt spid="5"/>
+                                        </p:tgtEl>
+                                      </p:cBhvr>
+                                    </p:cmd>
+                                  </p:childTnLst>
+                                </p:cTn>
+                              </p:par>
+                            </p:childTnLst>
+                          </p:cTn>
+                        </p:par>
+                      </p:childTnLst>
+                    </p:cTn>
+                  </p:par>
+                </p:childTnLst>
+              </p:cTn>
+              <p:nextCondLst>
+                <p:cond evt="onClick" delay="0">
+                  <p:tgtEl>
+                    <p:spTgt spid="5"/>
+                  </p:tgtEl>
+                </p:cond>
+              </p:nextCondLst>
+            </p:seq>
+            <p:video>
+              <p:cMediaNode vol="80000">
+                <p:cTn id="12" fill="hold" display="0">
+                  <p:stCondLst>
+                    <p:cond delay="indefinite"/>
+                  </p:stCondLst>
+                </p:cTn>
+                <p:tgtEl>
+                  <p:spTgt spid="5"/>
+                </p:tgtEl>
+              </p:cMediaNode>
+            </p:video>
+          </p:childTnLst>
+        </p:cTn>
+      </p:par>
+    </p:tnLst>
+  </p:timing>
 </p:sld>
 </file>
 
@@ -15278,10 +15893,9 @@
           </a:p>
           <a:p>
             <a:r>
-              <a:rPr lang="en-US" altLang="ko-KR" dirty="0"/>
-              <a:t>References</a:t>
-            </a:r>
-            <a:endParaRPr lang="ko-KR" altLang="en-US" dirty="0"/>
+              <a:rPr lang="ko-KR" altLang="en-US" dirty="0"/>
+              <a:t>필요 기술 및 참고 문헌</a:t>
+            </a:r>
           </a:p>
         </p:txBody>
       </p:sp>
@@ -15314,44 +15928,20 @@
           </a:p>
         </p:txBody>
       </p:sp>
-    </p:spTree>
-    <p:extLst>
-      <p:ext uri="{BB962C8B-B14F-4D97-AF65-F5344CB8AC3E}">
-        <p14:creationId xmlns:p14="http://schemas.microsoft.com/office/powerpoint/2010/main" val="538783524"/>
-      </p:ext>
-    </p:extLst>
-  </p:cSld>
-  <p:clrMapOvr>
-    <a:masterClrMapping/>
-  </p:clrMapOvr>
-</p:sld>
-</file>
-
-<file path=ppt/slides/slide20.xml><?xml version="1.0" encoding="utf-8"?>
-<p:sld xmlns:a="http://schemas.openxmlformats.org/drawingml/2006/main" xmlns:r="http://schemas.openxmlformats.org/officeDocument/2006/relationships" xmlns:p="http://schemas.openxmlformats.org/presentationml/2006/main" show="0">
-  <p:cSld>
-    <p:spTree>
-      <p:nvGrpSpPr>
-        <p:cNvPr id="1" name=""/>
-        <p:cNvGrpSpPr/>
-        <p:nvPr/>
-      </p:nvGrpSpPr>
-      <p:grpSpPr>
-        <a:xfrm>
-          <a:off x="0" y="0"/>
-          <a:ext cx="0" cy="0"/>
-          <a:chOff x="0" y="0"/>
-          <a:chExt cx="0" cy="0"/>
-        </a:xfrm>
-      </p:grpSpPr>
       <p:sp>
         <p:nvSpPr>
-          <p:cNvPr id="2" name="제목 1"/>
+          <p:cNvPr id="4" name="날짜 개체 틀 3">
+            <a:extLst>
+              <a:ext uri="{FF2B5EF4-FFF2-40B4-BE49-F238E27FC236}">
+                <a16:creationId xmlns:a16="http://schemas.microsoft.com/office/drawing/2014/main" id="{50CA76A8-0622-4BA8-B3F9-9C0E91F77E8F}"/>
+              </a:ext>
+            </a:extLst>
+          </p:cNvPr>
           <p:cNvSpPr>
             <a:spLocks noGrp="1"/>
           </p:cNvSpPr>
           <p:nvPr>
-            <p:ph type="title"/>
+            <p:ph type="dt" sz="half" idx="10"/>
           </p:nvPr>
         </p:nvSpPr>
         <p:spPr/>
@@ -15360,21 +15950,27 @@
           <a:lstStyle/>
           <a:p>
             <a:r>
-              <a:rPr lang="ko-KR" altLang="en-US" dirty="0"/>
-              <a:t>개발 환경</a:t>
-            </a:r>
-            <a:endParaRPr lang="en-US" altLang="ko-KR" dirty="0"/>
+              <a:rPr lang="en-US" altLang="ko-KR"/>
+              <a:t>2019-11-10</a:t>
+            </a:r>
+            <a:endParaRPr lang="ko-KR" altLang="en-US"/>
           </a:p>
         </p:txBody>
       </p:sp>
       <p:sp>
         <p:nvSpPr>
-          <p:cNvPr id="3" name="내용 개체 틀 2"/>
+          <p:cNvPr id="5" name="바닥글 개체 틀 4">
+            <a:extLst>
+              <a:ext uri="{FF2B5EF4-FFF2-40B4-BE49-F238E27FC236}">
+                <a16:creationId xmlns:a16="http://schemas.microsoft.com/office/drawing/2014/main" id="{4407F3F8-3F90-41F9-B35C-8678907036B3}"/>
+              </a:ext>
+            </a:extLst>
+          </p:cNvPr>
           <p:cNvSpPr>
             <a:spLocks noGrp="1"/>
           </p:cNvSpPr>
           <p:nvPr>
-            <p:ph idx="1"/>
+            <p:ph type="ftr" sz="quarter" idx="11"/>
           </p:nvPr>
         </p:nvSpPr>
         <p:spPr/>
@@ -15383,308 +15979,17 @@
           <a:lstStyle/>
           <a:p>
             <a:r>
-              <a:rPr lang="en-US" altLang="ko-KR" dirty="0"/>
-              <a:t>VCS : Git/</a:t>
-            </a:r>
-            <a:r>
-              <a:rPr lang="en-US" altLang="ko-KR" dirty="0" err="1"/>
-              <a:t>Github</a:t>
-            </a:r>
-            <a:endParaRPr lang="en-US" altLang="ko-KR" dirty="0"/>
-          </a:p>
-          <a:p>
-            <a:pPr lvl="1"/>
-            <a:r>
-              <a:rPr lang="en-US" altLang="ko-KR" dirty="0"/>
-              <a:t>organization : </a:t>
-            </a:r>
-            <a:r>
-              <a:rPr lang="en-US" altLang="ko-KR" dirty="0">
-                <a:hlinkClick r:id="rId2"/>
-              </a:rPr>
+              <a:rPr lang="en-US" altLang="ko-KR"/>
               <a:t>SEETHELIGHTS</a:t>
             </a:r>
-            <a:endParaRPr lang="en-US" altLang="ko-KR" dirty="0"/>
-          </a:p>
-          <a:p>
-            <a:pPr lvl="1"/>
-            <a:r>
-              <a:rPr lang="en-US" altLang="ko-KR" sz="2000" dirty="0"/>
-              <a:t>root repo: </a:t>
-            </a:r>
-            <a:r>
-              <a:rPr lang="en-US" altLang="ko-KR" sz="2000" dirty="0">
-                <a:hlinkClick r:id="rId3"/>
-              </a:rPr>
-              <a:t>https://github.com/SEETHELIGHTS/CapstoneDesign</a:t>
-            </a:r>
-            <a:endParaRPr lang="en-US" altLang="ko-KR" sz="2000" dirty="0"/>
-          </a:p>
-          <a:p>
-            <a:pPr lvl="1"/>
-            <a:r>
-              <a:rPr lang="en-US" altLang="ko-KR" sz="2000" dirty="0"/>
-              <a:t>planning doc. repo: </a:t>
-            </a:r>
-            <a:r>
-              <a:rPr lang="en-US" altLang="ko-KR" sz="2000" dirty="0">
-                <a:hlinkClick r:id="rId4"/>
-              </a:rPr>
-              <a:t>https://github.com/SEETHELIGHTS/CapstonePlanning</a:t>
-            </a:r>
-            <a:endParaRPr lang="en-US" altLang="ko-KR" sz="2000" dirty="0"/>
-          </a:p>
-          <a:p>
-            <a:pPr lvl="1"/>
-            <a:r>
-              <a:rPr lang="en-US" altLang="ko-KR" sz="2000" dirty="0"/>
-              <a:t>core calculator repo: </a:t>
-            </a:r>
-            <a:r>
-              <a:rPr lang="en-US" altLang="ko-KR" sz="2000" dirty="0">
-                <a:hlinkClick r:id="rId5"/>
-              </a:rPr>
-              <a:t>https://github.com/SEETHELIGHTS/RadianceGrabber</a:t>
-            </a:r>
-            <a:endParaRPr lang="en-US" altLang="ko-KR" sz="2000" dirty="0"/>
-          </a:p>
-          <a:p>
-            <a:pPr lvl="1"/>
-            <a:r>
-              <a:rPr lang="ko-KR" altLang="en-US" sz="2000" dirty="0"/>
-              <a:t>그림으로 가</a:t>
-            </a:r>
-            <a:r>
-              <a:rPr lang="en-US" altLang="ko-KR" sz="2000" dirty="0"/>
-              <a:t>!</a:t>
-            </a:r>
-          </a:p>
-          <a:p>
-            <a:endParaRPr lang="en-US" altLang="ko-KR" dirty="0"/>
+            <a:endParaRPr lang="ko-KR" altLang="en-US"/>
           </a:p>
         </p:txBody>
       </p:sp>
     </p:spTree>
     <p:extLst>
       <p:ext uri="{BB962C8B-B14F-4D97-AF65-F5344CB8AC3E}">
-        <p14:creationId xmlns:p14="http://schemas.microsoft.com/office/powerpoint/2010/main" val="1012945906"/>
-      </p:ext>
-    </p:extLst>
-  </p:cSld>
-  <p:clrMapOvr>
-    <a:masterClrMapping/>
-  </p:clrMapOvr>
-</p:sld>
-</file>
-
-<file path=ppt/slides/slide21.xml><?xml version="1.0" encoding="utf-8"?>
-<p:sld xmlns:a="http://schemas.openxmlformats.org/drawingml/2006/main" xmlns:r="http://schemas.openxmlformats.org/officeDocument/2006/relationships" xmlns:p="http://schemas.openxmlformats.org/presentationml/2006/main" show="0">
-  <p:cSld>
-    <p:spTree>
-      <p:nvGrpSpPr>
-        <p:cNvPr id="1" name=""/>
-        <p:cNvGrpSpPr/>
-        <p:nvPr/>
-      </p:nvGrpSpPr>
-      <p:grpSpPr>
-        <a:xfrm>
-          <a:off x="0" y="0"/>
-          <a:ext cx="0" cy="0"/>
-          <a:chOff x="0" y="0"/>
-          <a:chExt cx="0" cy="0"/>
-        </a:xfrm>
-      </p:grpSpPr>
-      <p:sp>
-        <p:nvSpPr>
-          <p:cNvPr id="2" name="제목 1"/>
-          <p:cNvSpPr>
-            <a:spLocks noGrp="1"/>
-          </p:cNvSpPr>
-          <p:nvPr>
-            <p:ph type="title"/>
-          </p:nvPr>
-        </p:nvSpPr>
-        <p:spPr/>
-        <p:txBody>
-          <a:bodyPr/>
-          <a:lstStyle/>
-          <a:p>
-            <a:r>
-              <a:rPr lang="ko-KR" altLang="en-US" dirty="0"/>
-              <a:t>졸업 연구 일정</a:t>
-            </a:r>
-            <a:endParaRPr lang="en-US" altLang="ko-KR" dirty="0"/>
-          </a:p>
-        </p:txBody>
-      </p:sp>
-      <p:sp>
-        <p:nvSpPr>
-          <p:cNvPr id="4" name="내용 개체 틀 3"/>
-          <p:cNvSpPr>
-            <a:spLocks noGrp="1"/>
-          </p:cNvSpPr>
-          <p:nvPr>
-            <p:ph idx="1"/>
-          </p:nvPr>
-        </p:nvSpPr>
-        <p:spPr/>
-        <p:txBody>
-          <a:bodyPr>
-            <a:normAutofit fontScale="85000" lnSpcReduction="20000"/>
-          </a:bodyPr>
-          <a:lstStyle/>
-          <a:p>
-            <a:r>
-              <a:rPr lang="en-US" altLang="ko-KR" dirty="0"/>
-              <a:t>11/15</a:t>
-            </a:r>
-            <a:r>
-              <a:rPr lang="ko-KR" altLang="en-US" dirty="0"/>
-              <a:t>일 이후에 할 예정</a:t>
-            </a:r>
-            <a:r>
-              <a:rPr lang="en-US" altLang="ko-KR" dirty="0"/>
-              <a:t>? </a:t>
-            </a:r>
-            <a:r>
-              <a:rPr lang="ko-KR" altLang="en-US" dirty="0"/>
-              <a:t>항목들만</a:t>
-            </a:r>
-            <a:endParaRPr lang="en-US" altLang="ko-KR" dirty="0"/>
-          </a:p>
-          <a:p>
-            <a:pPr marL="514350" indent="-514350">
-              <a:buAutoNum type="arabicPeriod"/>
-            </a:pPr>
-            <a:r>
-              <a:rPr lang="ko-KR" altLang="en-US" dirty="0"/>
-              <a:t>계산 기법 연구</a:t>
-            </a:r>
-            <a:endParaRPr lang="en-US" altLang="ko-KR" dirty="0"/>
-          </a:p>
-          <a:p>
-            <a:pPr marL="971550" lvl="1" indent="-514350">
-              <a:buAutoNum type="arabicPeriod"/>
-            </a:pPr>
-            <a:r>
-              <a:rPr lang="ko-KR" altLang="en-US" dirty="0"/>
-              <a:t>계산 모델 연구 </a:t>
-            </a:r>
-            <a:r>
-              <a:rPr lang="en-US" altLang="ko-KR" dirty="0"/>
-              <a:t>: MLT, Path-Tracing</a:t>
-            </a:r>
-          </a:p>
-          <a:p>
-            <a:pPr marL="971550" lvl="1" indent="-514350">
-              <a:buAutoNum type="arabicPeriod"/>
-            </a:pPr>
-            <a:r>
-              <a:rPr lang="en-US" altLang="ko-KR" dirty="0"/>
-              <a:t>Accelerated data structure : ray traversal </a:t>
-            </a:r>
-          </a:p>
-          <a:p>
-            <a:pPr marL="514350" indent="-514350">
-              <a:buAutoNum type="arabicPeriod"/>
-            </a:pPr>
-            <a:r>
-              <a:rPr lang="ko-KR" altLang="en-US" dirty="0"/>
-              <a:t>설계</a:t>
-            </a:r>
-            <a:endParaRPr lang="en-US" altLang="ko-KR" dirty="0"/>
-          </a:p>
-          <a:p>
-            <a:pPr marL="514350" indent="-514350">
-              <a:buAutoNum type="arabicPeriod"/>
-            </a:pPr>
-            <a:r>
-              <a:rPr lang="ko-KR" altLang="en-US" dirty="0"/>
-              <a:t>구현</a:t>
-            </a:r>
-            <a:endParaRPr lang="en-US" altLang="ko-KR" dirty="0"/>
-          </a:p>
-          <a:p>
-            <a:pPr marL="971550" lvl="1" indent="-514350">
-              <a:buAutoNum type="arabicPeriod"/>
-            </a:pPr>
-            <a:r>
-              <a:rPr lang="en-US" altLang="ko-KR" dirty="0"/>
-              <a:t>Foundation Implementation</a:t>
-            </a:r>
-          </a:p>
-          <a:p>
-            <a:pPr marL="971550" lvl="1" indent="-514350">
-              <a:buAutoNum type="arabicPeriod"/>
-            </a:pPr>
-            <a:r>
-              <a:rPr lang="en-US" altLang="ko-KR" dirty="0"/>
-              <a:t>Estimator Implementation</a:t>
-            </a:r>
-          </a:p>
-          <a:p>
-            <a:pPr marL="514350" indent="-514350">
-              <a:buAutoNum type="arabicPeriod"/>
-            </a:pPr>
-            <a:r>
-              <a:rPr lang="ko-KR" altLang="en-US" dirty="0"/>
-              <a:t>테스트 및 데모</a:t>
-            </a:r>
-            <a:endParaRPr lang="en-US" altLang="ko-KR" dirty="0"/>
-          </a:p>
-          <a:p>
-            <a:pPr marL="514350" indent="-514350">
-              <a:buAutoNum type="arabicPeriod"/>
-            </a:pPr>
-            <a:r>
-              <a:rPr lang="ko-KR" altLang="en-US" dirty="0"/>
-              <a:t>문서화 및 발표</a:t>
-            </a:r>
-            <a:endParaRPr lang="en-US" altLang="ko-KR" dirty="0"/>
-          </a:p>
-          <a:p>
-            <a:pPr marL="514350" indent="-514350">
-              <a:buAutoNum type="arabicPeriod"/>
-            </a:pPr>
-            <a:r>
-              <a:rPr lang="ko-KR" altLang="en-US" dirty="0"/>
-              <a:t>최종 보고서 작성</a:t>
-            </a:r>
-            <a:endParaRPr lang="en-US" altLang="ko-KR" dirty="0"/>
-          </a:p>
-          <a:p>
-            <a:pPr marL="0" indent="0">
-              <a:buNone/>
-            </a:pPr>
-            <a:r>
-              <a:rPr lang="en-US" altLang="ko-KR" dirty="0"/>
-              <a:t>- </a:t>
-            </a:r>
-            <a:r>
-              <a:rPr lang="ko-KR" altLang="en-US" dirty="0"/>
-              <a:t>테스트 및 데모 부터는 작년 양식 </a:t>
-            </a:r>
-            <a:r>
-              <a:rPr lang="ko-KR" altLang="en-US" dirty="0" err="1"/>
-              <a:t>따온거임</a:t>
-            </a:r>
-            <a:r>
-              <a:rPr lang="en-US" altLang="ko-KR" dirty="0"/>
-              <a:t>.</a:t>
-            </a:r>
-          </a:p>
-          <a:p>
-            <a:pPr marL="514350" indent="-514350">
-              <a:buAutoNum type="arabicPeriod"/>
-            </a:pPr>
-            <a:endParaRPr lang="ko-KR" altLang="en-US" dirty="0"/>
-          </a:p>
-        </p:txBody>
-      </p:sp>
-    </p:spTree>
-    <p:extLst>
-      <p:ext uri="{BB962C8B-B14F-4D97-AF65-F5344CB8AC3E}">
-        <p14:creationId xmlns:p14="http://schemas.microsoft.com/office/powerpoint/2010/main" val="3525204028"/>
+        <p14:creationId xmlns:p14="http://schemas.microsoft.com/office/powerpoint/2010/main" val="538783524"/>
       </p:ext>
     </p:extLst>
   </p:cSld>
@@ -16021,7 +16326,7 @@
             </a:pPr>
             <a:r>
               <a:rPr lang="ko-KR" altLang="en-US" sz="2400" dirty="0"/>
-              <a:t>사실에 가까운 그래픽</a:t>
+              <a:t>사실에 가까워지는 그래픽</a:t>
             </a:r>
             <a:r>
               <a:rPr lang="en-US" altLang="ko-KR" sz="2400" dirty="0"/>
@@ -16118,6 +16423,64 @@
           </a:prstGeom>
         </p:spPr>
       </p:pic>
+      <p:sp>
+        <p:nvSpPr>
+          <p:cNvPr id="3" name="날짜 개체 틀 2">
+            <a:extLst>
+              <a:ext uri="{FF2B5EF4-FFF2-40B4-BE49-F238E27FC236}">
+                <a16:creationId xmlns:a16="http://schemas.microsoft.com/office/drawing/2014/main" id="{C7EA4DD3-91F2-4E44-B046-4F9226629407}"/>
+              </a:ext>
+            </a:extLst>
+          </p:cNvPr>
+          <p:cNvSpPr>
+            <a:spLocks noGrp="1"/>
+          </p:cNvSpPr>
+          <p:nvPr>
+            <p:ph type="dt" sz="half" idx="10"/>
+          </p:nvPr>
+        </p:nvSpPr>
+        <p:spPr/>
+        <p:txBody>
+          <a:bodyPr/>
+          <a:lstStyle/>
+          <a:p>
+            <a:r>
+              <a:rPr lang="en-US" altLang="ko-KR"/>
+              <a:t>2019-11-10</a:t>
+            </a:r>
+            <a:endParaRPr lang="ko-KR" altLang="en-US"/>
+          </a:p>
+        </p:txBody>
+      </p:sp>
+      <p:sp>
+        <p:nvSpPr>
+          <p:cNvPr id="4" name="바닥글 개체 틀 3">
+            <a:extLst>
+              <a:ext uri="{FF2B5EF4-FFF2-40B4-BE49-F238E27FC236}">
+                <a16:creationId xmlns:a16="http://schemas.microsoft.com/office/drawing/2014/main" id="{5826E70A-454E-4FDD-A87D-58E4BA63DE40}"/>
+              </a:ext>
+            </a:extLst>
+          </p:cNvPr>
+          <p:cNvSpPr>
+            <a:spLocks noGrp="1"/>
+          </p:cNvSpPr>
+          <p:nvPr>
+            <p:ph type="ftr" sz="quarter" idx="11"/>
+          </p:nvPr>
+        </p:nvSpPr>
+        <p:spPr/>
+        <p:txBody>
+          <a:bodyPr/>
+          <a:lstStyle/>
+          <a:p>
+            <a:r>
+              <a:rPr lang="en-US" altLang="ko-KR"/>
+              <a:t>SEETHELIGHTS</a:t>
+            </a:r>
+            <a:endParaRPr lang="ko-KR" altLang="en-US"/>
+          </a:p>
+        </p:txBody>
+      </p:sp>
     </p:spTree>
     <p:extLst>
       <p:ext uri="{BB962C8B-B14F-4D97-AF65-F5344CB8AC3E}">
@@ -16482,69 +16845,77 @@
               <a:buNone/>
             </a:pPr>
             <a:r>
-              <a:rPr lang="en-US" altLang="ko-KR" sz="1800" dirty="0"/>
+              <a:rPr lang="en-US" altLang="ko-KR" sz="1400" dirty="0"/>
               <a:t>Art</a:t>
             </a:r>
             <a:r>
-              <a:rPr lang="ko-KR" altLang="en-US" sz="1800" dirty="0"/>
+              <a:rPr lang="ko-KR" altLang="en-US" sz="1400" dirty="0"/>
               <a:t> </a:t>
             </a:r>
             <a:r>
-              <a:rPr lang="en-US" altLang="ko-KR" sz="1800" dirty="0"/>
+              <a:rPr lang="en-US" altLang="ko-KR" sz="1400" dirty="0"/>
               <a:t>Asset </a:t>
             </a:r>
             <a:r>
-              <a:rPr lang="ko-KR" altLang="en-US" sz="1800" dirty="0"/>
+              <a:rPr lang="ko-KR" altLang="en-US" sz="1400" dirty="0"/>
               <a:t>부터</a:t>
             </a:r>
             <a:r>
-              <a:rPr lang="en-US" altLang="ko-KR" sz="1800" dirty="0"/>
+              <a:rPr lang="en-US" altLang="ko-KR" sz="1400" dirty="0"/>
               <a:t> Technical Solution </a:t>
             </a:r>
             <a:r>
-              <a:rPr lang="ko-KR" altLang="en-US" sz="1800" dirty="0"/>
+              <a:rPr lang="ko-KR" altLang="en-US" sz="1400" dirty="0"/>
               <a:t>까지 다양한 종류의 것들 판매</a:t>
             </a:r>
             <a:r>
-              <a:rPr lang="en-US" altLang="ko-KR" sz="1800" dirty="0"/>
+              <a:rPr lang="en-US" altLang="ko-KR" sz="1400" dirty="0"/>
               <a:t>. </a:t>
             </a:r>
             <a:r>
-              <a:rPr lang="ko-KR" altLang="en-US" sz="1800" dirty="0"/>
+              <a:rPr lang="ko-KR" altLang="en-US" sz="1400" dirty="0"/>
               <a:t>해당 엔진의 사용자들에게 기능</a:t>
             </a:r>
             <a:r>
-              <a:rPr lang="en-US" altLang="ko-KR" sz="1800" dirty="0"/>
+              <a:rPr lang="en-US" altLang="ko-KR" sz="1400" dirty="0"/>
               <a:t>/</a:t>
             </a:r>
             <a:r>
-              <a:rPr lang="ko-KR" altLang="en-US" sz="1800" dirty="0"/>
+              <a:rPr lang="ko-KR" altLang="en-US" sz="1400" dirty="0"/>
               <a:t>리소스를 쉽게 제공</a:t>
             </a:r>
-            <a:endParaRPr lang="en-US" altLang="ko-KR" sz="1800" dirty="0"/>
+            <a:endParaRPr lang="en-US" altLang="ko-KR" sz="1400" dirty="0"/>
           </a:p>
           <a:p>
             <a:pPr marL="0" indent="0" algn="ctr" latinLnBrk="0">
               <a:buNone/>
             </a:pPr>
             <a:r>
-              <a:rPr lang="en-US" altLang="ko-KR" sz="1600" dirty="0"/>
-              <a:t>($5</a:t>
-            </a:r>
-            <a:r>
-              <a:rPr lang="ko-KR" altLang="en-US" sz="1600" dirty="0"/>
-              <a:t>부터 시작해 </a:t>
-            </a:r>
-            <a:r>
-              <a:rPr lang="ko-KR" altLang="en-US" sz="1600" dirty="0" err="1"/>
+              <a:rPr lang="en-US" altLang="ko-KR" sz="1200" dirty="0"/>
+              <a:t>($1</a:t>
+            </a:r>
+            <a:r>
+              <a:rPr lang="ko-KR" altLang="en-US" sz="1200" dirty="0"/>
+              <a:t> </a:t>
+            </a:r>
+            <a:r>
+              <a:rPr lang="en-US" altLang="ko-KR" sz="1200" dirty="0"/>
+              <a:t>~</a:t>
+            </a:r>
+            <a:r>
+              <a:rPr lang="ko-KR" altLang="en-US" sz="1200" dirty="0"/>
+              <a:t> </a:t>
+            </a:r>
+            <a:r>
+              <a:rPr lang="ko-KR" altLang="en-US" sz="1200" dirty="0" err="1"/>
               <a:t>몇백</a:t>
             </a:r>
             <a:r>
-              <a:rPr lang="ko-KR" altLang="en-US" sz="1600" dirty="0"/>
-              <a:t> 달러 정도</a:t>
-            </a:r>
-            <a:r>
-              <a:rPr lang="en-US" altLang="ko-KR" sz="1600" dirty="0"/>
+              <a:rPr lang="ko-KR" altLang="en-US" sz="1200" dirty="0"/>
+              <a:t> 달러</a:t>
+            </a:r>
+            <a:r>
+              <a:rPr lang="en-US" altLang="ko-KR" sz="1200" dirty="0"/>
               <a:t>)</a:t>
             </a:r>
           </a:p>
@@ -16763,25 +17134,25 @@
               <a:buNone/>
             </a:pPr>
             <a:r>
-              <a:rPr lang="en-US" altLang="ko-KR" sz="1600" dirty="0"/>
+              <a:rPr lang="en-US" altLang="ko-KR" sz="1400" dirty="0"/>
               <a:t>Real-time Rendering Engine </a:t>
             </a:r>
             <a:r>
-              <a:rPr lang="ko-KR" altLang="en-US" sz="1600" dirty="0"/>
+              <a:rPr lang="ko-KR" altLang="en-US" sz="1400" dirty="0"/>
               <a:t>의 기술적 구멍을 메꾸기 </a:t>
             </a:r>
-            <a:endParaRPr lang="en-US" altLang="ko-KR" sz="1600" dirty="0"/>
+            <a:endParaRPr lang="en-US" altLang="ko-KR" sz="1400" dirty="0"/>
           </a:p>
           <a:p>
             <a:pPr marL="0" indent="0" algn="ctr" latinLnBrk="0">
               <a:buNone/>
             </a:pPr>
             <a:r>
-              <a:rPr lang="ko-KR" altLang="en-US" sz="1600" dirty="0"/>
+              <a:rPr lang="ko-KR" altLang="en-US" sz="1400" dirty="0"/>
               <a:t>위한 솔루션으로 사용됨</a:t>
             </a:r>
             <a:r>
-              <a:rPr lang="en-US" altLang="ko-KR" sz="1600" dirty="0"/>
+              <a:rPr lang="en-US" altLang="ko-KR" sz="1400" dirty="0"/>
               <a:t>.</a:t>
             </a:r>
           </a:p>
@@ -16790,15 +17161,15 @@
               <a:buNone/>
             </a:pPr>
             <a:r>
-              <a:rPr lang="en-US" altLang="ko-KR" sz="1600" dirty="0"/>
+              <a:rPr lang="en-US" altLang="ko-KR" sz="1200" dirty="0"/>
               <a:t>(Enterprise License : </a:t>
             </a:r>
             <a:r>
-              <a:rPr lang="ko-KR" altLang="en-US" sz="1600" dirty="0"/>
+              <a:rPr lang="ko-KR" altLang="en-US" sz="1200" dirty="0"/>
               <a:t>천만원 단위의 가격</a:t>
             </a:r>
             <a:r>
-              <a:rPr lang="en-US" altLang="ko-KR" sz="1600" dirty="0"/>
+              <a:rPr lang="en-US" altLang="ko-KR" sz="1200" dirty="0"/>
               <a:t>)</a:t>
             </a:r>
           </a:p>
@@ -16863,6 +17234,64 @@
           </a:prstGeom>
         </p:spPr>
       </p:pic>
+      <p:sp>
+        <p:nvSpPr>
+          <p:cNvPr id="5" name="날짜 개체 틀 4">
+            <a:extLst>
+              <a:ext uri="{FF2B5EF4-FFF2-40B4-BE49-F238E27FC236}">
+                <a16:creationId xmlns:a16="http://schemas.microsoft.com/office/drawing/2014/main" id="{D16A633A-8F95-4062-AB9C-926110817C9B}"/>
+              </a:ext>
+            </a:extLst>
+          </p:cNvPr>
+          <p:cNvSpPr>
+            <a:spLocks noGrp="1"/>
+          </p:cNvSpPr>
+          <p:nvPr>
+            <p:ph type="dt" sz="half" idx="10"/>
+          </p:nvPr>
+        </p:nvSpPr>
+        <p:spPr/>
+        <p:txBody>
+          <a:bodyPr/>
+          <a:lstStyle/>
+          <a:p>
+            <a:r>
+              <a:rPr lang="en-US" altLang="ko-KR"/>
+              <a:t>2019-11-10</a:t>
+            </a:r>
+            <a:endParaRPr lang="ko-KR" altLang="en-US"/>
+          </a:p>
+        </p:txBody>
+      </p:sp>
+      <p:sp>
+        <p:nvSpPr>
+          <p:cNvPr id="6" name="바닥글 개체 틀 5">
+            <a:extLst>
+              <a:ext uri="{FF2B5EF4-FFF2-40B4-BE49-F238E27FC236}">
+                <a16:creationId xmlns:a16="http://schemas.microsoft.com/office/drawing/2014/main" id="{A01CB8B0-E026-4BC8-A023-527A71AECC56}"/>
+              </a:ext>
+            </a:extLst>
+          </p:cNvPr>
+          <p:cNvSpPr>
+            <a:spLocks noGrp="1"/>
+          </p:cNvSpPr>
+          <p:nvPr>
+            <p:ph type="ftr" sz="quarter" idx="11"/>
+          </p:nvPr>
+        </p:nvSpPr>
+        <p:spPr/>
+        <p:txBody>
+          <a:bodyPr/>
+          <a:lstStyle/>
+          <a:p>
+            <a:r>
+              <a:rPr lang="en-US" altLang="ko-KR"/>
+              <a:t>SEETHELIGHTS</a:t>
+            </a:r>
+            <a:endParaRPr lang="ko-KR" altLang="en-US"/>
+          </a:p>
+        </p:txBody>
+      </p:sp>
     </p:spTree>
     <p:extLst>
       <p:ext uri="{BB962C8B-B14F-4D97-AF65-F5344CB8AC3E}">
@@ -16918,15 +17347,7 @@
             </a:r>
             <a:r>
               <a:rPr lang="ko-KR" altLang="en-US" dirty="0"/>
-              <a:t>연구 개발 배경</a:t>
-            </a:r>
-            <a:r>
-              <a:rPr lang="en-US" altLang="ko-KR" dirty="0"/>
-              <a:t>, </a:t>
-            </a:r>
-            <a:r>
-              <a:rPr lang="ko-KR" altLang="en-US" dirty="0"/>
-              <a:t>효과</a:t>
+              <a:t>연구 개발 목표</a:t>
             </a:r>
           </a:p>
         </p:txBody>
@@ -16947,29 +17368,69 @@
           <a:lstStyle/>
           <a:p>
             <a:r>
+              <a:rPr lang="en-US" altLang="ko-KR" dirty="0"/>
+              <a:t>real-time rendering </a:t>
+            </a:r>
+            <a:r>
               <a:rPr lang="ko-KR" altLang="en-US" dirty="0"/>
-              <a:t>여러 프레임을 연속한 영상 제작의 용도 </a:t>
+              <a:t>에 쓰이는 데이터를 통해서 </a:t>
+            </a:r>
+            <a:r>
+              <a:rPr lang="en-US" altLang="ko-KR" dirty="0"/>
+              <a:t>raytracing(path-tracing)</a:t>
+            </a:r>
+            <a:r>
+              <a:rPr lang="ko-KR" altLang="en-US" dirty="0"/>
+              <a:t>기법을 사용해 사실적인 이미지를 생성</a:t>
             </a:r>
             <a:endParaRPr lang="en-US" altLang="ko-KR" dirty="0"/>
           </a:p>
           <a:p>
             <a:r>
+              <a:rPr lang="ko-KR" altLang="en-US" dirty="0"/>
+              <a:t>독립적인 </a:t>
+            </a:r>
+            <a:r>
+              <a:rPr lang="ko-KR" altLang="en-US" dirty="0" err="1"/>
+              <a:t>픽셀별</a:t>
+            </a:r>
+            <a:r>
+              <a:rPr lang="ko-KR" altLang="en-US" dirty="0"/>
+              <a:t> 계산 때문에 </a:t>
+            </a:r>
+            <a:r>
               <a:rPr lang="en-US" altLang="ko-KR" dirty="0"/>
-              <a:t>real-time rendering -&gt; offline rendering approximation </a:t>
+              <a:t>GPGPU</a:t>
             </a:r>
             <a:r>
               <a:rPr lang="ko-KR" altLang="en-US" dirty="0"/>
-              <a:t>의 </a:t>
+              <a:t>를 통한 가속을 활용함</a:t>
             </a:r>
             <a:r>
               <a:rPr lang="en-US" altLang="ko-KR" dirty="0"/>
-              <a:t>reference image </a:t>
-            </a:r>
-            <a:r>
-              <a:rPr lang="ko-KR" altLang="en-US" dirty="0"/>
-              <a:t>로써의 사용</a:t>
-            </a:r>
-            <a:endParaRPr lang="en-US" altLang="ko-KR" dirty="0"/>
+              <a:t>.</a:t>
+            </a:r>
+          </a:p>
+          <a:p>
+            <a:r>
+              <a:rPr lang="ko-KR" altLang="ko-KR" dirty="0"/>
+              <a:t>하나의 컴퓨터에서 여러 개의 </a:t>
+            </a:r>
+            <a:r>
+              <a:rPr lang="en-US" altLang="ko-KR" dirty="0"/>
+              <a:t>GPU</a:t>
+            </a:r>
+            <a:r>
+              <a:rPr lang="ko-KR" altLang="ko-KR" dirty="0"/>
+              <a:t>를 가진 경우 이를 활용하여 더 빠른 계산을 할 수 있도록 한다</a:t>
+            </a:r>
+            <a:r>
+              <a:rPr lang="en-US" altLang="ko-KR" dirty="0"/>
+              <a:t>.</a:t>
+            </a:r>
+          </a:p>
+          <a:p>
+            <a:endParaRPr lang="ko-KR" altLang="en-US" dirty="0"/>
           </a:p>
         </p:txBody>
       </p:sp>
@@ -16978,7 +17439,7 @@
           <p:cNvPr id="6" name="슬라이드 번호 개체 틀 5">
             <a:extLst>
               <a:ext uri="{FF2B5EF4-FFF2-40B4-BE49-F238E27FC236}">
-                <a16:creationId xmlns:a16="http://schemas.microsoft.com/office/drawing/2014/main" id="{557B7CD7-EAE2-40E4-B8E5-152631289BB3}"/>
+                <a16:creationId xmlns:a16="http://schemas.microsoft.com/office/drawing/2014/main" id="{B9B260F2-E3A2-4B18-AE02-8922365446A3}"/>
               </a:ext>
             </a:extLst>
           </p:cNvPr>
@@ -17002,10 +17463,68 @@
           </a:p>
         </p:txBody>
       </p:sp>
+      <p:sp>
+        <p:nvSpPr>
+          <p:cNvPr id="4" name="날짜 개체 틀 3">
+            <a:extLst>
+              <a:ext uri="{FF2B5EF4-FFF2-40B4-BE49-F238E27FC236}">
+                <a16:creationId xmlns:a16="http://schemas.microsoft.com/office/drawing/2014/main" id="{6A515CC0-04D1-49A9-A974-9174950CCDF7}"/>
+              </a:ext>
+            </a:extLst>
+          </p:cNvPr>
+          <p:cNvSpPr>
+            <a:spLocks noGrp="1"/>
+          </p:cNvSpPr>
+          <p:nvPr>
+            <p:ph type="dt" sz="half" idx="10"/>
+          </p:nvPr>
+        </p:nvSpPr>
+        <p:spPr/>
+        <p:txBody>
+          <a:bodyPr/>
+          <a:lstStyle/>
+          <a:p>
+            <a:r>
+              <a:rPr lang="en-US" altLang="ko-KR"/>
+              <a:t>2019-11-10</a:t>
+            </a:r>
+            <a:endParaRPr lang="ko-KR" altLang="en-US"/>
+          </a:p>
+        </p:txBody>
+      </p:sp>
+      <p:sp>
+        <p:nvSpPr>
+          <p:cNvPr id="5" name="바닥글 개체 틀 4">
+            <a:extLst>
+              <a:ext uri="{FF2B5EF4-FFF2-40B4-BE49-F238E27FC236}">
+                <a16:creationId xmlns:a16="http://schemas.microsoft.com/office/drawing/2014/main" id="{DE8D646A-55C0-44E7-9FF8-B4BB2CD8D45A}"/>
+              </a:ext>
+            </a:extLst>
+          </p:cNvPr>
+          <p:cNvSpPr>
+            <a:spLocks noGrp="1"/>
+          </p:cNvSpPr>
+          <p:nvPr>
+            <p:ph type="ftr" sz="quarter" idx="11"/>
+          </p:nvPr>
+        </p:nvSpPr>
+        <p:spPr/>
+        <p:txBody>
+          <a:bodyPr/>
+          <a:lstStyle/>
+          <a:p>
+            <a:r>
+              <a:rPr lang="en-US" altLang="ko-KR"/>
+              <a:t>SEETHELIGHTS</a:t>
+            </a:r>
+            <a:endParaRPr lang="ko-KR" altLang="en-US"/>
+          </a:p>
+        </p:txBody>
+      </p:sp>
     </p:spTree>
     <p:extLst>
       <p:ext uri="{BB962C8B-B14F-4D97-AF65-F5344CB8AC3E}">
-        <p14:creationId xmlns:p14="http://schemas.microsoft.com/office/powerpoint/2010/main" val="2972658662"/>
+        <p14:creationId xmlns:p14="http://schemas.microsoft.com/office/powerpoint/2010/main" val="4281557030"/>
       </p:ext>
     </p:extLst>
   </p:cSld>
@@ -17057,90 +17576,16 @@
             </a:r>
             <a:r>
               <a:rPr lang="ko-KR" altLang="en-US" dirty="0"/>
-              <a:t>연구 개발 목표</a:t>
-            </a:r>
-          </a:p>
-        </p:txBody>
-      </p:sp>
-      <p:sp>
-        <p:nvSpPr>
-          <p:cNvPr id="3" name="내용 개체 틀 2"/>
-          <p:cNvSpPr>
-            <a:spLocks noGrp="1"/>
-          </p:cNvSpPr>
-          <p:nvPr>
-            <p:ph idx="1"/>
-          </p:nvPr>
-        </p:nvSpPr>
-        <p:spPr/>
-        <p:txBody>
-          <a:bodyPr/>
-          <a:lstStyle/>
-          <a:p>
+              <a:t>연구 개발</a:t>
+            </a:r>
             <a:r>
               <a:rPr lang="en-US" altLang="ko-KR" dirty="0"/>
-              <a:t>real-time rendering </a:t>
+              <a:t> </a:t>
             </a:r>
             <a:r>
               <a:rPr lang="ko-KR" altLang="en-US" dirty="0"/>
-              <a:t>에 쓰이는 데이터를 통해서 </a:t>
-            </a:r>
-            <a:r>
-              <a:rPr lang="en-US" altLang="ko-KR" dirty="0"/>
-              <a:t>raytracing(path-tracing)</a:t>
-            </a:r>
-            <a:r>
-              <a:rPr lang="ko-KR" altLang="en-US" dirty="0"/>
-              <a:t>기법을 사용해 사실적인 이미지를 생성</a:t>
-            </a:r>
-            <a:endParaRPr lang="en-US" altLang="ko-KR" dirty="0"/>
-          </a:p>
-          <a:p>
-            <a:r>
-              <a:rPr lang="ko-KR" altLang="en-US" dirty="0"/>
-              <a:t>독립적인 </a:t>
-            </a:r>
-            <a:r>
-              <a:rPr lang="ko-KR" altLang="en-US" dirty="0" err="1"/>
-              <a:t>픽셀별</a:t>
-            </a:r>
-            <a:r>
-              <a:rPr lang="ko-KR" altLang="en-US" dirty="0"/>
-              <a:t> 계산 때문에 </a:t>
-            </a:r>
-            <a:r>
-              <a:rPr lang="en-US" altLang="ko-KR" dirty="0"/>
-              <a:t>GPGPU</a:t>
-            </a:r>
-            <a:r>
-              <a:rPr lang="ko-KR" altLang="en-US" dirty="0"/>
-              <a:t>를 통한 가속을 활용함</a:t>
-            </a:r>
-            <a:r>
-              <a:rPr lang="en-US" altLang="ko-KR" dirty="0"/>
-              <a:t>.</a:t>
-            </a:r>
-          </a:p>
-          <a:p>
-            <a:r>
-              <a:rPr lang="ko-KR" altLang="ko-KR" dirty="0"/>
-              <a:t>하나의 컴퓨터에서 여러 개의 </a:t>
-            </a:r>
-            <a:r>
-              <a:rPr lang="en-US" altLang="ko-KR" dirty="0"/>
-              <a:t>GPU</a:t>
-            </a:r>
-            <a:r>
-              <a:rPr lang="ko-KR" altLang="ko-KR" dirty="0"/>
-              <a:t>를 가진 경우 이를 활용하여 더 빠른 계산을 할 수 있도록 한다</a:t>
-            </a:r>
-            <a:r>
-              <a:rPr lang="en-US" altLang="ko-KR" dirty="0"/>
-              <a:t>.</a:t>
-            </a:r>
-          </a:p>
-          <a:p>
-            <a:endParaRPr lang="ko-KR" altLang="en-US" dirty="0"/>
+              <a:t>효과</a:t>
+            </a:r>
           </a:p>
         </p:txBody>
       </p:sp>
@@ -17149,7 +17594,7 @@
           <p:cNvPr id="6" name="슬라이드 번호 개체 틀 5">
             <a:extLst>
               <a:ext uri="{FF2B5EF4-FFF2-40B4-BE49-F238E27FC236}">
-                <a16:creationId xmlns:a16="http://schemas.microsoft.com/office/drawing/2014/main" id="{B9B260F2-E3A2-4B18-AE02-8922365446A3}"/>
+                <a16:creationId xmlns:a16="http://schemas.microsoft.com/office/drawing/2014/main" id="{557B7CD7-EAE2-40E4-B8E5-152631289BB3}"/>
               </a:ext>
             </a:extLst>
           </p:cNvPr>
@@ -17173,10 +17618,261 @@
           </a:p>
         </p:txBody>
       </p:sp>
+      <p:sp>
+        <p:nvSpPr>
+          <p:cNvPr id="4" name="날짜 개체 틀 3">
+            <a:extLst>
+              <a:ext uri="{FF2B5EF4-FFF2-40B4-BE49-F238E27FC236}">
+                <a16:creationId xmlns:a16="http://schemas.microsoft.com/office/drawing/2014/main" id="{43962335-4CFF-4005-BFEC-F8A2C60EEFD0}"/>
+              </a:ext>
+            </a:extLst>
+          </p:cNvPr>
+          <p:cNvSpPr>
+            <a:spLocks noGrp="1"/>
+          </p:cNvSpPr>
+          <p:nvPr>
+            <p:ph type="dt" sz="half" idx="10"/>
+          </p:nvPr>
+        </p:nvSpPr>
+        <p:spPr/>
+        <p:txBody>
+          <a:bodyPr/>
+          <a:lstStyle/>
+          <a:p>
+            <a:r>
+              <a:rPr lang="en-US" altLang="ko-KR"/>
+              <a:t>2019-11-10</a:t>
+            </a:r>
+            <a:endParaRPr lang="ko-KR" altLang="en-US" dirty="0"/>
+          </a:p>
+        </p:txBody>
+      </p:sp>
+      <p:sp>
+        <p:nvSpPr>
+          <p:cNvPr id="5" name="바닥글 개체 틀 4">
+            <a:extLst>
+              <a:ext uri="{FF2B5EF4-FFF2-40B4-BE49-F238E27FC236}">
+                <a16:creationId xmlns:a16="http://schemas.microsoft.com/office/drawing/2014/main" id="{457999E9-CA89-4303-82C3-C92B7FC0B036}"/>
+              </a:ext>
+            </a:extLst>
+          </p:cNvPr>
+          <p:cNvSpPr>
+            <a:spLocks noGrp="1"/>
+          </p:cNvSpPr>
+          <p:nvPr>
+            <p:ph type="ftr" sz="quarter" idx="11"/>
+          </p:nvPr>
+        </p:nvSpPr>
+        <p:spPr/>
+        <p:txBody>
+          <a:bodyPr/>
+          <a:lstStyle/>
+          <a:p>
+            <a:r>
+              <a:rPr lang="en-US" altLang="ko-KR"/>
+              <a:t>SEETHELIGHTS</a:t>
+            </a:r>
+            <a:endParaRPr lang="ko-KR" altLang="en-US"/>
+          </a:p>
+        </p:txBody>
+      </p:sp>
+      <p:sp>
+        <p:nvSpPr>
+          <p:cNvPr id="8" name="TextBox 7">
+            <a:extLst>
+              <a:ext uri="{FF2B5EF4-FFF2-40B4-BE49-F238E27FC236}">
+                <a16:creationId xmlns:a16="http://schemas.microsoft.com/office/drawing/2014/main" id="{650A3CC7-AE42-4653-94B8-900AF8E3A01F}"/>
+              </a:ext>
+            </a:extLst>
+          </p:cNvPr>
+          <p:cNvSpPr txBox="1"/>
+          <p:nvPr/>
+        </p:nvSpPr>
+        <p:spPr>
+          <a:xfrm>
+            <a:off x="952884" y="5283166"/>
+            <a:ext cx="4799825" cy="369332"/>
+          </a:xfrm>
+          <a:prstGeom prst="rect">
+            <a:avLst/>
+          </a:prstGeom>
+          <a:noFill/>
+        </p:spPr>
+        <p:txBody>
+          <a:bodyPr wrap="square" rtlCol="0" anchor="ctr">
+            <a:spAutoFit/>
+          </a:bodyPr>
+          <a:lstStyle/>
+          <a:p>
+            <a:pPr algn="ctr"/>
+            <a:r>
+              <a:rPr lang="ko-KR" altLang="en-US" dirty="0"/>
+              <a:t>여러 개의 프레임을 생성하여 영상으로 활용</a:t>
+            </a:r>
+            <a:endParaRPr lang="en-US" altLang="ko-KR" dirty="0"/>
+          </a:p>
+        </p:txBody>
+      </p:sp>
+      <p:pic>
+        <p:nvPicPr>
+          <p:cNvPr id="1026" name="Picture 2" descr="ray tracing vs rasterization에 대한 이미지 검색결과">
+            <a:extLst>
+              <a:ext uri="{FF2B5EF4-FFF2-40B4-BE49-F238E27FC236}">
+                <a16:creationId xmlns:a16="http://schemas.microsoft.com/office/drawing/2014/main" id="{6EE71596-D3F6-4FCA-8838-1A9A7EAE6AC0}"/>
+              </a:ext>
+            </a:extLst>
+          </p:cNvPr>
+          <p:cNvPicPr>
+            <a:picLocks noChangeAspect="1" noChangeArrowheads="1"/>
+          </p:cNvPicPr>
+          <p:nvPr/>
+        </p:nvPicPr>
+        <p:blipFill>
+          <a:blip r:embed="rId2">
+            <a:extLst>
+              <a:ext uri="{28A0092B-C50C-407E-A947-70E740481C1C}">
+                <a14:useLocalDpi xmlns:a14="http://schemas.microsoft.com/office/drawing/2010/main" val="0"/>
+              </a:ext>
+            </a:extLst>
+          </a:blip>
+          <a:srcRect/>
+          <a:stretch>
+            <a:fillRect/>
+          </a:stretch>
+        </p:blipFill>
+        <p:spPr bwMode="auto">
+          <a:xfrm>
+            <a:off x="6115402" y="2201052"/>
+            <a:ext cx="5143500" cy="2571750"/>
+          </a:xfrm>
+          <a:prstGeom prst="rect">
+            <a:avLst/>
+          </a:prstGeom>
+          <a:noFill/>
+          <a:extLst>
+            <a:ext uri="{909E8E84-426E-40DD-AFC4-6F175D3DCCD1}">
+              <a14:hiddenFill xmlns:a14="http://schemas.microsoft.com/office/drawing/2010/main">
+                <a:solidFill>
+                  <a:srgbClr val="FFFFFF"/>
+                </a:solidFill>
+              </a14:hiddenFill>
+            </a:ext>
+          </a:extLst>
+        </p:spPr>
+      </p:pic>
+      <p:sp>
+        <p:nvSpPr>
+          <p:cNvPr id="16" name="TextBox 15">
+            <a:extLst>
+              <a:ext uri="{FF2B5EF4-FFF2-40B4-BE49-F238E27FC236}">
+                <a16:creationId xmlns:a16="http://schemas.microsoft.com/office/drawing/2014/main" id="{C7451891-6F7D-4A6C-BD94-CF9EE730BDF4}"/>
+              </a:ext>
+            </a:extLst>
+          </p:cNvPr>
+          <p:cNvSpPr txBox="1"/>
+          <p:nvPr/>
+        </p:nvSpPr>
+        <p:spPr>
+          <a:xfrm>
+            <a:off x="6020505" y="5006168"/>
+            <a:ext cx="5333295" cy="923330"/>
+          </a:xfrm>
+          <a:prstGeom prst="rect">
+            <a:avLst/>
+          </a:prstGeom>
+          <a:noFill/>
+        </p:spPr>
+        <p:txBody>
+          <a:bodyPr wrap="square" rtlCol="0" anchor="ctr">
+            <a:spAutoFit/>
+          </a:bodyPr>
+          <a:lstStyle/>
+          <a:p>
+            <a:pPr algn="ctr"/>
+            <a:r>
+              <a:rPr lang="en-US" altLang="ko-KR" dirty="0"/>
+              <a:t>real-time rendering engine </a:t>
+            </a:r>
+            <a:r>
+              <a:rPr lang="ko-KR" altLang="en-US" dirty="0"/>
+              <a:t>에서</a:t>
+            </a:r>
+            <a:endParaRPr lang="en-US" altLang="ko-KR" dirty="0"/>
+          </a:p>
+          <a:p>
+            <a:pPr algn="ctr"/>
+            <a:r>
+              <a:rPr lang="en-US" altLang="ko-KR" dirty="0"/>
+              <a:t>photo-realistic</a:t>
+            </a:r>
+            <a:r>
+              <a:rPr lang="ko-KR" altLang="en-US" dirty="0"/>
+              <a:t> </a:t>
+            </a:r>
+            <a:r>
+              <a:rPr lang="en-US" altLang="ko-KR" dirty="0"/>
+              <a:t>image</a:t>
+            </a:r>
+            <a:r>
+              <a:rPr lang="ko-KR" altLang="en-US" dirty="0"/>
+              <a:t> 를 모방하기 위한 </a:t>
+            </a:r>
+            <a:endParaRPr lang="en-US" altLang="ko-KR" dirty="0"/>
+          </a:p>
+          <a:p>
+            <a:pPr algn="ctr"/>
+            <a:r>
+              <a:rPr lang="en-US" altLang="ko-KR" dirty="0"/>
+              <a:t>reference </a:t>
+            </a:r>
+            <a:r>
+              <a:rPr lang="ko-KR" altLang="en-US" dirty="0"/>
+              <a:t>로써의 사용</a:t>
+            </a:r>
+            <a:endParaRPr lang="en-US" altLang="ko-KR" dirty="0"/>
+          </a:p>
+        </p:txBody>
+      </p:sp>
+      <p:pic>
+        <p:nvPicPr>
+          <p:cNvPr id="18" name="그림 17">
+            <a:extLst>
+              <a:ext uri="{FF2B5EF4-FFF2-40B4-BE49-F238E27FC236}">
+                <a16:creationId xmlns:a16="http://schemas.microsoft.com/office/drawing/2014/main" id="{ABA938F5-2389-466F-BFD3-184D4BB68B17}"/>
+              </a:ext>
+            </a:extLst>
+          </p:cNvPr>
+          <p:cNvPicPr>
+            <a:picLocks noChangeAspect="1"/>
+          </p:cNvPicPr>
+          <p:nvPr/>
+        </p:nvPicPr>
+        <p:blipFill>
+          <a:blip r:embed="rId3">
+            <a:extLst>
+              <a:ext uri="{28A0092B-C50C-407E-A947-70E740481C1C}">
+                <a14:useLocalDpi xmlns:a14="http://schemas.microsoft.com/office/drawing/2010/main" val="0"/>
+              </a:ext>
+            </a:extLst>
+          </a:blip>
+          <a:stretch>
+            <a:fillRect/>
+          </a:stretch>
+        </p:blipFill>
+        <p:spPr>
+          <a:xfrm>
+            <a:off x="1066796" y="2201052"/>
+            <a:ext cx="4572000" cy="2571750"/>
+          </a:xfrm>
+          <a:prstGeom prst="rect">
+            <a:avLst/>
+          </a:prstGeom>
+        </p:spPr>
+      </p:pic>
     </p:spTree>
     <p:extLst>
       <p:ext uri="{BB962C8B-B14F-4D97-AF65-F5344CB8AC3E}">
-        <p14:creationId xmlns:p14="http://schemas.microsoft.com/office/powerpoint/2010/main" val="4281557030"/>
+        <p14:creationId xmlns:p14="http://schemas.microsoft.com/office/powerpoint/2010/main" val="2972658662"/>
       </p:ext>
     </p:extLst>
   </p:cSld>
@@ -17236,21 +17932,91 @@
             <p:ph idx="1"/>
           </p:nvPr>
         </p:nvSpPr>
-        <p:spPr/>
+        <p:spPr>
+          <a:xfrm>
+            <a:off x="4404048" y="1825625"/>
+            <a:ext cx="6949751" cy="4351338"/>
+          </a:xfrm>
+        </p:spPr>
         <p:txBody>
           <a:bodyPr/>
           <a:lstStyle/>
           <a:p>
             <a:r>
               <a:rPr lang="en-US" altLang="ko-KR" dirty="0"/>
-              <a:t>Octane Renderer</a:t>
+              <a:t>Octane Render</a:t>
             </a:r>
           </a:p>
           <a:p>
             <a:pPr lvl="1"/>
             <a:r>
               <a:rPr lang="en-US" altLang="ko-KR" dirty="0"/>
-              <a:t>Unity: $20(2-GPU)/$60(N-GPU) per month per seat</a:t>
+              <a:t>GPGPU</a:t>
+            </a:r>
+            <a:r>
+              <a:rPr lang="ko-KR" altLang="en-US" dirty="0"/>
+              <a:t> </a:t>
+            </a:r>
+            <a:r>
+              <a:rPr lang="en-US" altLang="ko-KR" dirty="0"/>
+              <a:t>based path-trace Renderer </a:t>
+            </a:r>
+          </a:p>
+          <a:p>
+            <a:pPr lvl="1"/>
+            <a:r>
+              <a:rPr lang="ko-KR" altLang="en-US" dirty="0"/>
+              <a:t>대부분의 </a:t>
+            </a:r>
+            <a:r>
+              <a:rPr lang="en-US" altLang="ko-KR" dirty="0"/>
+              <a:t>Game Engine, DCC </a:t>
+            </a:r>
+            <a:r>
+              <a:rPr lang="ko-KR" altLang="en-US" dirty="0"/>
+              <a:t>들의 기능에 </a:t>
+            </a:r>
+            <a:r>
+              <a:rPr lang="en-US" altLang="ko-KR" dirty="0"/>
+              <a:t>Plugin </a:t>
+            </a:r>
+            <a:r>
+              <a:rPr lang="ko-KR" altLang="en-US" dirty="0"/>
+              <a:t>으로 지원</a:t>
+            </a:r>
+            <a:endParaRPr lang="en-US" altLang="ko-KR" dirty="0"/>
+          </a:p>
+          <a:p>
+            <a:pPr lvl="1"/>
+            <a:r>
+              <a:rPr lang="en-US" altLang="ko-KR" dirty="0"/>
+              <a:t>Path-tracing </a:t>
+            </a:r>
+            <a:r>
+              <a:rPr lang="ko-KR" altLang="en-US" dirty="0"/>
+              <a:t>이외에도 </a:t>
+            </a:r>
+            <a:r>
+              <a:rPr lang="en-US" altLang="ko-KR" dirty="0"/>
+              <a:t>lightmap baking </a:t>
+            </a:r>
+            <a:r>
+              <a:rPr lang="ko-KR" altLang="en-US" dirty="0"/>
+              <a:t>등 다양한 솔루션 제공</a:t>
+            </a:r>
+            <a:endParaRPr lang="en-US" altLang="ko-KR" dirty="0"/>
+          </a:p>
+          <a:p>
+            <a:r>
+              <a:rPr lang="en-US" altLang="ko-KR" dirty="0"/>
+              <a:t>License</a:t>
+            </a:r>
+          </a:p>
+          <a:p>
+            <a:pPr lvl="1"/>
+            <a:r>
+              <a:rPr lang="en-US" altLang="ko-KR" dirty="0"/>
+              <a:t>Unity: Free(1-GPU)/$20(2-GPU)/$60(N-GPU) per month per seat</a:t>
             </a:r>
           </a:p>
           <a:p>
@@ -17258,20 +18024,6 @@
             <a:r>
               <a:rPr lang="en-US" altLang="ko-KR" dirty="0"/>
               <a:t>Other DCC/Engine $699/$899 per year </a:t>
-            </a:r>
-          </a:p>
-          <a:p>
-            <a:pPr lvl="1"/>
-            <a:endParaRPr lang="en-US" altLang="ko-KR" dirty="0"/>
-          </a:p>
-          <a:p>
-            <a:r>
-              <a:rPr lang="en-US" altLang="ko-KR" dirty="0"/>
-              <a:t>Multi-GPU </a:t>
-            </a:r>
-            <a:r>
-              <a:rPr lang="ko-KR" altLang="en-US" dirty="0"/>
-              <a:t>기능을 제공한다면 더 좋은 효율</a:t>
             </a:r>
           </a:p>
         </p:txBody>
@@ -17302,6 +18054,152 @@
               <a:t>7</a:t>
             </a:fld>
             <a:endParaRPr lang="ko-KR" altLang="en-US"/>
+          </a:p>
+        </p:txBody>
+      </p:sp>
+      <p:sp>
+        <p:nvSpPr>
+          <p:cNvPr id="4" name="날짜 개체 틀 3">
+            <a:extLst>
+              <a:ext uri="{FF2B5EF4-FFF2-40B4-BE49-F238E27FC236}">
+                <a16:creationId xmlns:a16="http://schemas.microsoft.com/office/drawing/2014/main" id="{E27B9684-6D79-4E4B-AFB9-A8FD0AE7060E}"/>
+              </a:ext>
+            </a:extLst>
+          </p:cNvPr>
+          <p:cNvSpPr>
+            <a:spLocks noGrp="1"/>
+          </p:cNvSpPr>
+          <p:nvPr>
+            <p:ph type="dt" sz="half" idx="10"/>
+          </p:nvPr>
+        </p:nvSpPr>
+        <p:spPr/>
+        <p:txBody>
+          <a:bodyPr/>
+          <a:lstStyle/>
+          <a:p>
+            <a:r>
+              <a:rPr lang="en-US" altLang="ko-KR"/>
+              <a:t>2019-11-10</a:t>
+            </a:r>
+            <a:endParaRPr lang="ko-KR" altLang="en-US" dirty="0"/>
+          </a:p>
+        </p:txBody>
+      </p:sp>
+      <p:sp>
+        <p:nvSpPr>
+          <p:cNvPr id="5" name="바닥글 개체 틀 4">
+            <a:extLst>
+              <a:ext uri="{FF2B5EF4-FFF2-40B4-BE49-F238E27FC236}">
+                <a16:creationId xmlns:a16="http://schemas.microsoft.com/office/drawing/2014/main" id="{28BD711C-4CF7-4D8B-A686-5DA78763144C}"/>
+              </a:ext>
+            </a:extLst>
+          </p:cNvPr>
+          <p:cNvSpPr>
+            <a:spLocks noGrp="1"/>
+          </p:cNvSpPr>
+          <p:nvPr>
+            <p:ph type="ftr" sz="quarter" idx="11"/>
+          </p:nvPr>
+        </p:nvSpPr>
+        <p:spPr/>
+        <p:txBody>
+          <a:bodyPr/>
+          <a:lstStyle/>
+          <a:p>
+            <a:r>
+              <a:rPr lang="en-US" altLang="ko-KR"/>
+              <a:t>SEETHELIGHTS</a:t>
+            </a:r>
+            <a:endParaRPr lang="ko-KR" altLang="en-US"/>
+          </a:p>
+        </p:txBody>
+      </p:sp>
+      <p:pic>
+        <p:nvPicPr>
+          <p:cNvPr id="2050" name="Picture 2" descr="OctaneRender">
+            <a:extLst>
+              <a:ext uri="{FF2B5EF4-FFF2-40B4-BE49-F238E27FC236}">
+                <a16:creationId xmlns:a16="http://schemas.microsoft.com/office/drawing/2014/main" id="{F60AD5D2-D01D-47FC-80D4-5E255A62E344}"/>
+              </a:ext>
+            </a:extLst>
+          </p:cNvPr>
+          <p:cNvPicPr>
+            <a:picLocks noChangeAspect="1" noChangeArrowheads="1"/>
+          </p:cNvPicPr>
+          <p:nvPr/>
+        </p:nvPicPr>
+        <p:blipFill>
+          <a:blip r:embed="rId2">
+            <a:extLst>
+              <a:ext uri="{28A0092B-C50C-407E-A947-70E740481C1C}">
+                <a14:useLocalDpi xmlns:a14="http://schemas.microsoft.com/office/drawing/2010/main" val="0"/>
+              </a:ext>
+            </a:extLst>
+          </a:blip>
+          <a:srcRect/>
+          <a:stretch>
+            <a:fillRect/>
+          </a:stretch>
+        </p:blipFill>
+        <p:spPr bwMode="auto">
+          <a:xfrm>
+            <a:off x="1302884" y="2066132"/>
+            <a:ext cx="2466975" cy="2800350"/>
+          </a:xfrm>
+          <a:prstGeom prst="rect">
+            <a:avLst/>
+          </a:prstGeom>
+          <a:noFill/>
+          <a:extLst>
+            <a:ext uri="{909E8E84-426E-40DD-AFC4-6F175D3DCCD1}">
+              <a14:hiddenFill xmlns:a14="http://schemas.microsoft.com/office/drawing/2010/main">
+                <a:solidFill>
+                  <a:srgbClr val="FFFFFF"/>
+                </a:solidFill>
+              </a14:hiddenFill>
+            </a:ext>
+          </a:extLst>
+        </p:spPr>
+      </p:pic>
+      <p:sp>
+        <p:nvSpPr>
+          <p:cNvPr id="9" name="TextBox 8">
+            <a:extLst>
+              <a:ext uri="{FF2B5EF4-FFF2-40B4-BE49-F238E27FC236}">
+                <a16:creationId xmlns:a16="http://schemas.microsoft.com/office/drawing/2014/main" id="{9CC85A2B-5341-456D-9BA5-C5749A426739}"/>
+              </a:ext>
+            </a:extLst>
+          </p:cNvPr>
+          <p:cNvSpPr txBox="1"/>
+          <p:nvPr/>
+        </p:nvSpPr>
+        <p:spPr>
+          <a:xfrm>
+            <a:off x="758129" y="4866482"/>
+            <a:ext cx="3556484" cy="707886"/>
+          </a:xfrm>
+          <a:prstGeom prst="rect">
+            <a:avLst/>
+          </a:prstGeom>
+          <a:noFill/>
+        </p:spPr>
+        <p:txBody>
+          <a:bodyPr wrap="square" rtlCol="0" anchor="ctr">
+            <a:spAutoFit/>
+          </a:bodyPr>
+          <a:lstStyle/>
+          <a:p>
+            <a:pPr algn="ctr"/>
+            <a:r>
+              <a:rPr lang="en-US" altLang="ko-KR" sz="4000" b="1" dirty="0" err="1"/>
+              <a:t>octane</a:t>
+            </a:r>
+            <a:r>
+              <a:rPr lang="en-US" altLang="ko-KR" sz="4000" dirty="0" err="1"/>
+              <a:t>render</a:t>
+            </a:r>
+            <a:endParaRPr lang="ko-KR" altLang="en-US" sz="4000" dirty="0"/>
           </a:p>
         </p:txBody>
       </p:sp>
@@ -17345,7 +18243,12 @@
             <p:ph type="title"/>
           </p:nvPr>
         </p:nvSpPr>
-        <p:spPr/>
+        <p:spPr>
+          <a:xfrm>
+            <a:off x="838200" y="365125"/>
+            <a:ext cx="10515600" cy="1325563"/>
+          </a:xfrm>
+        </p:spPr>
         <p:txBody>
           <a:bodyPr/>
           <a:lstStyle/>
@@ -17355,25 +18258,6 @@
               <a:t>시스템 수행 시나리오</a:t>
             </a:r>
             <a:endParaRPr lang="en-US" altLang="ko-KR" dirty="0"/>
-          </a:p>
-        </p:txBody>
-      </p:sp>
-      <p:sp>
-        <p:nvSpPr>
-          <p:cNvPr id="3" name="내용 개체 틀 2"/>
-          <p:cNvSpPr>
-            <a:spLocks noGrp="1"/>
-          </p:cNvSpPr>
-          <p:nvPr>
-            <p:ph idx="1"/>
-          </p:nvPr>
-        </p:nvSpPr>
-        <p:spPr/>
-        <p:txBody>
-          <a:bodyPr/>
-          <a:lstStyle/>
-          <a:p>
-            <a:endParaRPr lang="ko-KR" altLang="en-US" dirty="0"/>
           </a:p>
         </p:txBody>
       </p:sp>
@@ -17393,7 +18277,12 @@
             <p:ph type="sldNum" sz="quarter" idx="12"/>
           </p:nvPr>
         </p:nvSpPr>
-        <p:spPr/>
+        <p:spPr>
+          <a:xfrm>
+            <a:off x="8610600" y="6356350"/>
+            <a:ext cx="2743200" cy="365125"/>
+          </a:xfrm>
+        </p:spPr>
         <p:txBody>
           <a:bodyPr/>
           <a:lstStyle/>
@@ -17406,6 +18295,1165 @@
           </a:p>
         </p:txBody>
       </p:sp>
+      <p:pic>
+        <p:nvPicPr>
+          <p:cNvPr id="5" name="내용 개체 틀 4" descr="그리기이(가) 표시된 사진&#10;&#10;자동 생성된 설명">
+            <a:extLst>
+              <a:ext uri="{FF2B5EF4-FFF2-40B4-BE49-F238E27FC236}">
+                <a16:creationId xmlns:a16="http://schemas.microsoft.com/office/drawing/2014/main" id="{008C58DD-90CA-4531-885F-C4371AB6CFE3}"/>
+              </a:ext>
+            </a:extLst>
+          </p:cNvPr>
+          <p:cNvPicPr>
+            <a:picLocks noGrp="1" noChangeAspect="1"/>
+          </p:cNvPicPr>
+          <p:nvPr>
+            <p:ph idx="1"/>
+          </p:nvPr>
+        </p:nvPicPr>
+        <p:blipFill>
+          <a:blip r:embed="rId3" cstate="print">
+            <a:extLst>
+              <a:ext uri="{28A0092B-C50C-407E-A947-70E740481C1C}">
+                <a14:useLocalDpi xmlns:a14="http://schemas.microsoft.com/office/drawing/2010/main" val="0"/>
+              </a:ext>
+            </a:extLst>
+          </a:blip>
+          <a:stretch>
+            <a:fillRect/>
+          </a:stretch>
+        </p:blipFill>
+        <p:spPr>
+          <a:xfrm>
+            <a:off x="2607904" y="1714181"/>
+            <a:ext cx="651581" cy="877128"/>
+          </a:xfrm>
+          <a:solidFill>
+            <a:srgbClr val="131313"/>
+          </a:solidFill>
+        </p:spPr>
+      </p:pic>
+      <p:sp>
+        <p:nvSpPr>
+          <p:cNvPr id="8" name="내용 개체 틀 2">
+            <a:extLst>
+              <a:ext uri="{FF2B5EF4-FFF2-40B4-BE49-F238E27FC236}">
+                <a16:creationId xmlns:a16="http://schemas.microsoft.com/office/drawing/2014/main" id="{AE769FE6-E9FA-4722-A5FF-5D54BFA9C7D0}"/>
+              </a:ext>
+            </a:extLst>
+          </p:cNvPr>
+          <p:cNvSpPr txBox="1">
+            <a:spLocks/>
+          </p:cNvSpPr>
+          <p:nvPr/>
+        </p:nvSpPr>
+        <p:spPr>
+          <a:xfrm>
+            <a:off x="8470635" y="2512054"/>
+            <a:ext cx="1835020" cy="358588"/>
+          </a:xfrm>
+          <a:prstGeom prst="rect">
+            <a:avLst/>
+          </a:prstGeom>
+          <a:ln>
+            <a:noFill/>
+          </a:ln>
+        </p:spPr>
+        <p:txBody>
+          <a:bodyPr vert="horz" lIns="91440" tIns="45720" rIns="91440" bIns="45720" rtlCol="0" anchor="ctr">
+            <a:normAutofit fontScale="92500" lnSpcReduction="10000"/>
+          </a:bodyPr>
+          <a:lstStyle>
+            <a:lvl1pPr marL="228600" indent="-228600" algn="l" defTabSz="914400" rtl="0" eaLnBrk="1" latinLnBrk="1" hangingPunct="1">
+              <a:lnSpc>
+                <a:spcPct val="90000"/>
+              </a:lnSpc>
+              <a:spcBef>
+                <a:spcPts val="1000"/>
+              </a:spcBef>
+              <a:buFont typeface="Arial" panose="020B0604020202020204" pitchFamily="34" charset="0"/>
+              <a:buChar char="•"/>
+              <a:defRPr sz="2800" kern="1200">
+                <a:solidFill>
+                  <a:schemeClr val="tx1"/>
+                </a:solidFill>
+                <a:latin typeface="+mn-lt"/>
+                <a:ea typeface="+mn-ea"/>
+                <a:cs typeface="+mn-cs"/>
+              </a:defRPr>
+            </a:lvl1pPr>
+            <a:lvl2pPr marL="685800" indent="-228600" algn="l" defTabSz="914400" rtl="0" eaLnBrk="1" latinLnBrk="1" hangingPunct="1">
+              <a:lnSpc>
+                <a:spcPct val="90000"/>
+              </a:lnSpc>
+              <a:spcBef>
+                <a:spcPts val="500"/>
+              </a:spcBef>
+              <a:buFont typeface="Arial" panose="020B0604020202020204" pitchFamily="34" charset="0"/>
+              <a:buChar char="•"/>
+              <a:defRPr sz="2400" kern="1200">
+                <a:solidFill>
+                  <a:schemeClr val="tx1"/>
+                </a:solidFill>
+                <a:latin typeface="+mn-lt"/>
+                <a:ea typeface="+mn-ea"/>
+                <a:cs typeface="+mn-cs"/>
+              </a:defRPr>
+            </a:lvl2pPr>
+            <a:lvl3pPr marL="1143000" indent="-228600" algn="l" defTabSz="914400" rtl="0" eaLnBrk="1" latinLnBrk="1" hangingPunct="1">
+              <a:lnSpc>
+                <a:spcPct val="90000"/>
+              </a:lnSpc>
+              <a:spcBef>
+                <a:spcPts val="500"/>
+              </a:spcBef>
+              <a:buFont typeface="Arial" panose="020B0604020202020204" pitchFamily="34" charset="0"/>
+              <a:buChar char="•"/>
+              <a:defRPr sz="2000" kern="1200">
+                <a:solidFill>
+                  <a:schemeClr val="tx1"/>
+                </a:solidFill>
+                <a:latin typeface="+mn-lt"/>
+                <a:ea typeface="+mn-ea"/>
+                <a:cs typeface="+mn-cs"/>
+              </a:defRPr>
+            </a:lvl3pPr>
+            <a:lvl4pPr marL="1600200" indent="-228600" algn="l" defTabSz="914400" rtl="0" eaLnBrk="1" latinLnBrk="1" hangingPunct="1">
+              <a:lnSpc>
+                <a:spcPct val="90000"/>
+              </a:lnSpc>
+              <a:spcBef>
+                <a:spcPts val="500"/>
+              </a:spcBef>
+              <a:buFont typeface="Arial" panose="020B0604020202020204" pitchFamily="34" charset="0"/>
+              <a:buChar char="•"/>
+              <a:defRPr sz="1800" kern="1200">
+                <a:solidFill>
+                  <a:schemeClr val="tx1"/>
+                </a:solidFill>
+                <a:latin typeface="+mn-lt"/>
+                <a:ea typeface="+mn-ea"/>
+                <a:cs typeface="+mn-cs"/>
+              </a:defRPr>
+            </a:lvl4pPr>
+            <a:lvl5pPr marL="2057400" indent="-228600" algn="l" defTabSz="914400" rtl="0" eaLnBrk="1" latinLnBrk="1" hangingPunct="1">
+              <a:lnSpc>
+                <a:spcPct val="90000"/>
+              </a:lnSpc>
+              <a:spcBef>
+                <a:spcPts val="500"/>
+              </a:spcBef>
+              <a:buFont typeface="Arial" panose="020B0604020202020204" pitchFamily="34" charset="0"/>
+              <a:buChar char="•"/>
+              <a:defRPr sz="1800" kern="1200">
+                <a:solidFill>
+                  <a:schemeClr val="tx1"/>
+                </a:solidFill>
+                <a:latin typeface="+mn-lt"/>
+                <a:ea typeface="+mn-ea"/>
+                <a:cs typeface="+mn-cs"/>
+              </a:defRPr>
+            </a:lvl5pPr>
+            <a:lvl6pPr marL="2514600" indent="-228600" algn="l" defTabSz="914400" rtl="0" eaLnBrk="1" latinLnBrk="1" hangingPunct="1">
+              <a:lnSpc>
+                <a:spcPct val="90000"/>
+              </a:lnSpc>
+              <a:spcBef>
+                <a:spcPts val="500"/>
+              </a:spcBef>
+              <a:buFont typeface="Arial" panose="020B0604020202020204" pitchFamily="34" charset="0"/>
+              <a:buChar char="•"/>
+              <a:defRPr sz="1800" kern="1200">
+                <a:solidFill>
+                  <a:schemeClr val="tx1"/>
+                </a:solidFill>
+                <a:latin typeface="+mn-lt"/>
+                <a:ea typeface="+mn-ea"/>
+                <a:cs typeface="+mn-cs"/>
+              </a:defRPr>
+            </a:lvl6pPr>
+            <a:lvl7pPr marL="2971800" indent="-228600" algn="l" defTabSz="914400" rtl="0" eaLnBrk="1" latinLnBrk="1" hangingPunct="1">
+              <a:lnSpc>
+                <a:spcPct val="90000"/>
+              </a:lnSpc>
+              <a:spcBef>
+                <a:spcPts val="500"/>
+              </a:spcBef>
+              <a:buFont typeface="Arial" panose="020B0604020202020204" pitchFamily="34" charset="0"/>
+              <a:buChar char="•"/>
+              <a:defRPr sz="1800" kern="1200">
+                <a:solidFill>
+                  <a:schemeClr val="tx1"/>
+                </a:solidFill>
+                <a:latin typeface="+mn-lt"/>
+                <a:ea typeface="+mn-ea"/>
+                <a:cs typeface="+mn-cs"/>
+              </a:defRPr>
+            </a:lvl7pPr>
+            <a:lvl8pPr marL="3429000" indent="-228600" algn="l" defTabSz="914400" rtl="0" eaLnBrk="1" latinLnBrk="1" hangingPunct="1">
+              <a:lnSpc>
+                <a:spcPct val="90000"/>
+              </a:lnSpc>
+              <a:spcBef>
+                <a:spcPts val="500"/>
+              </a:spcBef>
+              <a:buFont typeface="Arial" panose="020B0604020202020204" pitchFamily="34" charset="0"/>
+              <a:buChar char="•"/>
+              <a:defRPr sz="1800" kern="1200">
+                <a:solidFill>
+                  <a:schemeClr val="tx1"/>
+                </a:solidFill>
+                <a:latin typeface="+mn-lt"/>
+                <a:ea typeface="+mn-ea"/>
+                <a:cs typeface="+mn-cs"/>
+              </a:defRPr>
+            </a:lvl8pPr>
+            <a:lvl9pPr marL="3886200" indent="-228600" algn="l" defTabSz="914400" rtl="0" eaLnBrk="1" latinLnBrk="1" hangingPunct="1">
+              <a:lnSpc>
+                <a:spcPct val="90000"/>
+              </a:lnSpc>
+              <a:spcBef>
+                <a:spcPts val="500"/>
+              </a:spcBef>
+              <a:buFont typeface="Arial" panose="020B0604020202020204" pitchFamily="34" charset="0"/>
+              <a:buChar char="•"/>
+              <a:defRPr sz="1800" kern="1200">
+                <a:solidFill>
+                  <a:schemeClr val="tx1"/>
+                </a:solidFill>
+                <a:latin typeface="+mn-lt"/>
+                <a:ea typeface="+mn-ea"/>
+                <a:cs typeface="+mn-cs"/>
+              </a:defRPr>
+            </a:lvl9pPr>
+          </a:lstStyle>
+          <a:p>
+            <a:pPr marL="0" indent="0" algn="ctr" latinLnBrk="0">
+              <a:buNone/>
+            </a:pPr>
+            <a:r>
+              <a:rPr lang="en-US" altLang="ko-KR" sz="1100" dirty="0" err="1"/>
+              <a:t>RadianceGrabber</a:t>
+            </a:r>
+            <a:r>
+              <a:rPr lang="en-US" altLang="ko-KR" sz="1100" dirty="0"/>
+              <a:t>(</a:t>
+            </a:r>
+            <a:r>
+              <a:rPr lang="ko-KR" altLang="en-US" sz="1100" dirty="0"/>
+              <a:t>가칭</a:t>
+            </a:r>
+            <a:r>
+              <a:rPr lang="en-US" altLang="ko-KR" sz="1100" dirty="0"/>
+              <a:t>) C++/CUDA</a:t>
+            </a:r>
+          </a:p>
+        </p:txBody>
+      </p:sp>
+      <p:pic>
+        <p:nvPicPr>
+          <p:cNvPr id="12" name="그림 11" descr="그리기, 플레이트이(가) 표시된 사진&#10;&#10;자동 생성된 설명">
+            <a:extLst>
+              <a:ext uri="{FF2B5EF4-FFF2-40B4-BE49-F238E27FC236}">
+                <a16:creationId xmlns:a16="http://schemas.microsoft.com/office/drawing/2014/main" id="{9AF1ABE3-1696-4EDC-80E4-EB934FE3D326}"/>
+              </a:ext>
+            </a:extLst>
+          </p:cNvPr>
+          <p:cNvPicPr>
+            <a:picLocks noChangeAspect="1"/>
+          </p:cNvPicPr>
+          <p:nvPr/>
+        </p:nvPicPr>
+        <p:blipFill>
+          <a:blip r:embed="rId4" cstate="print">
+            <a:extLst>
+              <a:ext uri="{28A0092B-C50C-407E-A947-70E740481C1C}">
+                <a14:useLocalDpi xmlns:a14="http://schemas.microsoft.com/office/drawing/2010/main" val="0"/>
+              </a:ext>
+            </a:extLst>
+          </a:blip>
+          <a:stretch>
+            <a:fillRect/>
+          </a:stretch>
+        </p:blipFill>
+        <p:spPr>
+          <a:xfrm>
+            <a:off x="8833268" y="1609923"/>
+            <a:ext cx="941796" cy="896949"/>
+          </a:xfrm>
+          <a:prstGeom prst="rect">
+            <a:avLst/>
+          </a:prstGeom>
+        </p:spPr>
+      </p:pic>
+      <p:sp>
+        <p:nvSpPr>
+          <p:cNvPr id="13" name="내용 개체 틀 2">
+            <a:extLst>
+              <a:ext uri="{FF2B5EF4-FFF2-40B4-BE49-F238E27FC236}">
+                <a16:creationId xmlns:a16="http://schemas.microsoft.com/office/drawing/2014/main" id="{BE6CAEDA-E144-4520-B996-5659E18D872E}"/>
+              </a:ext>
+            </a:extLst>
+          </p:cNvPr>
+          <p:cNvSpPr txBox="1">
+            <a:spLocks/>
+          </p:cNvSpPr>
+          <p:nvPr/>
+        </p:nvSpPr>
+        <p:spPr>
+          <a:xfrm>
+            <a:off x="2204351" y="2513250"/>
+            <a:ext cx="1513114" cy="358587"/>
+          </a:xfrm>
+          <a:prstGeom prst="rect">
+            <a:avLst/>
+          </a:prstGeom>
+          <a:noFill/>
+        </p:spPr>
+        <p:txBody>
+          <a:bodyPr vert="horz" lIns="91440" tIns="45720" rIns="91440" bIns="45720" rtlCol="0" anchor="ctr">
+            <a:normAutofit/>
+          </a:bodyPr>
+          <a:lstStyle>
+            <a:lvl1pPr marL="228600" indent="-228600" algn="l" defTabSz="914400" rtl="0" eaLnBrk="1" latinLnBrk="1" hangingPunct="1">
+              <a:lnSpc>
+                <a:spcPct val="90000"/>
+              </a:lnSpc>
+              <a:spcBef>
+                <a:spcPts val="1000"/>
+              </a:spcBef>
+              <a:buFont typeface="Arial" panose="020B0604020202020204" pitchFamily="34" charset="0"/>
+              <a:buChar char="•"/>
+              <a:defRPr sz="2800" kern="1200">
+                <a:solidFill>
+                  <a:schemeClr val="tx1"/>
+                </a:solidFill>
+                <a:latin typeface="+mn-lt"/>
+                <a:ea typeface="+mn-ea"/>
+                <a:cs typeface="+mn-cs"/>
+              </a:defRPr>
+            </a:lvl1pPr>
+            <a:lvl2pPr marL="685800" indent="-228600" algn="l" defTabSz="914400" rtl="0" eaLnBrk="1" latinLnBrk="1" hangingPunct="1">
+              <a:lnSpc>
+                <a:spcPct val="90000"/>
+              </a:lnSpc>
+              <a:spcBef>
+                <a:spcPts val="500"/>
+              </a:spcBef>
+              <a:buFont typeface="Arial" panose="020B0604020202020204" pitchFamily="34" charset="0"/>
+              <a:buChar char="•"/>
+              <a:defRPr sz="2400" kern="1200">
+                <a:solidFill>
+                  <a:schemeClr val="tx1"/>
+                </a:solidFill>
+                <a:latin typeface="+mn-lt"/>
+                <a:ea typeface="+mn-ea"/>
+                <a:cs typeface="+mn-cs"/>
+              </a:defRPr>
+            </a:lvl2pPr>
+            <a:lvl3pPr marL="1143000" indent="-228600" algn="l" defTabSz="914400" rtl="0" eaLnBrk="1" latinLnBrk="1" hangingPunct="1">
+              <a:lnSpc>
+                <a:spcPct val="90000"/>
+              </a:lnSpc>
+              <a:spcBef>
+                <a:spcPts val="500"/>
+              </a:spcBef>
+              <a:buFont typeface="Arial" panose="020B0604020202020204" pitchFamily="34" charset="0"/>
+              <a:buChar char="•"/>
+              <a:defRPr sz="2000" kern="1200">
+                <a:solidFill>
+                  <a:schemeClr val="tx1"/>
+                </a:solidFill>
+                <a:latin typeface="+mn-lt"/>
+                <a:ea typeface="+mn-ea"/>
+                <a:cs typeface="+mn-cs"/>
+              </a:defRPr>
+            </a:lvl3pPr>
+            <a:lvl4pPr marL="1600200" indent="-228600" algn="l" defTabSz="914400" rtl="0" eaLnBrk="1" latinLnBrk="1" hangingPunct="1">
+              <a:lnSpc>
+                <a:spcPct val="90000"/>
+              </a:lnSpc>
+              <a:spcBef>
+                <a:spcPts val="500"/>
+              </a:spcBef>
+              <a:buFont typeface="Arial" panose="020B0604020202020204" pitchFamily="34" charset="0"/>
+              <a:buChar char="•"/>
+              <a:defRPr sz="1800" kern="1200">
+                <a:solidFill>
+                  <a:schemeClr val="tx1"/>
+                </a:solidFill>
+                <a:latin typeface="+mn-lt"/>
+                <a:ea typeface="+mn-ea"/>
+                <a:cs typeface="+mn-cs"/>
+              </a:defRPr>
+            </a:lvl4pPr>
+            <a:lvl5pPr marL="2057400" indent="-228600" algn="l" defTabSz="914400" rtl="0" eaLnBrk="1" latinLnBrk="1" hangingPunct="1">
+              <a:lnSpc>
+                <a:spcPct val="90000"/>
+              </a:lnSpc>
+              <a:spcBef>
+                <a:spcPts val="500"/>
+              </a:spcBef>
+              <a:buFont typeface="Arial" panose="020B0604020202020204" pitchFamily="34" charset="0"/>
+              <a:buChar char="•"/>
+              <a:defRPr sz="1800" kern="1200">
+                <a:solidFill>
+                  <a:schemeClr val="tx1"/>
+                </a:solidFill>
+                <a:latin typeface="+mn-lt"/>
+                <a:ea typeface="+mn-ea"/>
+                <a:cs typeface="+mn-cs"/>
+              </a:defRPr>
+            </a:lvl5pPr>
+            <a:lvl6pPr marL="2514600" indent="-228600" algn="l" defTabSz="914400" rtl="0" eaLnBrk="1" latinLnBrk="1" hangingPunct="1">
+              <a:lnSpc>
+                <a:spcPct val="90000"/>
+              </a:lnSpc>
+              <a:spcBef>
+                <a:spcPts val="500"/>
+              </a:spcBef>
+              <a:buFont typeface="Arial" panose="020B0604020202020204" pitchFamily="34" charset="0"/>
+              <a:buChar char="•"/>
+              <a:defRPr sz="1800" kern="1200">
+                <a:solidFill>
+                  <a:schemeClr val="tx1"/>
+                </a:solidFill>
+                <a:latin typeface="+mn-lt"/>
+                <a:ea typeface="+mn-ea"/>
+                <a:cs typeface="+mn-cs"/>
+              </a:defRPr>
+            </a:lvl6pPr>
+            <a:lvl7pPr marL="2971800" indent="-228600" algn="l" defTabSz="914400" rtl="0" eaLnBrk="1" latinLnBrk="1" hangingPunct="1">
+              <a:lnSpc>
+                <a:spcPct val="90000"/>
+              </a:lnSpc>
+              <a:spcBef>
+                <a:spcPts val="500"/>
+              </a:spcBef>
+              <a:buFont typeface="Arial" panose="020B0604020202020204" pitchFamily="34" charset="0"/>
+              <a:buChar char="•"/>
+              <a:defRPr sz="1800" kern="1200">
+                <a:solidFill>
+                  <a:schemeClr val="tx1"/>
+                </a:solidFill>
+                <a:latin typeface="+mn-lt"/>
+                <a:ea typeface="+mn-ea"/>
+                <a:cs typeface="+mn-cs"/>
+              </a:defRPr>
+            </a:lvl7pPr>
+            <a:lvl8pPr marL="3429000" indent="-228600" algn="l" defTabSz="914400" rtl="0" eaLnBrk="1" latinLnBrk="1" hangingPunct="1">
+              <a:lnSpc>
+                <a:spcPct val="90000"/>
+              </a:lnSpc>
+              <a:spcBef>
+                <a:spcPts val="500"/>
+              </a:spcBef>
+              <a:buFont typeface="Arial" panose="020B0604020202020204" pitchFamily="34" charset="0"/>
+              <a:buChar char="•"/>
+              <a:defRPr sz="1800" kern="1200">
+                <a:solidFill>
+                  <a:schemeClr val="tx1"/>
+                </a:solidFill>
+                <a:latin typeface="+mn-lt"/>
+                <a:ea typeface="+mn-ea"/>
+                <a:cs typeface="+mn-cs"/>
+              </a:defRPr>
+            </a:lvl8pPr>
+            <a:lvl9pPr marL="3886200" indent="-228600" algn="l" defTabSz="914400" rtl="0" eaLnBrk="1" latinLnBrk="1" hangingPunct="1">
+              <a:lnSpc>
+                <a:spcPct val="90000"/>
+              </a:lnSpc>
+              <a:spcBef>
+                <a:spcPts val="500"/>
+              </a:spcBef>
+              <a:buFont typeface="Arial" panose="020B0604020202020204" pitchFamily="34" charset="0"/>
+              <a:buChar char="•"/>
+              <a:defRPr sz="1800" kern="1200">
+                <a:solidFill>
+                  <a:schemeClr val="tx1"/>
+                </a:solidFill>
+                <a:latin typeface="+mn-lt"/>
+                <a:ea typeface="+mn-ea"/>
+                <a:cs typeface="+mn-cs"/>
+              </a:defRPr>
+            </a:lvl9pPr>
+          </a:lstStyle>
+          <a:p>
+            <a:pPr marL="0" indent="0" algn="ctr" latinLnBrk="0">
+              <a:buNone/>
+            </a:pPr>
+            <a:r>
+              <a:rPr lang="en-US" altLang="ko-KR" sz="1200" dirty="0"/>
+              <a:t>C# Script in Mono</a:t>
+            </a:r>
+          </a:p>
+        </p:txBody>
+      </p:sp>
+      <p:cxnSp>
+        <p:nvCxnSpPr>
+          <p:cNvPr id="19" name="직선 화살표 연결선 18">
+            <a:extLst>
+              <a:ext uri="{FF2B5EF4-FFF2-40B4-BE49-F238E27FC236}">
+                <a16:creationId xmlns:a16="http://schemas.microsoft.com/office/drawing/2014/main" id="{A11148F1-6307-417F-8043-ADABEFC03C37}"/>
+              </a:ext>
+            </a:extLst>
+          </p:cNvPr>
+          <p:cNvCxnSpPr>
+            <a:cxnSpLocks/>
+          </p:cNvCxnSpPr>
+          <p:nvPr/>
+        </p:nvCxnSpPr>
+        <p:spPr>
+          <a:xfrm>
+            <a:off x="2959455" y="3356621"/>
+            <a:ext cx="6420915" cy="497621"/>
+          </a:xfrm>
+          <a:prstGeom prst="straightConnector1">
+            <a:avLst/>
+          </a:prstGeom>
+          <a:ln w="38100">
+            <a:solidFill>
+              <a:schemeClr val="tx1"/>
+            </a:solidFill>
+            <a:tailEnd type="triangle"/>
+          </a:ln>
+        </p:spPr>
+        <p:style>
+          <a:lnRef idx="1">
+            <a:schemeClr val="accent1"/>
+          </a:lnRef>
+          <a:fillRef idx="0">
+            <a:schemeClr val="accent1"/>
+          </a:fillRef>
+          <a:effectRef idx="0">
+            <a:schemeClr val="accent1"/>
+          </a:effectRef>
+          <a:fontRef idx="minor">
+            <a:schemeClr val="tx1"/>
+          </a:fontRef>
+        </p:style>
+      </p:cxnSp>
+      <p:sp>
+        <p:nvSpPr>
+          <p:cNvPr id="20" name="TextBox 19">
+            <a:extLst>
+              <a:ext uri="{FF2B5EF4-FFF2-40B4-BE49-F238E27FC236}">
+                <a16:creationId xmlns:a16="http://schemas.microsoft.com/office/drawing/2014/main" id="{F519FE04-DC54-405B-B738-E890FA0275CA}"/>
+              </a:ext>
+            </a:extLst>
+          </p:cNvPr>
+          <p:cNvSpPr txBox="1"/>
+          <p:nvPr/>
+        </p:nvSpPr>
+        <p:spPr>
+          <a:xfrm rot="253895">
+            <a:off x="3686801" y="3247938"/>
+            <a:ext cx="4981096" cy="338554"/>
+          </a:xfrm>
+          <a:prstGeom prst="rect">
+            <a:avLst/>
+          </a:prstGeom>
+          <a:noFill/>
+        </p:spPr>
+        <p:txBody>
+          <a:bodyPr wrap="square" rtlCol="0">
+            <a:spAutoFit/>
+          </a:bodyPr>
+          <a:lstStyle/>
+          <a:p>
+            <a:pPr algn="ctr"/>
+            <a:r>
+              <a:rPr lang="en-US" altLang="ko-KR" sz="1600" dirty="0"/>
+              <a:t>2. </a:t>
+            </a:r>
+            <a:r>
+              <a:rPr lang="ko-KR" altLang="en-US" sz="1600" dirty="0"/>
+              <a:t>렌더링 데이터를 넘기며</a:t>
+            </a:r>
+            <a:r>
+              <a:rPr lang="en-US" altLang="ko-KR" sz="1600" dirty="0"/>
+              <a:t> </a:t>
+            </a:r>
+            <a:r>
+              <a:rPr lang="ko-KR" altLang="en-US" sz="1600" dirty="0"/>
+              <a:t>계산 모듈 호출</a:t>
+            </a:r>
+            <a:r>
+              <a:rPr lang="en-US" altLang="ko-KR" sz="1600" dirty="0"/>
+              <a:t>(P/Invoke)</a:t>
+            </a:r>
+            <a:endParaRPr lang="ko-KR" altLang="en-US" sz="1600" dirty="0"/>
+          </a:p>
+        </p:txBody>
+      </p:sp>
+      <p:cxnSp>
+        <p:nvCxnSpPr>
+          <p:cNvPr id="22" name="직선 화살표 연결선 21">
+            <a:extLst>
+              <a:ext uri="{FF2B5EF4-FFF2-40B4-BE49-F238E27FC236}">
+                <a16:creationId xmlns:a16="http://schemas.microsoft.com/office/drawing/2014/main" id="{39699931-437C-4BD4-B7E5-2CDD94AE4A6F}"/>
+              </a:ext>
+            </a:extLst>
+          </p:cNvPr>
+          <p:cNvCxnSpPr>
+            <a:cxnSpLocks/>
+          </p:cNvCxnSpPr>
+          <p:nvPr/>
+        </p:nvCxnSpPr>
+        <p:spPr>
+          <a:xfrm flipV="1">
+            <a:off x="2959455" y="4717960"/>
+            <a:ext cx="6435789" cy="365126"/>
+          </a:xfrm>
+          <a:prstGeom prst="straightConnector1">
+            <a:avLst/>
+          </a:prstGeom>
+          <a:ln w="38100">
+            <a:solidFill>
+              <a:schemeClr val="tx1"/>
+            </a:solidFill>
+            <a:prstDash val="sysDot"/>
+            <a:headEnd type="triangle" w="med" len="med"/>
+            <a:tailEnd type="none" w="med" len="med"/>
+          </a:ln>
+        </p:spPr>
+        <p:style>
+          <a:lnRef idx="1">
+            <a:schemeClr val="accent1"/>
+          </a:lnRef>
+          <a:fillRef idx="0">
+            <a:schemeClr val="accent1"/>
+          </a:fillRef>
+          <a:effectRef idx="0">
+            <a:schemeClr val="accent1"/>
+          </a:effectRef>
+          <a:fontRef idx="minor">
+            <a:schemeClr val="tx1"/>
+          </a:fontRef>
+        </p:style>
+      </p:cxnSp>
+      <p:sp>
+        <p:nvSpPr>
+          <p:cNvPr id="23" name="TextBox 22">
+            <a:extLst>
+              <a:ext uri="{FF2B5EF4-FFF2-40B4-BE49-F238E27FC236}">
+                <a16:creationId xmlns:a16="http://schemas.microsoft.com/office/drawing/2014/main" id="{4496938D-B5DF-415E-B3AC-CF41329B3E19}"/>
+              </a:ext>
+            </a:extLst>
+          </p:cNvPr>
+          <p:cNvSpPr txBox="1"/>
+          <p:nvPr/>
+        </p:nvSpPr>
+        <p:spPr>
+          <a:xfrm rot="21397787">
+            <a:off x="3987282" y="4558291"/>
+            <a:ext cx="4217437" cy="338554"/>
+          </a:xfrm>
+          <a:prstGeom prst="rect">
+            <a:avLst/>
+          </a:prstGeom>
+          <a:noFill/>
+        </p:spPr>
+        <p:txBody>
+          <a:bodyPr wrap="square" rtlCol="0">
+            <a:spAutoFit/>
+          </a:bodyPr>
+          <a:lstStyle/>
+          <a:p>
+            <a:pPr algn="ctr"/>
+            <a:r>
+              <a:rPr lang="en-US" altLang="ko-KR" sz="1600" dirty="0"/>
+              <a:t>4. </a:t>
+            </a:r>
+            <a:r>
+              <a:rPr lang="ko-KR" altLang="en-US" sz="1600" dirty="0"/>
+              <a:t>계산된 픽셀의 색 업데이트</a:t>
+            </a:r>
+          </a:p>
+        </p:txBody>
+      </p:sp>
+      <p:cxnSp>
+        <p:nvCxnSpPr>
+          <p:cNvPr id="25" name="직선 화살표 연결선 24">
+            <a:extLst>
+              <a:ext uri="{FF2B5EF4-FFF2-40B4-BE49-F238E27FC236}">
+                <a16:creationId xmlns:a16="http://schemas.microsoft.com/office/drawing/2014/main" id="{FF7B80DF-215D-4D19-929E-C54A9FF7FCC4}"/>
+              </a:ext>
+            </a:extLst>
+          </p:cNvPr>
+          <p:cNvCxnSpPr>
+            <a:cxnSpLocks/>
+          </p:cNvCxnSpPr>
+          <p:nvPr/>
+        </p:nvCxnSpPr>
+        <p:spPr>
+          <a:xfrm>
+            <a:off x="2939137" y="2870642"/>
+            <a:ext cx="0" cy="3485708"/>
+          </a:xfrm>
+          <a:prstGeom prst="straightConnector1">
+            <a:avLst/>
+          </a:prstGeom>
+          <a:ln w="57150">
+            <a:solidFill>
+              <a:srgbClr val="FFFFFF"/>
+            </a:solidFill>
+            <a:tailEnd type="triangle"/>
+          </a:ln>
+        </p:spPr>
+        <p:style>
+          <a:lnRef idx="1">
+            <a:schemeClr val="accent1"/>
+          </a:lnRef>
+          <a:fillRef idx="0">
+            <a:schemeClr val="accent1"/>
+          </a:fillRef>
+          <a:effectRef idx="0">
+            <a:schemeClr val="accent1"/>
+          </a:effectRef>
+          <a:fontRef idx="minor">
+            <a:schemeClr val="tx1"/>
+          </a:fontRef>
+        </p:style>
+      </p:cxnSp>
+      <p:cxnSp>
+        <p:nvCxnSpPr>
+          <p:cNvPr id="28" name="직선 화살표 연결선 27">
+            <a:extLst>
+              <a:ext uri="{FF2B5EF4-FFF2-40B4-BE49-F238E27FC236}">
+                <a16:creationId xmlns:a16="http://schemas.microsoft.com/office/drawing/2014/main" id="{FB84C7F7-A9F8-4397-9C01-A19AB9D6444F}"/>
+              </a:ext>
+            </a:extLst>
+          </p:cNvPr>
+          <p:cNvCxnSpPr>
+            <a:cxnSpLocks/>
+          </p:cNvCxnSpPr>
+          <p:nvPr/>
+        </p:nvCxnSpPr>
+        <p:spPr>
+          <a:xfrm>
+            <a:off x="9380370" y="2935480"/>
+            <a:ext cx="0" cy="3420870"/>
+          </a:xfrm>
+          <a:prstGeom prst="straightConnector1">
+            <a:avLst/>
+          </a:prstGeom>
+          <a:ln w="57150">
+            <a:solidFill>
+              <a:srgbClr val="FFFFFF"/>
+            </a:solidFill>
+            <a:tailEnd type="triangle"/>
+          </a:ln>
+        </p:spPr>
+        <p:style>
+          <a:lnRef idx="1">
+            <a:schemeClr val="accent1"/>
+          </a:lnRef>
+          <a:fillRef idx="0">
+            <a:schemeClr val="accent1"/>
+          </a:fillRef>
+          <a:effectRef idx="0">
+            <a:schemeClr val="accent1"/>
+          </a:effectRef>
+          <a:fontRef idx="minor">
+            <a:schemeClr val="tx1"/>
+          </a:fontRef>
+        </p:style>
+      </p:cxnSp>
+      <p:sp>
+        <p:nvSpPr>
+          <p:cNvPr id="60" name="TextBox 59">
+            <a:extLst>
+              <a:ext uri="{FF2B5EF4-FFF2-40B4-BE49-F238E27FC236}">
+                <a16:creationId xmlns:a16="http://schemas.microsoft.com/office/drawing/2014/main" id="{8FED0377-C256-4131-9AEC-8811F49EB6F4}"/>
+              </a:ext>
+            </a:extLst>
+          </p:cNvPr>
+          <p:cNvSpPr txBox="1"/>
+          <p:nvPr/>
+        </p:nvSpPr>
+        <p:spPr>
+          <a:xfrm>
+            <a:off x="354560" y="2895350"/>
+            <a:ext cx="2579134" cy="338554"/>
+          </a:xfrm>
+          <a:prstGeom prst="rect">
+            <a:avLst/>
+          </a:prstGeom>
+          <a:noFill/>
+        </p:spPr>
+        <p:txBody>
+          <a:bodyPr wrap="square" rtlCol="0">
+            <a:spAutoFit/>
+          </a:bodyPr>
+          <a:lstStyle/>
+          <a:p>
+            <a:pPr algn="r"/>
+            <a:r>
+              <a:rPr lang="en-US" altLang="ko-KR" sz="1600" dirty="0"/>
+              <a:t>1. </a:t>
+            </a:r>
+            <a:r>
+              <a:rPr lang="ko-KR" altLang="en-US" sz="1600" dirty="0"/>
+              <a:t>렌더링 데이터 수집</a:t>
+            </a:r>
+          </a:p>
+        </p:txBody>
+      </p:sp>
+      <p:sp>
+        <p:nvSpPr>
+          <p:cNvPr id="64" name="TextBox 63">
+            <a:extLst>
+              <a:ext uri="{FF2B5EF4-FFF2-40B4-BE49-F238E27FC236}">
+                <a16:creationId xmlns:a16="http://schemas.microsoft.com/office/drawing/2014/main" id="{52AB0629-41E3-4A83-8CC6-AF3A7CF62E3E}"/>
+              </a:ext>
+            </a:extLst>
+          </p:cNvPr>
+          <p:cNvSpPr txBox="1"/>
+          <p:nvPr/>
+        </p:nvSpPr>
+        <p:spPr>
+          <a:xfrm>
+            <a:off x="9395244" y="4028720"/>
+            <a:ext cx="2589252" cy="584775"/>
+          </a:xfrm>
+          <a:prstGeom prst="rect">
+            <a:avLst/>
+          </a:prstGeom>
+          <a:noFill/>
+        </p:spPr>
+        <p:txBody>
+          <a:bodyPr wrap="square" rtlCol="0">
+            <a:spAutoFit/>
+          </a:bodyPr>
+          <a:lstStyle/>
+          <a:p>
+            <a:r>
+              <a:rPr lang="en-US" altLang="ko-KR" sz="1600" dirty="0"/>
+              <a:t>3. Path-Tracing </a:t>
+            </a:r>
+            <a:r>
+              <a:rPr lang="ko-KR" altLang="en-US" sz="1600" dirty="0"/>
+              <a:t>실행</a:t>
+            </a:r>
+            <a:r>
+              <a:rPr lang="en-US" altLang="ko-KR" sz="1600" dirty="0"/>
+              <a:t> </a:t>
+            </a:r>
+          </a:p>
+          <a:p>
+            <a:r>
+              <a:rPr lang="en-US" altLang="ko-KR" sz="1600" dirty="0"/>
+              <a:t>   </a:t>
+            </a:r>
+            <a:r>
+              <a:rPr lang="ko-KR" altLang="en-US" sz="1600" dirty="0"/>
+              <a:t>픽셀 별 업데이트</a:t>
+            </a:r>
+          </a:p>
+        </p:txBody>
+      </p:sp>
+      <p:cxnSp>
+        <p:nvCxnSpPr>
+          <p:cNvPr id="67" name="직선 연결선 66">
+            <a:extLst>
+              <a:ext uri="{FF2B5EF4-FFF2-40B4-BE49-F238E27FC236}">
+                <a16:creationId xmlns:a16="http://schemas.microsoft.com/office/drawing/2014/main" id="{75ABCA13-0D95-4A7E-B84B-9FCFED102A03}"/>
+              </a:ext>
+            </a:extLst>
+          </p:cNvPr>
+          <p:cNvCxnSpPr>
+            <a:cxnSpLocks/>
+          </p:cNvCxnSpPr>
+          <p:nvPr/>
+        </p:nvCxnSpPr>
+        <p:spPr>
+          <a:xfrm>
+            <a:off x="6095563" y="4929341"/>
+            <a:ext cx="0" cy="305132"/>
+          </a:xfrm>
+          <a:prstGeom prst="line">
+            <a:avLst/>
+          </a:prstGeom>
+          <a:ln w="28575">
+            <a:prstDash val="sysDot"/>
+          </a:ln>
+        </p:spPr>
+        <p:style>
+          <a:lnRef idx="1">
+            <a:schemeClr val="accent1"/>
+          </a:lnRef>
+          <a:fillRef idx="0">
+            <a:schemeClr val="accent1"/>
+          </a:fillRef>
+          <a:effectRef idx="0">
+            <a:schemeClr val="accent1"/>
+          </a:effectRef>
+          <a:fontRef idx="minor">
+            <a:schemeClr val="tx1"/>
+          </a:fontRef>
+        </p:style>
+      </p:cxnSp>
+      <p:cxnSp>
+        <p:nvCxnSpPr>
+          <p:cNvPr id="68" name="직선 화살표 연결선 67">
+            <a:extLst>
+              <a:ext uri="{FF2B5EF4-FFF2-40B4-BE49-F238E27FC236}">
+                <a16:creationId xmlns:a16="http://schemas.microsoft.com/office/drawing/2014/main" id="{4871EE59-A1A3-49DE-8AE6-E8ADCFB8933F}"/>
+              </a:ext>
+            </a:extLst>
+          </p:cNvPr>
+          <p:cNvCxnSpPr>
+            <a:cxnSpLocks/>
+          </p:cNvCxnSpPr>
+          <p:nvPr/>
+        </p:nvCxnSpPr>
+        <p:spPr>
+          <a:xfrm flipV="1">
+            <a:off x="2944581" y="5435157"/>
+            <a:ext cx="6435789" cy="365126"/>
+          </a:xfrm>
+          <a:prstGeom prst="straightConnector1">
+            <a:avLst/>
+          </a:prstGeom>
+          <a:ln w="38100">
+            <a:solidFill>
+              <a:schemeClr val="tx1"/>
+            </a:solidFill>
+            <a:prstDash val="solid"/>
+            <a:headEnd type="triangle" w="med" len="med"/>
+            <a:tailEnd type="none" w="med" len="med"/>
+          </a:ln>
+        </p:spPr>
+        <p:style>
+          <a:lnRef idx="1">
+            <a:schemeClr val="accent1"/>
+          </a:lnRef>
+          <a:fillRef idx="0">
+            <a:schemeClr val="accent1"/>
+          </a:fillRef>
+          <a:effectRef idx="0">
+            <a:schemeClr val="accent1"/>
+          </a:effectRef>
+          <a:fontRef idx="minor">
+            <a:schemeClr val="tx1"/>
+          </a:fontRef>
+        </p:style>
+      </p:cxnSp>
+      <p:sp>
+        <p:nvSpPr>
+          <p:cNvPr id="70" name="TextBox 69">
+            <a:extLst>
+              <a:ext uri="{FF2B5EF4-FFF2-40B4-BE49-F238E27FC236}">
+                <a16:creationId xmlns:a16="http://schemas.microsoft.com/office/drawing/2014/main" id="{AA1E4AEF-682A-4EF8-AEB0-F880FD51E0A6}"/>
+              </a:ext>
+            </a:extLst>
+          </p:cNvPr>
+          <p:cNvSpPr txBox="1"/>
+          <p:nvPr/>
+        </p:nvSpPr>
+        <p:spPr>
+          <a:xfrm rot="21397787">
+            <a:off x="3986406" y="5282649"/>
+            <a:ext cx="4217437" cy="338554"/>
+          </a:xfrm>
+          <a:prstGeom prst="rect">
+            <a:avLst/>
+          </a:prstGeom>
+          <a:noFill/>
+        </p:spPr>
+        <p:txBody>
+          <a:bodyPr wrap="square" rtlCol="0">
+            <a:spAutoFit/>
+          </a:bodyPr>
+          <a:lstStyle/>
+          <a:p>
+            <a:pPr algn="ctr"/>
+            <a:r>
+              <a:rPr lang="en-US" altLang="ko-KR" sz="1600" dirty="0"/>
+              <a:t>6. </a:t>
+            </a:r>
+            <a:r>
+              <a:rPr lang="ko-KR" altLang="en-US" sz="1600" dirty="0"/>
+              <a:t>마지막으로 계산된 픽셀의 색 업데이트</a:t>
+            </a:r>
+          </a:p>
+        </p:txBody>
+      </p:sp>
+      <p:sp>
+        <p:nvSpPr>
+          <p:cNvPr id="71" name="TextBox 70">
+            <a:extLst>
+              <a:ext uri="{FF2B5EF4-FFF2-40B4-BE49-F238E27FC236}">
+                <a16:creationId xmlns:a16="http://schemas.microsoft.com/office/drawing/2014/main" id="{C31D3CE0-F113-4EB1-897D-F78FF64B8A86}"/>
+              </a:ext>
+            </a:extLst>
+          </p:cNvPr>
+          <p:cNvSpPr txBox="1"/>
+          <p:nvPr/>
+        </p:nvSpPr>
+        <p:spPr>
+          <a:xfrm>
+            <a:off x="361436" y="5051345"/>
+            <a:ext cx="2579133" cy="338554"/>
+          </a:xfrm>
+          <a:prstGeom prst="rect">
+            <a:avLst/>
+          </a:prstGeom>
+          <a:noFill/>
+        </p:spPr>
+        <p:txBody>
+          <a:bodyPr wrap="square" rtlCol="0">
+            <a:spAutoFit/>
+          </a:bodyPr>
+          <a:lstStyle/>
+          <a:p>
+            <a:pPr algn="r"/>
+            <a:r>
+              <a:rPr lang="en-US" altLang="ko-KR" sz="1600" dirty="0"/>
+              <a:t>5. </a:t>
+            </a:r>
+            <a:r>
+              <a:rPr lang="ko-KR" altLang="en-US" sz="1600" dirty="0"/>
+              <a:t>결과 이미지 갱신</a:t>
+            </a:r>
+          </a:p>
+        </p:txBody>
+      </p:sp>
+      <p:sp>
+        <p:nvSpPr>
+          <p:cNvPr id="74" name="날짜 개체 틀 73">
+            <a:extLst>
+              <a:ext uri="{FF2B5EF4-FFF2-40B4-BE49-F238E27FC236}">
+                <a16:creationId xmlns:a16="http://schemas.microsoft.com/office/drawing/2014/main" id="{22F4BF58-0DA8-4201-B3D2-17CED49F42B7}"/>
+              </a:ext>
+            </a:extLst>
+          </p:cNvPr>
+          <p:cNvSpPr>
+            <a:spLocks noGrp="1"/>
+          </p:cNvSpPr>
+          <p:nvPr>
+            <p:ph type="dt" sz="half" idx="10"/>
+          </p:nvPr>
+        </p:nvSpPr>
+        <p:spPr/>
+        <p:txBody>
+          <a:bodyPr/>
+          <a:lstStyle/>
+          <a:p>
+            <a:r>
+              <a:rPr lang="en-US" altLang="ko-KR"/>
+              <a:t>2019-11-10</a:t>
+            </a:r>
+            <a:endParaRPr lang="ko-KR" altLang="en-US" dirty="0"/>
+          </a:p>
+        </p:txBody>
+      </p:sp>
+      <p:sp>
+        <p:nvSpPr>
+          <p:cNvPr id="75" name="바닥글 개체 틀 74">
+            <a:extLst>
+              <a:ext uri="{FF2B5EF4-FFF2-40B4-BE49-F238E27FC236}">
+                <a16:creationId xmlns:a16="http://schemas.microsoft.com/office/drawing/2014/main" id="{50469CC1-DBC0-4C67-A93F-BB5017046039}"/>
+              </a:ext>
+            </a:extLst>
+          </p:cNvPr>
+          <p:cNvSpPr>
+            <a:spLocks noGrp="1"/>
+          </p:cNvSpPr>
+          <p:nvPr>
+            <p:ph type="ftr" sz="quarter" idx="11"/>
+          </p:nvPr>
+        </p:nvSpPr>
+        <p:spPr/>
+        <p:txBody>
+          <a:bodyPr/>
+          <a:lstStyle/>
+          <a:p>
+            <a:r>
+              <a:rPr lang="en-US" altLang="ko-KR" dirty="0"/>
+              <a:t>SEETHELIGHTS</a:t>
+            </a:r>
+            <a:endParaRPr lang="ko-KR" altLang="en-US" dirty="0"/>
+          </a:p>
+        </p:txBody>
+      </p:sp>
+      <p:sp>
+        <p:nvSpPr>
+          <p:cNvPr id="76" name="TextBox 75">
+            <a:extLst>
+              <a:ext uri="{FF2B5EF4-FFF2-40B4-BE49-F238E27FC236}">
+                <a16:creationId xmlns:a16="http://schemas.microsoft.com/office/drawing/2014/main" id="{E4730E73-5268-41E5-95FD-3441C0A6F3FF}"/>
+              </a:ext>
+            </a:extLst>
+          </p:cNvPr>
+          <p:cNvSpPr txBox="1"/>
+          <p:nvPr/>
+        </p:nvSpPr>
+        <p:spPr>
+          <a:xfrm>
+            <a:off x="827814" y="5786314"/>
+            <a:ext cx="2091006" cy="338554"/>
+          </a:xfrm>
+          <a:prstGeom prst="rect">
+            <a:avLst/>
+          </a:prstGeom>
+          <a:noFill/>
+        </p:spPr>
+        <p:txBody>
+          <a:bodyPr wrap="square" rtlCol="0">
+            <a:spAutoFit/>
+          </a:bodyPr>
+          <a:lstStyle/>
+          <a:p>
+            <a:pPr algn="r"/>
+            <a:r>
+              <a:rPr lang="en-US" altLang="ko-KR" sz="1600" dirty="0"/>
+              <a:t>7. </a:t>
+            </a:r>
+            <a:r>
+              <a:rPr lang="ko-KR" altLang="en-US" sz="1600" dirty="0"/>
+              <a:t>결과 이미지 갱신</a:t>
+            </a:r>
+          </a:p>
+        </p:txBody>
+      </p:sp>
+      <p:pic>
+        <p:nvPicPr>
+          <p:cNvPr id="4" name="그림 3" descr="테이블, 실내, 앉아있는, 컵이(가) 표시된 사진&#10;&#10;자동 생성된 설명">
+            <a:extLst>
+              <a:ext uri="{FF2B5EF4-FFF2-40B4-BE49-F238E27FC236}">
+                <a16:creationId xmlns:a16="http://schemas.microsoft.com/office/drawing/2014/main" id="{20B34910-FD54-40C3-A110-8BAA3481E239}"/>
+              </a:ext>
+            </a:extLst>
+          </p:cNvPr>
+          <p:cNvPicPr>
+            <a:picLocks noChangeAspect="1"/>
+          </p:cNvPicPr>
+          <p:nvPr/>
+        </p:nvPicPr>
+        <p:blipFill>
+          <a:blip r:embed="rId5" cstate="print">
+            <a:extLst>
+              <a:ext uri="{28A0092B-C50C-407E-A947-70E740481C1C}">
+                <a14:useLocalDpi xmlns:a14="http://schemas.microsoft.com/office/drawing/2010/main" val="0"/>
+              </a:ext>
+            </a:extLst>
+          </a:blip>
+          <a:stretch>
+            <a:fillRect/>
+          </a:stretch>
+        </p:blipFill>
+        <p:spPr>
+          <a:xfrm>
+            <a:off x="154724" y="5617720"/>
+            <a:ext cx="673089" cy="673089"/>
+          </a:xfrm>
+          <a:prstGeom prst="rect">
+            <a:avLst/>
+          </a:prstGeom>
+        </p:spPr>
+      </p:pic>
     </p:spTree>
     <p:extLst>
       <p:ext uri="{BB962C8B-B14F-4D97-AF65-F5344CB8AC3E}">
@@ -17436,6 +19484,539 @@
           <a:chExt cx="0" cy="0"/>
         </a:xfrm>
       </p:grpSpPr>
+      <p:graphicFrame>
+        <p:nvGraphicFramePr>
+          <p:cNvPr id="66" name="표 66">
+            <a:extLst>
+              <a:ext uri="{FF2B5EF4-FFF2-40B4-BE49-F238E27FC236}">
+                <a16:creationId xmlns:a16="http://schemas.microsoft.com/office/drawing/2014/main" id="{CD461AEA-1CA4-47F0-B857-96FD7D4F30CE}"/>
+              </a:ext>
+            </a:extLst>
+          </p:cNvPr>
+          <p:cNvGraphicFramePr>
+            <a:graphicFrameLocks noGrp="1"/>
+          </p:cNvGraphicFramePr>
+          <p:nvPr>
+            <p:extLst>
+              <p:ext uri="{D42A27DB-BD31-4B8C-83A1-F6EECF244321}">
+                <p14:modId xmlns:p14="http://schemas.microsoft.com/office/powerpoint/2010/main" val="1332906370"/>
+              </p:ext>
+            </p:extLst>
+          </p:nvPr>
+        </p:nvGraphicFramePr>
+        <p:xfrm>
+          <a:off x="737118" y="1604863"/>
+          <a:ext cx="10616682" cy="4672111"/>
+        </p:xfrm>
+        <a:graphic>
+          <a:graphicData uri="http://schemas.openxmlformats.org/drawingml/2006/table">
+            <a:tbl>
+              <a:tblPr firstRow="1" bandRow="1">
+                <a:tableStyleId>{5C22544A-7EE6-4342-B048-85BDC9FD1C3A}</a:tableStyleId>
+              </a:tblPr>
+              <a:tblGrid>
+                <a:gridCol w="3538894">
+                  <a:extLst>
+                    <a:ext uri="{9D8B030D-6E8A-4147-A177-3AD203B41FA5}">
+                      <a16:colId xmlns:a16="http://schemas.microsoft.com/office/drawing/2014/main" val="3721360300"/>
+                    </a:ext>
+                  </a:extLst>
+                </a:gridCol>
+                <a:gridCol w="3538894">
+                  <a:extLst>
+                    <a:ext uri="{9D8B030D-6E8A-4147-A177-3AD203B41FA5}">
+                      <a16:colId xmlns:a16="http://schemas.microsoft.com/office/drawing/2014/main" val="3659997446"/>
+                    </a:ext>
+                  </a:extLst>
+                </a:gridCol>
+                <a:gridCol w="3538894">
+                  <a:extLst>
+                    <a:ext uri="{9D8B030D-6E8A-4147-A177-3AD203B41FA5}">
+                      <a16:colId xmlns:a16="http://schemas.microsoft.com/office/drawing/2014/main" val="3512687101"/>
+                    </a:ext>
+                  </a:extLst>
+                </a:gridCol>
+              </a:tblGrid>
+              <a:tr h="281245">
+                <a:tc gridSpan="2">
+                  <a:txBody>
+                    <a:bodyPr/>
+                    <a:lstStyle/>
+                    <a:p>
+                      <a:pPr algn="ctr" latinLnBrk="1"/>
+                      <a:r>
+                        <a:rPr lang="en-US" altLang="ko-KR" sz="1200" dirty="0"/>
+                        <a:t>CPU side</a:t>
+                      </a:r>
+                      <a:endParaRPr lang="ko-KR" altLang="en-US" sz="1200" dirty="0"/>
+                    </a:p>
+                  </a:txBody>
+                  <a:tcPr>
+                    <a:lnL w="12700" cap="flat" cmpd="sng" algn="ctr">
+                      <a:solidFill>
+                        <a:srgbClr val="131313"/>
+                      </a:solidFill>
+                      <a:prstDash val="solid"/>
+                      <a:round/>
+                      <a:headEnd type="none" w="med" len="med"/>
+                      <a:tailEnd type="none" w="med" len="med"/>
+                    </a:lnL>
+                    <a:lnR w="12700" cap="flat" cmpd="sng" algn="ctr">
+                      <a:solidFill>
+                        <a:schemeClr val="tx1"/>
+                      </a:solidFill>
+                      <a:prstDash val="dash"/>
+                      <a:round/>
+                      <a:headEnd type="none" w="med" len="med"/>
+                      <a:tailEnd type="none" w="med" len="med"/>
+                    </a:lnR>
+                    <a:lnT w="12700" cap="flat" cmpd="sng" algn="ctr">
+                      <a:solidFill>
+                        <a:srgbClr val="131313"/>
+                      </a:solidFill>
+                      <a:prstDash val="solid"/>
+                      <a:round/>
+                      <a:headEnd type="none" w="med" len="med"/>
+                      <a:tailEnd type="none" w="med" len="med"/>
+                    </a:lnT>
+                    <a:lnB w="12700" cap="flat" cmpd="sng" algn="ctr">
+                      <a:solidFill>
+                        <a:srgbClr val="131313"/>
+                      </a:solidFill>
+                      <a:prstDash val="solid"/>
+                      <a:round/>
+                      <a:headEnd type="none" w="med" len="med"/>
+                      <a:tailEnd type="none" w="med" len="med"/>
+                    </a:lnB>
+                    <a:noFill/>
+                  </a:tcPr>
+                </a:tc>
+                <a:tc hMerge="1">
+                  <a:txBody>
+                    <a:bodyPr/>
+                    <a:lstStyle/>
+                    <a:p>
+                      <a:pPr latinLnBrk="1"/>
+                      <a:endParaRPr lang="ko-KR" altLang="en-US" sz="1400" dirty="0"/>
+                    </a:p>
+                  </a:txBody>
+                  <a:tcPr>
+                    <a:lnL w="12700" cap="flat" cmpd="sng" algn="ctr">
+                      <a:solidFill>
+                        <a:schemeClr val="tx1"/>
+                      </a:solidFill>
+                      <a:prstDash val="dash"/>
+                      <a:round/>
+                      <a:headEnd type="none" w="med" len="med"/>
+                      <a:tailEnd type="none" w="med" len="med"/>
+                    </a:lnL>
+                    <a:lnR w="12700" cap="flat" cmpd="sng" algn="ctr">
+                      <a:solidFill>
+                        <a:schemeClr val="tx1"/>
+                      </a:solidFill>
+                      <a:prstDash val="dash"/>
+                      <a:round/>
+                      <a:headEnd type="none" w="med" len="med"/>
+                      <a:tailEnd type="none" w="med" len="med"/>
+                    </a:lnR>
+                    <a:lnT w="12700" cap="flat" cmpd="sng" algn="ctr">
+                      <a:solidFill>
+                        <a:srgbClr val="131313"/>
+                      </a:solidFill>
+                      <a:prstDash val="solid"/>
+                      <a:round/>
+                      <a:headEnd type="none" w="med" len="med"/>
+                      <a:tailEnd type="none" w="med" len="med"/>
+                    </a:lnT>
+                    <a:lnB w="12700" cap="flat" cmpd="sng" algn="ctr">
+                      <a:solidFill>
+                        <a:srgbClr val="131313"/>
+                      </a:solidFill>
+                      <a:prstDash val="solid"/>
+                      <a:round/>
+                      <a:headEnd type="none" w="med" len="med"/>
+                      <a:tailEnd type="none" w="med" len="med"/>
+                    </a:lnB>
+                    <a:noFill/>
+                  </a:tcPr>
+                </a:tc>
+                <a:tc>
+                  <a:txBody>
+                    <a:bodyPr/>
+                    <a:lstStyle/>
+                    <a:p>
+                      <a:pPr algn="ctr" latinLnBrk="1"/>
+                      <a:r>
+                        <a:rPr lang="en-US" altLang="ko-KR" sz="1200" dirty="0"/>
+                        <a:t>GPU side</a:t>
+                      </a:r>
+                      <a:endParaRPr lang="ko-KR" altLang="en-US" sz="1200" dirty="0"/>
+                    </a:p>
+                  </a:txBody>
+                  <a:tcPr>
+                    <a:lnL w="12700" cap="flat" cmpd="sng" algn="ctr">
+                      <a:solidFill>
+                        <a:schemeClr val="tx1"/>
+                      </a:solidFill>
+                      <a:prstDash val="dash"/>
+                      <a:round/>
+                      <a:headEnd type="none" w="med" len="med"/>
+                      <a:tailEnd type="none" w="med" len="med"/>
+                    </a:lnL>
+                    <a:lnR w="12700" cap="flat" cmpd="sng" algn="ctr">
+                      <a:solidFill>
+                        <a:srgbClr val="131313"/>
+                      </a:solidFill>
+                      <a:prstDash val="solid"/>
+                      <a:round/>
+                      <a:headEnd type="none" w="med" len="med"/>
+                      <a:tailEnd type="none" w="med" len="med"/>
+                    </a:lnR>
+                    <a:lnT w="12700" cap="flat" cmpd="sng" algn="ctr">
+                      <a:solidFill>
+                        <a:srgbClr val="131313"/>
+                      </a:solidFill>
+                      <a:prstDash val="solid"/>
+                      <a:round/>
+                      <a:headEnd type="none" w="med" len="med"/>
+                      <a:tailEnd type="none" w="med" len="med"/>
+                    </a:lnT>
+                    <a:lnB w="12700" cap="flat" cmpd="sng" algn="ctr">
+                      <a:solidFill>
+                        <a:srgbClr val="131313"/>
+                      </a:solidFill>
+                      <a:prstDash val="solid"/>
+                      <a:round/>
+                      <a:headEnd type="none" w="med" len="med"/>
+                      <a:tailEnd type="none" w="med" len="med"/>
+                    </a:lnB>
+                    <a:noFill/>
+                  </a:tcPr>
+                </a:tc>
+                <a:extLst>
+                  <a:ext uri="{0D108BD9-81ED-4DB2-BD59-A6C34878D82A}">
+                    <a16:rowId xmlns:a16="http://schemas.microsoft.com/office/drawing/2014/main" val="1536758806"/>
+                  </a:ext>
+                </a:extLst>
+              </a:tr>
+              <a:tr h="281245">
+                <a:tc>
+                  <a:txBody>
+                    <a:bodyPr/>
+                    <a:lstStyle/>
+                    <a:p>
+                      <a:pPr algn="ctr" latinLnBrk="1"/>
+                      <a:r>
+                        <a:rPr lang="en-US" altLang="ko-KR" sz="1200" dirty="0">
+                          <a:solidFill>
+                            <a:schemeClr val="tx1"/>
+                          </a:solidFill>
+                        </a:rPr>
+                        <a:t>C#, managed memory, unity</a:t>
+                      </a:r>
+                      <a:endParaRPr lang="ko-KR" altLang="en-US" sz="1200" dirty="0">
+                        <a:solidFill>
+                          <a:schemeClr val="tx1"/>
+                        </a:solidFill>
+                      </a:endParaRPr>
+                    </a:p>
+                  </a:txBody>
+                  <a:tcPr>
+                    <a:lnL w="12700" cap="flat" cmpd="sng" algn="ctr">
+                      <a:solidFill>
+                        <a:srgbClr val="131313"/>
+                      </a:solidFill>
+                      <a:prstDash val="solid"/>
+                      <a:round/>
+                      <a:headEnd type="none" w="med" len="med"/>
+                      <a:tailEnd type="none" w="med" len="med"/>
+                    </a:lnL>
+                    <a:lnR w="12700" cap="flat" cmpd="sng" algn="ctr">
+                      <a:solidFill>
+                        <a:schemeClr val="tx1"/>
+                      </a:solidFill>
+                      <a:prstDash val="dash"/>
+                      <a:round/>
+                      <a:headEnd type="none" w="med" len="med"/>
+                      <a:tailEnd type="none" w="med" len="med"/>
+                    </a:lnR>
+                    <a:lnT w="12700" cap="flat" cmpd="sng" algn="ctr">
+                      <a:solidFill>
+                        <a:srgbClr val="131313"/>
+                      </a:solidFill>
+                      <a:prstDash val="solid"/>
+                      <a:round/>
+                      <a:headEnd type="none" w="med" len="med"/>
+                      <a:tailEnd type="none" w="med" len="med"/>
+                    </a:lnT>
+                    <a:lnB w="12700" cap="flat" cmpd="sng" algn="ctr">
+                      <a:solidFill>
+                        <a:srgbClr val="131313"/>
+                      </a:solidFill>
+                      <a:prstDash val="solid"/>
+                      <a:round/>
+                      <a:headEnd type="none" w="med" len="med"/>
+                      <a:tailEnd type="none" w="med" len="med"/>
+                    </a:lnB>
+                    <a:noFill/>
+                  </a:tcPr>
+                </a:tc>
+                <a:tc>
+                  <a:txBody>
+                    <a:bodyPr/>
+                    <a:lstStyle/>
+                    <a:p>
+                      <a:pPr algn="ctr" latinLnBrk="1"/>
+                      <a:r>
+                        <a:rPr lang="en-US" altLang="ko-KR" sz="1200" dirty="0">
+                          <a:solidFill>
+                            <a:schemeClr val="tx1"/>
+                          </a:solidFill>
+                        </a:rPr>
+                        <a:t>C++, host code, unmanaged memory</a:t>
+                      </a:r>
+                      <a:endParaRPr lang="ko-KR" altLang="en-US" sz="1200" dirty="0">
+                        <a:solidFill>
+                          <a:schemeClr val="tx1"/>
+                        </a:solidFill>
+                      </a:endParaRPr>
+                    </a:p>
+                  </a:txBody>
+                  <a:tcPr>
+                    <a:lnL w="12700" cap="flat" cmpd="sng" algn="ctr">
+                      <a:solidFill>
+                        <a:schemeClr val="tx1"/>
+                      </a:solidFill>
+                      <a:prstDash val="dash"/>
+                      <a:round/>
+                      <a:headEnd type="none" w="med" len="med"/>
+                      <a:tailEnd type="none" w="med" len="med"/>
+                    </a:lnL>
+                    <a:lnR w="12700" cap="flat" cmpd="sng" algn="ctr">
+                      <a:solidFill>
+                        <a:schemeClr val="tx1"/>
+                      </a:solidFill>
+                      <a:prstDash val="dash"/>
+                      <a:round/>
+                      <a:headEnd type="none" w="med" len="med"/>
+                      <a:tailEnd type="none" w="med" len="med"/>
+                    </a:lnR>
+                    <a:lnT w="12700" cap="flat" cmpd="sng" algn="ctr">
+                      <a:solidFill>
+                        <a:srgbClr val="131313"/>
+                      </a:solidFill>
+                      <a:prstDash val="solid"/>
+                      <a:round/>
+                      <a:headEnd type="none" w="med" len="med"/>
+                      <a:tailEnd type="none" w="med" len="med"/>
+                    </a:lnT>
+                    <a:lnB w="12700" cap="flat" cmpd="sng" algn="ctr">
+                      <a:solidFill>
+                        <a:srgbClr val="131313"/>
+                      </a:solidFill>
+                      <a:prstDash val="solid"/>
+                      <a:round/>
+                      <a:headEnd type="none" w="med" len="med"/>
+                      <a:tailEnd type="none" w="med" len="med"/>
+                    </a:lnB>
+                    <a:noFill/>
+                  </a:tcPr>
+                </a:tc>
+                <a:tc rowSpan="2">
+                  <a:txBody>
+                    <a:bodyPr/>
+                    <a:lstStyle/>
+                    <a:p>
+                      <a:pPr algn="ctr" latinLnBrk="1"/>
+                      <a:r>
+                        <a:rPr lang="en-US" altLang="ko-KR" sz="1200" dirty="0">
+                          <a:solidFill>
+                            <a:schemeClr val="tx1"/>
+                          </a:solidFill>
+                        </a:rPr>
+                        <a:t>device code, many, hardware scheduled thread</a:t>
+                      </a:r>
+                      <a:endParaRPr lang="ko-KR" altLang="en-US" sz="1200" dirty="0">
+                        <a:solidFill>
+                          <a:schemeClr val="tx1"/>
+                        </a:solidFill>
+                      </a:endParaRPr>
+                    </a:p>
+                  </a:txBody>
+                  <a:tcPr>
+                    <a:lnL w="12700" cap="flat" cmpd="sng" algn="ctr">
+                      <a:solidFill>
+                        <a:schemeClr val="tx1"/>
+                      </a:solidFill>
+                      <a:prstDash val="dash"/>
+                      <a:round/>
+                      <a:headEnd type="none" w="med" len="med"/>
+                      <a:tailEnd type="none" w="med" len="med"/>
+                    </a:lnL>
+                    <a:lnR w="12700" cap="flat" cmpd="sng" algn="ctr">
+                      <a:solidFill>
+                        <a:srgbClr val="131313"/>
+                      </a:solidFill>
+                      <a:prstDash val="solid"/>
+                      <a:round/>
+                      <a:headEnd type="none" w="med" len="med"/>
+                      <a:tailEnd type="none" w="med" len="med"/>
+                    </a:lnR>
+                    <a:lnT w="12700" cap="flat" cmpd="sng" algn="ctr">
+                      <a:solidFill>
+                        <a:srgbClr val="131313"/>
+                      </a:solidFill>
+                      <a:prstDash val="solid"/>
+                      <a:round/>
+                      <a:headEnd type="none" w="med" len="med"/>
+                      <a:tailEnd type="none" w="med" len="med"/>
+                    </a:lnT>
+                    <a:lnB w="12700" cap="flat" cmpd="sng" algn="ctr">
+                      <a:solidFill>
+                        <a:srgbClr val="131313"/>
+                      </a:solidFill>
+                      <a:prstDash val="solid"/>
+                      <a:round/>
+                      <a:headEnd type="none" w="med" len="med"/>
+                      <a:tailEnd type="none" w="med" len="med"/>
+                    </a:lnB>
+                    <a:noFill/>
+                  </a:tcPr>
+                </a:tc>
+                <a:extLst>
+                  <a:ext uri="{0D108BD9-81ED-4DB2-BD59-A6C34878D82A}">
+                    <a16:rowId xmlns:a16="http://schemas.microsoft.com/office/drawing/2014/main" val="3954912700"/>
+                  </a:ext>
+                </a:extLst>
+              </a:tr>
+              <a:tr h="4109621">
+                <a:tc>
+                  <a:txBody>
+                    <a:bodyPr/>
+                    <a:lstStyle/>
+                    <a:p>
+                      <a:pPr algn="ctr" latinLnBrk="1"/>
+                      <a:endParaRPr lang="ko-KR" altLang="en-US" sz="1200" dirty="0">
+                        <a:solidFill>
+                          <a:schemeClr val="tx1"/>
+                        </a:solidFill>
+                      </a:endParaRPr>
+                    </a:p>
+                  </a:txBody>
+                  <a:tcPr>
+                    <a:lnL w="12700" cap="flat" cmpd="sng" algn="ctr">
+                      <a:solidFill>
+                        <a:srgbClr val="131313"/>
+                      </a:solidFill>
+                      <a:prstDash val="solid"/>
+                      <a:round/>
+                      <a:headEnd type="none" w="med" len="med"/>
+                      <a:tailEnd type="none" w="med" len="med"/>
+                    </a:lnL>
+                    <a:lnR w="12700" cap="flat" cmpd="sng" algn="ctr">
+                      <a:solidFill>
+                        <a:schemeClr val="tx1"/>
+                      </a:solidFill>
+                      <a:prstDash val="dash"/>
+                      <a:round/>
+                      <a:headEnd type="none" w="med" len="med"/>
+                      <a:tailEnd type="none" w="med" len="med"/>
+                    </a:lnR>
+                    <a:lnT w="12700" cap="flat" cmpd="sng" algn="ctr">
+                      <a:solidFill>
+                        <a:srgbClr val="131313"/>
+                      </a:solidFill>
+                      <a:prstDash val="solid"/>
+                      <a:round/>
+                      <a:headEnd type="none" w="med" len="med"/>
+                      <a:tailEnd type="none" w="med" len="med"/>
+                    </a:lnT>
+                    <a:lnB w="12700" cap="flat" cmpd="sng" algn="ctr">
+                      <a:solidFill>
+                        <a:srgbClr val="131313"/>
+                      </a:solidFill>
+                      <a:prstDash val="solid"/>
+                      <a:round/>
+                      <a:headEnd type="none" w="med" len="med"/>
+                      <a:tailEnd type="none" w="med" len="med"/>
+                    </a:lnB>
+                    <a:noFill/>
+                  </a:tcPr>
+                </a:tc>
+                <a:tc>
+                  <a:txBody>
+                    <a:bodyPr/>
+                    <a:lstStyle/>
+                    <a:p>
+                      <a:pPr algn="ctr" latinLnBrk="1"/>
+                      <a:endParaRPr lang="ko-KR" altLang="en-US" sz="1200" dirty="0">
+                        <a:solidFill>
+                          <a:schemeClr val="tx1"/>
+                        </a:solidFill>
+                      </a:endParaRPr>
+                    </a:p>
+                  </a:txBody>
+                  <a:tcPr>
+                    <a:lnL w="12700" cap="flat" cmpd="sng" algn="ctr">
+                      <a:solidFill>
+                        <a:schemeClr val="tx1"/>
+                      </a:solidFill>
+                      <a:prstDash val="dash"/>
+                      <a:round/>
+                      <a:headEnd type="none" w="med" len="med"/>
+                      <a:tailEnd type="none" w="med" len="med"/>
+                    </a:lnL>
+                    <a:lnR w="12700" cap="flat" cmpd="sng" algn="ctr">
+                      <a:solidFill>
+                        <a:schemeClr val="tx1"/>
+                      </a:solidFill>
+                      <a:prstDash val="dash"/>
+                      <a:round/>
+                      <a:headEnd type="none" w="med" len="med"/>
+                      <a:tailEnd type="none" w="med" len="med"/>
+                    </a:lnR>
+                    <a:lnT w="12700" cap="flat" cmpd="sng" algn="ctr">
+                      <a:solidFill>
+                        <a:srgbClr val="131313"/>
+                      </a:solidFill>
+                      <a:prstDash val="solid"/>
+                      <a:round/>
+                      <a:headEnd type="none" w="med" len="med"/>
+                      <a:tailEnd type="none" w="med" len="med"/>
+                    </a:lnT>
+                    <a:lnB w="12700" cap="flat" cmpd="sng" algn="ctr">
+                      <a:solidFill>
+                        <a:srgbClr val="131313"/>
+                      </a:solidFill>
+                      <a:prstDash val="solid"/>
+                      <a:round/>
+                      <a:headEnd type="none" w="med" len="med"/>
+                      <a:tailEnd type="none" w="med" len="med"/>
+                    </a:lnB>
+                    <a:noFill/>
+                  </a:tcPr>
+                </a:tc>
+                <a:tc vMerge="1">
+                  <a:txBody>
+                    <a:bodyPr/>
+                    <a:lstStyle/>
+                    <a:p>
+                      <a:pPr latinLnBrk="1"/>
+                      <a:endParaRPr lang="ko-KR" altLang="en-US"/>
+                    </a:p>
+                  </a:txBody>
+                  <a:tcPr/>
+                </a:tc>
+                <a:extLst>
+                  <a:ext uri="{0D108BD9-81ED-4DB2-BD59-A6C34878D82A}">
+                    <a16:rowId xmlns:a16="http://schemas.microsoft.com/office/drawing/2014/main" val="2706147395"/>
+                  </a:ext>
+                </a:extLst>
+              </a:tr>
+            </a:tbl>
+          </a:graphicData>
+        </a:graphic>
+      </p:graphicFrame>
       <p:sp>
         <p:nvSpPr>
           <p:cNvPr id="2" name="제목 1"/>
@@ -17456,25 +20037,6 @@
               <a:t>시스템 구성도</a:t>
             </a:r>
             <a:endParaRPr lang="en-US" altLang="ko-KR" dirty="0"/>
-          </a:p>
-        </p:txBody>
-      </p:sp>
-      <p:sp>
-        <p:nvSpPr>
-          <p:cNvPr id="3" name="내용 개체 틀 2"/>
-          <p:cNvSpPr>
-            <a:spLocks noGrp="1"/>
-          </p:cNvSpPr>
-          <p:nvPr>
-            <p:ph idx="1"/>
-          </p:nvPr>
-        </p:nvSpPr>
-        <p:spPr/>
-        <p:txBody>
-          <a:bodyPr/>
-          <a:lstStyle/>
-          <a:p>
-            <a:endParaRPr lang="ko-KR" altLang="en-US" dirty="0"/>
           </a:p>
         </p:txBody>
       </p:sp>
@@ -17504,6 +20066,1750 @@
               <a:t>9</a:t>
             </a:fld>
             <a:endParaRPr lang="ko-KR" altLang="en-US"/>
+          </a:p>
+        </p:txBody>
+      </p:sp>
+      <p:sp>
+        <p:nvSpPr>
+          <p:cNvPr id="8" name="날짜 개체 틀 7">
+            <a:extLst>
+              <a:ext uri="{FF2B5EF4-FFF2-40B4-BE49-F238E27FC236}">
+                <a16:creationId xmlns:a16="http://schemas.microsoft.com/office/drawing/2014/main" id="{EBF4FF36-139E-4693-9C50-C1191CBF088B}"/>
+              </a:ext>
+            </a:extLst>
+          </p:cNvPr>
+          <p:cNvSpPr>
+            <a:spLocks noGrp="1"/>
+          </p:cNvSpPr>
+          <p:nvPr>
+            <p:ph type="dt" sz="half" idx="10"/>
+          </p:nvPr>
+        </p:nvSpPr>
+        <p:spPr/>
+        <p:txBody>
+          <a:bodyPr/>
+          <a:lstStyle/>
+          <a:p>
+            <a:r>
+              <a:rPr lang="en-US" altLang="ko-KR"/>
+              <a:t>2019-11-10</a:t>
+            </a:r>
+            <a:endParaRPr lang="ko-KR" altLang="en-US"/>
+          </a:p>
+        </p:txBody>
+      </p:sp>
+      <p:sp>
+        <p:nvSpPr>
+          <p:cNvPr id="9" name="바닥글 개체 틀 8">
+            <a:extLst>
+              <a:ext uri="{FF2B5EF4-FFF2-40B4-BE49-F238E27FC236}">
+                <a16:creationId xmlns:a16="http://schemas.microsoft.com/office/drawing/2014/main" id="{139BFDD4-63A7-49C5-9794-14A7AA62D87A}"/>
+              </a:ext>
+            </a:extLst>
+          </p:cNvPr>
+          <p:cNvSpPr>
+            <a:spLocks noGrp="1"/>
+          </p:cNvSpPr>
+          <p:nvPr>
+            <p:ph type="ftr" sz="quarter" idx="11"/>
+          </p:nvPr>
+        </p:nvSpPr>
+        <p:spPr/>
+        <p:txBody>
+          <a:bodyPr/>
+          <a:lstStyle/>
+          <a:p>
+            <a:r>
+              <a:rPr lang="en-US" altLang="ko-KR" dirty="0"/>
+              <a:t>SEETHELIGHTS</a:t>
+            </a:r>
+            <a:endParaRPr lang="ko-KR" altLang="en-US" dirty="0"/>
+          </a:p>
+        </p:txBody>
+      </p:sp>
+      <p:graphicFrame>
+        <p:nvGraphicFramePr>
+          <p:cNvPr id="74" name="표 74">
+            <a:extLst>
+              <a:ext uri="{FF2B5EF4-FFF2-40B4-BE49-F238E27FC236}">
+                <a16:creationId xmlns:a16="http://schemas.microsoft.com/office/drawing/2014/main" id="{DE3DAE47-632A-479D-9284-14AC6F713DD5}"/>
+              </a:ext>
+            </a:extLst>
+          </p:cNvPr>
+          <p:cNvGraphicFramePr>
+            <a:graphicFrameLocks noGrp="1"/>
+          </p:cNvGraphicFramePr>
+          <p:nvPr>
+            <p:extLst>
+              <p:ext uri="{D42A27DB-BD31-4B8C-83A1-F6EECF244321}">
+                <p14:modId xmlns:p14="http://schemas.microsoft.com/office/powerpoint/2010/main" val="3059192885"/>
+              </p:ext>
+            </p:extLst>
+          </p:nvPr>
+        </p:nvGraphicFramePr>
+        <p:xfrm>
+          <a:off x="1371859" y="2665963"/>
+          <a:ext cx="2333366" cy="1008214"/>
+        </p:xfrm>
+        <a:graphic>
+          <a:graphicData uri="http://schemas.openxmlformats.org/drawingml/2006/table">
+            <a:tbl>
+              <a:tblPr firstRow="1" bandRow="1">
+                <a:tableStyleId>{5C22544A-7EE6-4342-B048-85BDC9FD1C3A}</a:tableStyleId>
+              </a:tblPr>
+              <a:tblGrid>
+                <a:gridCol w="2333366">
+                  <a:extLst>
+                    <a:ext uri="{9D8B030D-6E8A-4147-A177-3AD203B41FA5}">
+                      <a16:colId xmlns:a16="http://schemas.microsoft.com/office/drawing/2014/main" val="718766692"/>
+                    </a:ext>
+                  </a:extLst>
+                </a:gridCol>
+              </a:tblGrid>
+              <a:tr h="210587">
+                <a:tc>
+                  <a:txBody>
+                    <a:bodyPr/>
+                    <a:lstStyle/>
+                    <a:p>
+                      <a:pPr marL="0" marR="0" lvl="0" indent="0" algn="ctr" defTabSz="914400" rtl="0" eaLnBrk="1" fontAlgn="auto" latinLnBrk="1" hangingPunct="1">
+                        <a:lnSpc>
+                          <a:spcPct val="100000"/>
+                        </a:lnSpc>
+                        <a:spcBef>
+                          <a:spcPts val="0"/>
+                        </a:spcBef>
+                        <a:spcAft>
+                          <a:spcPts val="0"/>
+                        </a:spcAft>
+                        <a:buClrTx/>
+                        <a:buSzTx/>
+                        <a:buFontTx/>
+                        <a:buNone/>
+                        <a:tabLst/>
+                        <a:defRPr/>
+                      </a:pPr>
+                      <a:r>
+                        <a:rPr lang="ko-KR" altLang="en-US" sz="1200" b="0" dirty="0">
+                          <a:solidFill>
+                            <a:schemeClr val="tx1"/>
+                          </a:solidFill>
+                        </a:rPr>
+                        <a:t>렌더링 데이터 수집 모듈 </a:t>
+                      </a:r>
+                    </a:p>
+                  </a:txBody>
+                  <a:tcPr anchor="ctr">
+                    <a:lnL w="12700" cap="flat" cmpd="sng" algn="ctr">
+                      <a:solidFill>
+                        <a:schemeClr val="tx1"/>
+                      </a:solidFill>
+                      <a:prstDash val="solid"/>
+                      <a:round/>
+                      <a:headEnd type="none" w="med" len="med"/>
+                      <a:tailEnd type="none" w="med" len="med"/>
+                    </a:lnL>
+                    <a:lnR w="12700" cap="flat" cmpd="sng" algn="ctr">
+                      <a:solidFill>
+                        <a:schemeClr val="tx1"/>
+                      </a:solidFill>
+                      <a:prstDash val="solid"/>
+                      <a:round/>
+                      <a:headEnd type="none" w="med" len="med"/>
+                      <a:tailEnd type="none" w="med" len="med"/>
+                    </a:lnR>
+                    <a:lnT w="12700" cap="flat" cmpd="sng" algn="ctr">
+                      <a:solidFill>
+                        <a:schemeClr val="tx1"/>
+                      </a:solidFill>
+                      <a:prstDash val="solid"/>
+                      <a:round/>
+                      <a:headEnd type="none" w="med" len="med"/>
+                      <a:tailEnd type="none" w="med" len="med"/>
+                    </a:lnT>
+                    <a:lnB w="12700" cap="flat" cmpd="sng" algn="ctr">
+                      <a:solidFill>
+                        <a:schemeClr val="tx1"/>
+                      </a:solidFill>
+                      <a:prstDash val="solid"/>
+                      <a:round/>
+                      <a:headEnd type="none" w="med" len="med"/>
+                      <a:tailEnd type="none" w="med" len="med"/>
+                    </a:lnB>
+                    <a:noFill/>
+                  </a:tcPr>
+                </a:tc>
+                <a:extLst>
+                  <a:ext uri="{0D108BD9-81ED-4DB2-BD59-A6C34878D82A}">
+                    <a16:rowId xmlns:a16="http://schemas.microsoft.com/office/drawing/2014/main" val="3103534419"/>
+                  </a:ext>
+                </a:extLst>
+              </a:tr>
+              <a:tr h="733894">
+                <a:tc>
+                  <a:txBody>
+                    <a:bodyPr/>
+                    <a:lstStyle/>
+                    <a:p>
+                      <a:pPr algn="ctr" latinLnBrk="0"/>
+                      <a:r>
+                        <a:rPr lang="ko-KR" altLang="en-US" sz="1050" dirty="0">
+                          <a:solidFill>
+                            <a:schemeClr val="tx1"/>
+                          </a:solidFill>
+                        </a:rPr>
+                        <a:t>하나의 프레임 </a:t>
+                      </a:r>
+                      <a:r>
+                        <a:rPr lang="en-US" altLang="ko-KR" sz="1050" dirty="0">
+                          <a:solidFill>
+                            <a:schemeClr val="tx1"/>
+                          </a:solidFill>
+                        </a:rPr>
+                        <a:t>or </a:t>
+                      </a:r>
+                      <a:r>
+                        <a:rPr lang="ko-KR" altLang="en-US" sz="1050" dirty="0">
+                          <a:solidFill>
+                            <a:schemeClr val="tx1"/>
+                          </a:solidFill>
+                        </a:rPr>
+                        <a:t>여러 개의 프레임</a:t>
+                      </a:r>
+                      <a:endParaRPr lang="en-US" altLang="ko-KR" sz="1050" dirty="0">
+                        <a:solidFill>
+                          <a:schemeClr val="tx1"/>
+                        </a:solidFill>
+                      </a:endParaRPr>
+                    </a:p>
+                    <a:p>
+                      <a:pPr algn="ctr" latinLnBrk="0"/>
+                      <a:r>
+                        <a:rPr lang="en-US" altLang="ko-KR" sz="1050" dirty="0">
+                          <a:solidFill>
+                            <a:schemeClr val="tx1"/>
+                          </a:solidFill>
+                        </a:rPr>
+                        <a:t> Mesh, Shader, Transform </a:t>
+                      </a:r>
+                      <a:r>
+                        <a:rPr lang="ko-KR" altLang="en-US" sz="1050" dirty="0">
+                          <a:solidFill>
+                            <a:schemeClr val="tx1"/>
+                          </a:solidFill>
+                        </a:rPr>
+                        <a:t>들을 매프레임 별 수집</a:t>
+                      </a:r>
+                      <a:endParaRPr lang="en-US" altLang="ko-KR" sz="1050" dirty="0">
+                        <a:solidFill>
+                          <a:schemeClr val="tx1"/>
+                        </a:solidFill>
+                      </a:endParaRPr>
+                    </a:p>
+                  </a:txBody>
+                  <a:tcPr anchor="ctr">
+                    <a:lnL w="12700" cap="flat" cmpd="sng" algn="ctr">
+                      <a:solidFill>
+                        <a:schemeClr val="tx1"/>
+                      </a:solidFill>
+                      <a:prstDash val="solid"/>
+                      <a:round/>
+                      <a:headEnd type="none" w="med" len="med"/>
+                      <a:tailEnd type="none" w="med" len="med"/>
+                    </a:lnL>
+                    <a:lnR w="12700" cap="flat" cmpd="sng" algn="ctr">
+                      <a:solidFill>
+                        <a:schemeClr val="tx1"/>
+                      </a:solidFill>
+                      <a:prstDash val="solid"/>
+                      <a:round/>
+                      <a:headEnd type="none" w="med" len="med"/>
+                      <a:tailEnd type="none" w="med" len="med"/>
+                    </a:lnR>
+                    <a:lnT w="12700" cap="flat" cmpd="sng" algn="ctr">
+                      <a:solidFill>
+                        <a:schemeClr val="tx1"/>
+                      </a:solidFill>
+                      <a:prstDash val="solid"/>
+                      <a:round/>
+                      <a:headEnd type="none" w="med" len="med"/>
+                      <a:tailEnd type="none" w="med" len="med"/>
+                    </a:lnT>
+                    <a:lnB w="12700" cap="flat" cmpd="sng" algn="ctr">
+                      <a:solidFill>
+                        <a:schemeClr val="tx1"/>
+                      </a:solidFill>
+                      <a:prstDash val="solid"/>
+                      <a:round/>
+                      <a:headEnd type="none" w="med" len="med"/>
+                      <a:tailEnd type="none" w="med" len="med"/>
+                    </a:lnB>
+                    <a:noFill/>
+                  </a:tcPr>
+                </a:tc>
+                <a:extLst>
+                  <a:ext uri="{0D108BD9-81ED-4DB2-BD59-A6C34878D82A}">
+                    <a16:rowId xmlns:a16="http://schemas.microsoft.com/office/drawing/2014/main" val="1766544644"/>
+                  </a:ext>
+                </a:extLst>
+              </a:tr>
+            </a:tbl>
+          </a:graphicData>
+        </a:graphic>
+      </p:graphicFrame>
+      <p:graphicFrame>
+        <p:nvGraphicFramePr>
+          <p:cNvPr id="76" name="표 74">
+            <a:extLst>
+              <a:ext uri="{FF2B5EF4-FFF2-40B4-BE49-F238E27FC236}">
+                <a16:creationId xmlns:a16="http://schemas.microsoft.com/office/drawing/2014/main" id="{60E91E21-B70B-412F-ABE8-561C7C3E03F6}"/>
+              </a:ext>
+            </a:extLst>
+          </p:cNvPr>
+          <p:cNvGraphicFramePr>
+            <a:graphicFrameLocks noGrp="1"/>
+          </p:cNvGraphicFramePr>
+          <p:nvPr>
+            <p:extLst>
+              <p:ext uri="{D42A27DB-BD31-4B8C-83A1-F6EECF244321}">
+                <p14:modId xmlns:p14="http://schemas.microsoft.com/office/powerpoint/2010/main" val="3230425447"/>
+              </p:ext>
+            </p:extLst>
+          </p:nvPr>
+        </p:nvGraphicFramePr>
+        <p:xfrm>
+          <a:off x="4572000" y="2246036"/>
+          <a:ext cx="6457950" cy="3968274"/>
+        </p:xfrm>
+        <a:graphic>
+          <a:graphicData uri="http://schemas.openxmlformats.org/drawingml/2006/table">
+            <a:tbl>
+              <a:tblPr firstRow="1" bandRow="1">
+                <a:tableStyleId>{5C22544A-7EE6-4342-B048-85BDC9FD1C3A}</a:tableStyleId>
+              </a:tblPr>
+              <a:tblGrid>
+                <a:gridCol w="6457950">
+                  <a:extLst>
+                    <a:ext uri="{9D8B030D-6E8A-4147-A177-3AD203B41FA5}">
+                      <a16:colId xmlns:a16="http://schemas.microsoft.com/office/drawing/2014/main" val="718766692"/>
+                    </a:ext>
+                  </a:extLst>
+                </a:gridCol>
+              </a:tblGrid>
+              <a:tr h="0">
+                <a:tc>
+                  <a:txBody>
+                    <a:bodyPr/>
+                    <a:lstStyle/>
+                    <a:p>
+                      <a:pPr marL="0" marR="0" lvl="0" indent="0" algn="ctr" defTabSz="914400" rtl="0" eaLnBrk="1" fontAlgn="auto" latinLnBrk="1" hangingPunct="1">
+                        <a:lnSpc>
+                          <a:spcPct val="100000"/>
+                        </a:lnSpc>
+                        <a:spcBef>
+                          <a:spcPts val="0"/>
+                        </a:spcBef>
+                        <a:spcAft>
+                          <a:spcPts val="0"/>
+                        </a:spcAft>
+                        <a:buClrTx/>
+                        <a:buSzTx/>
+                        <a:buFontTx/>
+                        <a:buNone/>
+                        <a:tabLst/>
+                        <a:defRPr/>
+                      </a:pPr>
+                      <a:r>
+                        <a:rPr lang="en-US" altLang="ko-KR" sz="1200" b="0" dirty="0">
+                          <a:solidFill>
+                            <a:schemeClr val="tx1"/>
+                          </a:solidFill>
+                        </a:rPr>
+                        <a:t>Ray-tracing </a:t>
+                      </a:r>
+                      <a:r>
+                        <a:rPr lang="ko-KR" altLang="en-US" sz="1200" b="0" dirty="0">
+                          <a:solidFill>
+                            <a:schemeClr val="tx1"/>
+                          </a:solidFill>
+                        </a:rPr>
+                        <a:t>모듈</a:t>
+                      </a:r>
+                    </a:p>
+                  </a:txBody>
+                  <a:tcPr anchor="ctr">
+                    <a:lnL w="12700" cap="flat" cmpd="sng" algn="ctr">
+                      <a:solidFill>
+                        <a:schemeClr val="tx1"/>
+                      </a:solidFill>
+                      <a:prstDash val="solid"/>
+                      <a:round/>
+                      <a:headEnd type="none" w="med" len="med"/>
+                      <a:tailEnd type="none" w="med" len="med"/>
+                    </a:lnL>
+                    <a:lnR w="12700" cap="flat" cmpd="sng" algn="ctr">
+                      <a:solidFill>
+                        <a:schemeClr val="tx1"/>
+                      </a:solidFill>
+                      <a:prstDash val="solid"/>
+                      <a:round/>
+                      <a:headEnd type="none" w="med" len="med"/>
+                      <a:tailEnd type="none" w="med" len="med"/>
+                    </a:lnR>
+                    <a:lnT w="12700" cap="flat" cmpd="sng" algn="ctr">
+                      <a:solidFill>
+                        <a:schemeClr val="tx1"/>
+                      </a:solidFill>
+                      <a:prstDash val="solid"/>
+                      <a:round/>
+                      <a:headEnd type="none" w="med" len="med"/>
+                      <a:tailEnd type="none" w="med" len="med"/>
+                    </a:lnT>
+                    <a:lnB w="12700" cap="flat" cmpd="sng" algn="ctr">
+                      <a:solidFill>
+                        <a:schemeClr val="tx1"/>
+                      </a:solidFill>
+                      <a:prstDash val="solid"/>
+                      <a:round/>
+                      <a:headEnd type="none" w="med" len="med"/>
+                      <a:tailEnd type="none" w="med" len="med"/>
+                    </a:lnB>
+                    <a:solidFill>
+                      <a:srgbClr val="131313"/>
+                    </a:solidFill>
+                  </a:tcPr>
+                </a:tc>
+                <a:extLst>
+                  <a:ext uri="{0D108BD9-81ED-4DB2-BD59-A6C34878D82A}">
+                    <a16:rowId xmlns:a16="http://schemas.microsoft.com/office/drawing/2014/main" val="3103534419"/>
+                  </a:ext>
+                </a:extLst>
+              </a:tr>
+              <a:tr h="3693954">
+                <a:tc>
+                  <a:txBody>
+                    <a:bodyPr/>
+                    <a:lstStyle/>
+                    <a:p>
+                      <a:pPr algn="ctr" latinLnBrk="0"/>
+                      <a:endParaRPr lang="en-US" altLang="ko-KR" sz="1050" dirty="0">
+                        <a:solidFill>
+                          <a:schemeClr val="tx1"/>
+                        </a:solidFill>
+                      </a:endParaRPr>
+                    </a:p>
+                  </a:txBody>
+                  <a:tcPr anchor="ctr">
+                    <a:lnL w="12700" cap="flat" cmpd="sng" algn="ctr">
+                      <a:solidFill>
+                        <a:schemeClr val="tx1"/>
+                      </a:solidFill>
+                      <a:prstDash val="solid"/>
+                      <a:round/>
+                      <a:headEnd type="none" w="med" len="med"/>
+                      <a:tailEnd type="none" w="med" len="med"/>
+                    </a:lnL>
+                    <a:lnR w="12700" cap="flat" cmpd="sng" algn="ctr">
+                      <a:solidFill>
+                        <a:schemeClr val="tx1"/>
+                      </a:solidFill>
+                      <a:prstDash val="solid"/>
+                      <a:round/>
+                      <a:headEnd type="none" w="med" len="med"/>
+                      <a:tailEnd type="none" w="med" len="med"/>
+                    </a:lnR>
+                    <a:lnT w="12700" cap="flat" cmpd="sng" algn="ctr">
+                      <a:solidFill>
+                        <a:schemeClr val="tx1"/>
+                      </a:solidFill>
+                      <a:prstDash val="solid"/>
+                      <a:round/>
+                      <a:headEnd type="none" w="med" len="med"/>
+                      <a:tailEnd type="none" w="med" len="med"/>
+                    </a:lnT>
+                    <a:lnB w="12700" cap="flat" cmpd="sng" algn="ctr">
+                      <a:solidFill>
+                        <a:schemeClr val="tx1"/>
+                      </a:solidFill>
+                      <a:prstDash val="solid"/>
+                      <a:round/>
+                      <a:headEnd type="none" w="med" len="med"/>
+                      <a:tailEnd type="none" w="med" len="med"/>
+                    </a:lnB>
+                    <a:noFill/>
+                  </a:tcPr>
+                </a:tc>
+                <a:extLst>
+                  <a:ext uri="{0D108BD9-81ED-4DB2-BD59-A6C34878D82A}">
+                    <a16:rowId xmlns:a16="http://schemas.microsoft.com/office/drawing/2014/main" val="1766544644"/>
+                  </a:ext>
+                </a:extLst>
+              </a:tr>
+            </a:tbl>
+          </a:graphicData>
+        </a:graphic>
+      </p:graphicFrame>
+      <p:cxnSp>
+        <p:nvCxnSpPr>
+          <p:cNvPr id="77" name="직선 화살표 연결선 76">
+            <a:extLst>
+              <a:ext uri="{FF2B5EF4-FFF2-40B4-BE49-F238E27FC236}">
+                <a16:creationId xmlns:a16="http://schemas.microsoft.com/office/drawing/2014/main" id="{6995B050-D6A8-4B77-A375-3CD0039EA585}"/>
+              </a:ext>
+            </a:extLst>
+          </p:cNvPr>
+          <p:cNvCxnSpPr>
+            <a:cxnSpLocks/>
+            <a:stCxn id="74" idx="2"/>
+          </p:cNvCxnSpPr>
+          <p:nvPr/>
+        </p:nvCxnSpPr>
+        <p:spPr>
+          <a:xfrm rot="16200000" flipH="1">
+            <a:off x="3232905" y="2979814"/>
+            <a:ext cx="644732" cy="2033458"/>
+          </a:xfrm>
+          <a:prstGeom prst="bentConnector2">
+            <a:avLst/>
+          </a:prstGeom>
+          <a:ln w="12700">
+            <a:solidFill>
+              <a:schemeClr val="tx1"/>
+            </a:solidFill>
+            <a:tailEnd type="triangle"/>
+          </a:ln>
+        </p:spPr>
+        <p:style>
+          <a:lnRef idx="1">
+            <a:schemeClr val="accent1"/>
+          </a:lnRef>
+          <a:fillRef idx="0">
+            <a:schemeClr val="accent1"/>
+          </a:fillRef>
+          <a:effectRef idx="0">
+            <a:schemeClr val="accent1"/>
+          </a:effectRef>
+          <a:fontRef idx="minor">
+            <a:schemeClr val="tx1"/>
+          </a:fontRef>
+        </p:style>
+      </p:cxnSp>
+      <p:sp>
+        <p:nvSpPr>
+          <p:cNvPr id="78" name="TextBox 77">
+            <a:extLst>
+              <a:ext uri="{FF2B5EF4-FFF2-40B4-BE49-F238E27FC236}">
+                <a16:creationId xmlns:a16="http://schemas.microsoft.com/office/drawing/2014/main" id="{DACC1E6E-C9A6-4D28-B2A8-06D3DE087258}"/>
+              </a:ext>
+            </a:extLst>
+          </p:cNvPr>
+          <p:cNvSpPr txBox="1"/>
+          <p:nvPr/>
+        </p:nvSpPr>
+        <p:spPr>
+          <a:xfrm>
+            <a:off x="2378284" y="3722992"/>
+            <a:ext cx="2033459" cy="577081"/>
+          </a:xfrm>
+          <a:prstGeom prst="rect">
+            <a:avLst/>
+          </a:prstGeom>
+          <a:noFill/>
+        </p:spPr>
+        <p:txBody>
+          <a:bodyPr wrap="square" rtlCol="0" anchor="b">
+            <a:spAutoFit/>
+          </a:bodyPr>
+          <a:lstStyle/>
+          <a:p>
+            <a:pPr algn="ctr"/>
+            <a:r>
+              <a:rPr lang="en-US" altLang="ko-KR" sz="1050" dirty="0"/>
+              <a:t>ray-tracing </a:t>
+            </a:r>
+            <a:r>
+              <a:rPr lang="ko-KR" altLang="en-US" sz="1050" dirty="0"/>
+              <a:t>시작 </a:t>
+            </a:r>
+            <a:endParaRPr lang="en-US" altLang="ko-KR" sz="1050" dirty="0"/>
+          </a:p>
+          <a:p>
+            <a:pPr algn="ctr"/>
+            <a:r>
+              <a:rPr lang="ko-KR" altLang="en-US" sz="1050" dirty="0"/>
+              <a:t>수집된 데이터 전달</a:t>
+            </a:r>
+          </a:p>
+          <a:p>
+            <a:pPr algn="ctr"/>
+            <a:r>
+              <a:rPr lang="en-US" altLang="ko-KR" sz="1050" dirty="0"/>
+              <a:t>(P/Invoke)</a:t>
+            </a:r>
+          </a:p>
+        </p:txBody>
+      </p:sp>
+      <p:sp>
+        <p:nvSpPr>
+          <p:cNvPr id="84" name="TextBox 83">
+            <a:extLst>
+              <a:ext uri="{FF2B5EF4-FFF2-40B4-BE49-F238E27FC236}">
+                <a16:creationId xmlns:a16="http://schemas.microsoft.com/office/drawing/2014/main" id="{E343604D-8023-4A48-8584-8A78154FFC86}"/>
+              </a:ext>
+            </a:extLst>
+          </p:cNvPr>
+          <p:cNvSpPr txBox="1"/>
+          <p:nvPr/>
+        </p:nvSpPr>
+        <p:spPr>
+          <a:xfrm>
+            <a:off x="4762122" y="3354313"/>
+            <a:ext cx="2868750" cy="438582"/>
+          </a:xfrm>
+          <a:prstGeom prst="rect">
+            <a:avLst/>
+          </a:prstGeom>
+          <a:noFill/>
+          <a:ln>
+            <a:solidFill>
+              <a:schemeClr val="tx1"/>
+            </a:solidFill>
+            <a:prstDash val="dash"/>
+          </a:ln>
+        </p:spPr>
+        <p:txBody>
+          <a:bodyPr wrap="square" rtlCol="0">
+            <a:spAutoFit/>
+          </a:bodyPr>
+          <a:lstStyle/>
+          <a:p>
+            <a:pPr algn="ctr"/>
+            <a:endParaRPr lang="en-US" altLang="ko-KR" sz="600" dirty="0"/>
+          </a:p>
+          <a:p>
+            <a:pPr algn="ctr"/>
+            <a:r>
+              <a:rPr lang="en-US" altLang="ko-KR" sz="1050" dirty="0"/>
+              <a:t>BVH Construction: </a:t>
+            </a:r>
+            <a:r>
+              <a:rPr lang="en-US" altLang="ko-KR" sz="1050" dirty="0" err="1"/>
+              <a:t>Accerelation</a:t>
+            </a:r>
+            <a:r>
+              <a:rPr lang="en-US" altLang="ko-KR" sz="1050" dirty="0"/>
+              <a:t> structure</a:t>
+            </a:r>
+          </a:p>
+          <a:p>
+            <a:pPr algn="ctr"/>
+            <a:endParaRPr lang="en-US" altLang="ko-KR" sz="600" dirty="0"/>
+          </a:p>
+        </p:txBody>
+      </p:sp>
+      <p:sp>
+        <p:nvSpPr>
+          <p:cNvPr id="86" name="TextBox 85">
+            <a:extLst>
+              <a:ext uri="{FF2B5EF4-FFF2-40B4-BE49-F238E27FC236}">
+                <a16:creationId xmlns:a16="http://schemas.microsoft.com/office/drawing/2014/main" id="{CBDA4E3A-0522-4AB4-B10A-4274AC0E7F90}"/>
+              </a:ext>
+            </a:extLst>
+          </p:cNvPr>
+          <p:cNvSpPr txBox="1"/>
+          <p:nvPr/>
+        </p:nvSpPr>
+        <p:spPr>
+          <a:xfrm>
+            <a:off x="4762122" y="2664968"/>
+            <a:ext cx="2868750" cy="438582"/>
+          </a:xfrm>
+          <a:prstGeom prst="rect">
+            <a:avLst/>
+          </a:prstGeom>
+          <a:noFill/>
+          <a:ln>
+            <a:solidFill>
+              <a:schemeClr val="tx1"/>
+            </a:solidFill>
+            <a:prstDash val="solid"/>
+            <a:extLst>
+              <a:ext uri="{C807C97D-BFC1-408E-A445-0C87EB9F89A2}">
+                <ask:lineSketchStyleProps xmlns:ask="http://schemas.microsoft.com/office/drawing/2018/sketchyshapes">
+                  <ask:type>
+                    <ask:lineSketchNone/>
+                  </ask:type>
+                </ask:lineSketchStyleProps>
+              </a:ext>
+            </a:extLst>
+          </a:ln>
+        </p:spPr>
+        <p:txBody>
+          <a:bodyPr wrap="square" rtlCol="0" anchor="ctr">
+            <a:spAutoFit/>
+          </a:bodyPr>
+          <a:lstStyle/>
+          <a:p>
+            <a:pPr algn="ctr"/>
+            <a:endParaRPr lang="en-US" altLang="ko-KR" sz="600" dirty="0"/>
+          </a:p>
+          <a:p>
+            <a:pPr algn="ctr"/>
+            <a:r>
+              <a:rPr lang="ko-KR" altLang="en-US" sz="1050" dirty="0"/>
+              <a:t>데이터 정리 및 시작</a:t>
+            </a:r>
+            <a:endParaRPr lang="en-US" altLang="ko-KR" sz="1050" dirty="0"/>
+          </a:p>
+          <a:p>
+            <a:pPr algn="ctr"/>
+            <a:endParaRPr lang="en-US" altLang="ko-KR" sz="600" dirty="0"/>
+          </a:p>
+        </p:txBody>
+      </p:sp>
+      <p:cxnSp>
+        <p:nvCxnSpPr>
+          <p:cNvPr id="88" name="직선 화살표 연결선 87">
+            <a:extLst>
+              <a:ext uri="{FF2B5EF4-FFF2-40B4-BE49-F238E27FC236}">
+                <a16:creationId xmlns:a16="http://schemas.microsoft.com/office/drawing/2014/main" id="{B763C2CF-8E31-414B-A108-F5434D5A18FF}"/>
+              </a:ext>
+            </a:extLst>
+          </p:cNvPr>
+          <p:cNvCxnSpPr>
+            <a:cxnSpLocks/>
+            <a:stCxn id="86" idx="2"/>
+            <a:endCxn id="84" idx="0"/>
+          </p:cNvCxnSpPr>
+          <p:nvPr/>
+        </p:nvCxnSpPr>
+        <p:spPr>
+          <a:xfrm>
+            <a:off x="6196497" y="3103550"/>
+            <a:ext cx="0" cy="250763"/>
+          </a:xfrm>
+          <a:prstGeom prst="straightConnector1">
+            <a:avLst/>
+          </a:prstGeom>
+          <a:ln>
+            <a:tailEnd type="triangle"/>
+          </a:ln>
+        </p:spPr>
+        <p:style>
+          <a:lnRef idx="1">
+            <a:schemeClr val="accent1"/>
+          </a:lnRef>
+          <a:fillRef idx="0">
+            <a:schemeClr val="accent1"/>
+          </a:fillRef>
+          <a:effectRef idx="0">
+            <a:schemeClr val="accent1"/>
+          </a:effectRef>
+          <a:fontRef idx="minor">
+            <a:schemeClr val="tx1"/>
+          </a:fontRef>
+        </p:style>
+      </p:cxnSp>
+      <p:sp>
+        <p:nvSpPr>
+          <p:cNvPr id="89" name="TextBox 88">
+            <a:extLst>
+              <a:ext uri="{FF2B5EF4-FFF2-40B4-BE49-F238E27FC236}">
+                <a16:creationId xmlns:a16="http://schemas.microsoft.com/office/drawing/2014/main" id="{EA9121E3-0F2A-4D1F-9A89-3B9B39A60C54}"/>
+              </a:ext>
+            </a:extLst>
+          </p:cNvPr>
+          <p:cNvSpPr txBox="1"/>
+          <p:nvPr/>
+        </p:nvSpPr>
+        <p:spPr>
+          <a:xfrm>
+            <a:off x="7988740" y="4672249"/>
+            <a:ext cx="1297377" cy="577081"/>
+          </a:xfrm>
+          <a:prstGeom prst="rect">
+            <a:avLst/>
+          </a:prstGeom>
+          <a:noFill/>
+          <a:ln>
+            <a:solidFill>
+              <a:schemeClr val="tx1"/>
+            </a:solidFill>
+            <a:prstDash val="solid"/>
+          </a:ln>
+        </p:spPr>
+        <p:txBody>
+          <a:bodyPr wrap="square" rtlCol="0">
+            <a:spAutoFit/>
+          </a:bodyPr>
+          <a:lstStyle/>
+          <a:p>
+            <a:pPr algn="ctr"/>
+            <a:r>
+              <a:rPr lang="en-US" altLang="ko-KR" sz="1050" dirty="0"/>
+              <a:t>Ray Traversal </a:t>
+            </a:r>
+          </a:p>
+          <a:p>
+            <a:pPr algn="ctr"/>
+            <a:r>
+              <a:rPr lang="en-US" altLang="ko-KR" sz="1050" dirty="0"/>
+              <a:t>&amp;</a:t>
+            </a:r>
+          </a:p>
+          <a:p>
+            <a:pPr algn="ctr"/>
+            <a:r>
+              <a:rPr lang="en-US" altLang="ko-KR" sz="1050" dirty="0"/>
+              <a:t> Hit Check</a:t>
+            </a:r>
+          </a:p>
+        </p:txBody>
+      </p:sp>
+      <p:cxnSp>
+        <p:nvCxnSpPr>
+          <p:cNvPr id="91" name="직선 화살표 연결선 90">
+            <a:extLst>
+              <a:ext uri="{FF2B5EF4-FFF2-40B4-BE49-F238E27FC236}">
+                <a16:creationId xmlns:a16="http://schemas.microsoft.com/office/drawing/2014/main" id="{A8928D6A-1CBC-495F-9A9F-115711EDED83}"/>
+              </a:ext>
+            </a:extLst>
+          </p:cNvPr>
+          <p:cNvCxnSpPr>
+            <a:cxnSpLocks/>
+            <a:stCxn id="86" idx="3"/>
+            <a:endCxn id="140" idx="0"/>
+          </p:cNvCxnSpPr>
+          <p:nvPr/>
+        </p:nvCxnSpPr>
+        <p:spPr>
+          <a:xfrm>
+            <a:off x="7630872" y="2884259"/>
+            <a:ext cx="1754889" cy="470052"/>
+          </a:xfrm>
+          <a:prstGeom prst="bentConnector2">
+            <a:avLst/>
+          </a:prstGeom>
+          <a:ln>
+            <a:tailEnd type="triangle"/>
+          </a:ln>
+        </p:spPr>
+        <p:style>
+          <a:lnRef idx="1">
+            <a:schemeClr val="accent1"/>
+          </a:lnRef>
+          <a:fillRef idx="0">
+            <a:schemeClr val="accent1"/>
+          </a:fillRef>
+          <a:effectRef idx="0">
+            <a:schemeClr val="accent1"/>
+          </a:effectRef>
+          <a:fontRef idx="minor">
+            <a:schemeClr val="tx1"/>
+          </a:fontRef>
+        </p:style>
+      </p:cxnSp>
+      <p:cxnSp>
+        <p:nvCxnSpPr>
+          <p:cNvPr id="95" name="직선 화살표 연결선 94">
+            <a:extLst>
+              <a:ext uri="{FF2B5EF4-FFF2-40B4-BE49-F238E27FC236}">
+                <a16:creationId xmlns:a16="http://schemas.microsoft.com/office/drawing/2014/main" id="{1DB1CF8E-61DB-4B78-AC57-618EDBCA663E}"/>
+              </a:ext>
+            </a:extLst>
+          </p:cNvPr>
+          <p:cNvCxnSpPr>
+            <a:cxnSpLocks/>
+            <a:stCxn id="84" idx="2"/>
+            <a:endCxn id="103" idx="1"/>
+          </p:cNvCxnSpPr>
+          <p:nvPr/>
+        </p:nvCxnSpPr>
+        <p:spPr>
+          <a:xfrm rot="16200000" flipH="1">
+            <a:off x="6855304" y="3134087"/>
+            <a:ext cx="437278" cy="1754893"/>
+          </a:xfrm>
+          <a:prstGeom prst="bentConnector2">
+            <a:avLst/>
+          </a:prstGeom>
+          <a:ln>
+            <a:tailEnd type="triangle"/>
+          </a:ln>
+        </p:spPr>
+        <p:style>
+          <a:lnRef idx="1">
+            <a:schemeClr val="accent1"/>
+          </a:lnRef>
+          <a:fillRef idx="0">
+            <a:schemeClr val="accent1"/>
+          </a:fillRef>
+          <a:effectRef idx="0">
+            <a:schemeClr val="accent1"/>
+          </a:effectRef>
+          <a:fontRef idx="minor">
+            <a:schemeClr val="tx1"/>
+          </a:fontRef>
+        </p:style>
+      </p:cxnSp>
+      <p:cxnSp>
+        <p:nvCxnSpPr>
+          <p:cNvPr id="97" name="직선 화살표 연결선 96">
+            <a:extLst>
+              <a:ext uri="{FF2B5EF4-FFF2-40B4-BE49-F238E27FC236}">
+                <a16:creationId xmlns:a16="http://schemas.microsoft.com/office/drawing/2014/main" id="{3FF049AE-F29C-4C94-84BB-9EC464DC04AE}"/>
+              </a:ext>
+            </a:extLst>
+          </p:cNvPr>
+          <p:cNvCxnSpPr>
+            <a:cxnSpLocks/>
+            <a:stCxn id="140" idx="2"/>
+            <a:endCxn id="103" idx="0"/>
+          </p:cNvCxnSpPr>
+          <p:nvPr/>
+        </p:nvCxnSpPr>
+        <p:spPr>
+          <a:xfrm>
+            <a:off x="9385761" y="3792893"/>
+            <a:ext cx="2" cy="229531"/>
+          </a:xfrm>
+          <a:prstGeom prst="straightConnector1">
+            <a:avLst/>
+          </a:prstGeom>
+          <a:ln>
+            <a:tailEnd type="triangle"/>
+          </a:ln>
+        </p:spPr>
+        <p:style>
+          <a:lnRef idx="1">
+            <a:schemeClr val="accent1"/>
+          </a:lnRef>
+          <a:fillRef idx="0">
+            <a:schemeClr val="accent1"/>
+          </a:fillRef>
+          <a:effectRef idx="0">
+            <a:schemeClr val="accent1"/>
+          </a:effectRef>
+          <a:fontRef idx="minor">
+            <a:schemeClr val="tx1"/>
+          </a:fontRef>
+        </p:style>
+      </p:cxnSp>
+      <p:sp>
+        <p:nvSpPr>
+          <p:cNvPr id="103" name="TextBox 102">
+            <a:extLst>
+              <a:ext uri="{FF2B5EF4-FFF2-40B4-BE49-F238E27FC236}">
+                <a16:creationId xmlns:a16="http://schemas.microsoft.com/office/drawing/2014/main" id="{AB97CB30-8ECF-4299-AD7D-DB5B78CAEE27}"/>
+              </a:ext>
+            </a:extLst>
+          </p:cNvPr>
+          <p:cNvSpPr txBox="1"/>
+          <p:nvPr/>
+        </p:nvSpPr>
+        <p:spPr>
+          <a:xfrm>
+            <a:off x="7951390" y="4022424"/>
+            <a:ext cx="2868746" cy="415498"/>
+          </a:xfrm>
+          <a:prstGeom prst="rect">
+            <a:avLst/>
+          </a:prstGeom>
+          <a:noFill/>
+          <a:ln>
+            <a:solidFill>
+              <a:schemeClr val="tx1"/>
+            </a:solidFill>
+            <a:prstDash val="solid"/>
+          </a:ln>
+        </p:spPr>
+        <p:txBody>
+          <a:bodyPr wrap="square" rtlCol="0">
+            <a:spAutoFit/>
+          </a:bodyPr>
+          <a:lstStyle/>
+          <a:p>
+            <a:pPr algn="ctr"/>
+            <a:r>
+              <a:rPr lang="en-US" altLang="ko-KR" sz="1050" dirty="0"/>
+              <a:t>Generate ray per pixel</a:t>
+            </a:r>
+          </a:p>
+          <a:p>
+            <a:pPr algn="ctr"/>
+            <a:r>
+              <a:rPr lang="en-US" altLang="ko-KR" sz="1050" dirty="0"/>
+              <a:t>from</a:t>
+            </a:r>
+            <a:r>
+              <a:rPr lang="ko-KR" altLang="en-US" sz="1050" dirty="0"/>
+              <a:t> </a:t>
+            </a:r>
+            <a:r>
+              <a:rPr lang="en-US" altLang="ko-KR" sz="1050" dirty="0"/>
+              <a:t>camera</a:t>
+            </a:r>
+            <a:r>
+              <a:rPr lang="ko-KR" altLang="en-US" sz="1050" dirty="0"/>
+              <a:t> </a:t>
+            </a:r>
+            <a:r>
+              <a:rPr lang="en-US" altLang="ko-KR" sz="1050" dirty="0"/>
+              <a:t>plane</a:t>
+            </a:r>
+          </a:p>
+        </p:txBody>
+      </p:sp>
+      <p:cxnSp>
+        <p:nvCxnSpPr>
+          <p:cNvPr id="120" name="직선 화살표 연결선 119">
+            <a:extLst>
+              <a:ext uri="{FF2B5EF4-FFF2-40B4-BE49-F238E27FC236}">
+                <a16:creationId xmlns:a16="http://schemas.microsoft.com/office/drawing/2014/main" id="{6EEA1794-1CDA-43BE-B809-0A3B7EF2AB18}"/>
+              </a:ext>
+            </a:extLst>
+          </p:cNvPr>
+          <p:cNvCxnSpPr>
+            <a:cxnSpLocks/>
+            <a:endCxn id="89" idx="0"/>
+          </p:cNvCxnSpPr>
+          <p:nvPr/>
+        </p:nvCxnSpPr>
+        <p:spPr>
+          <a:xfrm>
+            <a:off x="8637428" y="4437922"/>
+            <a:ext cx="1" cy="234327"/>
+          </a:xfrm>
+          <a:prstGeom prst="straightConnector1">
+            <a:avLst/>
+          </a:prstGeom>
+          <a:ln>
+            <a:tailEnd type="triangle"/>
+          </a:ln>
+        </p:spPr>
+        <p:style>
+          <a:lnRef idx="1">
+            <a:schemeClr val="accent1"/>
+          </a:lnRef>
+          <a:fillRef idx="0">
+            <a:schemeClr val="accent1"/>
+          </a:fillRef>
+          <a:effectRef idx="0">
+            <a:schemeClr val="accent1"/>
+          </a:effectRef>
+          <a:fontRef idx="minor">
+            <a:schemeClr val="tx1"/>
+          </a:fontRef>
+        </p:style>
+      </p:cxnSp>
+      <p:sp>
+        <p:nvSpPr>
+          <p:cNvPr id="121" name="TextBox 120">
+            <a:extLst>
+              <a:ext uri="{FF2B5EF4-FFF2-40B4-BE49-F238E27FC236}">
+                <a16:creationId xmlns:a16="http://schemas.microsoft.com/office/drawing/2014/main" id="{CEA73EEE-8C29-47E9-880C-4F8B9734C98D}"/>
+              </a:ext>
+            </a:extLst>
+          </p:cNvPr>
+          <p:cNvSpPr txBox="1"/>
+          <p:nvPr/>
+        </p:nvSpPr>
+        <p:spPr>
+          <a:xfrm>
+            <a:off x="9522759" y="4662584"/>
+            <a:ext cx="1297377" cy="577081"/>
+          </a:xfrm>
+          <a:prstGeom prst="rect">
+            <a:avLst/>
+          </a:prstGeom>
+          <a:noFill/>
+          <a:ln>
+            <a:solidFill>
+              <a:schemeClr val="tx1"/>
+            </a:solidFill>
+            <a:prstDash val="solid"/>
+          </a:ln>
+        </p:spPr>
+        <p:txBody>
+          <a:bodyPr wrap="square" rtlCol="0">
+            <a:spAutoFit/>
+          </a:bodyPr>
+          <a:lstStyle/>
+          <a:p>
+            <a:pPr algn="ctr"/>
+            <a:r>
+              <a:rPr lang="en-US" altLang="ko-KR" sz="1050" dirty="0"/>
+              <a:t>Calculate color &amp;</a:t>
+            </a:r>
+          </a:p>
+          <a:p>
+            <a:pPr algn="ctr"/>
+            <a:r>
+              <a:rPr lang="en-US" altLang="ko-KR" sz="1050" dirty="0" err="1"/>
+              <a:t>Genrate</a:t>
+            </a:r>
+            <a:r>
+              <a:rPr lang="en-US" altLang="ko-KR" sz="1050" dirty="0"/>
+              <a:t> ray </a:t>
+            </a:r>
+          </a:p>
+          <a:p>
+            <a:pPr algn="ctr"/>
+            <a:r>
+              <a:rPr lang="en-US" altLang="ko-KR" sz="1050" dirty="0"/>
+              <a:t>from point</a:t>
+            </a:r>
+          </a:p>
+        </p:txBody>
+      </p:sp>
+      <p:cxnSp>
+        <p:nvCxnSpPr>
+          <p:cNvPr id="123" name="직선 화살표 연결선 122">
+            <a:extLst>
+              <a:ext uri="{FF2B5EF4-FFF2-40B4-BE49-F238E27FC236}">
+                <a16:creationId xmlns:a16="http://schemas.microsoft.com/office/drawing/2014/main" id="{E4006002-50B8-494A-8C6A-9BCAEB9F202F}"/>
+              </a:ext>
+            </a:extLst>
+          </p:cNvPr>
+          <p:cNvCxnSpPr/>
+          <p:nvPr/>
+        </p:nvCxnSpPr>
+        <p:spPr>
+          <a:xfrm>
+            <a:off x="9286117" y="4821435"/>
+            <a:ext cx="236642" cy="0"/>
+          </a:xfrm>
+          <a:prstGeom prst="straightConnector1">
+            <a:avLst/>
+          </a:prstGeom>
+          <a:ln>
+            <a:tailEnd type="triangle"/>
+          </a:ln>
+        </p:spPr>
+        <p:style>
+          <a:lnRef idx="1">
+            <a:schemeClr val="accent1"/>
+          </a:lnRef>
+          <a:fillRef idx="0">
+            <a:schemeClr val="accent1"/>
+          </a:fillRef>
+          <a:effectRef idx="0">
+            <a:schemeClr val="accent1"/>
+          </a:effectRef>
+          <a:fontRef idx="minor">
+            <a:schemeClr val="tx1"/>
+          </a:fontRef>
+        </p:style>
+      </p:cxnSp>
+      <p:cxnSp>
+        <p:nvCxnSpPr>
+          <p:cNvPr id="125" name="직선 화살표 연결선 124">
+            <a:extLst>
+              <a:ext uri="{FF2B5EF4-FFF2-40B4-BE49-F238E27FC236}">
+                <a16:creationId xmlns:a16="http://schemas.microsoft.com/office/drawing/2014/main" id="{3CBFE214-243D-4F27-9D1B-74AD0442819E}"/>
+              </a:ext>
+            </a:extLst>
+          </p:cNvPr>
+          <p:cNvCxnSpPr/>
+          <p:nvPr/>
+        </p:nvCxnSpPr>
+        <p:spPr>
+          <a:xfrm flipH="1">
+            <a:off x="9286117" y="5069085"/>
+            <a:ext cx="236642" cy="0"/>
+          </a:xfrm>
+          <a:prstGeom prst="straightConnector1">
+            <a:avLst/>
+          </a:prstGeom>
+          <a:ln>
+            <a:tailEnd type="triangle"/>
+          </a:ln>
+        </p:spPr>
+        <p:style>
+          <a:lnRef idx="1">
+            <a:schemeClr val="accent1"/>
+          </a:lnRef>
+          <a:fillRef idx="0">
+            <a:schemeClr val="accent1"/>
+          </a:fillRef>
+          <a:effectRef idx="0">
+            <a:schemeClr val="accent1"/>
+          </a:effectRef>
+          <a:fontRef idx="minor">
+            <a:schemeClr val="tx1"/>
+          </a:fontRef>
+        </p:style>
+      </p:cxnSp>
+      <p:sp>
+        <p:nvSpPr>
+          <p:cNvPr id="126" name="직사각형 125">
+            <a:extLst>
+              <a:ext uri="{FF2B5EF4-FFF2-40B4-BE49-F238E27FC236}">
+                <a16:creationId xmlns:a16="http://schemas.microsoft.com/office/drawing/2014/main" id="{3E81D8FB-8E85-48C4-BA90-151734D94218}"/>
+              </a:ext>
+            </a:extLst>
+          </p:cNvPr>
+          <p:cNvSpPr/>
+          <p:nvPr/>
+        </p:nvSpPr>
+        <p:spPr>
+          <a:xfrm>
+            <a:off x="6467474" y="4499477"/>
+            <a:ext cx="1182448" cy="1615573"/>
+          </a:xfrm>
+          <a:prstGeom prst="rect">
+            <a:avLst/>
+          </a:prstGeom>
+          <a:noFill/>
+          <a:ln>
+            <a:solidFill>
+              <a:schemeClr val="tx1"/>
+            </a:solidFill>
+          </a:ln>
+        </p:spPr>
+        <p:style>
+          <a:lnRef idx="2">
+            <a:schemeClr val="accent1">
+              <a:shade val="50000"/>
+            </a:schemeClr>
+          </a:lnRef>
+          <a:fillRef idx="1">
+            <a:schemeClr val="accent1"/>
+          </a:fillRef>
+          <a:effectRef idx="0">
+            <a:schemeClr val="accent1"/>
+          </a:effectRef>
+          <a:fontRef idx="minor">
+            <a:schemeClr val="lt1"/>
+          </a:fontRef>
+        </p:style>
+        <p:txBody>
+          <a:bodyPr rtlCol="0" anchor="ctr"/>
+          <a:lstStyle/>
+          <a:p>
+            <a:pPr algn="ctr"/>
+            <a:r>
+              <a:rPr lang="en-US" altLang="ko-KR" sz="1100" dirty="0"/>
+              <a:t>Result </a:t>
+            </a:r>
+          </a:p>
+          <a:p>
+            <a:pPr algn="ctr"/>
+            <a:r>
+              <a:rPr lang="en-US" altLang="ko-KR" sz="1100" dirty="0"/>
+              <a:t>Texture </a:t>
+            </a:r>
+          </a:p>
+          <a:p>
+            <a:pPr algn="ctr"/>
+            <a:r>
+              <a:rPr lang="en-US" altLang="ko-KR" sz="1100" dirty="0"/>
+              <a:t>Buffer</a:t>
+            </a:r>
+            <a:endParaRPr lang="ko-KR" altLang="en-US" sz="1100" dirty="0"/>
+          </a:p>
+        </p:txBody>
+      </p:sp>
+      <p:sp>
+        <p:nvSpPr>
+          <p:cNvPr id="140" name="TextBox 139">
+            <a:extLst>
+              <a:ext uri="{FF2B5EF4-FFF2-40B4-BE49-F238E27FC236}">
+                <a16:creationId xmlns:a16="http://schemas.microsoft.com/office/drawing/2014/main" id="{285DF7D1-9289-4BB9-881D-D9495CB7B523}"/>
+              </a:ext>
+            </a:extLst>
+          </p:cNvPr>
+          <p:cNvSpPr txBox="1"/>
+          <p:nvPr/>
+        </p:nvSpPr>
+        <p:spPr>
+          <a:xfrm>
+            <a:off x="7951386" y="3354311"/>
+            <a:ext cx="2868750" cy="438582"/>
+          </a:xfrm>
+          <a:prstGeom prst="rect">
+            <a:avLst/>
+          </a:prstGeom>
+          <a:noFill/>
+          <a:ln>
+            <a:solidFill>
+              <a:schemeClr val="tx1"/>
+            </a:solidFill>
+            <a:prstDash val="dash"/>
+          </a:ln>
+        </p:spPr>
+        <p:txBody>
+          <a:bodyPr wrap="square" rtlCol="0">
+            <a:spAutoFit/>
+          </a:bodyPr>
+          <a:lstStyle/>
+          <a:p>
+            <a:pPr algn="ctr"/>
+            <a:endParaRPr lang="en-US" altLang="ko-KR" sz="600" dirty="0"/>
+          </a:p>
+          <a:p>
+            <a:pPr algn="ctr"/>
+            <a:r>
+              <a:rPr lang="en-US" altLang="ko-KR" sz="1050" dirty="0"/>
+              <a:t>BVH Construction: </a:t>
+            </a:r>
+            <a:r>
+              <a:rPr lang="en-US" altLang="ko-KR" sz="1050" dirty="0" err="1"/>
+              <a:t>Accerelation</a:t>
+            </a:r>
+            <a:r>
+              <a:rPr lang="en-US" altLang="ko-KR" sz="1050" dirty="0"/>
+              <a:t> structure</a:t>
+            </a:r>
+          </a:p>
+          <a:p>
+            <a:pPr algn="ctr"/>
+            <a:endParaRPr lang="en-US" altLang="ko-KR" sz="600" dirty="0"/>
+          </a:p>
+        </p:txBody>
+      </p:sp>
+      <p:cxnSp>
+        <p:nvCxnSpPr>
+          <p:cNvPr id="154" name="직선 화살표 연결선 153">
+            <a:extLst>
+              <a:ext uri="{FF2B5EF4-FFF2-40B4-BE49-F238E27FC236}">
+                <a16:creationId xmlns:a16="http://schemas.microsoft.com/office/drawing/2014/main" id="{5095AC5D-926C-4C5A-8C40-BB50CF0B586A}"/>
+              </a:ext>
+            </a:extLst>
+          </p:cNvPr>
+          <p:cNvCxnSpPr>
+            <a:cxnSpLocks/>
+            <a:stCxn id="89" idx="2"/>
+          </p:cNvCxnSpPr>
+          <p:nvPr/>
+        </p:nvCxnSpPr>
+        <p:spPr>
+          <a:xfrm rot="5400000">
+            <a:off x="7924398" y="4989823"/>
+            <a:ext cx="453524" cy="972539"/>
+          </a:xfrm>
+          <a:prstGeom prst="bentConnector2">
+            <a:avLst/>
+          </a:prstGeom>
+          <a:ln>
+            <a:solidFill>
+              <a:schemeClr val="tx1"/>
+            </a:solidFill>
+            <a:tailEnd type="triangle"/>
+          </a:ln>
+        </p:spPr>
+        <p:style>
+          <a:lnRef idx="1">
+            <a:schemeClr val="accent1"/>
+          </a:lnRef>
+          <a:fillRef idx="0">
+            <a:schemeClr val="accent1"/>
+          </a:fillRef>
+          <a:effectRef idx="0">
+            <a:schemeClr val="accent1"/>
+          </a:effectRef>
+          <a:fontRef idx="minor">
+            <a:schemeClr val="tx1"/>
+          </a:fontRef>
+        </p:style>
+      </p:cxnSp>
+      <p:pic>
+        <p:nvPicPr>
+          <p:cNvPr id="157" name="그림 156" descr="테이블, 실내, 앉아있는, 컵이(가) 표시된 사진&#10;&#10;자동 생성된 설명">
+            <a:extLst>
+              <a:ext uri="{FF2B5EF4-FFF2-40B4-BE49-F238E27FC236}">
+                <a16:creationId xmlns:a16="http://schemas.microsoft.com/office/drawing/2014/main" id="{5314977B-7670-4CC1-9A61-19C42FE85F52}"/>
+              </a:ext>
+            </a:extLst>
+          </p:cNvPr>
+          <p:cNvPicPr>
+            <a:picLocks noChangeAspect="1"/>
+          </p:cNvPicPr>
+          <p:nvPr/>
+        </p:nvPicPr>
+        <p:blipFill>
+          <a:blip r:embed="rId3" cstate="print">
+            <a:extLst>
+              <a:ext uri="{28A0092B-C50C-407E-A947-70E740481C1C}">
+                <a14:useLocalDpi xmlns:a14="http://schemas.microsoft.com/office/drawing/2010/main" val="0"/>
+              </a:ext>
+            </a:extLst>
+          </a:blip>
+          <a:stretch>
+            <a:fillRect/>
+          </a:stretch>
+        </p:blipFill>
+        <p:spPr>
+          <a:xfrm>
+            <a:off x="4764710" y="4972336"/>
+            <a:ext cx="1099801" cy="1099801"/>
+          </a:xfrm>
+          <a:prstGeom prst="rect">
+            <a:avLst/>
+          </a:prstGeom>
+        </p:spPr>
+      </p:pic>
+      <p:sp>
+        <p:nvSpPr>
+          <p:cNvPr id="164" name="TextBox 163">
+            <a:extLst>
+              <a:ext uri="{FF2B5EF4-FFF2-40B4-BE49-F238E27FC236}">
+                <a16:creationId xmlns:a16="http://schemas.microsoft.com/office/drawing/2014/main" id="{A1D6FFF8-B5A2-4FBA-B6FF-79CEA92A4D05}"/>
+              </a:ext>
+            </a:extLst>
+          </p:cNvPr>
+          <p:cNvSpPr txBox="1"/>
+          <p:nvPr/>
+        </p:nvSpPr>
+        <p:spPr>
+          <a:xfrm>
+            <a:off x="5782242" y="5152904"/>
+            <a:ext cx="767501" cy="369332"/>
+          </a:xfrm>
+          <a:prstGeom prst="rect">
+            <a:avLst/>
+          </a:prstGeom>
+          <a:noFill/>
+        </p:spPr>
+        <p:txBody>
+          <a:bodyPr wrap="square" rtlCol="0" anchor="b">
+            <a:spAutoFit/>
+          </a:bodyPr>
+          <a:lstStyle/>
+          <a:p>
+            <a:pPr algn="ctr"/>
+            <a:r>
+              <a:rPr lang="ko-KR" altLang="en-US" sz="900" dirty="0"/>
+              <a:t>모두</a:t>
+            </a:r>
+            <a:endParaRPr lang="en-US" altLang="ko-KR" sz="900" dirty="0"/>
+          </a:p>
+          <a:p>
+            <a:pPr algn="ctr"/>
+            <a:r>
+              <a:rPr lang="ko-KR" altLang="en-US" sz="900" dirty="0"/>
+              <a:t>업데이트</a:t>
+            </a:r>
+            <a:endParaRPr lang="en-US" altLang="ko-KR" sz="900" dirty="0"/>
+          </a:p>
+        </p:txBody>
+      </p:sp>
+      <p:cxnSp>
+        <p:nvCxnSpPr>
+          <p:cNvPr id="161" name="직선 화살표 연결선 153">
+            <a:extLst>
+              <a:ext uri="{FF2B5EF4-FFF2-40B4-BE49-F238E27FC236}">
+                <a16:creationId xmlns:a16="http://schemas.microsoft.com/office/drawing/2014/main" id="{FB9DA603-D937-4048-BF60-2155ECEE5CE8}"/>
+              </a:ext>
+            </a:extLst>
+          </p:cNvPr>
+          <p:cNvCxnSpPr>
+            <a:cxnSpLocks/>
+            <a:endCxn id="157" idx="3"/>
+          </p:cNvCxnSpPr>
+          <p:nvPr/>
+        </p:nvCxnSpPr>
+        <p:spPr>
+          <a:xfrm flipH="1">
+            <a:off x="5864511" y="5522236"/>
+            <a:ext cx="602963" cy="1"/>
+          </a:xfrm>
+          <a:prstGeom prst="straightConnector1">
+            <a:avLst/>
+          </a:prstGeom>
+          <a:ln>
+            <a:solidFill>
+              <a:schemeClr val="tx1"/>
+            </a:solidFill>
+            <a:tailEnd type="triangle"/>
+          </a:ln>
+        </p:spPr>
+        <p:style>
+          <a:lnRef idx="1">
+            <a:schemeClr val="accent1"/>
+          </a:lnRef>
+          <a:fillRef idx="0">
+            <a:schemeClr val="accent1"/>
+          </a:fillRef>
+          <a:effectRef idx="0">
+            <a:schemeClr val="accent1"/>
+          </a:effectRef>
+          <a:fontRef idx="minor">
+            <a:schemeClr val="tx1"/>
+          </a:fontRef>
+        </p:style>
+      </p:cxnSp>
+      <p:graphicFrame>
+        <p:nvGraphicFramePr>
+          <p:cNvPr id="165" name="표 74">
+            <a:extLst>
+              <a:ext uri="{FF2B5EF4-FFF2-40B4-BE49-F238E27FC236}">
+                <a16:creationId xmlns:a16="http://schemas.microsoft.com/office/drawing/2014/main" id="{C655F157-BBA0-4997-84A4-CD5B3639FC9E}"/>
+              </a:ext>
+            </a:extLst>
+          </p:cNvPr>
+          <p:cNvGraphicFramePr>
+            <a:graphicFrameLocks noGrp="1"/>
+          </p:cNvGraphicFramePr>
+          <p:nvPr>
+            <p:extLst>
+              <p:ext uri="{D42A27DB-BD31-4B8C-83A1-F6EECF244321}">
+                <p14:modId xmlns:p14="http://schemas.microsoft.com/office/powerpoint/2010/main" val="500400887"/>
+              </p:ext>
+            </p:extLst>
+          </p:nvPr>
+        </p:nvGraphicFramePr>
+        <p:xfrm>
+          <a:off x="1371858" y="5239665"/>
+          <a:ext cx="2333366" cy="754811"/>
+        </p:xfrm>
+        <a:graphic>
+          <a:graphicData uri="http://schemas.openxmlformats.org/drawingml/2006/table">
+            <a:tbl>
+              <a:tblPr firstRow="1" bandRow="1">
+                <a:tableStyleId>{5C22544A-7EE6-4342-B048-85BDC9FD1C3A}</a:tableStyleId>
+              </a:tblPr>
+              <a:tblGrid>
+                <a:gridCol w="2333366">
+                  <a:extLst>
+                    <a:ext uri="{9D8B030D-6E8A-4147-A177-3AD203B41FA5}">
+                      <a16:colId xmlns:a16="http://schemas.microsoft.com/office/drawing/2014/main" val="718766692"/>
+                    </a:ext>
+                  </a:extLst>
+                </a:gridCol>
+              </a:tblGrid>
+              <a:tr h="754811">
+                <a:tc>
+                  <a:txBody>
+                    <a:bodyPr/>
+                    <a:lstStyle/>
+                    <a:p>
+                      <a:pPr marL="0" marR="0" lvl="0" indent="0" algn="ctr" defTabSz="914400" rtl="0" eaLnBrk="1" fontAlgn="auto" latinLnBrk="1" hangingPunct="1">
+                        <a:lnSpc>
+                          <a:spcPct val="100000"/>
+                        </a:lnSpc>
+                        <a:spcBef>
+                          <a:spcPts val="0"/>
+                        </a:spcBef>
+                        <a:spcAft>
+                          <a:spcPts val="0"/>
+                        </a:spcAft>
+                        <a:buClrTx/>
+                        <a:buSzTx/>
+                        <a:buFontTx/>
+                        <a:buNone/>
+                        <a:tabLst/>
+                        <a:defRPr/>
+                      </a:pPr>
+                      <a:r>
+                        <a:rPr lang="ko-KR" altLang="en-US" sz="1050" b="0" dirty="0">
+                          <a:solidFill>
+                            <a:schemeClr val="tx1"/>
+                          </a:solidFill>
+                        </a:rPr>
+                        <a:t>결과 이미지 뷰어</a:t>
+                      </a:r>
+                      <a:endParaRPr lang="en-US" altLang="ko-KR" sz="1050" b="0" dirty="0">
+                        <a:solidFill>
+                          <a:schemeClr val="tx1"/>
+                        </a:solidFill>
+                      </a:endParaRPr>
+                    </a:p>
+                  </a:txBody>
+                  <a:tcPr anchor="ctr">
+                    <a:lnL w="12700" cap="flat" cmpd="sng" algn="ctr">
+                      <a:solidFill>
+                        <a:schemeClr val="tx1"/>
+                      </a:solidFill>
+                      <a:prstDash val="solid"/>
+                      <a:round/>
+                      <a:headEnd type="none" w="med" len="med"/>
+                      <a:tailEnd type="none" w="med" len="med"/>
+                    </a:lnL>
+                    <a:lnR w="12700" cap="flat" cmpd="sng" algn="ctr">
+                      <a:solidFill>
+                        <a:schemeClr val="tx1"/>
+                      </a:solidFill>
+                      <a:prstDash val="solid"/>
+                      <a:round/>
+                      <a:headEnd type="none" w="med" len="med"/>
+                      <a:tailEnd type="none" w="med" len="med"/>
+                    </a:lnR>
+                    <a:lnT w="12700" cap="flat" cmpd="sng" algn="ctr">
+                      <a:solidFill>
+                        <a:schemeClr val="tx1"/>
+                      </a:solidFill>
+                      <a:prstDash val="solid"/>
+                      <a:round/>
+                      <a:headEnd type="none" w="med" len="med"/>
+                      <a:tailEnd type="none" w="med" len="med"/>
+                    </a:lnT>
+                    <a:lnB w="12700" cap="flat" cmpd="sng" algn="ctr">
+                      <a:solidFill>
+                        <a:schemeClr val="tx1"/>
+                      </a:solidFill>
+                      <a:prstDash val="solid"/>
+                      <a:round/>
+                      <a:headEnd type="none" w="med" len="med"/>
+                      <a:tailEnd type="none" w="med" len="med"/>
+                    </a:lnB>
+                    <a:noFill/>
+                  </a:tcPr>
+                </a:tc>
+                <a:extLst>
+                  <a:ext uri="{0D108BD9-81ED-4DB2-BD59-A6C34878D82A}">
+                    <a16:rowId xmlns:a16="http://schemas.microsoft.com/office/drawing/2014/main" val="3103534419"/>
+                  </a:ext>
+                </a:extLst>
+              </a:tr>
+            </a:tbl>
+          </a:graphicData>
+        </a:graphic>
+      </p:graphicFrame>
+      <p:cxnSp>
+        <p:nvCxnSpPr>
+          <p:cNvPr id="167" name="연결선: 꺾임 166">
+            <a:extLst>
+              <a:ext uri="{FF2B5EF4-FFF2-40B4-BE49-F238E27FC236}">
+                <a16:creationId xmlns:a16="http://schemas.microsoft.com/office/drawing/2014/main" id="{C6655AAC-E071-451C-A5A9-E2E7C18BC753}"/>
+              </a:ext>
+            </a:extLst>
+          </p:cNvPr>
+          <p:cNvCxnSpPr>
+            <a:cxnSpLocks/>
+            <a:endCxn id="165" idx="0"/>
+          </p:cNvCxnSpPr>
+          <p:nvPr/>
+        </p:nvCxnSpPr>
+        <p:spPr>
+          <a:xfrm rot="10800000" flipV="1">
+            <a:off x="2538542" y="4611413"/>
+            <a:ext cx="3928939" cy="628252"/>
+          </a:xfrm>
+          <a:prstGeom prst="bentConnector2">
+            <a:avLst/>
+          </a:prstGeom>
+          <a:ln>
+            <a:tailEnd type="triangle"/>
+          </a:ln>
+        </p:spPr>
+        <p:style>
+          <a:lnRef idx="1">
+            <a:schemeClr val="accent1"/>
+          </a:lnRef>
+          <a:fillRef idx="0">
+            <a:schemeClr val="accent1"/>
+          </a:fillRef>
+          <a:effectRef idx="0">
+            <a:schemeClr val="accent1"/>
+          </a:effectRef>
+          <a:fontRef idx="minor">
+            <a:schemeClr val="tx1"/>
+          </a:fontRef>
+        </p:style>
+      </p:cxnSp>
+      <p:sp>
+        <p:nvSpPr>
+          <p:cNvPr id="176" name="TextBox 175">
+            <a:extLst>
+              <a:ext uri="{FF2B5EF4-FFF2-40B4-BE49-F238E27FC236}">
+                <a16:creationId xmlns:a16="http://schemas.microsoft.com/office/drawing/2014/main" id="{D13C8A28-6BF6-4997-9BAC-BF90A2468E34}"/>
+              </a:ext>
+            </a:extLst>
+          </p:cNvPr>
+          <p:cNvSpPr txBox="1"/>
+          <p:nvPr/>
+        </p:nvSpPr>
+        <p:spPr>
+          <a:xfrm>
+            <a:off x="2519489" y="4636998"/>
+            <a:ext cx="1694642" cy="577081"/>
+          </a:xfrm>
+          <a:prstGeom prst="rect">
+            <a:avLst/>
+          </a:prstGeom>
+          <a:noFill/>
+        </p:spPr>
+        <p:txBody>
+          <a:bodyPr wrap="square" rtlCol="0" anchor="b">
+            <a:spAutoFit/>
+          </a:bodyPr>
+          <a:lstStyle/>
+          <a:p>
+            <a:pPr algn="ctr"/>
+            <a:r>
+              <a:rPr lang="ko-KR" altLang="en-US" sz="1050" dirty="0"/>
+              <a:t>픽셀 업데이트 시</a:t>
+            </a:r>
+            <a:endParaRPr lang="en-US" altLang="ko-KR" sz="1050" dirty="0"/>
+          </a:p>
+          <a:p>
+            <a:pPr algn="ctr"/>
+            <a:r>
+              <a:rPr lang="ko-KR" altLang="en-US" sz="1050" dirty="0"/>
+              <a:t>자동 갱신</a:t>
+            </a:r>
+            <a:endParaRPr lang="en-US" altLang="ko-KR" sz="1050" dirty="0"/>
+          </a:p>
+          <a:p>
+            <a:pPr algn="ctr"/>
+            <a:r>
+              <a:rPr lang="en-US" altLang="ko-KR" sz="1050" dirty="0"/>
+              <a:t>(</a:t>
+            </a:r>
+            <a:r>
+              <a:rPr lang="en-US" altLang="ko-KR" sz="1050" dirty="0" err="1"/>
+              <a:t>ptr</a:t>
+            </a:r>
+            <a:r>
+              <a:rPr lang="en-US" altLang="ko-KR" sz="1050" dirty="0"/>
+              <a:t> reference)</a:t>
+            </a:r>
+          </a:p>
+        </p:txBody>
+      </p:sp>
+      <p:sp>
+        <p:nvSpPr>
+          <p:cNvPr id="178" name="TextBox 177">
+            <a:extLst>
+              <a:ext uri="{FF2B5EF4-FFF2-40B4-BE49-F238E27FC236}">
+                <a16:creationId xmlns:a16="http://schemas.microsoft.com/office/drawing/2014/main" id="{85F2788F-34DB-4A4F-B463-9DF54F6413C6}"/>
+              </a:ext>
+            </a:extLst>
+          </p:cNvPr>
+          <p:cNvSpPr txBox="1"/>
+          <p:nvPr/>
+        </p:nvSpPr>
+        <p:spPr>
+          <a:xfrm>
+            <a:off x="7810179" y="5399125"/>
+            <a:ext cx="826456" cy="307777"/>
+          </a:xfrm>
+          <a:prstGeom prst="rect">
+            <a:avLst/>
+          </a:prstGeom>
+          <a:noFill/>
+        </p:spPr>
+        <p:txBody>
+          <a:bodyPr wrap="square" rtlCol="0" anchor="b">
+            <a:spAutoFit/>
+          </a:bodyPr>
+          <a:lstStyle/>
+          <a:p>
+            <a:pPr algn="ctr"/>
+            <a:r>
+              <a:rPr lang="ko-KR" altLang="en-US" sz="700" dirty="0"/>
+              <a:t>계산되는 데로</a:t>
+            </a:r>
+            <a:endParaRPr lang="en-US" altLang="ko-KR" sz="700" dirty="0"/>
+          </a:p>
+          <a:p>
+            <a:pPr algn="ctr"/>
+            <a:r>
+              <a:rPr lang="ko-KR" altLang="en-US" sz="700" dirty="0"/>
+              <a:t>업데이트</a:t>
+            </a:r>
+            <a:endParaRPr lang="en-US" altLang="ko-KR" sz="700" dirty="0"/>
           </a:p>
         </p:txBody>
       </p:sp>

--- a/doc/GPU-Accelerated_Ray_Tracing.pptx
+++ b/doc/GPU-Accelerated_Ray_Tracing.pptx
@@ -228,7 +228,7 @@
           <a:p>
             <a:fld id="{E85A74EF-0F29-4F15-A838-AE15A087EC32}" type="datetimeFigureOut">
               <a:rPr lang="ko-KR" altLang="en-US" smtClean="0"/>
-              <a:t>2019-11-09</a:t>
+              <a:t>2019-11-10</a:t>
             </a:fld>
             <a:endParaRPr lang="ko-KR" altLang="en-US"/>
           </a:p>
@@ -15403,93 +15403,6 @@
           </a:p>
         </p:txBody>
       </p:sp>
-      <p:sp>
-        <p:nvSpPr>
-          <p:cNvPr id="2" name="날짜 개체 틀 1">
-            <a:extLst>
-              <a:ext uri="{FF2B5EF4-FFF2-40B4-BE49-F238E27FC236}">
-                <a16:creationId xmlns:a16="http://schemas.microsoft.com/office/drawing/2014/main" id="{A6E28CAE-B7D2-41D5-857C-56CE578700AF}"/>
-              </a:ext>
-            </a:extLst>
-          </p:cNvPr>
-          <p:cNvSpPr>
-            <a:spLocks noGrp="1"/>
-          </p:cNvSpPr>
-          <p:nvPr>
-            <p:ph type="dt" sz="half" idx="10"/>
-          </p:nvPr>
-        </p:nvSpPr>
-        <p:spPr/>
-        <p:txBody>
-          <a:bodyPr/>
-          <a:lstStyle/>
-          <a:p>
-            <a:r>
-              <a:rPr lang="en-US" altLang="ko-KR"/>
-              <a:t>2019-11-10</a:t>
-            </a:r>
-            <a:endParaRPr lang="ko-KR" altLang="en-US"/>
-          </a:p>
-        </p:txBody>
-      </p:sp>
-      <p:sp>
-        <p:nvSpPr>
-          <p:cNvPr id="4" name="바닥글 개체 틀 3">
-            <a:extLst>
-              <a:ext uri="{FF2B5EF4-FFF2-40B4-BE49-F238E27FC236}">
-                <a16:creationId xmlns:a16="http://schemas.microsoft.com/office/drawing/2014/main" id="{80EF651D-24EC-4064-AC03-C3F59DA6FEF1}"/>
-              </a:ext>
-            </a:extLst>
-          </p:cNvPr>
-          <p:cNvSpPr>
-            <a:spLocks noGrp="1"/>
-          </p:cNvSpPr>
-          <p:nvPr>
-            <p:ph type="ftr" sz="quarter" idx="11"/>
-          </p:nvPr>
-        </p:nvSpPr>
-        <p:spPr/>
-        <p:txBody>
-          <a:bodyPr/>
-          <a:lstStyle/>
-          <a:p>
-            <a:r>
-              <a:rPr lang="en-US" altLang="ko-KR"/>
-              <a:t>SEETHELIGHTS</a:t>
-            </a:r>
-            <a:endParaRPr lang="ko-KR" altLang="en-US"/>
-          </a:p>
-        </p:txBody>
-      </p:sp>
-      <p:sp>
-        <p:nvSpPr>
-          <p:cNvPr id="5" name="슬라이드 번호 개체 틀 4">
-            <a:extLst>
-              <a:ext uri="{FF2B5EF4-FFF2-40B4-BE49-F238E27FC236}">
-                <a16:creationId xmlns:a16="http://schemas.microsoft.com/office/drawing/2014/main" id="{1BA011F3-C09F-454D-B7F2-9A4E2687573F}"/>
-              </a:ext>
-            </a:extLst>
-          </p:cNvPr>
-          <p:cNvSpPr>
-            <a:spLocks noGrp="1"/>
-          </p:cNvSpPr>
-          <p:nvPr>
-            <p:ph type="sldNum" sz="quarter" idx="12"/>
-          </p:nvPr>
-        </p:nvSpPr>
-        <p:spPr/>
-        <p:txBody>
-          <a:bodyPr/>
-          <a:lstStyle/>
-          <a:p>
-            <a:fld id="{45A78784-36F7-416F-8356-2E2264BCDE76}" type="slidenum">
-              <a:rPr lang="ko-KR" altLang="en-US" smtClean="0"/>
-              <a:t>16</a:t>
-            </a:fld>
-            <a:endParaRPr lang="ko-KR" altLang="en-US"/>
-          </a:p>
-        </p:txBody>
-      </p:sp>
     </p:spTree>
     <p:extLst>
       <p:ext uri="{BB962C8B-B14F-4D97-AF65-F5344CB8AC3E}">
@@ -15553,93 +15466,6 @@
           </a:prstGeom>
         </p:spPr>
       </p:pic>
-      <p:sp>
-        <p:nvSpPr>
-          <p:cNvPr id="2" name="날짜 개체 틀 1">
-            <a:extLst>
-              <a:ext uri="{FF2B5EF4-FFF2-40B4-BE49-F238E27FC236}">
-                <a16:creationId xmlns:a16="http://schemas.microsoft.com/office/drawing/2014/main" id="{4DE84D0D-B730-4600-AF4F-39A1CF91D4A8}"/>
-              </a:ext>
-            </a:extLst>
-          </p:cNvPr>
-          <p:cNvSpPr>
-            <a:spLocks noGrp="1"/>
-          </p:cNvSpPr>
-          <p:nvPr>
-            <p:ph type="dt" sz="half" idx="10"/>
-          </p:nvPr>
-        </p:nvSpPr>
-        <p:spPr/>
-        <p:txBody>
-          <a:bodyPr/>
-          <a:lstStyle/>
-          <a:p>
-            <a:r>
-              <a:rPr lang="en-US" altLang="ko-KR"/>
-              <a:t>2019-11-10</a:t>
-            </a:r>
-            <a:endParaRPr lang="ko-KR" altLang="en-US"/>
-          </a:p>
-        </p:txBody>
-      </p:sp>
-      <p:sp>
-        <p:nvSpPr>
-          <p:cNvPr id="3" name="바닥글 개체 틀 2">
-            <a:extLst>
-              <a:ext uri="{FF2B5EF4-FFF2-40B4-BE49-F238E27FC236}">
-                <a16:creationId xmlns:a16="http://schemas.microsoft.com/office/drawing/2014/main" id="{FF6D2F9D-9164-40D5-928A-63F39F4090C3}"/>
-              </a:ext>
-            </a:extLst>
-          </p:cNvPr>
-          <p:cNvSpPr>
-            <a:spLocks noGrp="1"/>
-          </p:cNvSpPr>
-          <p:nvPr>
-            <p:ph type="ftr" sz="quarter" idx="11"/>
-          </p:nvPr>
-        </p:nvSpPr>
-        <p:spPr/>
-        <p:txBody>
-          <a:bodyPr/>
-          <a:lstStyle/>
-          <a:p>
-            <a:r>
-              <a:rPr lang="en-US" altLang="ko-KR"/>
-              <a:t>SEETHELIGHTS</a:t>
-            </a:r>
-            <a:endParaRPr lang="ko-KR" altLang="en-US"/>
-          </a:p>
-        </p:txBody>
-      </p:sp>
-      <p:sp>
-        <p:nvSpPr>
-          <p:cNvPr id="4" name="슬라이드 번호 개체 틀 3">
-            <a:extLst>
-              <a:ext uri="{FF2B5EF4-FFF2-40B4-BE49-F238E27FC236}">
-                <a16:creationId xmlns:a16="http://schemas.microsoft.com/office/drawing/2014/main" id="{95FFEF79-A53B-4007-9CE4-DD6FD2615390}"/>
-              </a:ext>
-            </a:extLst>
-          </p:cNvPr>
-          <p:cNvSpPr>
-            <a:spLocks noGrp="1"/>
-          </p:cNvSpPr>
-          <p:nvPr>
-            <p:ph type="sldNum" sz="quarter" idx="12"/>
-          </p:nvPr>
-        </p:nvSpPr>
-        <p:spPr/>
-        <p:txBody>
-          <a:bodyPr/>
-          <a:lstStyle/>
-          <a:p>
-            <a:fld id="{45A78784-36F7-416F-8356-2E2264BCDE76}" type="slidenum">
-              <a:rPr lang="ko-KR" altLang="en-US" smtClean="0"/>
-              <a:t>17</a:t>
-            </a:fld>
-            <a:endParaRPr lang="ko-KR" altLang="en-US"/>
-          </a:p>
-        </p:txBody>
-      </p:sp>
     </p:spTree>
     <p:extLst>
       <p:ext uri="{BB962C8B-B14F-4D97-AF65-F5344CB8AC3E}">

--- a/doc/GPU-Accelerated_Ray_Tracing.pptx
+++ b/doc/GPU-Accelerated_Ray_Tracing.pptx
@@ -2,38 +2,38 @@
 <file path=ppt/presentation.xml><?xml version="1.0" encoding="utf-8"?>
 <p:presentation xmlns:a="http://schemas.openxmlformats.org/drawingml/2006/main" xmlns:r="http://schemas.openxmlformats.org/officeDocument/2006/relationships" xmlns:p="http://schemas.openxmlformats.org/presentationml/2006/main" saveSubsetFonts="1">
   <p:sldMasterIdLst>
-    <p:sldMasterId id="2147483648" r:id="rId1"/>
+    <p:sldMasterId id="2147483648" r:id="rId4"/>
   </p:sldMasterIdLst>
   <p:notesMasterIdLst>
-    <p:notesMasterId r:id="rId28"/>
+    <p:notesMasterId r:id="rId31"/>
   </p:notesMasterIdLst>
   <p:sldIdLst>
-    <p:sldId id="256" r:id="rId2"/>
-    <p:sldId id="258" r:id="rId3"/>
-    <p:sldId id="282" r:id="rId4"/>
-    <p:sldId id="289" r:id="rId5"/>
-    <p:sldId id="290" r:id="rId6"/>
-    <p:sldId id="288" r:id="rId7"/>
-    <p:sldId id="283" r:id="rId8"/>
-    <p:sldId id="284" r:id="rId9"/>
-    <p:sldId id="274" r:id="rId10"/>
-    <p:sldId id="261" r:id="rId11"/>
-    <p:sldId id="272" r:id="rId12"/>
-    <p:sldId id="262" r:id="rId13"/>
-    <p:sldId id="263" r:id="rId14"/>
-    <p:sldId id="264" r:id="rId15"/>
-    <p:sldId id="265" r:id="rId16"/>
-    <p:sldId id="269" r:id="rId17"/>
-    <p:sldId id="268" r:id="rId18"/>
-    <p:sldId id="285" r:id="rId19"/>
-    <p:sldId id="266" r:id="rId20"/>
-    <p:sldId id="270" r:id="rId21"/>
-    <p:sldId id="257" r:id="rId22"/>
-    <p:sldId id="260" r:id="rId23"/>
-    <p:sldId id="280" r:id="rId24"/>
-    <p:sldId id="287" r:id="rId25"/>
-    <p:sldId id="286" r:id="rId26"/>
-    <p:sldId id="281" r:id="rId27"/>
+    <p:sldId id="256" r:id="rId5"/>
+    <p:sldId id="258" r:id="rId6"/>
+    <p:sldId id="282" r:id="rId7"/>
+    <p:sldId id="289" r:id="rId8"/>
+    <p:sldId id="290" r:id="rId9"/>
+    <p:sldId id="288" r:id="rId10"/>
+    <p:sldId id="283" r:id="rId11"/>
+    <p:sldId id="284" r:id="rId12"/>
+    <p:sldId id="274" r:id="rId13"/>
+    <p:sldId id="261" r:id="rId14"/>
+    <p:sldId id="272" r:id="rId15"/>
+    <p:sldId id="262" r:id="rId16"/>
+    <p:sldId id="263" r:id="rId17"/>
+    <p:sldId id="264" r:id="rId18"/>
+    <p:sldId id="265" r:id="rId19"/>
+    <p:sldId id="269" r:id="rId20"/>
+    <p:sldId id="268" r:id="rId21"/>
+    <p:sldId id="285" r:id="rId22"/>
+    <p:sldId id="266" r:id="rId23"/>
+    <p:sldId id="270" r:id="rId24"/>
+    <p:sldId id="257" r:id="rId25"/>
+    <p:sldId id="260" r:id="rId26"/>
+    <p:sldId id="280" r:id="rId27"/>
+    <p:sldId id="287" r:id="rId28"/>
+    <p:sldId id="286" r:id="rId29"/>
+    <p:sldId id="281" r:id="rId30"/>
   </p:sldIdLst>
   <p:sldSz cx="12192000" cy="6858000"/>
   <p:notesSz cx="6858000" cy="9144000"/>
@@ -237,7 +237,7 @@
           <a:p>
             <a:fld id="{E85A74EF-0F29-4F15-A838-AE15A087EC32}" type="datetimeFigureOut">
               <a:rPr lang="ko-KR" altLang="en-US" smtClean="0"/>
-              <a:t>2019-11-13</a:t>
+              <a:t>2019-11-14</a:t>
             </a:fld>
             <a:endParaRPr lang="ko-KR" altLang="en-US"/>
           </a:p>
@@ -571,7 +571,7 @@
                 <a:ea typeface="+mn-ea"/>
                 <a:cs typeface="+mn-cs"/>
               </a:rPr>
-              <a:t>. Unity </a:t>
+              <a:t>. ‘Unity </a:t>
             </a:r>
             <a:r>
               <a:rPr lang="ko-KR" altLang="ko-KR" sz="1200" kern="1200" dirty="0">
@@ -622,6 +622,18 @@
               <a:t>렌더러</a:t>
             </a:r>
             <a:r>
+              <a:rPr lang="en-US" altLang="ko-KR" sz="1200" kern="1200" dirty="0">
+                <a:solidFill>
+                  <a:schemeClr val="tx1"/>
+                </a:solidFill>
+                <a:effectLst/>
+                <a:latin typeface="+mn-lt"/>
+                <a:ea typeface="+mn-ea"/>
+                <a:cs typeface="+mn-cs"/>
+              </a:rPr>
+              <a:t>’ </a:t>
+            </a:r>
+            <a:r>
               <a:rPr lang="ko-KR" altLang="ko-KR" sz="1200" kern="1200" dirty="0">
                 <a:solidFill>
                   <a:schemeClr val="tx1"/>
@@ -631,7 +643,7 @@
                 <a:ea typeface="+mn-ea"/>
                 <a:cs typeface="+mn-cs"/>
               </a:rPr>
-              <a:t> 제안서 발표를 맡은 김수혁 입니다</a:t>
+              <a:t>제안서 초안 발표를 맡은 김수혁 입니다</a:t>
             </a:r>
             <a:r>
               <a:rPr lang="en-US" altLang="ko-KR" sz="1200" kern="1200" dirty="0">
@@ -737,6 +749,249 @@
           <a:bodyPr/>
           <a:lstStyle/>
           <a:p>
+            <a:pPr latinLnBrk="1"/>
+            <a:r>
+              <a:rPr lang="ko-KR" altLang="ko-KR" sz="1200" kern="1200" dirty="0">
+                <a:solidFill>
+                  <a:schemeClr val="tx1"/>
+                </a:solidFill>
+                <a:effectLst/>
+                <a:latin typeface="+mn-lt"/>
+                <a:ea typeface="+mn-ea"/>
+                <a:cs typeface="+mn-cs"/>
+              </a:rPr>
+              <a:t>저희의 목표는 </a:t>
+            </a:r>
+          </a:p>
+          <a:p>
+            <a:pPr latinLnBrk="1"/>
+            <a:r>
+              <a:rPr lang="ko-KR" altLang="ko-KR" sz="1200" kern="1200" dirty="0">
+                <a:solidFill>
+                  <a:schemeClr val="tx1"/>
+                </a:solidFill>
+                <a:effectLst/>
+                <a:latin typeface="+mn-lt"/>
+                <a:ea typeface="+mn-ea"/>
+                <a:cs typeface="+mn-cs"/>
+              </a:rPr>
+              <a:t>빛의 움직임을 시뮬레이션 하여 사실적인 명암을 가진 이미지를 생성하고</a:t>
+            </a:r>
+            <a:r>
+              <a:rPr lang="en-US" altLang="ko-KR" sz="1200" kern="1200" dirty="0">
+                <a:solidFill>
+                  <a:schemeClr val="tx1"/>
+                </a:solidFill>
+                <a:effectLst/>
+                <a:latin typeface="+mn-lt"/>
+                <a:ea typeface="+mn-ea"/>
+                <a:cs typeface="+mn-cs"/>
+              </a:rPr>
+              <a:t>, </a:t>
+            </a:r>
+            <a:r>
+              <a:rPr lang="ko-KR" altLang="ko-KR" sz="1200" kern="1200" dirty="0">
+                <a:solidFill>
+                  <a:schemeClr val="tx1"/>
+                </a:solidFill>
+                <a:effectLst/>
+                <a:latin typeface="+mn-lt"/>
+                <a:ea typeface="+mn-ea"/>
+                <a:cs typeface="+mn-cs"/>
+              </a:rPr>
+              <a:t>이러한 이미지를 여러 개 생성해 영상으로 생성합니다</a:t>
+            </a:r>
+            <a:r>
+              <a:rPr lang="en-US" altLang="ko-KR" sz="1200" kern="1200" dirty="0">
+                <a:solidFill>
+                  <a:schemeClr val="tx1"/>
+                </a:solidFill>
+                <a:effectLst/>
+                <a:latin typeface="+mn-lt"/>
+                <a:ea typeface="+mn-ea"/>
+                <a:cs typeface="+mn-cs"/>
+              </a:rPr>
+              <a:t>. </a:t>
+            </a:r>
+            <a:r>
+              <a:rPr lang="ko-KR" altLang="ko-KR" sz="1200" kern="1200" dirty="0">
+                <a:solidFill>
+                  <a:schemeClr val="tx1"/>
+                </a:solidFill>
+                <a:effectLst/>
+                <a:latin typeface="+mn-lt"/>
+                <a:ea typeface="+mn-ea"/>
+                <a:cs typeface="+mn-cs"/>
+              </a:rPr>
+              <a:t>그리고 </a:t>
+            </a:r>
+            <a:r>
+              <a:rPr lang="ko-KR" altLang="ko-KR" sz="1200" kern="1200" dirty="0" err="1">
+                <a:solidFill>
+                  <a:schemeClr val="tx1"/>
+                </a:solidFill>
+                <a:effectLst/>
+                <a:latin typeface="+mn-lt"/>
+                <a:ea typeface="+mn-ea"/>
+                <a:cs typeface="+mn-cs"/>
+              </a:rPr>
+              <a:t>두개의</a:t>
+            </a:r>
+            <a:r>
+              <a:rPr lang="ko-KR" altLang="ko-KR" sz="1200" kern="1200" dirty="0">
+                <a:solidFill>
+                  <a:schemeClr val="tx1"/>
+                </a:solidFill>
+                <a:effectLst/>
+                <a:latin typeface="+mn-lt"/>
+                <a:ea typeface="+mn-ea"/>
+                <a:cs typeface="+mn-cs"/>
+              </a:rPr>
+              <a:t> </a:t>
+            </a:r>
+            <a:r>
+              <a:rPr lang="en-US" altLang="ko-KR" sz="1200" kern="1200" dirty="0">
+                <a:solidFill>
+                  <a:schemeClr val="tx1"/>
+                </a:solidFill>
+                <a:effectLst/>
+                <a:latin typeface="+mn-lt"/>
+                <a:ea typeface="+mn-ea"/>
+                <a:cs typeface="+mn-cs"/>
+              </a:rPr>
+              <a:t>GPU </a:t>
+            </a:r>
+            <a:r>
+              <a:rPr lang="ko-KR" altLang="ko-KR" sz="1200" kern="1200" dirty="0">
+                <a:solidFill>
+                  <a:schemeClr val="tx1"/>
+                </a:solidFill>
+                <a:effectLst/>
+                <a:latin typeface="+mn-lt"/>
+                <a:ea typeface="+mn-ea"/>
+                <a:cs typeface="+mn-cs"/>
+              </a:rPr>
+              <a:t>사용시 생성 효율을 </a:t>
+            </a:r>
+            <a:r>
+              <a:rPr lang="en-US" altLang="ko-KR" sz="1200" kern="1200" dirty="0">
+                <a:solidFill>
+                  <a:schemeClr val="tx1"/>
+                </a:solidFill>
+                <a:effectLst/>
+                <a:latin typeface="+mn-lt"/>
+                <a:ea typeface="+mn-ea"/>
+                <a:cs typeface="+mn-cs"/>
+              </a:rPr>
+              <a:t>150% ~ 170% </a:t>
+            </a:r>
+            <a:r>
+              <a:rPr lang="ko-KR" altLang="ko-KR" sz="1200" kern="1200" dirty="0">
+                <a:solidFill>
+                  <a:schemeClr val="tx1"/>
+                </a:solidFill>
+                <a:effectLst/>
+                <a:latin typeface="+mn-lt"/>
+                <a:ea typeface="+mn-ea"/>
+                <a:cs typeface="+mn-cs"/>
+              </a:rPr>
+              <a:t>향상시키려 합니다</a:t>
+            </a:r>
+            <a:r>
+              <a:rPr lang="en-US" altLang="ko-KR" sz="1200" kern="1200" dirty="0">
+                <a:solidFill>
+                  <a:schemeClr val="tx1"/>
+                </a:solidFill>
+                <a:effectLst/>
+                <a:latin typeface="+mn-lt"/>
+                <a:ea typeface="+mn-ea"/>
+                <a:cs typeface="+mn-cs"/>
+              </a:rPr>
+              <a:t>.</a:t>
+            </a:r>
+            <a:endParaRPr lang="ko-KR" altLang="ko-KR" sz="1200" kern="1200" dirty="0">
+              <a:solidFill>
+                <a:schemeClr val="tx1"/>
+              </a:solidFill>
+              <a:effectLst/>
+              <a:latin typeface="+mn-lt"/>
+              <a:ea typeface="+mn-ea"/>
+              <a:cs typeface="+mn-cs"/>
+            </a:endParaRPr>
+          </a:p>
+          <a:p>
+            <a:pPr latinLnBrk="1"/>
+            <a:r>
+              <a:rPr lang="en-US" altLang="ko-KR" sz="1200" kern="1200" dirty="0">
+                <a:solidFill>
+                  <a:schemeClr val="tx1"/>
+                </a:solidFill>
+                <a:effectLst/>
+                <a:latin typeface="+mn-lt"/>
+                <a:ea typeface="+mn-ea"/>
+                <a:cs typeface="+mn-cs"/>
+              </a:rPr>
+              <a:t>(</a:t>
+            </a:r>
+            <a:r>
+              <a:rPr lang="ko-KR" altLang="ko-KR" sz="1200" kern="1200" dirty="0">
+                <a:solidFill>
+                  <a:schemeClr val="tx1"/>
+                </a:solidFill>
+                <a:effectLst/>
+                <a:latin typeface="+mn-lt"/>
+                <a:ea typeface="+mn-ea"/>
+                <a:cs typeface="+mn-cs"/>
+              </a:rPr>
+              <a:t>적당하게 </a:t>
+            </a:r>
+            <a:r>
+              <a:rPr lang="en-US" altLang="ko-KR" sz="1200" kern="1200" dirty="0">
+                <a:solidFill>
+                  <a:schemeClr val="tx1"/>
+                </a:solidFill>
+                <a:effectLst/>
+                <a:latin typeface="+mn-lt"/>
+                <a:ea typeface="+mn-ea"/>
+                <a:cs typeface="+mn-cs"/>
+              </a:rPr>
+              <a:t>~ </a:t>
+            </a:r>
+            <a:r>
+              <a:rPr lang="ko-KR" altLang="ko-KR" sz="1200" kern="1200" dirty="0">
+                <a:solidFill>
+                  <a:schemeClr val="tx1"/>
+                </a:solidFill>
+                <a:effectLst/>
+                <a:latin typeface="+mn-lt"/>
+                <a:ea typeface="+mn-ea"/>
+                <a:cs typeface="+mn-cs"/>
+              </a:rPr>
+              <a:t>조금 빠르게</a:t>
+            </a:r>
+            <a:r>
+              <a:rPr lang="en-US" altLang="ko-KR" sz="1200" kern="1200" dirty="0">
+                <a:solidFill>
+                  <a:schemeClr val="tx1"/>
+                </a:solidFill>
+                <a:effectLst/>
+                <a:latin typeface="+mn-lt"/>
+                <a:ea typeface="+mn-ea"/>
+                <a:cs typeface="+mn-cs"/>
+              </a:rPr>
+              <a:t>)</a:t>
+            </a:r>
+            <a:endParaRPr lang="ko-KR" altLang="ko-KR" sz="1200" kern="1200" dirty="0">
+              <a:solidFill>
+                <a:schemeClr val="tx1"/>
+              </a:solidFill>
+              <a:effectLst/>
+              <a:latin typeface="+mn-lt"/>
+              <a:ea typeface="+mn-ea"/>
+              <a:cs typeface="+mn-cs"/>
+            </a:endParaRPr>
+          </a:p>
+          <a:p>
             <a:endParaRPr lang="ko-KR" altLang="en-US" dirty="0"/>
           </a:p>
         </p:txBody>
@@ -748,7 +1003,7 @@
             <a:spLocks noGrp="1"/>
           </p:cNvSpPr>
           <p:nvPr>
-            <p:ph type="sldNum" sz="quarter" idx="5"/>
+            <p:ph type="sldNum" sz="quarter" idx="10"/>
           </p:nvPr>
         </p:nvSpPr>
         <p:spPr/>
@@ -758,7 +1013,7 @@
           <a:p>
             <a:fld id="{3D8435DC-41A3-4858-9BB7-2D7A591C6922}" type="slidenum">
               <a:rPr lang="ko-KR" altLang="en-US" smtClean="0"/>
-              <a:t>13</a:t>
+              <a:t>10</a:t>
             </a:fld>
             <a:endParaRPr lang="ko-KR" altLang="en-US"/>
           </a:p>
@@ -767,7 +1022,7 @@
     </p:spTree>
     <p:extLst>
       <p:ext uri="{BB962C8B-B14F-4D97-AF65-F5344CB8AC3E}">
-        <p14:creationId xmlns:p14="http://schemas.microsoft.com/office/powerpoint/2010/main" val="3093781895"/>
+        <p14:creationId xmlns:p14="http://schemas.microsoft.com/office/powerpoint/2010/main" val="1880146086"/>
       </p:ext>
     </p:extLst>
   </p:cSld>
@@ -821,6 +1076,269 @@
           <a:bodyPr/>
           <a:lstStyle/>
           <a:p>
+            <a:pPr marL="0" marR="0" lvl="0" indent="0" algn="l" defTabSz="914400" rtl="0" eaLnBrk="1" fontAlgn="auto" latinLnBrk="1" hangingPunct="1">
+              <a:lnSpc>
+                <a:spcPct val="100000"/>
+              </a:lnSpc>
+              <a:spcBef>
+                <a:spcPts val="0"/>
+              </a:spcBef>
+              <a:spcAft>
+                <a:spcPts val="0"/>
+              </a:spcAft>
+              <a:buClrTx/>
+              <a:buSzTx/>
+              <a:buFontTx/>
+              <a:buNone/>
+              <a:tabLst/>
+              <a:defRPr/>
+            </a:pPr>
+            <a:r>
+              <a:rPr lang="ko-KR" altLang="ko-KR" sz="1200" kern="1200" dirty="0">
+                <a:solidFill>
+                  <a:schemeClr val="tx1"/>
+                </a:solidFill>
+                <a:effectLst/>
+                <a:latin typeface="+mn-lt"/>
+                <a:ea typeface="+mn-ea"/>
+                <a:cs typeface="+mn-cs"/>
+              </a:rPr>
+              <a:t>효과는 </a:t>
+            </a:r>
+            <a:endParaRPr lang="en-US" altLang="ko-KR" sz="1200" kern="1200" dirty="0">
+              <a:solidFill>
+                <a:schemeClr val="tx1"/>
+              </a:solidFill>
+              <a:effectLst/>
+              <a:latin typeface="+mn-lt"/>
+              <a:ea typeface="+mn-ea"/>
+              <a:cs typeface="+mn-cs"/>
+            </a:endParaRPr>
+          </a:p>
+          <a:p>
+            <a:pPr marL="0" marR="0" lvl="0" indent="0" algn="l" defTabSz="914400" rtl="0" eaLnBrk="1" fontAlgn="auto" latinLnBrk="1" hangingPunct="1">
+              <a:lnSpc>
+                <a:spcPct val="100000"/>
+              </a:lnSpc>
+              <a:spcBef>
+                <a:spcPts val="0"/>
+              </a:spcBef>
+              <a:spcAft>
+                <a:spcPts val="0"/>
+              </a:spcAft>
+              <a:buClrTx/>
+              <a:buSzTx/>
+              <a:buFontTx/>
+              <a:buNone/>
+              <a:tabLst/>
+              <a:defRPr/>
+            </a:pPr>
+            <a:endParaRPr lang="en-US" altLang="ko-KR" sz="1200" kern="1200" dirty="0">
+              <a:solidFill>
+                <a:schemeClr val="tx1"/>
+              </a:solidFill>
+              <a:effectLst/>
+              <a:latin typeface="+mn-lt"/>
+              <a:ea typeface="+mn-ea"/>
+              <a:cs typeface="+mn-cs"/>
+            </a:endParaRPr>
+          </a:p>
+          <a:p>
+            <a:pPr marL="0" marR="0" lvl="0" indent="0" algn="l" defTabSz="914400" rtl="0" eaLnBrk="1" fontAlgn="auto" latinLnBrk="1" hangingPunct="1">
+              <a:lnSpc>
+                <a:spcPct val="100000"/>
+              </a:lnSpc>
+              <a:spcBef>
+                <a:spcPts val="0"/>
+              </a:spcBef>
+              <a:spcAft>
+                <a:spcPts val="0"/>
+              </a:spcAft>
+              <a:buClrTx/>
+              <a:buSzTx/>
+              <a:buFontTx/>
+              <a:buNone/>
+              <a:tabLst/>
+              <a:defRPr/>
+            </a:pPr>
+            <a:r>
+              <a:rPr lang="ko-KR" altLang="ko-KR" sz="1200" kern="1200" dirty="0">
+                <a:solidFill>
+                  <a:schemeClr val="tx1"/>
+                </a:solidFill>
+                <a:effectLst/>
+                <a:latin typeface="+mn-lt"/>
+                <a:ea typeface="+mn-ea"/>
+                <a:cs typeface="+mn-cs"/>
+              </a:rPr>
+              <a:t>영상 제작의 목적으로 사용시</a:t>
+            </a:r>
+            <a:r>
+              <a:rPr lang="en-US" altLang="ko-KR" sz="1200" kern="1200" dirty="0">
+                <a:solidFill>
+                  <a:schemeClr val="tx1"/>
+                </a:solidFill>
+                <a:effectLst/>
+                <a:latin typeface="+mn-lt"/>
+                <a:ea typeface="+mn-ea"/>
+                <a:cs typeface="+mn-cs"/>
+              </a:rPr>
+              <a:t>, </a:t>
+            </a:r>
+            <a:r>
+              <a:rPr lang="ko-KR" altLang="ko-KR" sz="1200" kern="1200" dirty="0">
+                <a:solidFill>
+                  <a:schemeClr val="tx1"/>
+                </a:solidFill>
+                <a:effectLst/>
+                <a:latin typeface="+mn-lt"/>
+                <a:ea typeface="+mn-ea"/>
+                <a:cs typeface="+mn-cs"/>
+              </a:rPr>
+              <a:t>빛을 실제와 같이 표현하기 위한 수단으로 사용될 수 있으며</a:t>
+            </a:r>
+            <a:r>
+              <a:rPr lang="en-US" altLang="ko-KR" sz="1200" kern="1200" dirty="0">
+                <a:solidFill>
+                  <a:schemeClr val="tx1"/>
+                </a:solidFill>
+                <a:effectLst/>
+                <a:latin typeface="+mn-lt"/>
+                <a:ea typeface="+mn-ea"/>
+                <a:cs typeface="+mn-cs"/>
+              </a:rPr>
+              <a:t>, </a:t>
+            </a:r>
+          </a:p>
+          <a:p>
+            <a:pPr marL="0" marR="0" lvl="0" indent="0" algn="l" defTabSz="914400" rtl="0" eaLnBrk="1" fontAlgn="auto" latinLnBrk="1" hangingPunct="1">
+              <a:lnSpc>
+                <a:spcPct val="100000"/>
+              </a:lnSpc>
+              <a:spcBef>
+                <a:spcPts val="0"/>
+              </a:spcBef>
+              <a:spcAft>
+                <a:spcPts val="0"/>
+              </a:spcAft>
+              <a:buClrTx/>
+              <a:buSzTx/>
+              <a:buFontTx/>
+              <a:buNone/>
+              <a:tabLst/>
+              <a:defRPr/>
+            </a:pPr>
+            <a:endParaRPr lang="en-US" altLang="ko-KR" sz="1200" kern="1200" dirty="0">
+              <a:solidFill>
+                <a:schemeClr val="tx1"/>
+              </a:solidFill>
+              <a:effectLst/>
+              <a:latin typeface="+mn-lt"/>
+              <a:ea typeface="+mn-ea"/>
+              <a:cs typeface="+mn-cs"/>
+            </a:endParaRPr>
+          </a:p>
+          <a:p>
+            <a:pPr marL="0" marR="0" lvl="0" indent="0" algn="l" defTabSz="914400" rtl="0" eaLnBrk="1" fontAlgn="auto" latinLnBrk="1" hangingPunct="1">
+              <a:lnSpc>
+                <a:spcPct val="100000"/>
+              </a:lnSpc>
+              <a:spcBef>
+                <a:spcPts val="0"/>
+              </a:spcBef>
+              <a:spcAft>
+                <a:spcPts val="0"/>
+              </a:spcAft>
+              <a:buClrTx/>
+              <a:buSzTx/>
+              <a:buFontTx/>
+              <a:buNone/>
+              <a:tabLst/>
+              <a:defRPr/>
+            </a:pPr>
+            <a:r>
+              <a:rPr lang="ko-KR" altLang="ko-KR" sz="1200" kern="1200" dirty="0">
+                <a:solidFill>
+                  <a:schemeClr val="tx1"/>
+                </a:solidFill>
+                <a:effectLst/>
+                <a:latin typeface="+mn-lt"/>
+                <a:ea typeface="+mn-ea"/>
+                <a:cs typeface="+mn-cs"/>
+              </a:rPr>
+              <a:t>실시간 </a:t>
+            </a:r>
+            <a:r>
+              <a:rPr lang="ko-KR" altLang="ko-KR" sz="1200" kern="1200" dirty="0" err="1">
+                <a:solidFill>
+                  <a:schemeClr val="tx1"/>
+                </a:solidFill>
+                <a:effectLst/>
+                <a:latin typeface="+mn-lt"/>
+                <a:ea typeface="+mn-ea"/>
+                <a:cs typeface="+mn-cs"/>
+              </a:rPr>
+              <a:t>렌더링</a:t>
+            </a:r>
+            <a:r>
+              <a:rPr lang="ko-KR" altLang="ko-KR" sz="1200" kern="1200" dirty="0">
+                <a:solidFill>
+                  <a:schemeClr val="tx1"/>
+                </a:solidFill>
+                <a:effectLst/>
+                <a:latin typeface="+mn-lt"/>
+                <a:ea typeface="+mn-ea"/>
+                <a:cs typeface="+mn-cs"/>
+              </a:rPr>
+              <a:t> 엔진에서 실제와 비슷한 명암을 모방하기 위한 </a:t>
+            </a:r>
+            <a:r>
+              <a:rPr lang="ko-KR" altLang="ko-KR" sz="1200" kern="1200" dirty="0" err="1">
+                <a:solidFill>
+                  <a:schemeClr val="tx1"/>
+                </a:solidFill>
+                <a:effectLst/>
+                <a:latin typeface="+mn-lt"/>
+                <a:ea typeface="+mn-ea"/>
+                <a:cs typeface="+mn-cs"/>
+              </a:rPr>
+              <a:t>레퍼런스로써</a:t>
+            </a:r>
+            <a:r>
+              <a:rPr lang="ko-KR" altLang="ko-KR" sz="1200" kern="1200" dirty="0">
+                <a:solidFill>
+                  <a:schemeClr val="tx1"/>
+                </a:solidFill>
+                <a:effectLst/>
+                <a:latin typeface="+mn-lt"/>
+                <a:ea typeface="+mn-ea"/>
+                <a:cs typeface="+mn-cs"/>
+              </a:rPr>
+              <a:t> 사용될 수 있습니다</a:t>
+            </a:r>
+            <a:r>
+              <a:rPr lang="en-US" altLang="ko-KR" sz="1200" kern="1200" dirty="0">
+                <a:solidFill>
+                  <a:schemeClr val="tx1"/>
+                </a:solidFill>
+                <a:effectLst/>
+                <a:latin typeface="+mn-lt"/>
+                <a:ea typeface="+mn-ea"/>
+                <a:cs typeface="+mn-cs"/>
+              </a:rPr>
+              <a:t>.</a:t>
+            </a:r>
+            <a:endParaRPr lang="ko-KR" altLang="ko-KR" sz="1200" kern="1200" dirty="0">
+              <a:solidFill>
+                <a:schemeClr val="tx1"/>
+              </a:solidFill>
+              <a:effectLst/>
+              <a:latin typeface="+mn-lt"/>
+              <a:ea typeface="+mn-ea"/>
+              <a:cs typeface="+mn-cs"/>
+            </a:endParaRPr>
+          </a:p>
+          <a:p>
             <a:endParaRPr lang="ko-KR" altLang="en-US" dirty="0"/>
           </a:p>
         </p:txBody>
@@ -832,7 +1350,7 @@
             <a:spLocks noGrp="1"/>
           </p:cNvSpPr>
           <p:nvPr>
-            <p:ph type="sldNum" sz="quarter" idx="5"/>
+            <p:ph type="sldNum" sz="quarter" idx="10"/>
           </p:nvPr>
         </p:nvSpPr>
         <p:spPr/>
@@ -842,7 +1360,7 @@
           <a:p>
             <a:fld id="{3D8435DC-41A3-4858-9BB7-2D7A591C6922}" type="slidenum">
               <a:rPr lang="ko-KR" altLang="en-US" smtClean="0"/>
-              <a:t>14</a:t>
+              <a:t>11</a:t>
             </a:fld>
             <a:endParaRPr lang="ko-KR" altLang="en-US"/>
           </a:p>
@@ -851,7 +1369,7 @@
     </p:spTree>
     <p:extLst>
       <p:ext uri="{BB962C8B-B14F-4D97-AF65-F5344CB8AC3E}">
-        <p14:creationId xmlns:p14="http://schemas.microsoft.com/office/powerpoint/2010/main" val="194891487"/>
+        <p14:creationId xmlns:p14="http://schemas.microsoft.com/office/powerpoint/2010/main" val="3272869934"/>
       </p:ext>
     </p:extLst>
   </p:cSld>
@@ -905,6 +1423,297 @@
           <a:bodyPr/>
           <a:lstStyle/>
           <a:p>
+            <a:pPr latinLnBrk="1"/>
+            <a:r>
+              <a:rPr lang="ko-KR" altLang="ko-KR" sz="1200" kern="1200" dirty="0">
+                <a:solidFill>
+                  <a:schemeClr val="tx1"/>
+                </a:solidFill>
+                <a:effectLst/>
+                <a:latin typeface="+mn-lt"/>
+                <a:ea typeface="+mn-ea"/>
+                <a:cs typeface="+mn-cs"/>
+              </a:rPr>
+              <a:t>대표적인 사례로는 </a:t>
+            </a:r>
+            <a:r>
+              <a:rPr lang="ko-KR" altLang="ko-KR" sz="1200" kern="1200" dirty="0" err="1">
+                <a:solidFill>
+                  <a:schemeClr val="tx1"/>
+                </a:solidFill>
+                <a:effectLst/>
+                <a:latin typeface="+mn-lt"/>
+                <a:ea typeface="+mn-ea"/>
+                <a:cs typeface="+mn-cs"/>
+              </a:rPr>
+              <a:t>옥테인렌더라는</a:t>
+            </a:r>
+            <a:r>
+              <a:rPr lang="ko-KR" altLang="ko-KR" sz="1200" kern="1200" dirty="0">
+                <a:solidFill>
+                  <a:schemeClr val="tx1"/>
+                </a:solidFill>
+                <a:effectLst/>
+                <a:latin typeface="+mn-lt"/>
+                <a:ea typeface="+mn-ea"/>
+                <a:cs typeface="+mn-cs"/>
+              </a:rPr>
+              <a:t> 소프트웨어가 있습니다</a:t>
+            </a:r>
+            <a:r>
+              <a:rPr lang="en-US" altLang="ko-KR" sz="1200" kern="1200" dirty="0">
+                <a:solidFill>
+                  <a:schemeClr val="tx1"/>
+                </a:solidFill>
+                <a:effectLst/>
+                <a:latin typeface="+mn-lt"/>
+                <a:ea typeface="+mn-ea"/>
+                <a:cs typeface="+mn-cs"/>
+              </a:rPr>
+              <a:t>. </a:t>
+            </a:r>
+            <a:r>
+              <a:rPr lang="ko-KR" altLang="ko-KR" sz="1200" kern="1200" dirty="0">
+                <a:solidFill>
+                  <a:schemeClr val="tx1"/>
+                </a:solidFill>
+                <a:effectLst/>
+                <a:latin typeface="+mn-lt"/>
+                <a:ea typeface="+mn-ea"/>
+                <a:cs typeface="+mn-cs"/>
+              </a:rPr>
+              <a:t>여러 툴에서 플러그인의 형태로 지원하며</a:t>
+            </a:r>
+            <a:r>
+              <a:rPr lang="en-US" altLang="ko-KR" sz="1200" kern="1200" dirty="0">
+                <a:solidFill>
+                  <a:schemeClr val="tx1"/>
+                </a:solidFill>
+                <a:effectLst/>
+                <a:latin typeface="+mn-lt"/>
+                <a:ea typeface="+mn-ea"/>
+                <a:cs typeface="+mn-cs"/>
+              </a:rPr>
+              <a:t>, Unity </a:t>
+            </a:r>
+            <a:r>
+              <a:rPr lang="ko-KR" altLang="ko-KR" sz="1200" kern="1200" dirty="0">
+                <a:solidFill>
+                  <a:schemeClr val="tx1"/>
+                </a:solidFill>
+                <a:effectLst/>
+                <a:latin typeface="+mn-lt"/>
+                <a:ea typeface="+mn-ea"/>
+                <a:cs typeface="+mn-cs"/>
+              </a:rPr>
+              <a:t>에서도 지원합니다</a:t>
+            </a:r>
+            <a:r>
+              <a:rPr lang="en-US" altLang="ko-KR" sz="1200" kern="1200" dirty="0">
+                <a:solidFill>
+                  <a:schemeClr val="tx1"/>
+                </a:solidFill>
+                <a:effectLst/>
+                <a:latin typeface="+mn-lt"/>
+                <a:ea typeface="+mn-ea"/>
+                <a:cs typeface="+mn-cs"/>
+              </a:rPr>
+              <a:t>. </a:t>
+            </a:r>
+            <a:r>
+              <a:rPr lang="ko-KR" altLang="ko-KR" sz="1200" kern="1200" dirty="0">
+                <a:solidFill>
+                  <a:schemeClr val="tx1"/>
+                </a:solidFill>
+                <a:effectLst/>
+                <a:latin typeface="+mn-lt"/>
+                <a:ea typeface="+mn-ea"/>
+                <a:cs typeface="+mn-cs"/>
+              </a:rPr>
+              <a:t>다만 직접적으로 영상을 만드는 방법은 없고</a:t>
+            </a:r>
+            <a:r>
+              <a:rPr lang="en-US" altLang="ko-KR" sz="1200" kern="1200" dirty="0">
+                <a:solidFill>
+                  <a:schemeClr val="tx1"/>
+                </a:solidFill>
+                <a:effectLst/>
+                <a:latin typeface="+mn-lt"/>
+                <a:ea typeface="+mn-ea"/>
+                <a:cs typeface="+mn-cs"/>
+              </a:rPr>
+              <a:t>, </a:t>
+            </a:r>
+            <a:r>
+              <a:rPr lang="ko-KR" altLang="ko-KR" sz="1200" kern="1200" dirty="0">
+                <a:solidFill>
+                  <a:schemeClr val="tx1"/>
+                </a:solidFill>
+                <a:effectLst/>
+                <a:latin typeface="+mn-lt"/>
+                <a:ea typeface="+mn-ea"/>
+                <a:cs typeface="+mn-cs"/>
+              </a:rPr>
+              <a:t>실시간 렌더링에서 빛의 명암을 사실적으로 표현하기 위한 솔루션으로 사용됩니다</a:t>
+            </a:r>
+            <a:r>
+              <a:rPr lang="en-US" altLang="ko-KR" sz="1200" kern="1200" dirty="0">
+                <a:solidFill>
+                  <a:schemeClr val="tx1"/>
+                </a:solidFill>
+                <a:effectLst/>
+                <a:latin typeface="+mn-lt"/>
+                <a:ea typeface="+mn-ea"/>
+                <a:cs typeface="+mn-cs"/>
+              </a:rPr>
+              <a:t>.</a:t>
+            </a:r>
+          </a:p>
+          <a:p>
+            <a:pPr latinLnBrk="1"/>
+            <a:endParaRPr lang="ko-KR" altLang="ko-KR" sz="1200" kern="1200" dirty="0">
+              <a:solidFill>
+                <a:schemeClr val="tx1"/>
+              </a:solidFill>
+              <a:effectLst/>
+              <a:latin typeface="+mn-lt"/>
+              <a:ea typeface="+mn-ea"/>
+              <a:cs typeface="+mn-cs"/>
+            </a:endParaRPr>
+          </a:p>
+          <a:p>
+            <a:pPr latinLnBrk="1"/>
+            <a:r>
+              <a:rPr lang="ko-KR" altLang="ko-KR" sz="1200" kern="1200" dirty="0">
+                <a:solidFill>
+                  <a:schemeClr val="tx1"/>
+                </a:solidFill>
+                <a:effectLst/>
+                <a:latin typeface="+mn-lt"/>
+                <a:ea typeface="+mn-ea"/>
+                <a:cs typeface="+mn-cs"/>
+              </a:rPr>
+              <a:t>라이센스는 </a:t>
+            </a:r>
+            <a:r>
+              <a:rPr lang="en-US" altLang="ko-KR" sz="1200" kern="1200" dirty="0">
+                <a:solidFill>
+                  <a:schemeClr val="tx1"/>
+                </a:solidFill>
+                <a:effectLst/>
+                <a:latin typeface="+mn-lt"/>
+                <a:ea typeface="+mn-ea"/>
+                <a:cs typeface="+mn-cs"/>
+              </a:rPr>
+              <a:t>Unity </a:t>
+            </a:r>
+            <a:r>
+              <a:rPr lang="ko-KR" altLang="ko-KR" sz="1200" kern="1200" dirty="0">
+                <a:solidFill>
+                  <a:schemeClr val="tx1"/>
+                </a:solidFill>
+                <a:effectLst/>
+                <a:latin typeface="+mn-lt"/>
+                <a:ea typeface="+mn-ea"/>
+                <a:cs typeface="+mn-cs"/>
+              </a:rPr>
+              <a:t>에서는 컴퓨팅 파워에 따라 차등 지급합니다</a:t>
+            </a:r>
+            <a:r>
+              <a:rPr lang="en-US" altLang="ko-KR" sz="1200" kern="1200" dirty="0">
+                <a:solidFill>
+                  <a:schemeClr val="tx1"/>
+                </a:solidFill>
+                <a:effectLst/>
+                <a:latin typeface="+mn-lt"/>
+                <a:ea typeface="+mn-ea"/>
+                <a:cs typeface="+mn-cs"/>
+              </a:rPr>
+              <a:t>. 2</a:t>
+            </a:r>
+            <a:r>
+              <a:rPr lang="ko-KR" altLang="ko-KR" sz="1200" kern="1200" dirty="0">
+                <a:solidFill>
+                  <a:schemeClr val="tx1"/>
+                </a:solidFill>
+                <a:effectLst/>
+                <a:latin typeface="+mn-lt"/>
+                <a:ea typeface="+mn-ea"/>
+                <a:cs typeface="+mn-cs"/>
+              </a:rPr>
+              <a:t>개 이상의 </a:t>
+            </a:r>
+            <a:r>
+              <a:rPr lang="en-US" altLang="ko-KR" sz="1200" kern="1200" dirty="0">
+                <a:solidFill>
+                  <a:schemeClr val="tx1"/>
+                </a:solidFill>
+                <a:effectLst/>
+                <a:latin typeface="+mn-lt"/>
+                <a:ea typeface="+mn-ea"/>
+                <a:cs typeface="+mn-cs"/>
+              </a:rPr>
+              <a:t>GPU </a:t>
+            </a:r>
+            <a:r>
+              <a:rPr lang="ko-KR" altLang="ko-KR" sz="1200" kern="1200" dirty="0">
+                <a:solidFill>
+                  <a:schemeClr val="tx1"/>
+                </a:solidFill>
+                <a:effectLst/>
+                <a:latin typeface="+mn-lt"/>
+                <a:ea typeface="+mn-ea"/>
+                <a:cs typeface="+mn-cs"/>
+              </a:rPr>
+              <a:t>를 활용하여 계산하는 경우 무료 혹은 월간 </a:t>
+            </a:r>
+            <a:r>
+              <a:rPr lang="en-US" altLang="ko-KR" sz="1200" kern="1200" dirty="0">
+                <a:solidFill>
+                  <a:schemeClr val="tx1"/>
+                </a:solidFill>
+                <a:effectLst/>
+                <a:latin typeface="+mn-lt"/>
+                <a:ea typeface="+mn-ea"/>
+                <a:cs typeface="+mn-cs"/>
+              </a:rPr>
+              <a:t>$10 </a:t>
+            </a:r>
+            <a:r>
+              <a:rPr lang="ko-KR" altLang="ko-KR" sz="1200" kern="1200" dirty="0">
+                <a:solidFill>
+                  <a:schemeClr val="tx1"/>
+                </a:solidFill>
+                <a:effectLst/>
+                <a:latin typeface="+mn-lt"/>
+                <a:ea typeface="+mn-ea"/>
+                <a:cs typeface="+mn-cs"/>
+              </a:rPr>
+              <a:t>이하로 제공한다면 더 나은 서비스라고 할 수 있겠습니다</a:t>
+            </a:r>
+            <a:r>
+              <a:rPr lang="en-US" altLang="ko-KR" sz="1200" kern="1200" dirty="0">
+                <a:solidFill>
+                  <a:schemeClr val="tx1"/>
+                </a:solidFill>
+                <a:effectLst/>
+                <a:latin typeface="+mn-lt"/>
+                <a:ea typeface="+mn-ea"/>
+                <a:cs typeface="+mn-cs"/>
+              </a:rPr>
+              <a:t>.</a:t>
+            </a:r>
+            <a:endParaRPr lang="ko-KR" altLang="ko-KR" sz="1200" kern="1200" dirty="0">
+              <a:solidFill>
+                <a:schemeClr val="tx1"/>
+              </a:solidFill>
+              <a:effectLst/>
+              <a:latin typeface="+mn-lt"/>
+              <a:ea typeface="+mn-ea"/>
+              <a:cs typeface="+mn-cs"/>
+            </a:endParaRPr>
+          </a:p>
+          <a:p>
             <a:endParaRPr lang="ko-KR" altLang="en-US" dirty="0"/>
           </a:p>
         </p:txBody>
@@ -916,7 +1725,7 @@
             <a:spLocks noGrp="1"/>
           </p:cNvSpPr>
           <p:nvPr>
-            <p:ph type="sldNum" sz="quarter" idx="10"/>
+            <p:ph type="sldNum" sz="quarter" idx="5"/>
           </p:nvPr>
         </p:nvSpPr>
         <p:spPr/>
@@ -926,7 +1735,7 @@
           <a:p>
             <a:fld id="{3D8435DC-41A3-4858-9BB7-2D7A591C6922}" type="slidenum">
               <a:rPr lang="ko-KR" altLang="en-US" smtClean="0"/>
-              <a:t>21</a:t>
+              <a:t>12</a:t>
             </a:fld>
             <a:endParaRPr lang="ko-KR" altLang="en-US"/>
           </a:p>
@@ -935,7 +1744,7 @@
     </p:spTree>
     <p:extLst>
       <p:ext uri="{BB962C8B-B14F-4D97-AF65-F5344CB8AC3E}">
-        <p14:creationId xmlns:p14="http://schemas.microsoft.com/office/powerpoint/2010/main" val="3353164081"/>
+        <p14:creationId xmlns:p14="http://schemas.microsoft.com/office/powerpoint/2010/main" val="1221413740"/>
       </p:ext>
     </p:extLst>
   </p:cSld>
@@ -989,7 +1798,130 @@
           <a:bodyPr/>
           <a:lstStyle/>
           <a:p>
-            <a:endParaRPr lang="ko-KR" altLang="en-US"/>
+            <a:pPr latinLnBrk="1"/>
+            <a:r>
+              <a:rPr lang="ko-KR" altLang="ko-KR" sz="1200" kern="1200" dirty="0">
+                <a:solidFill>
+                  <a:schemeClr val="tx1"/>
+                </a:solidFill>
+                <a:effectLst/>
+                <a:latin typeface="+mn-lt"/>
+                <a:ea typeface="+mn-ea"/>
+                <a:cs typeface="+mn-cs"/>
+              </a:rPr>
+              <a:t>시나리오는 다음과 같습니다</a:t>
+            </a:r>
+            <a:r>
+              <a:rPr lang="en-US" altLang="ko-KR" sz="1200" kern="1200" dirty="0">
+                <a:solidFill>
+                  <a:schemeClr val="tx1"/>
+                </a:solidFill>
+                <a:effectLst/>
+                <a:latin typeface="+mn-lt"/>
+                <a:ea typeface="+mn-ea"/>
+                <a:cs typeface="+mn-cs"/>
+              </a:rPr>
+              <a:t>.</a:t>
+            </a:r>
+          </a:p>
+          <a:p>
+            <a:pPr latinLnBrk="1"/>
+            <a:endParaRPr lang="ko-KR" altLang="ko-KR" sz="1200" kern="1200" dirty="0">
+              <a:solidFill>
+                <a:schemeClr val="tx1"/>
+              </a:solidFill>
+              <a:effectLst/>
+              <a:latin typeface="+mn-lt"/>
+              <a:ea typeface="+mn-ea"/>
+              <a:cs typeface="+mn-cs"/>
+            </a:endParaRPr>
+          </a:p>
+          <a:p>
+            <a:pPr latinLnBrk="1"/>
+            <a:r>
+              <a:rPr lang="ko-KR" altLang="ko-KR" sz="1200" kern="1200" dirty="0">
+                <a:solidFill>
+                  <a:schemeClr val="tx1"/>
+                </a:solidFill>
+                <a:effectLst/>
+                <a:latin typeface="+mn-lt"/>
+                <a:ea typeface="+mn-ea"/>
+                <a:cs typeface="+mn-cs"/>
+              </a:rPr>
+              <a:t>사용자가 하나의 프레임을 요청하면</a:t>
+            </a:r>
+            <a:r>
+              <a:rPr lang="en-US" altLang="ko-KR" sz="1200" kern="1200" dirty="0">
+                <a:solidFill>
+                  <a:schemeClr val="tx1"/>
+                </a:solidFill>
+                <a:effectLst/>
+                <a:latin typeface="+mn-lt"/>
+                <a:ea typeface="+mn-ea"/>
+                <a:cs typeface="+mn-cs"/>
+              </a:rPr>
+              <a:t>, Unity </a:t>
+            </a:r>
+            <a:r>
+              <a:rPr lang="ko-KR" altLang="ko-KR" sz="1200" kern="1200" dirty="0">
+                <a:solidFill>
+                  <a:schemeClr val="tx1"/>
+                </a:solidFill>
+                <a:effectLst/>
+                <a:latin typeface="+mn-lt"/>
+                <a:ea typeface="+mn-ea"/>
+                <a:cs typeface="+mn-cs"/>
+              </a:rPr>
+              <a:t>에서 해당 환경의 데이터를 수집해 </a:t>
+            </a:r>
+            <a:r>
+              <a:rPr lang="en-US" altLang="ko-KR" sz="1200" kern="1200" dirty="0">
+                <a:solidFill>
+                  <a:schemeClr val="tx1"/>
+                </a:solidFill>
+                <a:effectLst/>
+                <a:latin typeface="+mn-lt"/>
+                <a:ea typeface="+mn-ea"/>
+                <a:cs typeface="+mn-cs"/>
+              </a:rPr>
+              <a:t>C++/CUDA </a:t>
+            </a:r>
+            <a:r>
+              <a:rPr lang="ko-KR" altLang="ko-KR" sz="1200" kern="1200" dirty="0">
+                <a:solidFill>
+                  <a:schemeClr val="tx1"/>
+                </a:solidFill>
+                <a:effectLst/>
+                <a:latin typeface="+mn-lt"/>
+                <a:ea typeface="+mn-ea"/>
+                <a:cs typeface="+mn-cs"/>
+              </a:rPr>
+              <a:t>모듈에서 이를 계산하여 업데이트 된 픽셀을 점진적으로 넘겨주어 사용자에게 업데이트 되는 모습을 보여줍니다</a:t>
+            </a:r>
+            <a:r>
+              <a:rPr lang="en-US" altLang="ko-KR" sz="1200" kern="1200" dirty="0">
+                <a:solidFill>
+                  <a:schemeClr val="tx1"/>
+                </a:solidFill>
+                <a:effectLst/>
+                <a:latin typeface="+mn-lt"/>
+                <a:ea typeface="+mn-ea"/>
+                <a:cs typeface="+mn-cs"/>
+              </a:rPr>
+              <a:t>.</a:t>
+            </a:r>
+            <a:endParaRPr lang="ko-KR" altLang="ko-KR" sz="1200" kern="1200" dirty="0">
+              <a:solidFill>
+                <a:schemeClr val="tx1"/>
+              </a:solidFill>
+              <a:effectLst/>
+              <a:latin typeface="+mn-lt"/>
+              <a:ea typeface="+mn-ea"/>
+              <a:cs typeface="+mn-cs"/>
+            </a:endParaRPr>
+          </a:p>
+          <a:p>
+            <a:endParaRPr lang="ko-KR" altLang="en-US" dirty="0"/>
           </a:p>
         </p:txBody>
       </p:sp>
@@ -1000,7 +1932,7 @@
             <a:spLocks noGrp="1"/>
           </p:cNvSpPr>
           <p:nvPr>
-            <p:ph type="sldNum" sz="quarter" idx="10"/>
+            <p:ph type="sldNum" sz="quarter" idx="5"/>
           </p:nvPr>
         </p:nvSpPr>
         <p:spPr/>
@@ -1010,7 +1942,7 @@
           <a:p>
             <a:fld id="{3D8435DC-41A3-4858-9BB7-2D7A591C6922}" type="slidenum">
               <a:rPr lang="ko-KR" altLang="en-US" smtClean="0"/>
-              <a:t>23</a:t>
+              <a:t>13</a:t>
             </a:fld>
             <a:endParaRPr lang="ko-KR" altLang="en-US"/>
           </a:p>
@@ -1019,7 +1951,7 @@
     </p:spTree>
     <p:extLst>
       <p:ext uri="{BB962C8B-B14F-4D97-AF65-F5344CB8AC3E}">
-        <p14:creationId xmlns:p14="http://schemas.microsoft.com/office/powerpoint/2010/main" val="303754111"/>
+        <p14:creationId xmlns:p14="http://schemas.microsoft.com/office/powerpoint/2010/main" val="3093781895"/>
       </p:ext>
     </p:extLst>
   </p:cSld>
@@ -1073,46 +2005,178 @@
           <a:bodyPr/>
           <a:lstStyle/>
           <a:p>
-            <a:r>
-              <a:rPr lang="ko-KR" altLang="en-US" dirty="0" err="1"/>
-              <a:t>에셋</a:t>
-            </a:r>
-            <a:r>
-              <a:rPr lang="ko-KR" altLang="en-US" dirty="0"/>
-              <a:t> 스토어</a:t>
-            </a:r>
-            <a:r>
-              <a:rPr lang="en-US" altLang="ko-KR" dirty="0"/>
-              <a:t>, </a:t>
-            </a:r>
-            <a:r>
-              <a:rPr lang="ko-KR" altLang="en-US" dirty="0"/>
-              <a:t>마켓 </a:t>
-            </a:r>
-            <a:r>
-              <a:rPr lang="ko-KR" altLang="en-US" dirty="0" err="1"/>
-              <a:t>플레이스의</a:t>
-            </a:r>
-            <a:r>
-              <a:rPr lang="ko-KR" altLang="en-US" dirty="0"/>
-              <a:t> 시장 성</a:t>
-            </a:r>
-            <a:r>
-              <a:rPr lang="en-US" altLang="ko-KR" dirty="0"/>
-              <a:t>, Technical</a:t>
-            </a:r>
-            <a:r>
-              <a:rPr lang="ko-KR" altLang="en-US" dirty="0"/>
-              <a:t> </a:t>
-            </a:r>
-            <a:r>
-              <a:rPr lang="en-US" altLang="ko-KR" dirty="0"/>
-              <a:t>Solution </a:t>
-            </a:r>
-            <a:r>
-              <a:rPr lang="ko-KR" altLang="en-US" dirty="0"/>
-              <a:t>의 시장성</a:t>
-            </a:r>
+            <a:pPr latinLnBrk="1"/>
+            <a:r>
+              <a:rPr lang="ko-KR" altLang="ko-KR" sz="1200" kern="1200" dirty="0">
+                <a:solidFill>
+                  <a:schemeClr val="tx1"/>
+                </a:solidFill>
+                <a:effectLst/>
+                <a:latin typeface="+mn-lt"/>
+                <a:ea typeface="+mn-ea"/>
+                <a:cs typeface="+mn-cs"/>
+              </a:rPr>
+              <a:t>시스템 구성도는 다음과 같습니다</a:t>
+            </a:r>
+            <a:r>
+              <a:rPr lang="en-US" altLang="ko-KR" sz="1200" kern="1200" dirty="0">
+                <a:solidFill>
+                  <a:schemeClr val="tx1"/>
+                </a:solidFill>
+                <a:effectLst/>
+                <a:latin typeface="+mn-lt"/>
+                <a:ea typeface="+mn-ea"/>
+                <a:cs typeface="+mn-cs"/>
+              </a:rPr>
+              <a:t>. </a:t>
+            </a:r>
+          </a:p>
+          <a:p>
+            <a:pPr latinLnBrk="1"/>
+            <a:endParaRPr lang="ko-KR" altLang="ko-KR" sz="1200" kern="1200" dirty="0">
+              <a:solidFill>
+                <a:schemeClr val="tx1"/>
+              </a:solidFill>
+              <a:effectLst/>
+              <a:latin typeface="+mn-lt"/>
+              <a:ea typeface="+mn-ea"/>
+              <a:cs typeface="+mn-cs"/>
+            </a:endParaRPr>
+          </a:p>
+          <a:p>
+            <a:pPr latinLnBrk="1"/>
+            <a:r>
+              <a:rPr lang="ko-KR" altLang="ko-KR" sz="1200" kern="1200" dirty="0">
+                <a:solidFill>
+                  <a:schemeClr val="tx1"/>
+                </a:solidFill>
+                <a:effectLst/>
+                <a:latin typeface="+mn-lt"/>
+                <a:ea typeface="+mn-ea"/>
+                <a:cs typeface="+mn-cs"/>
+              </a:rPr>
+              <a:t>크게 데이터 수집 모듈과 광선 추적 모듈로 나뉘어져 있습니다</a:t>
+            </a:r>
+            <a:r>
+              <a:rPr lang="en-US" altLang="ko-KR" sz="1200" kern="1200" dirty="0">
+                <a:solidFill>
+                  <a:schemeClr val="tx1"/>
+                </a:solidFill>
+                <a:effectLst/>
+                <a:latin typeface="+mn-lt"/>
+                <a:ea typeface="+mn-ea"/>
+                <a:cs typeface="+mn-cs"/>
+              </a:rPr>
+              <a:t>. </a:t>
+            </a:r>
+            <a:r>
+              <a:rPr lang="ko-KR" altLang="ko-KR" sz="1200" kern="1200" dirty="0">
+                <a:solidFill>
+                  <a:schemeClr val="tx1"/>
+                </a:solidFill>
+                <a:effectLst/>
+                <a:latin typeface="+mn-lt"/>
+                <a:ea typeface="+mn-ea"/>
+                <a:cs typeface="+mn-cs"/>
+              </a:rPr>
+              <a:t>광선 추적 모듈 내부에서는 </a:t>
+            </a:r>
+            <a:r>
+              <a:rPr lang="en-US" altLang="ko-KR" sz="1200" kern="1200" dirty="0">
+                <a:solidFill>
+                  <a:schemeClr val="tx1"/>
+                </a:solidFill>
+                <a:effectLst/>
+                <a:latin typeface="+mn-lt"/>
+                <a:ea typeface="+mn-ea"/>
+                <a:cs typeface="+mn-cs"/>
+              </a:rPr>
+              <a:t>CUDA </a:t>
+            </a:r>
+            <a:r>
+              <a:rPr lang="ko-KR" altLang="ko-KR" sz="1200" kern="1200" dirty="0">
+                <a:solidFill>
+                  <a:schemeClr val="tx1"/>
+                </a:solidFill>
+                <a:effectLst/>
+                <a:latin typeface="+mn-lt"/>
+                <a:ea typeface="+mn-ea"/>
+                <a:cs typeface="+mn-cs"/>
+              </a:rPr>
+              <a:t>를 사용해 </a:t>
+            </a:r>
+            <a:r>
+              <a:rPr lang="en-US" altLang="ko-KR" sz="1200" kern="1200" dirty="0">
+                <a:solidFill>
+                  <a:schemeClr val="tx1"/>
+                </a:solidFill>
+                <a:effectLst/>
+                <a:latin typeface="+mn-lt"/>
+                <a:ea typeface="+mn-ea"/>
+                <a:cs typeface="+mn-cs"/>
+              </a:rPr>
+              <a:t>CPU/GPU </a:t>
+            </a:r>
+            <a:r>
+              <a:rPr lang="ko-KR" altLang="ko-KR" sz="1200" kern="1200" dirty="0">
+                <a:solidFill>
+                  <a:schemeClr val="tx1"/>
+                </a:solidFill>
+                <a:effectLst/>
+                <a:latin typeface="+mn-lt"/>
+                <a:ea typeface="+mn-ea"/>
+                <a:cs typeface="+mn-cs"/>
+              </a:rPr>
+              <a:t>간의 메모리 동기화와 </a:t>
+            </a:r>
+            <a:r>
+              <a:rPr lang="en-US" altLang="ko-KR" sz="1200" kern="1200" dirty="0">
+                <a:solidFill>
+                  <a:schemeClr val="tx1"/>
+                </a:solidFill>
+                <a:effectLst/>
+                <a:latin typeface="+mn-lt"/>
+                <a:ea typeface="+mn-ea"/>
+                <a:cs typeface="+mn-cs"/>
+              </a:rPr>
+              <a:t>GPU</a:t>
+            </a:r>
+            <a:r>
+              <a:rPr lang="ko-KR" altLang="ko-KR" sz="1200" kern="1200" dirty="0">
+                <a:solidFill>
+                  <a:schemeClr val="tx1"/>
+                </a:solidFill>
+                <a:effectLst/>
+                <a:latin typeface="+mn-lt"/>
+                <a:ea typeface="+mn-ea"/>
+                <a:cs typeface="+mn-cs"/>
+              </a:rPr>
+              <a:t>에 명령을 내리는 부분으로 구성되어 있습니다</a:t>
+            </a:r>
+            <a:r>
+              <a:rPr lang="en-US" altLang="ko-KR" sz="1200" kern="1200" dirty="0">
+                <a:solidFill>
+                  <a:schemeClr val="tx1"/>
+                </a:solidFill>
+                <a:effectLst/>
+                <a:latin typeface="+mn-lt"/>
+                <a:ea typeface="+mn-ea"/>
+                <a:cs typeface="+mn-cs"/>
+              </a:rPr>
+              <a:t>. </a:t>
+            </a:r>
+            <a:endParaRPr lang="ko-KR" altLang="ko-KR" sz="1200" kern="1200" dirty="0">
+              <a:solidFill>
+                <a:schemeClr val="tx1"/>
+              </a:solidFill>
+              <a:effectLst/>
+              <a:latin typeface="+mn-lt"/>
+              <a:ea typeface="+mn-ea"/>
+              <a:cs typeface="+mn-cs"/>
+            </a:endParaRPr>
+          </a:p>
+          <a:p>
+            <a:endParaRPr lang="ko-KR" altLang="en-US" dirty="0"/>
           </a:p>
         </p:txBody>
       </p:sp>
@@ -1133,7 +2197,7 @@
           <a:p>
             <a:fld id="{3D8435DC-41A3-4858-9BB7-2D7A591C6922}" type="slidenum">
               <a:rPr lang="ko-KR" altLang="en-US" smtClean="0"/>
-              <a:t>24</a:t>
+              <a:t>14</a:t>
             </a:fld>
             <a:endParaRPr lang="ko-KR" altLang="en-US"/>
           </a:p>
@@ -1142,7 +2206,1090 @@
     </p:spTree>
     <p:extLst>
       <p:ext uri="{BB962C8B-B14F-4D97-AF65-F5344CB8AC3E}">
-        <p14:creationId xmlns:p14="http://schemas.microsoft.com/office/powerpoint/2010/main" val="3796156256"/>
+        <p14:creationId xmlns:p14="http://schemas.microsoft.com/office/powerpoint/2010/main" val="194891487"/>
+      </p:ext>
+    </p:extLst>
+  </p:cSld>
+  <p:clrMapOvr>
+    <a:masterClrMapping/>
+  </p:clrMapOvr>
+</p:notes>
+</file>
+
+<file path=ppt/notesSlides/notesSlide15.xml><?xml version="1.0" encoding="utf-8"?>
+<p:notes xmlns:a="http://schemas.openxmlformats.org/drawingml/2006/main" xmlns:r="http://schemas.openxmlformats.org/officeDocument/2006/relationships" xmlns:p="http://schemas.openxmlformats.org/presentationml/2006/main">
+  <p:cSld>
+    <p:spTree>
+      <p:nvGrpSpPr>
+        <p:cNvPr id="1" name=""/>
+        <p:cNvGrpSpPr/>
+        <p:nvPr/>
+      </p:nvGrpSpPr>
+      <p:grpSpPr>
+        <a:xfrm>
+          <a:off x="0" y="0"/>
+          <a:ext cx="0" cy="0"/>
+          <a:chOff x="0" y="0"/>
+          <a:chExt cx="0" cy="0"/>
+        </a:xfrm>
+      </p:grpSpPr>
+      <p:sp>
+        <p:nvSpPr>
+          <p:cNvPr id="2" name="슬라이드 이미지 개체 틀 1"/>
+          <p:cNvSpPr>
+            <a:spLocks noGrp="1" noRot="1" noChangeAspect="1"/>
+          </p:cNvSpPr>
+          <p:nvPr>
+            <p:ph type="sldImg"/>
+          </p:nvPr>
+        </p:nvSpPr>
+        <p:spPr/>
+      </p:sp>
+      <p:sp>
+        <p:nvSpPr>
+          <p:cNvPr id="3" name="슬라이드 노트 개체 틀 2"/>
+          <p:cNvSpPr>
+            <a:spLocks noGrp="1"/>
+          </p:cNvSpPr>
+          <p:nvPr>
+            <p:ph type="body" idx="1"/>
+          </p:nvPr>
+        </p:nvSpPr>
+        <p:spPr/>
+        <p:txBody>
+          <a:bodyPr/>
+          <a:lstStyle/>
+          <a:p>
+            <a:pPr marL="0" marR="0" lvl="0" indent="0" algn="l" defTabSz="914400" rtl="0" eaLnBrk="1" fontAlgn="auto" latinLnBrk="1" hangingPunct="1">
+              <a:lnSpc>
+                <a:spcPct val="100000"/>
+              </a:lnSpc>
+              <a:spcBef>
+                <a:spcPts val="0"/>
+              </a:spcBef>
+              <a:spcAft>
+                <a:spcPts val="0"/>
+              </a:spcAft>
+              <a:buClrTx/>
+              <a:buSzTx/>
+              <a:buFontTx/>
+              <a:buNone/>
+              <a:tabLst/>
+              <a:defRPr/>
+            </a:pPr>
+            <a:r>
+              <a:rPr lang="ko-KR" altLang="ko-KR" sz="1200" kern="1200" dirty="0">
+                <a:solidFill>
+                  <a:schemeClr val="tx1"/>
+                </a:solidFill>
+                <a:effectLst/>
+                <a:latin typeface="+mn-lt"/>
+                <a:ea typeface="+mn-ea"/>
+                <a:cs typeface="+mn-cs"/>
+              </a:rPr>
+              <a:t>개발 환경은 다음과 같습니다</a:t>
+            </a:r>
+            <a:r>
+              <a:rPr lang="en-US" altLang="ko-KR" sz="1200" kern="1200" dirty="0">
+                <a:solidFill>
+                  <a:schemeClr val="tx1"/>
+                </a:solidFill>
+                <a:effectLst/>
+                <a:latin typeface="+mn-lt"/>
+                <a:ea typeface="+mn-ea"/>
+                <a:cs typeface="+mn-cs"/>
+              </a:rPr>
+              <a:t>.</a:t>
+            </a:r>
+            <a:endParaRPr lang="ko-KR" altLang="ko-KR" sz="1200" kern="1200" dirty="0">
+              <a:solidFill>
+                <a:schemeClr val="tx1"/>
+              </a:solidFill>
+              <a:effectLst/>
+              <a:latin typeface="+mn-lt"/>
+              <a:ea typeface="+mn-ea"/>
+              <a:cs typeface="+mn-cs"/>
+            </a:endParaRPr>
+          </a:p>
+          <a:p>
+            <a:endParaRPr lang="ko-KR" altLang="en-US" dirty="0"/>
+          </a:p>
+        </p:txBody>
+      </p:sp>
+      <p:sp>
+        <p:nvSpPr>
+          <p:cNvPr id="4" name="슬라이드 번호 개체 틀 3"/>
+          <p:cNvSpPr>
+            <a:spLocks noGrp="1"/>
+          </p:cNvSpPr>
+          <p:nvPr>
+            <p:ph type="sldNum" sz="quarter" idx="5"/>
+          </p:nvPr>
+        </p:nvSpPr>
+        <p:spPr/>
+        <p:txBody>
+          <a:bodyPr/>
+          <a:lstStyle/>
+          <a:p>
+            <a:fld id="{3D8435DC-41A3-4858-9BB7-2D7A591C6922}" type="slidenum">
+              <a:rPr lang="ko-KR" altLang="en-US" smtClean="0"/>
+              <a:t>15</a:t>
+            </a:fld>
+            <a:endParaRPr lang="ko-KR" altLang="en-US"/>
+          </a:p>
+        </p:txBody>
+      </p:sp>
+    </p:spTree>
+    <p:extLst>
+      <p:ext uri="{BB962C8B-B14F-4D97-AF65-F5344CB8AC3E}">
+        <p14:creationId xmlns:p14="http://schemas.microsoft.com/office/powerpoint/2010/main" val="1699774706"/>
+      </p:ext>
+    </p:extLst>
+  </p:cSld>
+  <p:clrMapOvr>
+    <a:masterClrMapping/>
+  </p:clrMapOvr>
+</p:notes>
+</file>
+
+<file path=ppt/notesSlides/notesSlide16.xml><?xml version="1.0" encoding="utf-8"?>
+<p:notes xmlns:a="http://schemas.openxmlformats.org/drawingml/2006/main" xmlns:r="http://schemas.openxmlformats.org/officeDocument/2006/relationships" xmlns:p="http://schemas.openxmlformats.org/presentationml/2006/main">
+  <p:cSld>
+    <p:spTree>
+      <p:nvGrpSpPr>
+        <p:cNvPr id="1" name=""/>
+        <p:cNvGrpSpPr/>
+        <p:nvPr/>
+      </p:nvGrpSpPr>
+      <p:grpSpPr>
+        <a:xfrm>
+          <a:off x="0" y="0"/>
+          <a:ext cx="0" cy="0"/>
+          <a:chOff x="0" y="0"/>
+          <a:chExt cx="0" cy="0"/>
+        </a:xfrm>
+      </p:grpSpPr>
+      <p:sp>
+        <p:nvSpPr>
+          <p:cNvPr id="2" name="슬라이드 이미지 개체 틀 1"/>
+          <p:cNvSpPr>
+            <a:spLocks noGrp="1" noRot="1" noChangeAspect="1"/>
+          </p:cNvSpPr>
+          <p:nvPr>
+            <p:ph type="sldImg"/>
+          </p:nvPr>
+        </p:nvSpPr>
+        <p:spPr/>
+      </p:sp>
+      <p:sp>
+        <p:nvSpPr>
+          <p:cNvPr id="3" name="슬라이드 노트 개체 틀 2"/>
+          <p:cNvSpPr>
+            <a:spLocks noGrp="1"/>
+          </p:cNvSpPr>
+          <p:nvPr>
+            <p:ph type="body" idx="1"/>
+          </p:nvPr>
+        </p:nvSpPr>
+        <p:spPr/>
+        <p:txBody>
+          <a:bodyPr/>
+          <a:lstStyle/>
+          <a:p>
+            <a:pPr marL="0" marR="0" lvl="0" indent="0" algn="l" defTabSz="914400" rtl="0" eaLnBrk="1" fontAlgn="auto" latinLnBrk="1" hangingPunct="1">
+              <a:lnSpc>
+                <a:spcPct val="100000"/>
+              </a:lnSpc>
+              <a:spcBef>
+                <a:spcPts val="0"/>
+              </a:spcBef>
+              <a:spcAft>
+                <a:spcPts val="0"/>
+              </a:spcAft>
+              <a:buClrTx/>
+              <a:buSzTx/>
+              <a:buFontTx/>
+              <a:buNone/>
+              <a:tabLst/>
+              <a:defRPr/>
+            </a:pPr>
+            <a:r>
+              <a:rPr lang="en-US" altLang="ko-KR" sz="1200" kern="1200" dirty="0">
+                <a:solidFill>
+                  <a:schemeClr val="tx1"/>
+                </a:solidFill>
+                <a:effectLst/>
+                <a:latin typeface="+mn-lt"/>
+                <a:ea typeface="+mn-ea"/>
+                <a:cs typeface="+mn-cs"/>
+              </a:rPr>
+              <a:t>Git </a:t>
+            </a:r>
+            <a:r>
+              <a:rPr lang="ko-KR" altLang="ko-KR" sz="1200" kern="1200" dirty="0">
+                <a:solidFill>
+                  <a:schemeClr val="tx1"/>
+                </a:solidFill>
+                <a:effectLst/>
+                <a:latin typeface="+mn-lt"/>
+                <a:ea typeface="+mn-ea"/>
+                <a:cs typeface="+mn-cs"/>
+              </a:rPr>
+              <a:t>원격 저장소의 구성은 문서 저장소와 개발 저장소를 분리해</a:t>
+            </a:r>
+            <a:r>
+              <a:rPr lang="en-US" altLang="ko-KR" sz="1200" kern="1200" dirty="0">
+                <a:solidFill>
+                  <a:schemeClr val="tx1"/>
+                </a:solidFill>
+                <a:effectLst/>
+                <a:latin typeface="+mn-lt"/>
+                <a:ea typeface="+mn-ea"/>
+                <a:cs typeface="+mn-cs"/>
+              </a:rPr>
+              <a:t>, </a:t>
+            </a:r>
+            <a:r>
+              <a:rPr lang="ko-KR" altLang="ko-KR" sz="1200" kern="1200" dirty="0">
+                <a:solidFill>
+                  <a:schemeClr val="tx1"/>
+                </a:solidFill>
+                <a:effectLst/>
+                <a:latin typeface="+mn-lt"/>
+                <a:ea typeface="+mn-ea"/>
+                <a:cs typeface="+mn-cs"/>
+              </a:rPr>
+              <a:t>구성하였습니다</a:t>
+            </a:r>
+            <a:r>
+              <a:rPr lang="en-US" altLang="ko-KR" sz="1200" kern="1200" dirty="0">
+                <a:solidFill>
+                  <a:schemeClr val="tx1"/>
+                </a:solidFill>
+                <a:effectLst/>
+                <a:latin typeface="+mn-lt"/>
+                <a:ea typeface="+mn-ea"/>
+                <a:cs typeface="+mn-cs"/>
+              </a:rPr>
+              <a:t>. </a:t>
+            </a:r>
+            <a:endParaRPr lang="ko-KR" altLang="ko-KR" sz="1200" kern="1200" dirty="0">
+              <a:solidFill>
+                <a:schemeClr val="tx1"/>
+              </a:solidFill>
+              <a:effectLst/>
+              <a:latin typeface="+mn-lt"/>
+              <a:ea typeface="+mn-ea"/>
+              <a:cs typeface="+mn-cs"/>
+            </a:endParaRPr>
+          </a:p>
+          <a:p>
+            <a:endParaRPr lang="ko-KR" altLang="en-US" dirty="0"/>
+          </a:p>
+        </p:txBody>
+      </p:sp>
+      <p:sp>
+        <p:nvSpPr>
+          <p:cNvPr id="4" name="슬라이드 번호 개체 틀 3"/>
+          <p:cNvSpPr>
+            <a:spLocks noGrp="1"/>
+          </p:cNvSpPr>
+          <p:nvPr>
+            <p:ph type="sldNum" sz="quarter" idx="5"/>
+          </p:nvPr>
+        </p:nvSpPr>
+        <p:spPr/>
+        <p:txBody>
+          <a:bodyPr/>
+          <a:lstStyle/>
+          <a:p>
+            <a:fld id="{3D8435DC-41A3-4858-9BB7-2D7A591C6922}" type="slidenum">
+              <a:rPr lang="ko-KR" altLang="en-US" smtClean="0"/>
+              <a:t>16</a:t>
+            </a:fld>
+            <a:endParaRPr lang="ko-KR" altLang="en-US"/>
+          </a:p>
+        </p:txBody>
+      </p:sp>
+    </p:spTree>
+    <p:extLst>
+      <p:ext uri="{BB962C8B-B14F-4D97-AF65-F5344CB8AC3E}">
+        <p14:creationId xmlns:p14="http://schemas.microsoft.com/office/powerpoint/2010/main" val="4293463356"/>
+      </p:ext>
+    </p:extLst>
+  </p:cSld>
+  <p:clrMapOvr>
+    <a:masterClrMapping/>
+  </p:clrMapOvr>
+</p:notes>
+</file>
+
+<file path=ppt/notesSlides/notesSlide17.xml><?xml version="1.0" encoding="utf-8"?>
+<p:notes xmlns:a="http://schemas.openxmlformats.org/drawingml/2006/main" xmlns:r="http://schemas.openxmlformats.org/officeDocument/2006/relationships" xmlns:p="http://schemas.openxmlformats.org/presentationml/2006/main">
+  <p:cSld>
+    <p:spTree>
+      <p:nvGrpSpPr>
+        <p:cNvPr id="1" name=""/>
+        <p:cNvGrpSpPr/>
+        <p:nvPr/>
+      </p:nvGrpSpPr>
+      <p:grpSpPr>
+        <a:xfrm>
+          <a:off x="0" y="0"/>
+          <a:ext cx="0" cy="0"/>
+          <a:chOff x="0" y="0"/>
+          <a:chExt cx="0" cy="0"/>
+        </a:xfrm>
+      </p:grpSpPr>
+      <p:sp>
+        <p:nvSpPr>
+          <p:cNvPr id="2" name="슬라이드 이미지 개체 틀 1"/>
+          <p:cNvSpPr>
+            <a:spLocks noGrp="1" noRot="1" noChangeAspect="1"/>
+          </p:cNvSpPr>
+          <p:nvPr>
+            <p:ph type="sldImg"/>
+          </p:nvPr>
+        </p:nvSpPr>
+        <p:spPr/>
+      </p:sp>
+      <p:sp>
+        <p:nvSpPr>
+          <p:cNvPr id="3" name="슬라이드 노트 개체 틀 2"/>
+          <p:cNvSpPr>
+            <a:spLocks noGrp="1"/>
+          </p:cNvSpPr>
+          <p:nvPr>
+            <p:ph type="body" idx="1"/>
+          </p:nvPr>
+        </p:nvSpPr>
+        <p:spPr/>
+        <p:txBody>
+          <a:bodyPr/>
+          <a:lstStyle/>
+          <a:p>
+            <a:pPr latinLnBrk="1"/>
+            <a:r>
+              <a:rPr lang="ko-KR" altLang="ko-KR" sz="1200" kern="1200" dirty="0">
+                <a:solidFill>
+                  <a:schemeClr val="tx1"/>
+                </a:solidFill>
+                <a:effectLst/>
+                <a:latin typeface="+mn-lt"/>
+                <a:ea typeface="+mn-ea"/>
+                <a:cs typeface="+mn-cs"/>
+              </a:rPr>
+              <a:t>개발할 부분은 크게 두가지로 나뉩니다</a:t>
+            </a:r>
+            <a:r>
+              <a:rPr lang="en-US" altLang="ko-KR" sz="1200" kern="1200" dirty="0">
+                <a:solidFill>
+                  <a:schemeClr val="tx1"/>
+                </a:solidFill>
+                <a:effectLst/>
+                <a:latin typeface="+mn-lt"/>
+                <a:ea typeface="+mn-ea"/>
+                <a:cs typeface="+mn-cs"/>
+              </a:rPr>
+              <a:t>. Unity </a:t>
+            </a:r>
+            <a:r>
+              <a:rPr lang="ko-KR" altLang="ko-KR" sz="1200" kern="1200" dirty="0">
+                <a:solidFill>
+                  <a:schemeClr val="tx1"/>
+                </a:solidFill>
+                <a:effectLst/>
+                <a:latin typeface="+mn-lt"/>
+                <a:ea typeface="+mn-ea"/>
+                <a:cs typeface="+mn-cs"/>
+              </a:rPr>
+              <a:t>에디터 에서 돌아가는 부분과</a:t>
+            </a:r>
+            <a:r>
+              <a:rPr lang="en-US" altLang="ko-KR" sz="1200" kern="1200" dirty="0">
+                <a:solidFill>
+                  <a:schemeClr val="tx1"/>
+                </a:solidFill>
+                <a:effectLst/>
+                <a:latin typeface="+mn-lt"/>
+                <a:ea typeface="+mn-ea"/>
+                <a:cs typeface="+mn-cs"/>
+              </a:rPr>
+              <a:t>, </a:t>
+            </a:r>
+            <a:r>
+              <a:rPr lang="ko-KR" altLang="ko-KR" sz="1200" kern="1200" dirty="0">
+                <a:solidFill>
+                  <a:schemeClr val="tx1"/>
+                </a:solidFill>
+                <a:effectLst/>
+                <a:latin typeface="+mn-lt"/>
+                <a:ea typeface="+mn-ea"/>
+                <a:cs typeface="+mn-cs"/>
+              </a:rPr>
+              <a:t>광선 추적을 </a:t>
+            </a:r>
+            <a:r>
+              <a:rPr lang="en-US" altLang="ko-KR" sz="1200" kern="1200" dirty="0">
+                <a:solidFill>
+                  <a:schemeClr val="tx1"/>
+                </a:solidFill>
+                <a:effectLst/>
+                <a:latin typeface="+mn-lt"/>
+                <a:ea typeface="+mn-ea"/>
+                <a:cs typeface="+mn-cs"/>
+              </a:rPr>
+              <a:t>GPU </a:t>
+            </a:r>
+            <a:r>
+              <a:rPr lang="ko-KR" altLang="ko-KR" sz="1200" kern="1200" dirty="0">
+                <a:solidFill>
+                  <a:schemeClr val="tx1"/>
+                </a:solidFill>
+                <a:effectLst/>
+                <a:latin typeface="+mn-lt"/>
+                <a:ea typeface="+mn-ea"/>
+                <a:cs typeface="+mn-cs"/>
+              </a:rPr>
+              <a:t>를 사용해 계산하는 두 파트입니다</a:t>
+            </a:r>
+            <a:r>
+              <a:rPr lang="en-US" altLang="ko-KR" sz="1200" kern="1200" dirty="0">
+                <a:solidFill>
+                  <a:schemeClr val="tx1"/>
+                </a:solidFill>
+                <a:effectLst/>
+                <a:latin typeface="+mn-lt"/>
+                <a:ea typeface="+mn-ea"/>
+                <a:cs typeface="+mn-cs"/>
+              </a:rPr>
+              <a:t>.</a:t>
+            </a:r>
+            <a:endParaRPr lang="ko-KR" altLang="ko-KR" sz="1200" kern="1200" dirty="0">
+              <a:solidFill>
+                <a:schemeClr val="tx1"/>
+              </a:solidFill>
+              <a:effectLst/>
+              <a:latin typeface="+mn-lt"/>
+              <a:ea typeface="+mn-ea"/>
+              <a:cs typeface="+mn-cs"/>
+            </a:endParaRPr>
+          </a:p>
+          <a:p>
+            <a:pPr latinLnBrk="1"/>
+            <a:endParaRPr lang="en-US" altLang="ko-KR" sz="1200" kern="1200" dirty="0">
+              <a:solidFill>
+                <a:schemeClr val="tx1"/>
+              </a:solidFill>
+              <a:effectLst/>
+              <a:latin typeface="+mn-lt"/>
+              <a:ea typeface="+mn-ea"/>
+              <a:cs typeface="+mn-cs"/>
+            </a:endParaRPr>
+          </a:p>
+          <a:p>
+            <a:pPr latinLnBrk="1"/>
+            <a:r>
+              <a:rPr lang="en-US" altLang="ko-KR" sz="1200" kern="1200" dirty="0">
+                <a:solidFill>
+                  <a:schemeClr val="tx1"/>
+                </a:solidFill>
+                <a:effectLst/>
+                <a:latin typeface="+mn-lt"/>
+                <a:ea typeface="+mn-ea"/>
+                <a:cs typeface="+mn-cs"/>
+              </a:rPr>
+              <a:t>Unity </a:t>
+            </a:r>
+            <a:r>
+              <a:rPr lang="ko-KR" altLang="ko-KR" sz="1200" kern="1200" dirty="0">
+                <a:solidFill>
+                  <a:schemeClr val="tx1"/>
+                </a:solidFill>
+                <a:effectLst/>
+                <a:latin typeface="+mn-lt"/>
+                <a:ea typeface="+mn-ea"/>
+                <a:cs typeface="+mn-cs"/>
+              </a:rPr>
+              <a:t>에서는 렌더링 데이터를 수집하고</a:t>
+            </a:r>
+            <a:r>
+              <a:rPr lang="en-US" altLang="ko-KR" sz="1200" kern="1200" dirty="0">
+                <a:solidFill>
+                  <a:schemeClr val="tx1"/>
+                </a:solidFill>
+                <a:effectLst/>
+                <a:latin typeface="+mn-lt"/>
+                <a:ea typeface="+mn-ea"/>
+                <a:cs typeface="+mn-cs"/>
+              </a:rPr>
+              <a:t>, </a:t>
+            </a:r>
+            <a:r>
+              <a:rPr lang="ko-KR" altLang="ko-KR" sz="1200" kern="1200" dirty="0">
+                <a:solidFill>
+                  <a:schemeClr val="tx1"/>
+                </a:solidFill>
+                <a:effectLst/>
+                <a:latin typeface="+mn-lt"/>
+                <a:ea typeface="+mn-ea"/>
+                <a:cs typeface="+mn-cs"/>
+              </a:rPr>
+              <a:t>결과 이미지를 보여주는 기능</a:t>
+            </a:r>
+            <a:r>
+              <a:rPr lang="en-US" altLang="ko-KR" sz="1200" kern="1200" dirty="0">
+                <a:solidFill>
+                  <a:schemeClr val="tx1"/>
+                </a:solidFill>
+                <a:effectLst/>
+                <a:latin typeface="+mn-lt"/>
+                <a:ea typeface="+mn-ea"/>
+                <a:cs typeface="+mn-cs"/>
+              </a:rPr>
+              <a:t>, </a:t>
+            </a:r>
+            <a:r>
+              <a:rPr lang="ko-KR" altLang="ko-KR" sz="1200" kern="1200" dirty="0">
+                <a:solidFill>
+                  <a:schemeClr val="tx1"/>
+                </a:solidFill>
+                <a:effectLst/>
+                <a:latin typeface="+mn-lt"/>
+                <a:ea typeface="+mn-ea"/>
+                <a:cs typeface="+mn-cs"/>
+              </a:rPr>
+              <a:t>계산된 이미지를 모아서 영상으로 만드는 기능을 구현해야 합니다</a:t>
+            </a:r>
+            <a:r>
+              <a:rPr lang="en-US" altLang="ko-KR" sz="1200" kern="1200" dirty="0">
+                <a:solidFill>
+                  <a:schemeClr val="tx1"/>
+                </a:solidFill>
+                <a:effectLst/>
+                <a:latin typeface="+mn-lt"/>
+                <a:ea typeface="+mn-ea"/>
+                <a:cs typeface="+mn-cs"/>
+              </a:rPr>
+              <a:t>. </a:t>
+            </a:r>
+            <a:endParaRPr lang="ko-KR" altLang="ko-KR" sz="1200" kern="1200" dirty="0">
+              <a:solidFill>
+                <a:schemeClr val="tx1"/>
+              </a:solidFill>
+              <a:effectLst/>
+              <a:latin typeface="+mn-lt"/>
+              <a:ea typeface="+mn-ea"/>
+              <a:cs typeface="+mn-cs"/>
+            </a:endParaRPr>
+          </a:p>
+          <a:p>
+            <a:endParaRPr lang="ko-KR" altLang="en-US" dirty="0"/>
+          </a:p>
+        </p:txBody>
+      </p:sp>
+      <p:sp>
+        <p:nvSpPr>
+          <p:cNvPr id="4" name="슬라이드 번호 개체 틀 3"/>
+          <p:cNvSpPr>
+            <a:spLocks noGrp="1"/>
+          </p:cNvSpPr>
+          <p:nvPr>
+            <p:ph type="sldNum" sz="quarter" idx="5"/>
+          </p:nvPr>
+        </p:nvSpPr>
+        <p:spPr/>
+        <p:txBody>
+          <a:bodyPr/>
+          <a:lstStyle/>
+          <a:p>
+            <a:fld id="{3D8435DC-41A3-4858-9BB7-2D7A591C6922}" type="slidenum">
+              <a:rPr lang="ko-KR" altLang="en-US" smtClean="0"/>
+              <a:t>17</a:t>
+            </a:fld>
+            <a:endParaRPr lang="ko-KR" altLang="en-US"/>
+          </a:p>
+        </p:txBody>
+      </p:sp>
+    </p:spTree>
+    <p:extLst>
+      <p:ext uri="{BB962C8B-B14F-4D97-AF65-F5344CB8AC3E}">
+        <p14:creationId xmlns:p14="http://schemas.microsoft.com/office/powerpoint/2010/main" val="3685575007"/>
+      </p:ext>
+    </p:extLst>
+  </p:cSld>
+  <p:clrMapOvr>
+    <a:masterClrMapping/>
+  </p:clrMapOvr>
+</p:notes>
+</file>
+
+<file path=ppt/notesSlides/notesSlide18.xml><?xml version="1.0" encoding="utf-8"?>
+<p:notes xmlns:a="http://schemas.openxmlformats.org/drawingml/2006/main" xmlns:r="http://schemas.openxmlformats.org/officeDocument/2006/relationships" xmlns:p="http://schemas.openxmlformats.org/presentationml/2006/main">
+  <p:cSld>
+    <p:spTree>
+      <p:nvGrpSpPr>
+        <p:cNvPr id="1" name=""/>
+        <p:cNvGrpSpPr/>
+        <p:nvPr/>
+      </p:nvGrpSpPr>
+      <p:grpSpPr>
+        <a:xfrm>
+          <a:off x="0" y="0"/>
+          <a:ext cx="0" cy="0"/>
+          <a:chOff x="0" y="0"/>
+          <a:chExt cx="0" cy="0"/>
+        </a:xfrm>
+      </p:grpSpPr>
+      <p:sp>
+        <p:nvSpPr>
+          <p:cNvPr id="2" name="슬라이드 이미지 개체 틀 1"/>
+          <p:cNvSpPr>
+            <a:spLocks noGrp="1" noRot="1" noChangeAspect="1"/>
+          </p:cNvSpPr>
+          <p:nvPr>
+            <p:ph type="sldImg"/>
+          </p:nvPr>
+        </p:nvSpPr>
+        <p:spPr/>
+      </p:sp>
+      <p:sp>
+        <p:nvSpPr>
+          <p:cNvPr id="3" name="슬라이드 노트 개체 틀 2"/>
+          <p:cNvSpPr>
+            <a:spLocks noGrp="1"/>
+          </p:cNvSpPr>
+          <p:nvPr>
+            <p:ph type="body" idx="1"/>
+          </p:nvPr>
+        </p:nvSpPr>
+        <p:spPr/>
+        <p:txBody>
+          <a:bodyPr/>
+          <a:lstStyle/>
+          <a:p>
+            <a:pPr latinLnBrk="1"/>
+            <a:endParaRPr lang="ko-KR" altLang="ko-KR" sz="1200" kern="1200" dirty="0">
+              <a:solidFill>
+                <a:schemeClr val="tx1"/>
+              </a:solidFill>
+              <a:effectLst/>
+              <a:latin typeface="+mn-lt"/>
+              <a:ea typeface="+mn-ea"/>
+              <a:cs typeface="+mn-cs"/>
+            </a:endParaRPr>
+          </a:p>
+          <a:p>
+            <a:pPr latinLnBrk="1"/>
+            <a:r>
+              <a:rPr lang="ko-KR" altLang="ko-KR" sz="1200" kern="1200" dirty="0">
+                <a:solidFill>
+                  <a:schemeClr val="tx1"/>
+                </a:solidFill>
+                <a:effectLst/>
+                <a:latin typeface="+mn-lt"/>
+                <a:ea typeface="+mn-ea"/>
+                <a:cs typeface="+mn-cs"/>
+              </a:rPr>
+              <a:t>광선 추적 구현에 앞서 어떤 알고리즘을 사용할 것인지에 대한 결정들이 필요합니다</a:t>
+            </a:r>
+            <a:r>
+              <a:rPr lang="en-US" altLang="ko-KR" sz="1200" kern="1200" dirty="0">
+                <a:solidFill>
+                  <a:schemeClr val="tx1"/>
+                </a:solidFill>
+                <a:effectLst/>
+                <a:latin typeface="+mn-lt"/>
+                <a:ea typeface="+mn-ea"/>
+                <a:cs typeface="+mn-cs"/>
+              </a:rPr>
+              <a:t>.</a:t>
+            </a:r>
+            <a:endParaRPr lang="ko-KR" altLang="ko-KR" sz="1200" kern="1200" dirty="0">
+              <a:solidFill>
+                <a:schemeClr val="tx1"/>
+              </a:solidFill>
+              <a:effectLst/>
+              <a:latin typeface="+mn-lt"/>
+              <a:ea typeface="+mn-ea"/>
+              <a:cs typeface="+mn-cs"/>
+            </a:endParaRPr>
+          </a:p>
+          <a:p>
+            <a:pPr latinLnBrk="1"/>
+            <a:endParaRPr lang="en-US" altLang="ko-KR" sz="1200" kern="1200" dirty="0">
+              <a:solidFill>
+                <a:schemeClr val="tx1"/>
+              </a:solidFill>
+              <a:effectLst/>
+              <a:latin typeface="+mn-lt"/>
+              <a:ea typeface="+mn-ea"/>
+              <a:cs typeface="+mn-cs"/>
+            </a:endParaRPr>
+          </a:p>
+          <a:p>
+            <a:pPr latinLnBrk="1"/>
+            <a:r>
+              <a:rPr lang="ko-KR" altLang="ko-KR" sz="1200" kern="1200" dirty="0">
+                <a:solidFill>
+                  <a:schemeClr val="tx1"/>
+                </a:solidFill>
+                <a:effectLst/>
+                <a:latin typeface="+mn-lt"/>
+                <a:ea typeface="+mn-ea"/>
+                <a:cs typeface="+mn-cs"/>
+              </a:rPr>
+              <a:t>각 물체들을 저장하는 데이터 구조와 유효한 광선의 경로를 찾는 방법</a:t>
+            </a:r>
+            <a:r>
+              <a:rPr lang="en-US" altLang="ko-KR" sz="1200" kern="1200" dirty="0">
+                <a:solidFill>
+                  <a:schemeClr val="tx1"/>
+                </a:solidFill>
+                <a:effectLst/>
+                <a:latin typeface="+mn-lt"/>
+                <a:ea typeface="+mn-ea"/>
+                <a:cs typeface="+mn-cs"/>
+              </a:rPr>
+              <a:t>, noise </a:t>
+            </a:r>
+            <a:r>
+              <a:rPr lang="ko-KR" altLang="ko-KR" sz="1200" kern="1200" dirty="0">
+                <a:solidFill>
+                  <a:schemeClr val="tx1"/>
+                </a:solidFill>
+                <a:effectLst/>
+                <a:latin typeface="+mn-lt"/>
+                <a:ea typeface="+mn-ea"/>
+                <a:cs typeface="+mn-cs"/>
+              </a:rPr>
+              <a:t>를 줄이는 방법에 대한 부분이 선택 되어야 합니다</a:t>
+            </a:r>
+            <a:r>
+              <a:rPr lang="en-US" altLang="ko-KR" sz="1200" kern="1200" dirty="0">
+                <a:solidFill>
+                  <a:schemeClr val="tx1"/>
+                </a:solidFill>
+                <a:effectLst/>
+                <a:latin typeface="+mn-lt"/>
+                <a:ea typeface="+mn-ea"/>
+                <a:cs typeface="+mn-cs"/>
+              </a:rPr>
+              <a:t>.</a:t>
+            </a:r>
+          </a:p>
+          <a:p>
+            <a:pPr latinLnBrk="1"/>
+            <a:endParaRPr lang="ko-KR" altLang="ko-KR" sz="1200" kern="1200" dirty="0">
+              <a:solidFill>
+                <a:schemeClr val="tx1"/>
+              </a:solidFill>
+              <a:effectLst/>
+              <a:latin typeface="+mn-lt"/>
+              <a:ea typeface="+mn-ea"/>
+              <a:cs typeface="+mn-cs"/>
+            </a:endParaRPr>
+          </a:p>
+          <a:p>
+            <a:pPr latinLnBrk="1"/>
+            <a:r>
+              <a:rPr lang="ko-KR" altLang="ko-KR" sz="1200" kern="1200" dirty="0">
+                <a:solidFill>
+                  <a:schemeClr val="tx1"/>
+                </a:solidFill>
+                <a:effectLst/>
+                <a:latin typeface="+mn-lt"/>
+                <a:ea typeface="+mn-ea"/>
+                <a:cs typeface="+mn-cs"/>
+              </a:rPr>
+              <a:t>이후 </a:t>
+            </a:r>
+            <a:r>
+              <a:rPr lang="en-US" altLang="ko-KR" sz="1200" kern="1200" dirty="0">
+                <a:solidFill>
+                  <a:schemeClr val="tx1"/>
+                </a:solidFill>
+                <a:effectLst/>
+                <a:latin typeface="+mn-lt"/>
+                <a:ea typeface="+mn-ea"/>
+                <a:cs typeface="+mn-cs"/>
+              </a:rPr>
+              <a:t>C++ </a:t>
+            </a:r>
+            <a:r>
+              <a:rPr lang="ko-KR" altLang="ko-KR" sz="1200" kern="1200" dirty="0">
+                <a:solidFill>
+                  <a:schemeClr val="tx1"/>
+                </a:solidFill>
+                <a:effectLst/>
+                <a:latin typeface="+mn-lt"/>
+                <a:ea typeface="+mn-ea"/>
+                <a:cs typeface="+mn-cs"/>
+              </a:rPr>
+              <a:t>과 </a:t>
+            </a:r>
+            <a:r>
+              <a:rPr lang="en-US" altLang="ko-KR" sz="1200" kern="1200" dirty="0">
+                <a:solidFill>
+                  <a:schemeClr val="tx1"/>
+                </a:solidFill>
+                <a:effectLst/>
+                <a:latin typeface="+mn-lt"/>
+                <a:ea typeface="+mn-ea"/>
+                <a:cs typeface="+mn-cs"/>
+              </a:rPr>
+              <a:t>CUDA </a:t>
+            </a:r>
+            <a:r>
+              <a:rPr lang="ko-KR" altLang="ko-KR" sz="1200" kern="1200" dirty="0">
+                <a:solidFill>
+                  <a:schemeClr val="tx1"/>
+                </a:solidFill>
+                <a:effectLst/>
+                <a:latin typeface="+mn-lt"/>
+                <a:ea typeface="+mn-ea"/>
+                <a:cs typeface="+mn-cs"/>
+              </a:rPr>
+              <a:t>를 사용하여 위에서 결정된 알고리즘을 구현하면 됩니다</a:t>
+            </a:r>
+            <a:r>
+              <a:rPr lang="en-US" altLang="ko-KR" sz="1200" kern="1200" dirty="0">
+                <a:solidFill>
+                  <a:schemeClr val="tx1"/>
+                </a:solidFill>
+                <a:effectLst/>
+                <a:latin typeface="+mn-lt"/>
+                <a:ea typeface="+mn-ea"/>
+                <a:cs typeface="+mn-cs"/>
+              </a:rPr>
+              <a:t>.</a:t>
+            </a:r>
+            <a:endParaRPr lang="ko-KR" altLang="ko-KR" sz="1200" kern="1200" dirty="0">
+              <a:solidFill>
+                <a:schemeClr val="tx1"/>
+              </a:solidFill>
+              <a:effectLst/>
+              <a:latin typeface="+mn-lt"/>
+              <a:ea typeface="+mn-ea"/>
+              <a:cs typeface="+mn-cs"/>
+            </a:endParaRPr>
+          </a:p>
+          <a:p>
+            <a:endParaRPr lang="ko-KR" altLang="en-US" dirty="0"/>
+          </a:p>
+        </p:txBody>
+      </p:sp>
+      <p:sp>
+        <p:nvSpPr>
+          <p:cNvPr id="4" name="슬라이드 번호 개체 틀 3"/>
+          <p:cNvSpPr>
+            <a:spLocks noGrp="1"/>
+          </p:cNvSpPr>
+          <p:nvPr>
+            <p:ph type="sldNum" sz="quarter" idx="5"/>
+          </p:nvPr>
+        </p:nvSpPr>
+        <p:spPr/>
+        <p:txBody>
+          <a:bodyPr/>
+          <a:lstStyle/>
+          <a:p>
+            <a:fld id="{3D8435DC-41A3-4858-9BB7-2D7A591C6922}" type="slidenum">
+              <a:rPr lang="ko-KR" altLang="en-US" smtClean="0"/>
+              <a:t>18</a:t>
+            </a:fld>
+            <a:endParaRPr lang="ko-KR" altLang="en-US"/>
+          </a:p>
+        </p:txBody>
+      </p:sp>
+    </p:spTree>
+    <p:extLst>
+      <p:ext uri="{BB962C8B-B14F-4D97-AF65-F5344CB8AC3E}">
+        <p14:creationId xmlns:p14="http://schemas.microsoft.com/office/powerpoint/2010/main" val="3176283891"/>
+      </p:ext>
+    </p:extLst>
+  </p:cSld>
+  <p:clrMapOvr>
+    <a:masterClrMapping/>
+  </p:clrMapOvr>
+</p:notes>
+</file>
+
+<file path=ppt/notesSlides/notesSlide19.xml><?xml version="1.0" encoding="utf-8"?>
+<p:notes xmlns:a="http://schemas.openxmlformats.org/drawingml/2006/main" xmlns:r="http://schemas.openxmlformats.org/officeDocument/2006/relationships" xmlns:p="http://schemas.openxmlformats.org/presentationml/2006/main">
+  <p:cSld>
+    <p:spTree>
+      <p:nvGrpSpPr>
+        <p:cNvPr id="1" name=""/>
+        <p:cNvGrpSpPr/>
+        <p:nvPr/>
+      </p:nvGrpSpPr>
+      <p:grpSpPr>
+        <a:xfrm>
+          <a:off x="0" y="0"/>
+          <a:ext cx="0" cy="0"/>
+          <a:chOff x="0" y="0"/>
+          <a:chExt cx="0" cy="0"/>
+        </a:xfrm>
+      </p:grpSpPr>
+      <p:sp>
+        <p:nvSpPr>
+          <p:cNvPr id="2" name="슬라이드 이미지 개체 틀 1"/>
+          <p:cNvSpPr>
+            <a:spLocks noGrp="1" noRot="1" noChangeAspect="1"/>
+          </p:cNvSpPr>
+          <p:nvPr>
+            <p:ph type="sldImg"/>
+          </p:nvPr>
+        </p:nvSpPr>
+        <p:spPr/>
+      </p:sp>
+      <p:sp>
+        <p:nvSpPr>
+          <p:cNvPr id="3" name="슬라이드 노트 개체 틀 2"/>
+          <p:cNvSpPr>
+            <a:spLocks noGrp="1"/>
+          </p:cNvSpPr>
+          <p:nvPr>
+            <p:ph type="body" idx="1"/>
+          </p:nvPr>
+        </p:nvSpPr>
+        <p:spPr/>
+        <p:txBody>
+          <a:bodyPr/>
+          <a:lstStyle/>
+          <a:p>
+            <a:pPr marL="0" marR="0" lvl="0" indent="0" algn="l" defTabSz="914400" rtl="0" eaLnBrk="1" fontAlgn="auto" latinLnBrk="1" hangingPunct="1">
+              <a:lnSpc>
+                <a:spcPct val="100000"/>
+              </a:lnSpc>
+              <a:spcBef>
+                <a:spcPts val="0"/>
+              </a:spcBef>
+              <a:spcAft>
+                <a:spcPts val="0"/>
+              </a:spcAft>
+              <a:buClrTx/>
+              <a:buSzTx/>
+              <a:buFontTx/>
+              <a:buNone/>
+              <a:tabLst/>
+              <a:defRPr/>
+            </a:pPr>
+            <a:r>
+              <a:rPr lang="ko-KR" altLang="ko-KR" sz="1200" kern="1200" dirty="0">
+                <a:solidFill>
+                  <a:schemeClr val="tx1"/>
+                </a:solidFill>
+                <a:effectLst/>
+                <a:latin typeface="+mn-lt"/>
+                <a:ea typeface="+mn-ea"/>
+                <a:cs typeface="+mn-cs"/>
+              </a:rPr>
+              <a:t>업무 분담은 크게 </a:t>
+            </a:r>
+            <a:r>
+              <a:rPr lang="en-US" altLang="ko-KR" sz="1200" kern="1200" dirty="0">
+                <a:solidFill>
+                  <a:schemeClr val="tx1"/>
+                </a:solidFill>
+                <a:effectLst/>
+                <a:latin typeface="+mn-lt"/>
+                <a:ea typeface="+mn-ea"/>
+                <a:cs typeface="+mn-cs"/>
+              </a:rPr>
+              <a:t>Unity </a:t>
+            </a:r>
+            <a:r>
+              <a:rPr lang="ko-KR" altLang="ko-KR" sz="1200" kern="1200" dirty="0">
+                <a:solidFill>
+                  <a:schemeClr val="tx1"/>
+                </a:solidFill>
+                <a:effectLst/>
+                <a:latin typeface="+mn-lt"/>
+                <a:ea typeface="+mn-ea"/>
+                <a:cs typeface="+mn-cs"/>
+              </a:rPr>
+              <a:t>에서의 작업</a:t>
+            </a:r>
+            <a:r>
+              <a:rPr lang="en-US" altLang="ko-KR" sz="1200" kern="1200" dirty="0">
+                <a:solidFill>
+                  <a:schemeClr val="tx1"/>
+                </a:solidFill>
+                <a:effectLst/>
+                <a:latin typeface="+mn-lt"/>
+                <a:ea typeface="+mn-ea"/>
+                <a:cs typeface="+mn-cs"/>
+              </a:rPr>
+              <a:t>, </a:t>
+            </a:r>
+            <a:r>
+              <a:rPr lang="ko-KR" altLang="ko-KR" sz="1200" kern="1200" dirty="0">
+                <a:solidFill>
+                  <a:schemeClr val="tx1"/>
+                </a:solidFill>
+                <a:effectLst/>
+                <a:latin typeface="+mn-lt"/>
+                <a:ea typeface="+mn-ea"/>
+                <a:cs typeface="+mn-cs"/>
+              </a:rPr>
+              <a:t>광선 추적 기법의 연구 및 구현으로 나누었습니다</a:t>
+            </a:r>
+            <a:r>
+              <a:rPr lang="en-US" altLang="ko-KR" sz="1200" kern="1200" dirty="0">
+                <a:solidFill>
+                  <a:schemeClr val="tx1"/>
+                </a:solidFill>
+                <a:effectLst/>
+                <a:latin typeface="+mn-lt"/>
+                <a:ea typeface="+mn-ea"/>
+                <a:cs typeface="+mn-cs"/>
+              </a:rPr>
+              <a:t>.</a:t>
+            </a:r>
+            <a:endParaRPr lang="ko-KR" altLang="ko-KR" sz="1200" kern="1200" dirty="0">
+              <a:solidFill>
+                <a:schemeClr val="tx1"/>
+              </a:solidFill>
+              <a:effectLst/>
+              <a:latin typeface="+mn-lt"/>
+              <a:ea typeface="+mn-ea"/>
+              <a:cs typeface="+mn-cs"/>
+            </a:endParaRPr>
+          </a:p>
+          <a:p>
+            <a:endParaRPr lang="ko-KR" altLang="en-US" dirty="0"/>
+          </a:p>
+        </p:txBody>
+      </p:sp>
+      <p:sp>
+        <p:nvSpPr>
+          <p:cNvPr id="4" name="슬라이드 번호 개체 틀 3"/>
+          <p:cNvSpPr>
+            <a:spLocks noGrp="1"/>
+          </p:cNvSpPr>
+          <p:nvPr>
+            <p:ph type="sldNum" sz="quarter" idx="5"/>
+          </p:nvPr>
+        </p:nvSpPr>
+        <p:spPr/>
+        <p:txBody>
+          <a:bodyPr/>
+          <a:lstStyle/>
+          <a:p>
+            <a:fld id="{3D8435DC-41A3-4858-9BB7-2D7A591C6922}" type="slidenum">
+              <a:rPr lang="ko-KR" altLang="en-US" smtClean="0"/>
+              <a:t>19</a:t>
+            </a:fld>
+            <a:endParaRPr lang="ko-KR" altLang="en-US"/>
+          </a:p>
+        </p:txBody>
+      </p:sp>
+    </p:spTree>
+    <p:extLst>
+      <p:ext uri="{BB962C8B-B14F-4D97-AF65-F5344CB8AC3E}">
+        <p14:creationId xmlns:p14="http://schemas.microsoft.com/office/powerpoint/2010/main" val="2110403253"/>
       </p:ext>
     </p:extLst>
   </p:cSld>
@@ -1196,6 +3343,147 @@
           <a:bodyPr/>
           <a:lstStyle/>
           <a:p>
+            <a:pPr latinLnBrk="1"/>
+            <a:r>
+              <a:rPr lang="ko-KR" altLang="ko-KR" sz="1200" kern="1200" dirty="0">
+                <a:solidFill>
+                  <a:schemeClr val="tx1"/>
+                </a:solidFill>
+                <a:effectLst/>
+                <a:latin typeface="+mn-lt"/>
+                <a:ea typeface="+mn-ea"/>
+                <a:cs typeface="+mn-cs"/>
+              </a:rPr>
+              <a:t>목차는 다음과 같습니다</a:t>
+            </a:r>
+            <a:r>
+              <a:rPr lang="en-US" altLang="ko-KR" sz="1200" kern="1200" dirty="0">
+                <a:solidFill>
+                  <a:schemeClr val="tx1"/>
+                </a:solidFill>
+                <a:effectLst/>
+                <a:latin typeface="+mn-lt"/>
+                <a:ea typeface="+mn-ea"/>
+                <a:cs typeface="+mn-cs"/>
+              </a:rPr>
+              <a:t>. (</a:t>
+            </a:r>
+            <a:r>
+              <a:rPr lang="ko-KR" altLang="ko-KR" sz="1200" kern="1200" dirty="0">
+                <a:solidFill>
+                  <a:schemeClr val="tx1"/>
+                </a:solidFill>
+                <a:effectLst/>
+                <a:latin typeface="+mn-lt"/>
+                <a:ea typeface="+mn-ea"/>
+                <a:cs typeface="+mn-cs"/>
+              </a:rPr>
+              <a:t>빠르게</a:t>
+            </a:r>
+            <a:r>
+              <a:rPr lang="en-US" altLang="ko-KR" sz="1200" kern="1200" dirty="0">
+                <a:solidFill>
+                  <a:schemeClr val="tx1"/>
+                </a:solidFill>
+                <a:effectLst/>
+                <a:latin typeface="+mn-lt"/>
+                <a:ea typeface="+mn-ea"/>
+                <a:cs typeface="+mn-cs"/>
+              </a:rPr>
+              <a:t>)</a:t>
+            </a:r>
+            <a:endParaRPr lang="ko-KR" altLang="ko-KR" sz="1200" kern="1200" dirty="0">
+              <a:solidFill>
+                <a:schemeClr val="tx1"/>
+              </a:solidFill>
+              <a:effectLst/>
+              <a:latin typeface="+mn-lt"/>
+              <a:ea typeface="+mn-ea"/>
+              <a:cs typeface="+mn-cs"/>
+            </a:endParaRPr>
+          </a:p>
+        </p:txBody>
+      </p:sp>
+      <p:sp>
+        <p:nvSpPr>
+          <p:cNvPr id="4" name="슬라이드 번호 개체 틀 3"/>
+          <p:cNvSpPr>
+            <a:spLocks noGrp="1"/>
+          </p:cNvSpPr>
+          <p:nvPr>
+            <p:ph type="sldNum" sz="quarter" idx="10"/>
+          </p:nvPr>
+        </p:nvSpPr>
+        <p:spPr/>
+        <p:txBody>
+          <a:bodyPr/>
+          <a:lstStyle/>
+          <a:p>
+            <a:fld id="{3D8435DC-41A3-4858-9BB7-2D7A591C6922}" type="slidenum">
+              <a:rPr lang="ko-KR" altLang="en-US" smtClean="0"/>
+              <a:t>2</a:t>
+            </a:fld>
+            <a:endParaRPr lang="ko-KR" altLang="en-US"/>
+          </a:p>
+        </p:txBody>
+      </p:sp>
+    </p:spTree>
+    <p:extLst>
+      <p:ext uri="{BB962C8B-B14F-4D97-AF65-F5344CB8AC3E}">
+        <p14:creationId xmlns:p14="http://schemas.microsoft.com/office/powerpoint/2010/main" val="1703014517"/>
+      </p:ext>
+    </p:extLst>
+  </p:cSld>
+  <p:clrMapOvr>
+    <a:masterClrMapping/>
+  </p:clrMapOvr>
+</p:notes>
+</file>
+
+<file path=ppt/notesSlides/notesSlide20.xml><?xml version="1.0" encoding="utf-8"?>
+<p:notes xmlns:a="http://schemas.openxmlformats.org/drawingml/2006/main" xmlns:r="http://schemas.openxmlformats.org/officeDocument/2006/relationships" xmlns:p="http://schemas.openxmlformats.org/presentationml/2006/main">
+  <p:cSld>
+    <p:spTree>
+      <p:nvGrpSpPr>
+        <p:cNvPr id="1" name=""/>
+        <p:cNvGrpSpPr/>
+        <p:nvPr/>
+      </p:nvGrpSpPr>
+      <p:grpSpPr>
+        <a:xfrm>
+          <a:off x="0" y="0"/>
+          <a:ext cx="0" cy="0"/>
+          <a:chOff x="0" y="0"/>
+          <a:chExt cx="0" cy="0"/>
+        </a:xfrm>
+      </p:grpSpPr>
+      <p:sp>
+        <p:nvSpPr>
+          <p:cNvPr id="2" name="슬라이드 이미지 개체 틀 1"/>
+          <p:cNvSpPr>
+            <a:spLocks noGrp="1" noRot="1" noChangeAspect="1"/>
+          </p:cNvSpPr>
+          <p:nvPr>
+            <p:ph type="sldImg"/>
+          </p:nvPr>
+        </p:nvSpPr>
+        <p:spPr/>
+      </p:sp>
+      <p:sp>
+        <p:nvSpPr>
+          <p:cNvPr id="3" name="슬라이드 노트 개체 틀 2"/>
+          <p:cNvSpPr>
+            <a:spLocks noGrp="1"/>
+          </p:cNvSpPr>
+          <p:nvPr>
+            <p:ph type="body" idx="1"/>
+          </p:nvPr>
+        </p:nvSpPr>
+        <p:spPr/>
+        <p:txBody>
+          <a:bodyPr/>
+          <a:lstStyle/>
+          <a:p>
             <a:pPr marL="0" marR="0" lvl="0" indent="0" algn="l" defTabSz="914400" rtl="0" eaLnBrk="1" fontAlgn="auto" latinLnBrk="1" hangingPunct="1">
               <a:lnSpc>
                 <a:spcPct val="100000"/>
@@ -1223,7 +3511,239 @@
                 <a:ea typeface="+mn-ea"/>
                 <a:cs typeface="+mn-cs"/>
               </a:rPr>
-              <a:t>목차는 다음과 같습니다</a:t>
+              <a:t>저희의 일정은 구현전에 각 알고리즘에 대하여 학습 및 설계하는 시간 이후에 순차적으로 구현</a:t>
+            </a:r>
+            <a:r>
+              <a:rPr lang="en-US" altLang="ko-KR" sz="1200" kern="1200" dirty="0">
+                <a:solidFill>
+                  <a:schemeClr val="tx1"/>
+                </a:solidFill>
+                <a:effectLst/>
+                <a:latin typeface="+mn-lt"/>
+                <a:ea typeface="+mn-ea"/>
+                <a:cs typeface="+mn-cs"/>
+              </a:rPr>
+              <a:t>, </a:t>
+            </a:r>
+            <a:r>
+              <a:rPr lang="ko-KR" altLang="ko-KR" sz="1200" kern="1200" dirty="0">
+                <a:solidFill>
+                  <a:schemeClr val="tx1"/>
+                </a:solidFill>
+                <a:effectLst/>
+                <a:latin typeface="+mn-lt"/>
+                <a:ea typeface="+mn-ea"/>
+                <a:cs typeface="+mn-cs"/>
+              </a:rPr>
+              <a:t>테스트</a:t>
+            </a:r>
+            <a:r>
+              <a:rPr lang="en-US" altLang="ko-KR" sz="1200" kern="1200" dirty="0">
+                <a:solidFill>
+                  <a:schemeClr val="tx1"/>
+                </a:solidFill>
+                <a:effectLst/>
+                <a:latin typeface="+mn-lt"/>
+                <a:ea typeface="+mn-ea"/>
+                <a:cs typeface="+mn-cs"/>
+              </a:rPr>
+              <a:t>, </a:t>
+            </a:r>
+            <a:r>
+              <a:rPr lang="ko-KR" altLang="ko-KR" sz="1200" kern="1200" dirty="0">
+                <a:solidFill>
+                  <a:schemeClr val="tx1"/>
+                </a:solidFill>
+                <a:effectLst/>
+                <a:latin typeface="+mn-lt"/>
+                <a:ea typeface="+mn-ea"/>
+                <a:cs typeface="+mn-cs"/>
+              </a:rPr>
+              <a:t>문서화</a:t>
+            </a:r>
+            <a:r>
+              <a:rPr lang="en-US" altLang="ko-KR" sz="1200" kern="1200" dirty="0">
+                <a:solidFill>
+                  <a:schemeClr val="tx1"/>
+                </a:solidFill>
+                <a:effectLst/>
+                <a:latin typeface="+mn-lt"/>
+                <a:ea typeface="+mn-ea"/>
+                <a:cs typeface="+mn-cs"/>
+              </a:rPr>
+              <a:t>, </a:t>
+            </a:r>
+            <a:r>
+              <a:rPr lang="ko-KR" altLang="ko-KR" sz="1200" kern="1200" dirty="0">
+                <a:solidFill>
+                  <a:schemeClr val="tx1"/>
+                </a:solidFill>
+                <a:effectLst/>
+                <a:latin typeface="+mn-lt"/>
+                <a:ea typeface="+mn-ea"/>
+                <a:cs typeface="+mn-cs"/>
+              </a:rPr>
+              <a:t>발표</a:t>
+            </a:r>
+            <a:r>
+              <a:rPr lang="en-US" altLang="ko-KR" sz="1200" kern="1200" dirty="0">
+                <a:solidFill>
+                  <a:schemeClr val="tx1"/>
+                </a:solidFill>
+                <a:effectLst/>
+                <a:latin typeface="+mn-lt"/>
+                <a:ea typeface="+mn-ea"/>
+                <a:cs typeface="+mn-cs"/>
+              </a:rPr>
+              <a:t>, </a:t>
+            </a:r>
+            <a:r>
+              <a:rPr lang="ko-KR" altLang="ko-KR" sz="1200" kern="1200" dirty="0">
+                <a:solidFill>
+                  <a:schemeClr val="tx1"/>
+                </a:solidFill>
+                <a:effectLst/>
+                <a:latin typeface="+mn-lt"/>
+                <a:ea typeface="+mn-ea"/>
+                <a:cs typeface="+mn-cs"/>
+              </a:rPr>
+              <a:t>최종보고서 작성으로 넘어갑니다</a:t>
+            </a:r>
+            <a:r>
+              <a:rPr lang="en-US" altLang="ko-KR" sz="1200" kern="1200" dirty="0">
+                <a:solidFill>
+                  <a:schemeClr val="tx1"/>
+                </a:solidFill>
+                <a:effectLst/>
+                <a:latin typeface="+mn-lt"/>
+                <a:ea typeface="+mn-ea"/>
+                <a:cs typeface="+mn-cs"/>
+              </a:rPr>
+              <a:t>.</a:t>
+            </a:r>
+            <a:endParaRPr lang="ko-KR" altLang="ko-KR" sz="1200" kern="1200" dirty="0">
+              <a:solidFill>
+                <a:schemeClr val="tx1"/>
+              </a:solidFill>
+              <a:effectLst/>
+              <a:latin typeface="+mn-lt"/>
+              <a:ea typeface="+mn-ea"/>
+              <a:cs typeface="+mn-cs"/>
+            </a:endParaRPr>
+          </a:p>
+          <a:p>
+            <a:endParaRPr lang="ko-KR" altLang="en-US" dirty="0"/>
+          </a:p>
+        </p:txBody>
+      </p:sp>
+      <p:sp>
+        <p:nvSpPr>
+          <p:cNvPr id="4" name="슬라이드 번호 개체 틀 3"/>
+          <p:cNvSpPr>
+            <a:spLocks noGrp="1"/>
+          </p:cNvSpPr>
+          <p:nvPr>
+            <p:ph type="sldNum" sz="quarter" idx="5"/>
+          </p:nvPr>
+        </p:nvSpPr>
+        <p:spPr/>
+        <p:txBody>
+          <a:bodyPr/>
+          <a:lstStyle/>
+          <a:p>
+            <a:fld id="{3D8435DC-41A3-4858-9BB7-2D7A591C6922}" type="slidenum">
+              <a:rPr lang="ko-KR" altLang="en-US" smtClean="0"/>
+              <a:t>20</a:t>
+            </a:fld>
+            <a:endParaRPr lang="ko-KR" altLang="en-US"/>
+          </a:p>
+        </p:txBody>
+      </p:sp>
+    </p:spTree>
+    <p:extLst>
+      <p:ext uri="{BB962C8B-B14F-4D97-AF65-F5344CB8AC3E}">
+        <p14:creationId xmlns:p14="http://schemas.microsoft.com/office/powerpoint/2010/main" val="3626023163"/>
+      </p:ext>
+    </p:extLst>
+  </p:cSld>
+  <p:clrMapOvr>
+    <a:masterClrMapping/>
+  </p:clrMapOvr>
+</p:notes>
+</file>
+
+<file path=ppt/notesSlides/notesSlide21.xml><?xml version="1.0" encoding="utf-8"?>
+<p:notes xmlns:a="http://schemas.openxmlformats.org/drawingml/2006/main" xmlns:r="http://schemas.openxmlformats.org/officeDocument/2006/relationships" xmlns:p="http://schemas.openxmlformats.org/presentationml/2006/main">
+  <p:cSld>
+    <p:spTree>
+      <p:nvGrpSpPr>
+        <p:cNvPr id="1" name=""/>
+        <p:cNvGrpSpPr/>
+        <p:nvPr/>
+      </p:nvGrpSpPr>
+      <p:grpSpPr>
+        <a:xfrm>
+          <a:off x="0" y="0"/>
+          <a:ext cx="0" cy="0"/>
+          <a:chOff x="0" y="0"/>
+          <a:chExt cx="0" cy="0"/>
+        </a:xfrm>
+      </p:grpSpPr>
+      <p:sp>
+        <p:nvSpPr>
+          <p:cNvPr id="2" name="슬라이드 이미지 개체 틀 1"/>
+          <p:cNvSpPr>
+            <a:spLocks noGrp="1" noRot="1" noChangeAspect="1"/>
+          </p:cNvSpPr>
+          <p:nvPr>
+            <p:ph type="sldImg"/>
+          </p:nvPr>
+        </p:nvSpPr>
+        <p:spPr/>
+      </p:sp>
+      <p:sp>
+        <p:nvSpPr>
+          <p:cNvPr id="3" name="슬라이드 노트 개체 틀 2"/>
+          <p:cNvSpPr>
+            <a:spLocks noGrp="1"/>
+          </p:cNvSpPr>
+          <p:nvPr>
+            <p:ph type="body" idx="1"/>
+          </p:nvPr>
+        </p:nvSpPr>
+        <p:spPr/>
+        <p:txBody>
+          <a:bodyPr/>
+          <a:lstStyle/>
+          <a:p>
+            <a:pPr marL="0" marR="0" lvl="0" indent="0" algn="l" defTabSz="914400" rtl="0" eaLnBrk="1" fontAlgn="auto" latinLnBrk="1" hangingPunct="1">
+              <a:lnSpc>
+                <a:spcPct val="100000"/>
+              </a:lnSpc>
+              <a:spcBef>
+                <a:spcPts val="0"/>
+              </a:spcBef>
+              <a:spcAft>
+                <a:spcPts val="0"/>
+              </a:spcAft>
+              <a:buClrTx/>
+              <a:buSzTx/>
+              <a:buFontTx/>
+              <a:buNone/>
+              <a:tabLst/>
+              <a:defRPr/>
+            </a:pPr>
+            <a:r>
+              <a:rPr lang="ko-KR" altLang="ko-KR" sz="1200" kern="1200" dirty="0">
+                <a:solidFill>
+                  <a:schemeClr val="tx1"/>
+                </a:solidFill>
+                <a:effectLst/>
+                <a:latin typeface="+mn-lt"/>
+                <a:ea typeface="+mn-ea"/>
+                <a:cs typeface="+mn-cs"/>
+              </a:rPr>
+              <a:t>필요 기술 및 참고 문헌은 다음과 같습니다</a:t>
             </a:r>
             <a:r>
               <a:rPr lang="en-US" altLang="ko-KR" sz="1200" kern="1200" dirty="0">
@@ -1269,7 +3789,7 @@
           <a:p>
             <a:fld id="{3D8435DC-41A3-4858-9BB7-2D7A591C6922}" type="slidenum">
               <a:rPr lang="ko-KR" altLang="en-US" smtClean="0"/>
-              <a:t>2</a:t>
+              <a:t>21</a:t>
             </a:fld>
             <a:endParaRPr lang="ko-KR" altLang="en-US"/>
           </a:p>
@@ -1278,7 +3798,214 @@
     </p:spTree>
     <p:extLst>
       <p:ext uri="{BB962C8B-B14F-4D97-AF65-F5344CB8AC3E}">
-        <p14:creationId xmlns:p14="http://schemas.microsoft.com/office/powerpoint/2010/main" val="1703014517"/>
+        <p14:creationId xmlns:p14="http://schemas.microsoft.com/office/powerpoint/2010/main" val="3353164081"/>
+      </p:ext>
+    </p:extLst>
+  </p:cSld>
+  <p:clrMapOvr>
+    <a:masterClrMapping/>
+  </p:clrMapOvr>
+</p:notes>
+</file>
+
+<file path=ppt/notesSlides/notesSlide22.xml><?xml version="1.0" encoding="utf-8"?>
+<p:notes xmlns:a="http://schemas.openxmlformats.org/drawingml/2006/main" xmlns:r="http://schemas.openxmlformats.org/officeDocument/2006/relationships" xmlns:p="http://schemas.openxmlformats.org/presentationml/2006/main">
+  <p:cSld>
+    <p:spTree>
+      <p:nvGrpSpPr>
+        <p:cNvPr id="1" name=""/>
+        <p:cNvGrpSpPr/>
+        <p:nvPr/>
+      </p:nvGrpSpPr>
+      <p:grpSpPr>
+        <a:xfrm>
+          <a:off x="0" y="0"/>
+          <a:ext cx="0" cy="0"/>
+          <a:chOff x="0" y="0"/>
+          <a:chExt cx="0" cy="0"/>
+        </a:xfrm>
+      </p:grpSpPr>
+      <p:sp>
+        <p:nvSpPr>
+          <p:cNvPr id="2" name="슬라이드 이미지 개체 틀 1"/>
+          <p:cNvSpPr>
+            <a:spLocks noGrp="1" noRot="1" noChangeAspect="1"/>
+          </p:cNvSpPr>
+          <p:nvPr>
+            <p:ph type="sldImg"/>
+          </p:nvPr>
+        </p:nvSpPr>
+        <p:spPr/>
+      </p:sp>
+      <p:sp>
+        <p:nvSpPr>
+          <p:cNvPr id="3" name="슬라이드 노트 개체 틀 2"/>
+          <p:cNvSpPr>
+            <a:spLocks noGrp="1"/>
+          </p:cNvSpPr>
+          <p:nvPr>
+            <p:ph type="body" idx="1"/>
+          </p:nvPr>
+        </p:nvSpPr>
+        <p:spPr/>
+        <p:txBody>
+          <a:bodyPr/>
+          <a:lstStyle/>
+          <a:p>
+            <a:endParaRPr lang="ko-KR" altLang="en-US"/>
+          </a:p>
+        </p:txBody>
+      </p:sp>
+      <p:sp>
+        <p:nvSpPr>
+          <p:cNvPr id="4" name="슬라이드 번호 개체 틀 3"/>
+          <p:cNvSpPr>
+            <a:spLocks noGrp="1"/>
+          </p:cNvSpPr>
+          <p:nvPr>
+            <p:ph type="sldNum" sz="quarter" idx="10"/>
+          </p:nvPr>
+        </p:nvSpPr>
+        <p:spPr/>
+        <p:txBody>
+          <a:bodyPr/>
+          <a:lstStyle/>
+          <a:p>
+            <a:fld id="{3D8435DC-41A3-4858-9BB7-2D7A591C6922}" type="slidenum">
+              <a:rPr lang="ko-KR" altLang="en-US" smtClean="0"/>
+              <a:t>23</a:t>
+            </a:fld>
+            <a:endParaRPr lang="ko-KR" altLang="en-US"/>
+          </a:p>
+        </p:txBody>
+      </p:sp>
+    </p:spTree>
+    <p:extLst>
+      <p:ext uri="{BB962C8B-B14F-4D97-AF65-F5344CB8AC3E}">
+        <p14:creationId xmlns:p14="http://schemas.microsoft.com/office/powerpoint/2010/main" val="303754111"/>
+      </p:ext>
+    </p:extLst>
+  </p:cSld>
+  <p:clrMapOvr>
+    <a:masterClrMapping/>
+  </p:clrMapOvr>
+</p:notes>
+</file>
+
+<file path=ppt/notesSlides/notesSlide23.xml><?xml version="1.0" encoding="utf-8"?>
+<p:notes xmlns:a="http://schemas.openxmlformats.org/drawingml/2006/main" xmlns:r="http://schemas.openxmlformats.org/officeDocument/2006/relationships" xmlns:p="http://schemas.openxmlformats.org/presentationml/2006/main">
+  <p:cSld>
+    <p:spTree>
+      <p:nvGrpSpPr>
+        <p:cNvPr id="1" name=""/>
+        <p:cNvGrpSpPr/>
+        <p:nvPr/>
+      </p:nvGrpSpPr>
+      <p:grpSpPr>
+        <a:xfrm>
+          <a:off x="0" y="0"/>
+          <a:ext cx="0" cy="0"/>
+          <a:chOff x="0" y="0"/>
+          <a:chExt cx="0" cy="0"/>
+        </a:xfrm>
+      </p:grpSpPr>
+      <p:sp>
+        <p:nvSpPr>
+          <p:cNvPr id="2" name="슬라이드 이미지 개체 틀 1"/>
+          <p:cNvSpPr>
+            <a:spLocks noGrp="1" noRot="1" noChangeAspect="1"/>
+          </p:cNvSpPr>
+          <p:nvPr>
+            <p:ph type="sldImg"/>
+          </p:nvPr>
+        </p:nvSpPr>
+        <p:spPr/>
+      </p:sp>
+      <p:sp>
+        <p:nvSpPr>
+          <p:cNvPr id="3" name="슬라이드 노트 개체 틀 2"/>
+          <p:cNvSpPr>
+            <a:spLocks noGrp="1"/>
+          </p:cNvSpPr>
+          <p:nvPr>
+            <p:ph type="body" idx="1"/>
+          </p:nvPr>
+        </p:nvSpPr>
+        <p:spPr/>
+        <p:txBody>
+          <a:bodyPr/>
+          <a:lstStyle/>
+          <a:p>
+            <a:r>
+              <a:rPr lang="ko-KR" altLang="en-US" dirty="0" err="1"/>
+              <a:t>에셋</a:t>
+            </a:r>
+            <a:r>
+              <a:rPr lang="ko-KR" altLang="en-US" dirty="0"/>
+              <a:t> 스토어</a:t>
+            </a:r>
+            <a:r>
+              <a:rPr lang="en-US" altLang="ko-KR" dirty="0"/>
+              <a:t>, </a:t>
+            </a:r>
+            <a:r>
+              <a:rPr lang="ko-KR" altLang="en-US" dirty="0"/>
+              <a:t>마켓 </a:t>
+            </a:r>
+            <a:r>
+              <a:rPr lang="ko-KR" altLang="en-US" dirty="0" err="1"/>
+              <a:t>플레이스의</a:t>
+            </a:r>
+            <a:r>
+              <a:rPr lang="ko-KR" altLang="en-US" dirty="0"/>
+              <a:t> 시장 성</a:t>
+            </a:r>
+            <a:r>
+              <a:rPr lang="en-US" altLang="ko-KR" dirty="0"/>
+              <a:t>, Technical</a:t>
+            </a:r>
+            <a:r>
+              <a:rPr lang="ko-KR" altLang="en-US" dirty="0"/>
+              <a:t> </a:t>
+            </a:r>
+            <a:r>
+              <a:rPr lang="en-US" altLang="ko-KR" dirty="0"/>
+              <a:t>Solution </a:t>
+            </a:r>
+            <a:r>
+              <a:rPr lang="ko-KR" altLang="en-US" dirty="0"/>
+              <a:t>의 시장성</a:t>
+            </a:r>
+          </a:p>
+        </p:txBody>
+      </p:sp>
+      <p:sp>
+        <p:nvSpPr>
+          <p:cNvPr id="4" name="슬라이드 번호 개체 틀 3"/>
+          <p:cNvSpPr>
+            <a:spLocks noGrp="1"/>
+          </p:cNvSpPr>
+          <p:nvPr>
+            <p:ph type="sldNum" sz="quarter" idx="5"/>
+          </p:nvPr>
+        </p:nvSpPr>
+        <p:spPr/>
+        <p:txBody>
+          <a:bodyPr/>
+          <a:lstStyle/>
+          <a:p>
+            <a:fld id="{3D8435DC-41A3-4858-9BB7-2D7A591C6922}" type="slidenum">
+              <a:rPr lang="ko-KR" altLang="en-US" smtClean="0"/>
+              <a:t>24</a:t>
+            </a:fld>
+            <a:endParaRPr lang="ko-KR" altLang="en-US"/>
+          </a:p>
+        </p:txBody>
+      </p:sp>
+    </p:spTree>
+    <p:extLst>
+      <p:ext uri="{BB962C8B-B14F-4D97-AF65-F5344CB8AC3E}">
+        <p14:creationId xmlns:p14="http://schemas.microsoft.com/office/powerpoint/2010/main" val="3796156256"/>
       </p:ext>
     </p:extLst>
   </p:cSld>
@@ -1436,7 +4163,7 @@
               <a:t>(</a:t>
             </a:r>
             <a:r>
-              <a:rPr lang="ko-KR" altLang="ko-KR" sz="1200" kern="1200" dirty="0">
+              <a:rPr lang="ko-KR" altLang="en-US" sz="1200" kern="1200" dirty="0">
                 <a:solidFill>
                   <a:schemeClr val="tx1"/>
                 </a:solidFill>
@@ -1445,7 +4172,7 @@
                 <a:ea typeface="+mn-ea"/>
                 <a:cs typeface="+mn-cs"/>
               </a:rPr>
-              <a:t>보면서</a:t>
+              <a:t>틀면서</a:t>
             </a:r>
             <a:r>
               <a:rPr lang="en-US" altLang="ko-KR" sz="1200" kern="1200" dirty="0">
@@ -1493,10 +4220,10 @@
                 <a:ea typeface="+mn-ea"/>
                 <a:cs typeface="+mn-cs"/>
               </a:rPr>
-              <a:t> 레이 </a:t>
-            </a:r>
-            <a:r>
-              <a:rPr lang="ko-KR" altLang="ko-KR" sz="1200" kern="1200" dirty="0" err="1">
+              <a:t> </a:t>
+            </a:r>
+            <a:r>
+              <a:rPr lang="ko-KR" altLang="en-US" sz="1200" kern="1200" dirty="0">
                 <a:solidFill>
                   <a:schemeClr val="tx1"/>
                 </a:solidFill>
@@ -1505,7 +4232,7 @@
                 <a:ea typeface="+mn-ea"/>
                 <a:cs typeface="+mn-cs"/>
               </a:rPr>
-              <a:t>트레이싱</a:t>
+              <a:t>광선 추적</a:t>
             </a:r>
             <a:r>
               <a:rPr lang="ko-KR" altLang="ko-KR" sz="1200" kern="1200" dirty="0">
@@ -2334,9 +5061,88 @@
           <a:bodyPr/>
           <a:lstStyle/>
           <a:p>
+            <a:pPr marL="0" marR="0" lvl="0" indent="0" algn="l" defTabSz="914400" rtl="0" eaLnBrk="1" fontAlgn="auto" latinLnBrk="1" hangingPunct="1">
+              <a:lnSpc>
+                <a:spcPct val="100000"/>
+              </a:lnSpc>
+              <a:spcBef>
+                <a:spcPts val="0"/>
+              </a:spcBef>
+              <a:spcAft>
+                <a:spcPts val="0"/>
+              </a:spcAft>
+              <a:buClrTx/>
+              <a:buSzTx/>
+              <a:buFontTx/>
+              <a:buNone/>
+              <a:tabLst/>
+              <a:defRPr/>
+            </a:pPr>
+            <a:r>
+              <a:rPr lang="ko-KR" altLang="ko-KR" sz="1200" kern="1200" dirty="0">
+                <a:solidFill>
+                  <a:schemeClr val="tx1"/>
+                </a:solidFill>
+                <a:effectLst/>
+                <a:latin typeface="+mn-lt"/>
+                <a:ea typeface="+mn-ea"/>
+                <a:cs typeface="+mn-cs"/>
+              </a:rPr>
+              <a:t>두번째 키워드</a:t>
+            </a:r>
+            <a:r>
+              <a:rPr lang="en-US" altLang="ko-KR" sz="1200" kern="1200" dirty="0">
+                <a:solidFill>
+                  <a:schemeClr val="tx1"/>
+                </a:solidFill>
+                <a:effectLst/>
+                <a:latin typeface="+mn-lt"/>
+                <a:ea typeface="+mn-ea"/>
+                <a:cs typeface="+mn-cs"/>
+              </a:rPr>
+              <a:t>. </a:t>
+            </a:r>
+            <a:r>
+              <a:rPr lang="ko-KR" altLang="ko-KR" sz="1200" kern="1200" dirty="0">
+                <a:solidFill>
+                  <a:schemeClr val="tx1"/>
+                </a:solidFill>
+                <a:effectLst/>
+                <a:latin typeface="+mn-lt"/>
+                <a:ea typeface="+mn-ea"/>
+                <a:cs typeface="+mn-cs"/>
+              </a:rPr>
+              <a:t>광선추적 입니다</a:t>
+            </a:r>
+            <a:r>
+              <a:rPr lang="en-US" altLang="ko-KR" sz="1200" kern="1200" dirty="0">
+                <a:solidFill>
+                  <a:schemeClr val="tx1"/>
+                </a:solidFill>
+                <a:effectLst/>
+                <a:latin typeface="+mn-lt"/>
+                <a:ea typeface="+mn-ea"/>
+                <a:cs typeface="+mn-cs"/>
+              </a:rPr>
+              <a:t>.</a:t>
+            </a:r>
+          </a:p>
+          <a:p>
             <a:pPr latinLnBrk="1"/>
-            <a:r>
-              <a:rPr lang="en-US" altLang="ko-KR" sz="1200" kern="1200" dirty="0">
+            <a:endParaRPr lang="en-US" altLang="ko-KR" sz="1200" kern="1200" dirty="0">
+              <a:solidFill>
+                <a:schemeClr val="tx1"/>
+              </a:solidFill>
+              <a:effectLst/>
+              <a:latin typeface="+mn-lt"/>
+              <a:ea typeface="+mn-ea"/>
+              <a:cs typeface="+mn-cs"/>
+            </a:endParaRPr>
+          </a:p>
+          <a:p>
+            <a:pPr latinLnBrk="1"/>
+            <a:r>
+              <a:rPr lang="ko-KR" altLang="ko-KR" sz="1200" kern="1200" dirty="0">
                 <a:solidFill>
                   <a:schemeClr val="tx1"/>
                 </a:solidFill>
@@ -2345,19 +5151,7 @@
                 <a:ea typeface="+mn-ea"/>
                 <a:cs typeface="+mn-cs"/>
               </a:rPr>
-              <a:t>ray-tracing </a:t>
-            </a:r>
-            <a:r>
-              <a:rPr lang="ko-KR" altLang="ko-KR" sz="1200" kern="1200" dirty="0">
-                <a:solidFill>
-                  <a:schemeClr val="tx1"/>
-                </a:solidFill>
-                <a:effectLst/>
-                <a:latin typeface="+mn-lt"/>
-                <a:ea typeface="+mn-ea"/>
-                <a:cs typeface="+mn-cs"/>
-              </a:rPr>
-              <a:t>은 빛을 하나의 광선으로 취급해</a:t>
+              <a:t>광선 추적은 빛을 하나의 광선으로 취급해</a:t>
             </a:r>
             <a:r>
               <a:rPr lang="en-US" altLang="ko-KR" sz="1200" kern="1200" dirty="0">
@@ -2419,117 +5213,33 @@
               </a:rPr>
               <a:t>. </a:t>
             </a:r>
+            <a:r>
+              <a:rPr lang="ko-KR" altLang="ko-KR" sz="1200" kern="1200" dirty="0">
+                <a:solidFill>
+                  <a:schemeClr val="tx1"/>
+                </a:solidFill>
+                <a:effectLst/>
+                <a:latin typeface="+mn-lt"/>
+                <a:ea typeface="+mn-ea"/>
+                <a:cs typeface="+mn-cs"/>
+              </a:rPr>
+              <a:t>앞선 영상에서는 빛의 반사를 광선 추적으로 계산한 결과를 보여주었습니다</a:t>
+            </a:r>
+            <a:r>
+              <a:rPr lang="en-US" altLang="ko-KR" sz="1200" kern="1200" dirty="0">
+                <a:solidFill>
+                  <a:schemeClr val="tx1"/>
+                </a:solidFill>
+                <a:effectLst/>
+                <a:latin typeface="+mn-lt"/>
+                <a:ea typeface="+mn-ea"/>
+                <a:cs typeface="+mn-cs"/>
+              </a:rPr>
+              <a:t>. </a:t>
+            </a:r>
           </a:p>
           <a:p>
             <a:pPr latinLnBrk="1"/>
-            <a:r>
-              <a:rPr lang="en-US" altLang="ko-KR" sz="1200" kern="1200" dirty="0">
-                <a:solidFill>
-                  <a:schemeClr val="tx1"/>
-                </a:solidFill>
-                <a:effectLst/>
-                <a:latin typeface="+mn-lt"/>
-                <a:ea typeface="+mn-ea"/>
-                <a:cs typeface="+mn-cs"/>
-              </a:rPr>
-              <a:t>GPGPU </a:t>
-            </a:r>
-            <a:r>
-              <a:rPr lang="ko-KR" altLang="ko-KR" sz="1200" kern="1200" dirty="0">
-                <a:solidFill>
-                  <a:schemeClr val="tx1"/>
-                </a:solidFill>
-                <a:effectLst/>
-                <a:latin typeface="+mn-lt"/>
-                <a:ea typeface="+mn-ea"/>
-                <a:cs typeface="+mn-cs"/>
-              </a:rPr>
-              <a:t>등장 이전에는 수많은 </a:t>
-            </a:r>
-            <a:r>
-              <a:rPr lang="ko-KR" altLang="ko-KR" sz="1200" kern="1200" dirty="0" err="1">
-                <a:solidFill>
-                  <a:schemeClr val="tx1"/>
-                </a:solidFill>
-                <a:effectLst/>
-                <a:latin typeface="+mn-lt"/>
-                <a:ea typeface="+mn-ea"/>
-                <a:cs typeface="+mn-cs"/>
-              </a:rPr>
-              <a:t>계산량으로</a:t>
-            </a:r>
-            <a:r>
-              <a:rPr lang="ko-KR" altLang="ko-KR" sz="1200" kern="1200" dirty="0">
-                <a:solidFill>
-                  <a:schemeClr val="tx1"/>
-                </a:solidFill>
-                <a:effectLst/>
-                <a:latin typeface="+mn-lt"/>
-                <a:ea typeface="+mn-ea"/>
-                <a:cs typeface="+mn-cs"/>
-              </a:rPr>
-              <a:t> 너무 오랜 시간이 걸려 쉽게 사용될 수 없었으나</a:t>
-            </a:r>
-            <a:r>
-              <a:rPr lang="en-US" altLang="ko-KR" sz="1200" kern="1200" dirty="0">
-                <a:solidFill>
-                  <a:schemeClr val="tx1"/>
-                </a:solidFill>
-                <a:effectLst/>
-                <a:latin typeface="+mn-lt"/>
-                <a:ea typeface="+mn-ea"/>
-                <a:cs typeface="+mn-cs"/>
-              </a:rPr>
-              <a:t>, GPU </a:t>
-            </a:r>
-            <a:r>
-              <a:rPr lang="ko-KR" altLang="ko-KR" sz="1200" kern="1200" dirty="0">
-                <a:solidFill>
-                  <a:schemeClr val="tx1"/>
-                </a:solidFill>
-                <a:effectLst/>
-                <a:latin typeface="+mn-lt"/>
-                <a:ea typeface="+mn-ea"/>
-                <a:cs typeface="+mn-cs"/>
-              </a:rPr>
-              <a:t>의 발달과</a:t>
-            </a:r>
-            <a:r>
-              <a:rPr lang="en-US" altLang="ko-KR" sz="1200" kern="1200" dirty="0">
-                <a:solidFill>
-                  <a:schemeClr val="tx1"/>
-                </a:solidFill>
-                <a:effectLst/>
-                <a:latin typeface="+mn-lt"/>
-                <a:ea typeface="+mn-ea"/>
-                <a:cs typeface="+mn-cs"/>
-              </a:rPr>
-              <a:t> GPGPU </a:t>
-            </a:r>
-            <a:r>
-              <a:rPr lang="ko-KR" altLang="ko-KR" sz="1200" kern="1200" dirty="0">
-                <a:solidFill>
-                  <a:schemeClr val="tx1"/>
-                </a:solidFill>
-                <a:effectLst/>
-                <a:latin typeface="+mn-lt"/>
-                <a:ea typeface="+mn-ea"/>
-                <a:cs typeface="+mn-cs"/>
-              </a:rPr>
-              <a:t>기술의 등장 이후에는 시간에 민감하지 않은 경우에는 사용할 수 있게 되었습니다</a:t>
-            </a:r>
-            <a:r>
-              <a:rPr lang="en-US" altLang="ko-KR" sz="1200" kern="1200" dirty="0">
-                <a:solidFill>
-                  <a:schemeClr val="tx1"/>
-                </a:solidFill>
-                <a:effectLst/>
-                <a:latin typeface="+mn-lt"/>
-                <a:ea typeface="+mn-ea"/>
-                <a:cs typeface="+mn-cs"/>
-              </a:rPr>
-              <a:t>.</a:t>
-            </a:r>
             <a:endParaRPr lang="ko-KR" altLang="ko-KR" sz="1200" kern="1200" dirty="0">
               <a:solidFill>
                 <a:schemeClr val="tx1"/>
@@ -2539,6 +5249,129 @@
               <a:ea typeface="+mn-ea"/>
               <a:cs typeface="+mn-cs"/>
             </a:endParaRPr>
+          </a:p>
+          <a:p>
+            <a:pPr latinLnBrk="1"/>
+            <a:r>
+              <a:rPr lang="en-US" altLang="ko-KR" sz="1200" kern="1200" dirty="0">
+                <a:solidFill>
+                  <a:schemeClr val="tx1"/>
+                </a:solidFill>
+                <a:effectLst/>
+                <a:latin typeface="+mn-lt"/>
+                <a:ea typeface="+mn-ea"/>
+                <a:cs typeface="+mn-cs"/>
+              </a:rPr>
+              <a:t>GPGPU </a:t>
+            </a:r>
+            <a:r>
+              <a:rPr lang="ko-KR" altLang="ko-KR" sz="1200" kern="1200" dirty="0">
+                <a:solidFill>
+                  <a:schemeClr val="tx1"/>
+                </a:solidFill>
+                <a:effectLst/>
+                <a:latin typeface="+mn-lt"/>
+                <a:ea typeface="+mn-ea"/>
+                <a:cs typeface="+mn-cs"/>
+              </a:rPr>
+              <a:t>등장 이전에는 수많은 </a:t>
+            </a:r>
+            <a:r>
+              <a:rPr lang="ko-KR" altLang="ko-KR" sz="1200" kern="1200" dirty="0" err="1">
+                <a:solidFill>
+                  <a:schemeClr val="tx1"/>
+                </a:solidFill>
+                <a:effectLst/>
+                <a:latin typeface="+mn-lt"/>
+                <a:ea typeface="+mn-ea"/>
+                <a:cs typeface="+mn-cs"/>
+              </a:rPr>
+              <a:t>계산량으로</a:t>
+            </a:r>
+            <a:r>
+              <a:rPr lang="ko-KR" altLang="ko-KR" sz="1200" kern="1200" dirty="0">
+                <a:solidFill>
+                  <a:schemeClr val="tx1"/>
+                </a:solidFill>
+                <a:effectLst/>
+                <a:latin typeface="+mn-lt"/>
+                <a:ea typeface="+mn-ea"/>
+                <a:cs typeface="+mn-cs"/>
+              </a:rPr>
+              <a:t> 너무 오랜 시간이 걸려 쉽게 사용될 수 없었으나</a:t>
+            </a:r>
+            <a:r>
+              <a:rPr lang="en-US" altLang="ko-KR" sz="1200" kern="1200" dirty="0">
+                <a:solidFill>
+                  <a:schemeClr val="tx1"/>
+                </a:solidFill>
+                <a:effectLst/>
+                <a:latin typeface="+mn-lt"/>
+                <a:ea typeface="+mn-ea"/>
+                <a:cs typeface="+mn-cs"/>
+              </a:rPr>
+              <a:t>, GPU </a:t>
+            </a:r>
+            <a:r>
+              <a:rPr lang="ko-KR" altLang="ko-KR" sz="1200" kern="1200" dirty="0">
+                <a:solidFill>
+                  <a:schemeClr val="tx1"/>
+                </a:solidFill>
+                <a:effectLst/>
+                <a:latin typeface="+mn-lt"/>
+                <a:ea typeface="+mn-ea"/>
+                <a:cs typeface="+mn-cs"/>
+              </a:rPr>
+              <a:t>의 발달과</a:t>
+            </a:r>
+            <a:r>
+              <a:rPr lang="en-US" altLang="ko-KR" sz="1200" kern="1200" dirty="0">
+                <a:solidFill>
+                  <a:schemeClr val="tx1"/>
+                </a:solidFill>
+                <a:effectLst/>
+                <a:latin typeface="+mn-lt"/>
+                <a:ea typeface="+mn-ea"/>
+                <a:cs typeface="+mn-cs"/>
+              </a:rPr>
+              <a:t> GPGPU </a:t>
+            </a:r>
+            <a:r>
+              <a:rPr lang="ko-KR" altLang="ko-KR" sz="1200" kern="1200" dirty="0">
+                <a:solidFill>
+                  <a:schemeClr val="tx1"/>
+                </a:solidFill>
+                <a:effectLst/>
+                <a:latin typeface="+mn-lt"/>
+                <a:ea typeface="+mn-ea"/>
+                <a:cs typeface="+mn-cs"/>
+              </a:rPr>
+              <a:t>기술의 등장 이후에는 시간에 민감하지 않은 경우에는 사용할 수 있게 되었습니다</a:t>
+            </a:r>
+            <a:r>
+              <a:rPr lang="en-US" altLang="ko-KR" sz="1200" kern="1200" dirty="0">
+                <a:solidFill>
+                  <a:schemeClr val="tx1"/>
+                </a:solidFill>
+                <a:effectLst/>
+                <a:latin typeface="+mn-lt"/>
+                <a:ea typeface="+mn-ea"/>
+                <a:cs typeface="+mn-cs"/>
+              </a:rPr>
+              <a:t>.</a:t>
+            </a:r>
+            <a:endParaRPr lang="ko-KR" altLang="ko-KR" sz="1200" kern="1200" dirty="0">
+              <a:solidFill>
+                <a:schemeClr val="tx1"/>
+              </a:solidFill>
+              <a:effectLst/>
+              <a:latin typeface="+mn-lt"/>
+              <a:ea typeface="+mn-ea"/>
+              <a:cs typeface="+mn-cs"/>
+            </a:endParaRPr>
+          </a:p>
+          <a:p>
+            <a:endParaRPr lang="ko-KR" altLang="en-US" dirty="0"/>
           </a:p>
         </p:txBody>
       </p:sp>
@@ -2622,6 +5455,237 @@
           <a:bodyPr/>
           <a:lstStyle/>
           <a:p>
+            <a:pPr latinLnBrk="1"/>
+            <a:r>
+              <a:rPr lang="ko-KR" altLang="ko-KR" sz="1200" kern="1200" dirty="0">
+                <a:solidFill>
+                  <a:schemeClr val="tx1"/>
+                </a:solidFill>
+                <a:effectLst/>
+                <a:latin typeface="+mn-lt"/>
+                <a:ea typeface="+mn-ea"/>
+                <a:cs typeface="+mn-cs"/>
+              </a:rPr>
+              <a:t>마지막 키워드</a:t>
+            </a:r>
+            <a:r>
+              <a:rPr lang="en-US" altLang="ko-KR" sz="1200" kern="1200" dirty="0">
+                <a:solidFill>
+                  <a:schemeClr val="tx1"/>
+                </a:solidFill>
+                <a:effectLst/>
+                <a:latin typeface="+mn-lt"/>
+                <a:ea typeface="+mn-ea"/>
+                <a:cs typeface="+mn-cs"/>
+              </a:rPr>
+              <a:t>, Unity </a:t>
+            </a:r>
+            <a:r>
+              <a:rPr lang="ko-KR" altLang="ko-KR" sz="1200" kern="1200" dirty="0">
+                <a:solidFill>
+                  <a:schemeClr val="tx1"/>
+                </a:solidFill>
+                <a:effectLst/>
+                <a:latin typeface="+mn-lt"/>
+                <a:ea typeface="+mn-ea"/>
+                <a:cs typeface="+mn-cs"/>
+              </a:rPr>
+              <a:t>입니다</a:t>
+            </a:r>
+            <a:r>
+              <a:rPr lang="en-US" altLang="ko-KR" sz="1200" kern="1200" dirty="0">
+                <a:solidFill>
+                  <a:schemeClr val="tx1"/>
+                </a:solidFill>
+                <a:effectLst/>
+                <a:latin typeface="+mn-lt"/>
+                <a:ea typeface="+mn-ea"/>
+                <a:cs typeface="+mn-cs"/>
+              </a:rPr>
+              <a:t>.</a:t>
+            </a:r>
+          </a:p>
+          <a:p>
+            <a:pPr latinLnBrk="1"/>
+            <a:endParaRPr lang="ko-KR" altLang="ko-KR" sz="1200" kern="1200" dirty="0">
+              <a:solidFill>
+                <a:schemeClr val="tx1"/>
+              </a:solidFill>
+              <a:effectLst/>
+              <a:latin typeface="+mn-lt"/>
+              <a:ea typeface="+mn-ea"/>
+              <a:cs typeface="+mn-cs"/>
+            </a:endParaRPr>
+          </a:p>
+          <a:p>
+            <a:pPr latinLnBrk="1"/>
+            <a:r>
+              <a:rPr lang="ko-KR" altLang="ko-KR" sz="1200" kern="1200" dirty="0">
+                <a:solidFill>
+                  <a:schemeClr val="tx1"/>
+                </a:solidFill>
+                <a:effectLst/>
+                <a:latin typeface="+mn-lt"/>
+                <a:ea typeface="+mn-ea"/>
+                <a:cs typeface="+mn-cs"/>
+              </a:rPr>
+              <a:t>이전부터 게임을 만들기 위해 </a:t>
+            </a:r>
+            <a:r>
+              <a:rPr lang="en-US" altLang="ko-KR" sz="1200" kern="1200" dirty="0">
+                <a:solidFill>
+                  <a:schemeClr val="tx1"/>
+                </a:solidFill>
+                <a:effectLst/>
+                <a:latin typeface="+mn-lt"/>
+                <a:ea typeface="+mn-ea"/>
+                <a:cs typeface="+mn-cs"/>
+              </a:rPr>
+              <a:t>Unity, </a:t>
+            </a:r>
+            <a:r>
+              <a:rPr lang="ko-KR" altLang="ko-KR" sz="1200" kern="1200" dirty="0" err="1">
+                <a:solidFill>
+                  <a:schemeClr val="tx1"/>
+                </a:solidFill>
+                <a:effectLst/>
+                <a:latin typeface="+mn-lt"/>
+                <a:ea typeface="+mn-ea"/>
+                <a:cs typeface="+mn-cs"/>
+              </a:rPr>
+              <a:t>언리얼엔진</a:t>
+            </a:r>
+            <a:r>
+              <a:rPr lang="ko-KR" altLang="ko-KR" sz="1200" kern="1200" dirty="0">
+                <a:solidFill>
+                  <a:schemeClr val="tx1"/>
+                </a:solidFill>
+                <a:effectLst/>
+                <a:latin typeface="+mn-lt"/>
+                <a:ea typeface="+mn-ea"/>
+                <a:cs typeface="+mn-cs"/>
+              </a:rPr>
+              <a:t> 같은 실시간 렌더링 엔진들이 사용되었습니다</a:t>
+            </a:r>
+            <a:r>
+              <a:rPr lang="en-US" altLang="ko-KR" sz="1200" kern="1200" dirty="0">
+                <a:solidFill>
+                  <a:schemeClr val="tx1"/>
+                </a:solidFill>
+                <a:effectLst/>
+                <a:latin typeface="+mn-lt"/>
+                <a:ea typeface="+mn-ea"/>
+                <a:cs typeface="+mn-cs"/>
+              </a:rPr>
+              <a:t>. </a:t>
+            </a:r>
+            <a:r>
+              <a:rPr lang="ko-KR" altLang="ko-KR" sz="1200" kern="1200" dirty="0">
+                <a:solidFill>
+                  <a:schemeClr val="tx1"/>
+                </a:solidFill>
+                <a:effectLst/>
+                <a:latin typeface="+mn-lt"/>
+                <a:ea typeface="+mn-ea"/>
+                <a:cs typeface="+mn-cs"/>
+              </a:rPr>
+              <a:t>이들은 </a:t>
+            </a:r>
+            <a:r>
+              <a:rPr lang="en-US" altLang="ko-KR" sz="1200" kern="1200" dirty="0">
+                <a:solidFill>
+                  <a:schemeClr val="tx1"/>
+                </a:solidFill>
+                <a:effectLst/>
+                <a:latin typeface="+mn-lt"/>
+                <a:ea typeface="+mn-ea"/>
+                <a:cs typeface="+mn-cs"/>
+              </a:rPr>
+              <a:t>VR </a:t>
+            </a:r>
+            <a:r>
+              <a:rPr lang="ko-KR" altLang="ko-KR" sz="1200" kern="1200" dirty="0">
+                <a:solidFill>
+                  <a:schemeClr val="tx1"/>
+                </a:solidFill>
+                <a:effectLst/>
+                <a:latin typeface="+mn-lt"/>
+                <a:ea typeface="+mn-ea"/>
+                <a:cs typeface="+mn-cs"/>
+              </a:rPr>
+              <a:t>이 나타나면서 영상 제작의 </a:t>
+            </a:r>
+            <a:r>
+              <a:rPr lang="ko-KR" altLang="ko-KR" sz="1200" kern="1200" dirty="0" err="1">
+                <a:solidFill>
+                  <a:schemeClr val="tx1"/>
+                </a:solidFill>
+                <a:effectLst/>
+                <a:latin typeface="+mn-lt"/>
+                <a:ea typeface="+mn-ea"/>
+                <a:cs typeface="+mn-cs"/>
+              </a:rPr>
+              <a:t>툴로써도</a:t>
+            </a:r>
+            <a:r>
+              <a:rPr lang="ko-KR" altLang="ko-KR" sz="1200" kern="1200" dirty="0">
+                <a:solidFill>
+                  <a:schemeClr val="tx1"/>
+                </a:solidFill>
+                <a:effectLst/>
+                <a:latin typeface="+mn-lt"/>
+                <a:ea typeface="+mn-ea"/>
+                <a:cs typeface="+mn-cs"/>
+              </a:rPr>
+              <a:t> 사용되기 시작해 디지털 애니메이션 영상 제작 </a:t>
+            </a:r>
+            <a:r>
+              <a:rPr lang="ko-KR" altLang="ko-KR" sz="1200" kern="1200" dirty="0" err="1">
+                <a:solidFill>
+                  <a:schemeClr val="tx1"/>
+                </a:solidFill>
+                <a:effectLst/>
+                <a:latin typeface="+mn-lt"/>
+                <a:ea typeface="+mn-ea"/>
+                <a:cs typeface="+mn-cs"/>
+              </a:rPr>
+              <a:t>툴로써의</a:t>
+            </a:r>
+            <a:r>
+              <a:rPr lang="ko-KR" altLang="ko-KR" sz="1200" kern="1200" dirty="0">
+                <a:solidFill>
+                  <a:schemeClr val="tx1"/>
+                </a:solidFill>
+                <a:effectLst/>
+                <a:latin typeface="+mn-lt"/>
+                <a:ea typeface="+mn-ea"/>
+                <a:cs typeface="+mn-cs"/>
+              </a:rPr>
+              <a:t> 가치를 지니게 되었습니다</a:t>
+            </a:r>
+            <a:r>
+              <a:rPr lang="en-US" altLang="ko-KR" sz="1200" kern="1200" dirty="0">
+                <a:solidFill>
+                  <a:schemeClr val="tx1"/>
+                </a:solidFill>
+                <a:effectLst/>
+                <a:latin typeface="+mn-lt"/>
+                <a:ea typeface="+mn-ea"/>
+                <a:cs typeface="+mn-cs"/>
+              </a:rPr>
+              <a:t>.</a:t>
+            </a:r>
+            <a:endParaRPr lang="ko-KR" altLang="ko-KR" sz="1200" kern="1200" dirty="0">
+              <a:solidFill>
+                <a:schemeClr val="tx1"/>
+              </a:solidFill>
+              <a:effectLst/>
+              <a:latin typeface="+mn-lt"/>
+              <a:ea typeface="+mn-ea"/>
+              <a:cs typeface="+mn-cs"/>
+            </a:endParaRPr>
+          </a:p>
+          <a:p>
             <a:endParaRPr lang="ko-KR" altLang="en-US" dirty="0"/>
           </a:p>
         </p:txBody>
@@ -2706,6 +5770,154 @@
           <a:bodyPr/>
           <a:lstStyle/>
           <a:p>
+            <a:pPr marL="0" marR="0" lvl="0" indent="0" algn="l" defTabSz="914400" rtl="0" eaLnBrk="1" fontAlgn="auto" latinLnBrk="1" hangingPunct="1">
+              <a:lnSpc>
+                <a:spcPct val="100000"/>
+              </a:lnSpc>
+              <a:spcBef>
+                <a:spcPts val="0"/>
+              </a:spcBef>
+              <a:spcAft>
+                <a:spcPts val="0"/>
+              </a:spcAft>
+              <a:buClrTx/>
+              <a:buSzTx/>
+              <a:buFontTx/>
+              <a:buNone/>
+              <a:tabLst/>
+              <a:defRPr/>
+            </a:pPr>
+            <a:r>
+              <a:rPr lang="ko-KR" altLang="ko-KR" sz="1200" kern="1200" dirty="0">
+                <a:solidFill>
+                  <a:schemeClr val="tx1"/>
+                </a:solidFill>
+                <a:effectLst/>
+                <a:latin typeface="+mn-lt"/>
+                <a:ea typeface="+mn-ea"/>
+                <a:cs typeface="+mn-cs"/>
+              </a:rPr>
+              <a:t>그리고 전체 시장 분포를 보면</a:t>
+            </a:r>
+            <a:r>
+              <a:rPr lang="en-US" altLang="ko-KR" sz="1200" kern="1200" dirty="0">
+                <a:solidFill>
+                  <a:schemeClr val="tx1"/>
+                </a:solidFill>
+                <a:effectLst/>
+                <a:latin typeface="+mn-lt"/>
+                <a:ea typeface="+mn-ea"/>
+                <a:cs typeface="+mn-cs"/>
+              </a:rPr>
+              <a:t>, </a:t>
+            </a:r>
+            <a:r>
+              <a:rPr lang="ko-KR" altLang="ko-KR" sz="1200" kern="1200" dirty="0">
+                <a:solidFill>
+                  <a:schemeClr val="tx1"/>
+                </a:solidFill>
+                <a:effectLst/>
+                <a:latin typeface="+mn-lt"/>
+                <a:ea typeface="+mn-ea"/>
+                <a:cs typeface="+mn-cs"/>
+              </a:rPr>
+              <a:t>압도적으로 </a:t>
+            </a:r>
+            <a:r>
+              <a:rPr lang="en-US" altLang="ko-KR" sz="1200" kern="1200" dirty="0">
+                <a:solidFill>
+                  <a:schemeClr val="tx1"/>
+                </a:solidFill>
+                <a:effectLst/>
+                <a:latin typeface="+mn-lt"/>
+                <a:ea typeface="+mn-ea"/>
+                <a:cs typeface="+mn-cs"/>
+              </a:rPr>
+              <a:t>Unity </a:t>
+            </a:r>
+            <a:r>
+              <a:rPr lang="ko-KR" altLang="ko-KR" sz="1200" kern="1200" dirty="0">
+                <a:solidFill>
+                  <a:schemeClr val="tx1"/>
+                </a:solidFill>
+                <a:effectLst/>
+                <a:latin typeface="+mn-lt"/>
+                <a:ea typeface="+mn-ea"/>
+                <a:cs typeface="+mn-cs"/>
+              </a:rPr>
+              <a:t>가 많은 것을 알 수 있습니다</a:t>
+            </a:r>
+            <a:r>
+              <a:rPr lang="en-US" altLang="ko-KR" sz="1200" kern="1200" dirty="0">
+                <a:solidFill>
+                  <a:schemeClr val="tx1"/>
+                </a:solidFill>
+                <a:effectLst/>
+                <a:latin typeface="+mn-lt"/>
+                <a:ea typeface="+mn-ea"/>
+                <a:cs typeface="+mn-cs"/>
+              </a:rPr>
+              <a:t>. </a:t>
+            </a:r>
+            <a:r>
+              <a:rPr lang="ko-KR" altLang="ko-KR" sz="1200" kern="1200" dirty="0">
+                <a:solidFill>
+                  <a:schemeClr val="tx1"/>
+                </a:solidFill>
+                <a:effectLst/>
+                <a:latin typeface="+mn-lt"/>
+                <a:ea typeface="+mn-ea"/>
+                <a:cs typeface="+mn-cs"/>
+              </a:rPr>
+              <a:t>이는 높은 </a:t>
+            </a:r>
+            <a:r>
+              <a:rPr lang="ko-KR" altLang="ko-KR" sz="1200" kern="1200" dirty="0" err="1">
+                <a:solidFill>
+                  <a:schemeClr val="tx1"/>
+                </a:solidFill>
+                <a:effectLst/>
+                <a:latin typeface="+mn-lt"/>
+                <a:ea typeface="+mn-ea"/>
+                <a:cs typeface="+mn-cs"/>
+              </a:rPr>
+              <a:t>자유도와</a:t>
+            </a:r>
+            <a:r>
+              <a:rPr lang="ko-KR" altLang="ko-KR" sz="1200" kern="1200" dirty="0">
+                <a:solidFill>
+                  <a:schemeClr val="tx1"/>
+                </a:solidFill>
+                <a:effectLst/>
+                <a:latin typeface="+mn-lt"/>
+                <a:ea typeface="+mn-ea"/>
+                <a:cs typeface="+mn-cs"/>
+              </a:rPr>
+              <a:t> 쉬운 사용 방법 때문으로 추측됩니다</a:t>
+            </a:r>
+            <a:r>
+              <a:rPr lang="en-US" altLang="ko-KR" sz="1200" kern="1200" dirty="0">
+                <a:solidFill>
+                  <a:schemeClr val="tx1"/>
+                </a:solidFill>
+                <a:effectLst/>
+                <a:latin typeface="+mn-lt"/>
+                <a:ea typeface="+mn-ea"/>
+                <a:cs typeface="+mn-cs"/>
+              </a:rPr>
+              <a:t>. </a:t>
+            </a:r>
+            <a:endParaRPr lang="ko-KR" altLang="ko-KR" sz="1200" kern="1200" dirty="0">
+              <a:solidFill>
+                <a:schemeClr val="tx1"/>
+              </a:solidFill>
+              <a:effectLst/>
+              <a:latin typeface="+mn-lt"/>
+              <a:ea typeface="+mn-ea"/>
+              <a:cs typeface="+mn-cs"/>
+            </a:endParaRPr>
+          </a:p>
+          <a:p>
             <a:endParaRPr lang="ko-KR" altLang="en-US" dirty="0"/>
           </a:p>
         </p:txBody>
@@ -2790,7 +6002,208 @@
           <a:bodyPr/>
           <a:lstStyle/>
           <a:p>
-            <a:endParaRPr lang="ko-KR" altLang="en-US" dirty="0"/>
+            <a:pPr latinLnBrk="1"/>
+            <a:r>
+              <a:rPr lang="en-US" altLang="ko-KR" sz="1200" kern="1200" dirty="0">
+                <a:solidFill>
+                  <a:schemeClr val="tx1"/>
+                </a:solidFill>
+                <a:effectLst/>
+                <a:latin typeface="+mn-lt"/>
+                <a:ea typeface="+mn-ea"/>
+                <a:cs typeface="+mn-cs"/>
+              </a:rPr>
+              <a:t>Unity </a:t>
+            </a:r>
+            <a:r>
+              <a:rPr lang="ko-KR" altLang="ko-KR" sz="1200" kern="1200" dirty="0">
+                <a:solidFill>
+                  <a:schemeClr val="tx1"/>
+                </a:solidFill>
+                <a:effectLst/>
+                <a:latin typeface="+mn-lt"/>
+                <a:ea typeface="+mn-ea"/>
+                <a:cs typeface="+mn-cs"/>
+              </a:rPr>
+              <a:t>사용자들이 </a:t>
+            </a:r>
+            <a:r>
+              <a:rPr lang="en-US" altLang="ko-KR" sz="1200" kern="1200" dirty="0">
+                <a:solidFill>
+                  <a:schemeClr val="tx1"/>
+                </a:solidFill>
+                <a:effectLst/>
+                <a:latin typeface="+mn-lt"/>
+                <a:ea typeface="+mn-ea"/>
+                <a:cs typeface="+mn-cs"/>
+              </a:rPr>
+              <a:t>Unity </a:t>
+            </a:r>
+            <a:r>
+              <a:rPr lang="ko-KR" altLang="ko-KR" sz="1200" kern="1200" dirty="0">
+                <a:solidFill>
+                  <a:schemeClr val="tx1"/>
+                </a:solidFill>
+                <a:effectLst/>
+                <a:latin typeface="+mn-lt"/>
+                <a:ea typeface="+mn-ea"/>
+                <a:cs typeface="+mn-cs"/>
+              </a:rPr>
+              <a:t>에서 바로 사용할 수 있도록 만든 결과물을 팔고</a:t>
+            </a:r>
+            <a:r>
+              <a:rPr lang="en-US" altLang="ko-KR" sz="1200" kern="1200" dirty="0">
+                <a:solidFill>
+                  <a:schemeClr val="tx1"/>
+                </a:solidFill>
+                <a:effectLst/>
+                <a:latin typeface="+mn-lt"/>
+                <a:ea typeface="+mn-ea"/>
+                <a:cs typeface="+mn-cs"/>
+              </a:rPr>
+              <a:t>, </a:t>
+            </a:r>
+            <a:r>
+              <a:rPr lang="ko-KR" altLang="ko-KR" sz="1200" kern="1200" dirty="0">
+                <a:solidFill>
+                  <a:schemeClr val="tx1"/>
+                </a:solidFill>
+                <a:effectLst/>
+                <a:latin typeface="+mn-lt"/>
+                <a:ea typeface="+mn-ea"/>
+                <a:cs typeface="+mn-cs"/>
+              </a:rPr>
+              <a:t>살 수 있는 오픈마켓이 존재합니다</a:t>
+            </a:r>
+            <a:r>
+              <a:rPr lang="en-US" altLang="ko-KR" sz="1200" kern="1200" dirty="0">
+                <a:solidFill>
+                  <a:schemeClr val="tx1"/>
+                </a:solidFill>
+                <a:effectLst/>
+                <a:latin typeface="+mn-lt"/>
+                <a:ea typeface="+mn-ea"/>
+                <a:cs typeface="+mn-cs"/>
+              </a:rPr>
+              <a:t>. </a:t>
+            </a:r>
+            <a:r>
+              <a:rPr lang="ko-KR" altLang="ko-KR" sz="1200" kern="1200" dirty="0">
+                <a:solidFill>
+                  <a:schemeClr val="tx1"/>
+                </a:solidFill>
+                <a:effectLst/>
+                <a:latin typeface="+mn-lt"/>
+                <a:ea typeface="+mn-ea"/>
+                <a:cs typeface="+mn-cs"/>
+              </a:rPr>
+              <a:t>이를 </a:t>
+            </a:r>
+            <a:r>
+              <a:rPr lang="en-US" altLang="ko-KR" sz="1200" kern="1200" dirty="0" err="1">
+                <a:solidFill>
+                  <a:schemeClr val="tx1"/>
+                </a:solidFill>
+                <a:effectLst/>
+                <a:latin typeface="+mn-lt"/>
+                <a:ea typeface="+mn-ea"/>
+                <a:cs typeface="+mn-cs"/>
+              </a:rPr>
+              <a:t>Assetstore</a:t>
+            </a:r>
+            <a:r>
+              <a:rPr lang="en-US" altLang="ko-KR" sz="1200" kern="1200" dirty="0">
+                <a:solidFill>
+                  <a:schemeClr val="tx1"/>
+                </a:solidFill>
+                <a:effectLst/>
+                <a:latin typeface="+mn-lt"/>
+                <a:ea typeface="+mn-ea"/>
+                <a:cs typeface="+mn-cs"/>
+              </a:rPr>
+              <a:t> </a:t>
+            </a:r>
+            <a:r>
+              <a:rPr lang="ko-KR" altLang="ko-KR" sz="1200" kern="1200" dirty="0">
+                <a:solidFill>
+                  <a:schemeClr val="tx1"/>
+                </a:solidFill>
+                <a:effectLst/>
+                <a:latin typeface="+mn-lt"/>
+                <a:ea typeface="+mn-ea"/>
+                <a:cs typeface="+mn-cs"/>
+              </a:rPr>
+              <a:t>라고 통칭합니다</a:t>
+            </a:r>
+            <a:r>
+              <a:rPr lang="en-US" altLang="ko-KR" sz="1200" kern="1200" dirty="0">
+                <a:solidFill>
+                  <a:schemeClr val="tx1"/>
+                </a:solidFill>
+                <a:effectLst/>
+                <a:latin typeface="+mn-lt"/>
+                <a:ea typeface="+mn-ea"/>
+                <a:cs typeface="+mn-cs"/>
+              </a:rPr>
+              <a:t>. Unity </a:t>
+            </a:r>
+            <a:r>
+              <a:rPr lang="ko-KR" altLang="ko-KR" sz="1200" kern="1200" dirty="0">
+                <a:solidFill>
+                  <a:schemeClr val="tx1"/>
+                </a:solidFill>
+                <a:effectLst/>
+                <a:latin typeface="+mn-lt"/>
+                <a:ea typeface="+mn-ea"/>
+                <a:cs typeface="+mn-cs"/>
+              </a:rPr>
+              <a:t>사용자는 </a:t>
+            </a:r>
+            <a:r>
+              <a:rPr lang="ko-KR" altLang="ko-KR" sz="1200" kern="1200" dirty="0" err="1">
+                <a:solidFill>
+                  <a:schemeClr val="tx1"/>
+                </a:solidFill>
+                <a:effectLst/>
+                <a:latin typeface="+mn-lt"/>
+                <a:ea typeface="+mn-ea"/>
+                <a:cs typeface="+mn-cs"/>
+              </a:rPr>
+              <a:t>인디</a:t>
+            </a:r>
+            <a:r>
+              <a:rPr lang="ko-KR" altLang="ko-KR" sz="1200" kern="1200" dirty="0">
+                <a:solidFill>
+                  <a:schemeClr val="tx1"/>
+                </a:solidFill>
+                <a:effectLst/>
+                <a:latin typeface="+mn-lt"/>
+                <a:ea typeface="+mn-ea"/>
+                <a:cs typeface="+mn-cs"/>
+              </a:rPr>
+              <a:t> 개발자가 많은 편이기 때문에 다른 엔진에 비해 자체 오픈 마켓이 크게 활성화 되어 있습니다</a:t>
+            </a:r>
+            <a:r>
+              <a:rPr lang="en-US" altLang="ko-KR" sz="1200" kern="1200" dirty="0">
+                <a:solidFill>
+                  <a:schemeClr val="tx1"/>
+                </a:solidFill>
+                <a:effectLst/>
+                <a:latin typeface="+mn-lt"/>
+                <a:ea typeface="+mn-ea"/>
+                <a:cs typeface="+mn-cs"/>
+              </a:rPr>
+              <a:t>. </a:t>
+            </a:r>
+            <a:endParaRPr lang="ko-KR" altLang="ko-KR" sz="1200" kern="1200" dirty="0">
+              <a:solidFill>
+                <a:schemeClr val="tx1"/>
+              </a:solidFill>
+              <a:effectLst/>
+              <a:latin typeface="+mn-lt"/>
+              <a:ea typeface="+mn-ea"/>
+              <a:cs typeface="+mn-cs"/>
+            </a:endParaRPr>
           </a:p>
         </p:txBody>
       </p:sp>
@@ -6243,8 +9656,12 @@
               </a:lnSpc>
             </a:pPr>
             <a:r>
+              <a:rPr lang="ko-KR" altLang="en-US" sz="1800" dirty="0"/>
+              <a:t>하나의 프레임</a:t>
+            </a:r>
+            <a:r>
               <a:rPr lang="en-US" altLang="ko-KR" sz="1800" dirty="0"/>
-              <a:t>HD resolution: 1920 x 1080, 500spp</a:t>
+              <a:t>, HD: 1920 x 1080, RGB color, 500spp</a:t>
             </a:r>
           </a:p>
           <a:p>
@@ -6420,7 +9837,7 @@
           <p:nvPr/>
         </p:nvPicPr>
         <p:blipFill>
-          <a:blip r:embed="rId2">
+          <a:blip r:embed="rId3">
             <a:extLst>
               <a:ext uri="{28A0092B-C50C-407E-A947-70E740481C1C}">
                 <a14:useLocalDpi xmlns:a14="http://schemas.microsoft.com/office/drawing/2010/main" val="0"/>
@@ -6544,7 +9961,7 @@
           <p:nvPr/>
         </p:nvPicPr>
         <p:blipFill>
-          <a:blip r:embed="rId3">
+          <a:blip r:embed="rId4">
             <a:extLst>
               <a:ext uri="{28A0092B-C50C-407E-A947-70E740481C1C}">
                 <a14:useLocalDpi xmlns:a14="http://schemas.microsoft.com/office/drawing/2010/main" val="0"/>
@@ -6748,7 +10165,10 @@
               <a:rPr lang="ko-KR" altLang="en-US" dirty="0"/>
               <a:t> 솔루션 제공</a:t>
             </a:r>
-            <a:endParaRPr lang="en-US" altLang="ko-KR" dirty="0"/>
+            <a:r>
+              <a:rPr lang="en-US" altLang="ko-KR" dirty="0"/>
+              <a:t>(LUT)</a:t>
+            </a:r>
           </a:p>
           <a:p>
             <a:pPr>
@@ -6814,7 +10234,7 @@
             <p:nvPr/>
           </p:nvPicPr>
           <p:blipFill>
-            <a:blip r:embed="rId2">
+            <a:blip r:embed="rId3">
               <a:extLst>
                 <a:ext uri="{28A0092B-C50C-407E-A947-70E740481C1C}">
                   <a14:useLocalDpi xmlns:a14="http://schemas.microsoft.com/office/drawing/2010/main" val="0"/>
@@ -6958,6 +10378,14 @@
               <a:rPr lang="ko-KR" altLang="en-US" dirty="0"/>
               <a:t>시스템 수행 시나리오</a:t>
             </a:r>
+            <a:r>
+              <a:rPr lang="en-US" altLang="ko-KR" dirty="0"/>
+              <a:t>: </a:t>
+            </a:r>
+            <a:r>
+              <a:rPr lang="ko-KR" altLang="en-US" dirty="0"/>
+              <a:t>하나의 프레임</a:t>
+            </a:r>
             <a:endParaRPr lang="en-US" altLang="ko-KR" dirty="0"/>
           </a:p>
         </p:txBody>
@@ -6992,7 +10420,7 @@
         </p:blipFill>
         <p:spPr>
           <a:xfrm>
-            <a:off x="2607904" y="1714181"/>
+            <a:off x="5570560" y="1712986"/>
             <a:ext cx="651581" cy="877128"/>
           </a:xfrm>
           <a:solidFill>
@@ -7278,7 +10706,7 @@
         </p:nvSpPr>
         <p:spPr>
           <a:xfrm>
-            <a:off x="2204351" y="2513250"/>
+            <a:off x="5167007" y="2512055"/>
             <a:ext cx="1513114" cy="358587"/>
           </a:xfrm>
           <a:prstGeom prst="rect">
@@ -7481,8 +10909,8 @@
         </p:nvCxnSpPr>
         <p:spPr>
           <a:xfrm>
-            <a:off x="2959455" y="3356621"/>
-            <a:ext cx="6420915" cy="497621"/>
+            <a:off x="5901793" y="3691885"/>
+            <a:ext cx="3478577" cy="427533"/>
           </a:xfrm>
           <a:prstGeom prst="straightConnector1">
             <a:avLst/>
@@ -7522,9 +10950,9 @@
           <p:nvPr/>
         </p:nvSpPr>
         <p:spPr>
-          <a:xfrm rot="253895">
-            <a:off x="3686801" y="3247938"/>
-            <a:ext cx="4981096" cy="338554"/>
+          <a:xfrm rot="429704">
+            <a:off x="5150534" y="3595841"/>
+            <a:ext cx="4981096" cy="276999"/>
           </a:xfrm>
           <a:prstGeom prst="rect">
             <a:avLst/>
@@ -7539,26 +10967,21 @@
           <a:p>
             <a:pPr algn="ctr"/>
             <a:r>
-              <a:rPr lang="en-US" altLang="ko-KR" sz="1600" dirty="0"/>
+              <a:rPr lang="en-US" altLang="ko-KR" sz="1200" dirty="0"/>
               <a:t>2. </a:t>
             </a:r>
             <a:r>
-              <a:rPr lang="ko-KR" altLang="en-US" sz="1600" dirty="0"/>
-              <a:t>렌더링 데이터를 넘기며</a:t>
-            </a:r>
-            <a:r>
-              <a:rPr lang="en-US" altLang="ko-KR" sz="1600" dirty="0"/>
-              <a:t> </a:t>
-            </a:r>
-            <a:r>
-              <a:rPr lang="ko-KR" altLang="en-US" sz="1600" dirty="0"/>
+              <a:rPr lang="ko-KR" altLang="en-US" sz="1200" dirty="0"/>
               <a:t>계산 모듈 호출</a:t>
             </a:r>
             <a:r>
-              <a:rPr lang="en-US" altLang="ko-KR" sz="1600" dirty="0"/>
-              <a:t>(P/Invoke)</a:t>
-            </a:r>
-            <a:endParaRPr lang="ko-KR" altLang="en-US" sz="1600" dirty="0"/>
+              <a:rPr lang="en-US" altLang="ko-KR" sz="1200" dirty="0"/>
+              <a:t>(P/Invoke) with </a:t>
+            </a:r>
+            <a:r>
+              <a:rPr lang="ko-KR" altLang="en-US" sz="1200" dirty="0"/>
+              <a:t>데이터</a:t>
+            </a:r>
           </a:p>
         </p:txBody>
       </p:sp>
@@ -7578,8 +11001,8 @@
         </p:nvCxnSpPr>
         <p:spPr>
           <a:xfrm flipV="1">
-            <a:off x="2959455" y="4717960"/>
-            <a:ext cx="6435789" cy="365126"/>
+            <a:off x="5932494" y="4620642"/>
+            <a:ext cx="3462750" cy="277711"/>
           </a:xfrm>
           <a:prstGeom prst="straightConnector1">
             <a:avLst/>
@@ -7621,9 +11044,9 @@
           <p:nvPr/>
         </p:nvSpPr>
         <p:spPr>
-          <a:xfrm rot="21397787">
-            <a:off x="3987282" y="4558291"/>
-            <a:ext cx="4217437" cy="338554"/>
+          <a:xfrm rot="21311869">
+            <a:off x="5532362" y="4459539"/>
+            <a:ext cx="4217437" cy="276999"/>
           </a:xfrm>
           <a:prstGeom prst="rect">
             <a:avLst/>
@@ -7638,11 +11061,11 @@
           <a:p>
             <a:pPr algn="ctr"/>
             <a:r>
-              <a:rPr lang="en-US" altLang="ko-KR" sz="1600" dirty="0"/>
+              <a:rPr lang="en-US" altLang="ko-KR" sz="1200" dirty="0"/>
               <a:t>4. </a:t>
             </a:r>
             <a:r>
-              <a:rPr lang="ko-KR" altLang="en-US" sz="1600" dirty="0"/>
+              <a:rPr lang="ko-KR" altLang="en-US" sz="1200" dirty="0"/>
               <a:t>계산된 픽셀의 색 업데이트</a:t>
             </a:r>
           </a:p>
@@ -7664,7 +11087,7 @@
         </p:nvCxnSpPr>
         <p:spPr>
           <a:xfrm>
-            <a:off x="2939137" y="2870642"/>
+            <a:off x="5901793" y="2869447"/>
             <a:ext cx="0" cy="3485708"/>
           </a:xfrm>
           <a:prstGeom prst="straightConnector1">
@@ -7750,8 +11173,8 @@
         </p:nvSpPr>
         <p:spPr>
           <a:xfrm>
-            <a:off x="354560" y="2895350"/>
-            <a:ext cx="2579134" cy="338554"/>
+            <a:off x="3300889" y="3414192"/>
+            <a:ext cx="2579134" cy="276999"/>
           </a:xfrm>
           <a:prstGeom prst="rect">
             <a:avLst/>
@@ -7766,11 +11189,11 @@
           <a:p>
             <a:pPr algn="r"/>
             <a:r>
-              <a:rPr lang="en-US" altLang="ko-KR" sz="1600" dirty="0"/>
+              <a:rPr lang="en-US" altLang="ko-KR" sz="1200" dirty="0"/>
               <a:t>1. </a:t>
             </a:r>
             <a:r>
-              <a:rPr lang="ko-KR" altLang="en-US" sz="1600" dirty="0"/>
+              <a:rPr lang="ko-KR" altLang="en-US" sz="1200" dirty="0"/>
               <a:t>렌더링 데이터 수집</a:t>
             </a:r>
           </a:p>
@@ -7790,8 +11213,8 @@
         </p:nvSpPr>
         <p:spPr>
           <a:xfrm>
-            <a:off x="9395244" y="4028720"/>
-            <a:ext cx="2589252" cy="584775"/>
+            <a:off x="9395244" y="4120160"/>
+            <a:ext cx="2589252" cy="461665"/>
           </a:xfrm>
           <a:prstGeom prst="rect">
             <a:avLst/>
@@ -7805,25 +11228,25 @@
           <a:lstStyle/>
           <a:p>
             <a:r>
-              <a:rPr lang="en-US" altLang="ko-KR" sz="1600" dirty="0"/>
+              <a:rPr lang="en-US" altLang="ko-KR" sz="1200" dirty="0"/>
               <a:t>3. Path-Tracing </a:t>
             </a:r>
             <a:r>
-              <a:rPr lang="ko-KR" altLang="en-US" sz="1600" dirty="0"/>
+              <a:rPr lang="ko-KR" altLang="en-US" sz="1200" dirty="0"/>
               <a:t>실행</a:t>
             </a:r>
             <a:r>
-              <a:rPr lang="en-US" altLang="ko-KR" sz="1600" dirty="0"/>
+              <a:rPr lang="en-US" altLang="ko-KR" sz="1200" dirty="0"/>
               <a:t> </a:t>
             </a:r>
           </a:p>
           <a:p>
             <a:r>
-              <a:rPr lang="en-US" altLang="ko-KR" sz="1600" dirty="0"/>
+              <a:rPr lang="en-US" altLang="ko-KR" sz="1200" dirty="0"/>
               <a:t>   </a:t>
             </a:r>
             <a:r>
-              <a:rPr lang="ko-KR" altLang="en-US" sz="1600" dirty="0"/>
+              <a:rPr lang="ko-KR" altLang="en-US" sz="1200" dirty="0"/>
               <a:t>픽셀 별 업데이트</a:t>
             </a:r>
           </a:p>
@@ -7844,9 +11267,9 @@
           <p:nvPr/>
         </p:nvCxnSpPr>
         <p:spPr>
-          <a:xfrm>
-            <a:off x="6095563" y="4929341"/>
-            <a:ext cx="0" cy="305132"/>
+          <a:xfrm flipH="1">
+            <a:off x="7630699" y="4850078"/>
+            <a:ext cx="4249" cy="200765"/>
           </a:xfrm>
           <a:prstGeom prst="line">
             <a:avLst/>
@@ -7886,8 +11309,8 @@
         </p:nvCxnSpPr>
         <p:spPr>
           <a:xfrm flipV="1">
-            <a:off x="2944581" y="5435157"/>
-            <a:ext cx="6435789" cy="365126"/>
+            <a:off x="5932494" y="5209473"/>
+            <a:ext cx="3462750" cy="297150"/>
           </a:xfrm>
           <a:prstGeom prst="straightConnector1">
             <a:avLst/>
@@ -7929,9 +11352,9 @@
           <p:nvPr/>
         </p:nvSpPr>
         <p:spPr>
-          <a:xfrm rot="21397787">
-            <a:off x="3986406" y="5282649"/>
-            <a:ext cx="4217437" cy="338554"/>
+          <a:xfrm rot="21295038">
+            <a:off x="5575065" y="5090420"/>
+            <a:ext cx="4217437" cy="276999"/>
           </a:xfrm>
           <a:prstGeom prst="rect">
             <a:avLst/>
@@ -7946,12 +11369,12 @@
           <a:p>
             <a:pPr algn="ctr"/>
             <a:r>
-              <a:rPr lang="en-US" altLang="ko-KR" sz="1600" dirty="0"/>
+              <a:rPr lang="en-US" altLang="ko-KR" sz="1200" dirty="0"/>
               <a:t>6. </a:t>
             </a:r>
             <a:r>
-              <a:rPr lang="ko-KR" altLang="en-US" sz="1600" dirty="0"/>
-              <a:t>마지막으로 계산된 픽셀의 색 업데이트</a:t>
+              <a:rPr lang="ko-KR" altLang="en-US" sz="1200" dirty="0"/>
+              <a:t>마지막 계산된 픽셀의 색 업데이트</a:t>
             </a:r>
           </a:p>
         </p:txBody>
@@ -7969,9 +11392,9 @@
           <p:nvPr/>
         </p:nvSpPr>
         <p:spPr>
-          <a:xfrm>
-            <a:off x="361436" y="5051345"/>
-            <a:ext cx="2579133" cy="338554"/>
+          <a:xfrm rot="21289417">
+            <a:off x="2848843" y="4757299"/>
+            <a:ext cx="2579133" cy="276999"/>
           </a:xfrm>
           <a:prstGeom prst="rect">
             <a:avLst/>
@@ -7984,13 +11407,13 @@
           </a:bodyPr>
           <a:lstStyle/>
           <a:p>
-            <a:pPr algn="r"/>
-            <a:r>
-              <a:rPr lang="en-US" altLang="ko-KR" sz="1600" dirty="0"/>
+            <a:pPr algn="ctr"/>
+            <a:r>
+              <a:rPr lang="en-US" altLang="ko-KR" sz="1200" dirty="0"/>
               <a:t>5. </a:t>
             </a:r>
             <a:r>
-              <a:rPr lang="ko-KR" altLang="en-US" sz="1600" dirty="0"/>
+              <a:rPr lang="ko-KR" altLang="en-US" sz="1200" dirty="0"/>
               <a:t>결과 이미지 갱신</a:t>
             </a:r>
           </a:p>
@@ -8009,9 +11432,9 @@
           <p:nvPr/>
         </p:nvSpPr>
         <p:spPr>
-          <a:xfrm>
-            <a:off x="827814" y="5786314"/>
-            <a:ext cx="2091006" cy="338554"/>
+          <a:xfrm rot="21303935">
+            <a:off x="3095230" y="5412319"/>
+            <a:ext cx="2091006" cy="276999"/>
           </a:xfrm>
           <a:prstGeom prst="rect">
             <a:avLst/>
@@ -8024,13 +11447,13 @@
           </a:bodyPr>
           <a:lstStyle/>
           <a:p>
-            <a:pPr algn="r"/>
-            <a:r>
-              <a:rPr lang="en-US" altLang="ko-KR" sz="1600" dirty="0"/>
+            <a:pPr algn="ctr"/>
+            <a:r>
+              <a:rPr lang="en-US" altLang="ko-KR" sz="1200" dirty="0"/>
               <a:t>7. </a:t>
             </a:r>
             <a:r>
-              <a:rPr lang="ko-KR" altLang="en-US" sz="1600" dirty="0"/>
+              <a:rPr lang="ko-KR" altLang="en-US" sz="1200" dirty="0"/>
               <a:t>결과 이미지 갱신</a:t>
             </a:r>
           </a:p>
@@ -8064,7 +11487,7 @@
         </p:blipFill>
         <p:spPr>
           <a:xfrm>
-            <a:off x="154724" y="5617720"/>
+            <a:off x="1467158" y="5488815"/>
             <a:ext cx="673089" cy="673089"/>
           </a:xfrm>
           <a:prstGeom prst="rect">
@@ -8095,6 +11518,600 @@
           </a:p>
         </p:txBody>
       </p:sp>
+      <p:cxnSp>
+        <p:nvCxnSpPr>
+          <p:cNvPr id="29" name="직선 화살표 연결선 28">
+            <a:extLst>
+              <a:ext uri="{FF2B5EF4-FFF2-40B4-BE49-F238E27FC236}">
+                <a16:creationId xmlns:a16="http://schemas.microsoft.com/office/drawing/2014/main" id="{FF7B80DF-215D-4D19-929E-C54A9FF7FCC4}"/>
+              </a:ext>
+            </a:extLst>
+          </p:cNvPr>
+          <p:cNvCxnSpPr>
+            <a:cxnSpLocks/>
+          </p:cNvCxnSpPr>
+          <p:nvPr/>
+        </p:nvCxnSpPr>
+        <p:spPr>
+          <a:xfrm>
+            <a:off x="2384023" y="2828208"/>
+            <a:ext cx="0" cy="3485708"/>
+          </a:xfrm>
+          <a:prstGeom prst="straightConnector1">
+            <a:avLst/>
+          </a:prstGeom>
+          <a:ln w="57150">
+            <a:solidFill>
+              <a:srgbClr val="FFFFFF"/>
+            </a:solidFill>
+            <a:tailEnd type="triangle"/>
+          </a:ln>
+        </p:spPr>
+        <p:style>
+          <a:lnRef idx="1">
+            <a:schemeClr val="accent1"/>
+          </a:lnRef>
+          <a:fillRef idx="0">
+            <a:schemeClr val="accent1"/>
+          </a:fillRef>
+          <a:effectRef idx="0">
+            <a:schemeClr val="accent1"/>
+          </a:effectRef>
+          <a:fontRef idx="minor">
+            <a:schemeClr val="tx1"/>
+          </a:fontRef>
+        </p:style>
+      </p:cxnSp>
+      <p:sp>
+        <p:nvSpPr>
+          <p:cNvPr id="30" name="내용 개체 틀 2">
+            <a:extLst>
+              <a:ext uri="{FF2B5EF4-FFF2-40B4-BE49-F238E27FC236}">
+                <a16:creationId xmlns:a16="http://schemas.microsoft.com/office/drawing/2014/main" id="{BE6CAEDA-E144-4520-B996-5659E18D872E}"/>
+              </a:ext>
+            </a:extLst>
+          </p:cNvPr>
+          <p:cNvSpPr txBox="1">
+            <a:spLocks/>
+          </p:cNvSpPr>
+          <p:nvPr/>
+        </p:nvSpPr>
+        <p:spPr>
+          <a:xfrm>
+            <a:off x="1644889" y="2509666"/>
+            <a:ext cx="1513114" cy="247176"/>
+          </a:xfrm>
+          <a:prstGeom prst="rect">
+            <a:avLst/>
+          </a:prstGeom>
+          <a:noFill/>
+        </p:spPr>
+        <p:txBody>
+          <a:bodyPr vert="horz" lIns="91440" tIns="45720" rIns="91440" bIns="45720" rtlCol="0" anchor="ctr">
+            <a:normAutofit lnSpcReduction="10000"/>
+          </a:bodyPr>
+          <a:lstStyle>
+            <a:lvl1pPr marL="228600" indent="-228600" algn="l" defTabSz="914400" rtl="0" eaLnBrk="1" latinLnBrk="1" hangingPunct="1">
+              <a:lnSpc>
+                <a:spcPct val="90000"/>
+              </a:lnSpc>
+              <a:spcBef>
+                <a:spcPts val="1000"/>
+              </a:spcBef>
+              <a:buFont typeface="Arial" panose="020B0604020202020204" pitchFamily="34" charset="0"/>
+              <a:buChar char="•"/>
+              <a:defRPr sz="2800" kern="1200">
+                <a:solidFill>
+                  <a:schemeClr val="tx1"/>
+                </a:solidFill>
+                <a:latin typeface="+mn-lt"/>
+                <a:ea typeface="+mn-ea"/>
+                <a:cs typeface="+mn-cs"/>
+              </a:defRPr>
+            </a:lvl1pPr>
+            <a:lvl2pPr marL="685800" indent="-228600" algn="l" defTabSz="914400" rtl="0" eaLnBrk="1" latinLnBrk="1" hangingPunct="1">
+              <a:lnSpc>
+                <a:spcPct val="90000"/>
+              </a:lnSpc>
+              <a:spcBef>
+                <a:spcPts val="500"/>
+              </a:spcBef>
+              <a:buFont typeface="Arial" panose="020B0604020202020204" pitchFamily="34" charset="0"/>
+              <a:buChar char="•"/>
+              <a:defRPr sz="2400" kern="1200">
+                <a:solidFill>
+                  <a:schemeClr val="tx1"/>
+                </a:solidFill>
+                <a:latin typeface="+mn-lt"/>
+                <a:ea typeface="+mn-ea"/>
+                <a:cs typeface="+mn-cs"/>
+              </a:defRPr>
+            </a:lvl2pPr>
+            <a:lvl3pPr marL="1143000" indent="-228600" algn="l" defTabSz="914400" rtl="0" eaLnBrk="1" latinLnBrk="1" hangingPunct="1">
+              <a:lnSpc>
+                <a:spcPct val="90000"/>
+              </a:lnSpc>
+              <a:spcBef>
+                <a:spcPts val="500"/>
+              </a:spcBef>
+              <a:buFont typeface="Arial" panose="020B0604020202020204" pitchFamily="34" charset="0"/>
+              <a:buChar char="•"/>
+              <a:defRPr sz="2000" kern="1200">
+                <a:solidFill>
+                  <a:schemeClr val="tx1"/>
+                </a:solidFill>
+                <a:latin typeface="+mn-lt"/>
+                <a:ea typeface="+mn-ea"/>
+                <a:cs typeface="+mn-cs"/>
+              </a:defRPr>
+            </a:lvl3pPr>
+            <a:lvl4pPr marL="1600200" indent="-228600" algn="l" defTabSz="914400" rtl="0" eaLnBrk="1" latinLnBrk="1" hangingPunct="1">
+              <a:lnSpc>
+                <a:spcPct val="90000"/>
+              </a:lnSpc>
+              <a:spcBef>
+                <a:spcPts val="500"/>
+              </a:spcBef>
+              <a:buFont typeface="Arial" panose="020B0604020202020204" pitchFamily="34" charset="0"/>
+              <a:buChar char="•"/>
+              <a:defRPr sz="1800" kern="1200">
+                <a:solidFill>
+                  <a:schemeClr val="tx1"/>
+                </a:solidFill>
+                <a:latin typeface="+mn-lt"/>
+                <a:ea typeface="+mn-ea"/>
+                <a:cs typeface="+mn-cs"/>
+              </a:defRPr>
+            </a:lvl4pPr>
+            <a:lvl5pPr marL="2057400" indent="-228600" algn="l" defTabSz="914400" rtl="0" eaLnBrk="1" latinLnBrk="1" hangingPunct="1">
+              <a:lnSpc>
+                <a:spcPct val="90000"/>
+              </a:lnSpc>
+              <a:spcBef>
+                <a:spcPts val="500"/>
+              </a:spcBef>
+              <a:buFont typeface="Arial" panose="020B0604020202020204" pitchFamily="34" charset="0"/>
+              <a:buChar char="•"/>
+              <a:defRPr sz="1800" kern="1200">
+                <a:solidFill>
+                  <a:schemeClr val="tx1"/>
+                </a:solidFill>
+                <a:latin typeface="+mn-lt"/>
+                <a:ea typeface="+mn-ea"/>
+                <a:cs typeface="+mn-cs"/>
+              </a:defRPr>
+            </a:lvl5pPr>
+            <a:lvl6pPr marL="2514600" indent="-228600" algn="l" defTabSz="914400" rtl="0" eaLnBrk="1" latinLnBrk="1" hangingPunct="1">
+              <a:lnSpc>
+                <a:spcPct val="90000"/>
+              </a:lnSpc>
+              <a:spcBef>
+                <a:spcPts val="500"/>
+              </a:spcBef>
+              <a:buFont typeface="Arial" panose="020B0604020202020204" pitchFamily="34" charset="0"/>
+              <a:buChar char="•"/>
+              <a:defRPr sz="1800" kern="1200">
+                <a:solidFill>
+                  <a:schemeClr val="tx1"/>
+                </a:solidFill>
+                <a:latin typeface="+mn-lt"/>
+                <a:ea typeface="+mn-ea"/>
+                <a:cs typeface="+mn-cs"/>
+              </a:defRPr>
+            </a:lvl6pPr>
+            <a:lvl7pPr marL="2971800" indent="-228600" algn="l" defTabSz="914400" rtl="0" eaLnBrk="1" latinLnBrk="1" hangingPunct="1">
+              <a:lnSpc>
+                <a:spcPct val="90000"/>
+              </a:lnSpc>
+              <a:spcBef>
+                <a:spcPts val="500"/>
+              </a:spcBef>
+              <a:buFont typeface="Arial" panose="020B0604020202020204" pitchFamily="34" charset="0"/>
+              <a:buChar char="•"/>
+              <a:defRPr sz="1800" kern="1200">
+                <a:solidFill>
+                  <a:schemeClr val="tx1"/>
+                </a:solidFill>
+                <a:latin typeface="+mn-lt"/>
+                <a:ea typeface="+mn-ea"/>
+                <a:cs typeface="+mn-cs"/>
+              </a:defRPr>
+            </a:lvl7pPr>
+            <a:lvl8pPr marL="3429000" indent="-228600" algn="l" defTabSz="914400" rtl="0" eaLnBrk="1" latinLnBrk="1" hangingPunct="1">
+              <a:lnSpc>
+                <a:spcPct val="90000"/>
+              </a:lnSpc>
+              <a:spcBef>
+                <a:spcPts val="500"/>
+              </a:spcBef>
+              <a:buFont typeface="Arial" panose="020B0604020202020204" pitchFamily="34" charset="0"/>
+              <a:buChar char="•"/>
+              <a:defRPr sz="1800" kern="1200">
+                <a:solidFill>
+                  <a:schemeClr val="tx1"/>
+                </a:solidFill>
+                <a:latin typeface="+mn-lt"/>
+                <a:ea typeface="+mn-ea"/>
+                <a:cs typeface="+mn-cs"/>
+              </a:defRPr>
+            </a:lvl8pPr>
+            <a:lvl9pPr marL="3886200" indent="-228600" algn="l" defTabSz="914400" rtl="0" eaLnBrk="1" latinLnBrk="1" hangingPunct="1">
+              <a:lnSpc>
+                <a:spcPct val="90000"/>
+              </a:lnSpc>
+              <a:spcBef>
+                <a:spcPts val="500"/>
+              </a:spcBef>
+              <a:buFont typeface="Arial" panose="020B0604020202020204" pitchFamily="34" charset="0"/>
+              <a:buChar char="•"/>
+              <a:defRPr sz="1800" kern="1200">
+                <a:solidFill>
+                  <a:schemeClr val="tx1"/>
+                </a:solidFill>
+                <a:latin typeface="+mn-lt"/>
+                <a:ea typeface="+mn-ea"/>
+                <a:cs typeface="+mn-cs"/>
+              </a:defRPr>
+            </a:lvl9pPr>
+          </a:lstStyle>
+          <a:p>
+            <a:pPr marL="0" indent="0" algn="ctr" latinLnBrk="0">
+              <a:buNone/>
+            </a:pPr>
+            <a:r>
+              <a:rPr lang="ko-KR" altLang="en-US" sz="1200" dirty="0"/>
+              <a:t>사용자</a:t>
+            </a:r>
+            <a:endParaRPr lang="en-US" altLang="ko-KR" sz="1200" dirty="0"/>
+          </a:p>
+        </p:txBody>
+      </p:sp>
+      <p:cxnSp>
+        <p:nvCxnSpPr>
+          <p:cNvPr id="31" name="직선 화살표 연결선 30">
+            <a:extLst>
+              <a:ext uri="{FF2B5EF4-FFF2-40B4-BE49-F238E27FC236}">
+                <a16:creationId xmlns:a16="http://schemas.microsoft.com/office/drawing/2014/main" id="{A11148F1-6307-417F-8043-ADABEFC03C37}"/>
+              </a:ext>
+            </a:extLst>
+          </p:cNvPr>
+          <p:cNvCxnSpPr>
+            <a:cxnSpLocks/>
+          </p:cNvCxnSpPr>
+          <p:nvPr/>
+        </p:nvCxnSpPr>
+        <p:spPr>
+          <a:xfrm>
+            <a:off x="2401446" y="2913854"/>
+            <a:ext cx="3478577" cy="427533"/>
+          </a:xfrm>
+          <a:prstGeom prst="straightConnector1">
+            <a:avLst/>
+          </a:prstGeom>
+          <a:ln w="38100">
+            <a:solidFill>
+              <a:schemeClr val="tx1"/>
+            </a:solidFill>
+            <a:tailEnd type="triangle"/>
+          </a:ln>
+        </p:spPr>
+        <p:style>
+          <a:lnRef idx="1">
+            <a:schemeClr val="accent1"/>
+          </a:lnRef>
+          <a:fillRef idx="0">
+            <a:schemeClr val="accent1"/>
+          </a:fillRef>
+          <a:effectRef idx="0">
+            <a:schemeClr val="accent1"/>
+          </a:effectRef>
+          <a:fontRef idx="minor">
+            <a:schemeClr val="tx1"/>
+          </a:fontRef>
+        </p:style>
+      </p:cxnSp>
+      <p:sp>
+        <p:nvSpPr>
+          <p:cNvPr id="33" name="TextBox 32">
+            <a:extLst>
+              <a:ext uri="{FF2B5EF4-FFF2-40B4-BE49-F238E27FC236}">
+                <a16:creationId xmlns:a16="http://schemas.microsoft.com/office/drawing/2014/main" id="{8FED0377-C256-4131-9AEC-8811F49EB6F4}"/>
+              </a:ext>
+            </a:extLst>
+          </p:cNvPr>
+          <p:cNvSpPr txBox="1"/>
+          <p:nvPr/>
+        </p:nvSpPr>
+        <p:spPr>
+          <a:xfrm>
+            <a:off x="-177688" y="2760962"/>
+            <a:ext cx="2579134" cy="276999"/>
+          </a:xfrm>
+          <a:prstGeom prst="rect">
+            <a:avLst/>
+          </a:prstGeom>
+          <a:noFill/>
+        </p:spPr>
+        <p:txBody>
+          <a:bodyPr wrap="square" rtlCol="0">
+            <a:spAutoFit/>
+          </a:bodyPr>
+          <a:lstStyle/>
+          <a:p>
+            <a:pPr algn="r"/>
+            <a:r>
+              <a:rPr lang="en-US" altLang="ko-KR" sz="1200" dirty="0"/>
+              <a:t>0. </a:t>
+            </a:r>
+            <a:r>
+              <a:rPr lang="ko-KR" altLang="en-US" sz="1200" dirty="0"/>
+              <a:t>하나의 프레임 생성 요청</a:t>
+            </a:r>
+          </a:p>
+        </p:txBody>
+      </p:sp>
+      <p:cxnSp>
+        <p:nvCxnSpPr>
+          <p:cNvPr id="39" name="직선 화살표 연결선 38">
+            <a:extLst>
+              <a:ext uri="{FF2B5EF4-FFF2-40B4-BE49-F238E27FC236}">
+                <a16:creationId xmlns:a16="http://schemas.microsoft.com/office/drawing/2014/main" id="{39699931-437C-4BD4-B7E5-2CDD94AE4A6F}"/>
+              </a:ext>
+            </a:extLst>
+          </p:cNvPr>
+          <p:cNvCxnSpPr>
+            <a:cxnSpLocks/>
+          </p:cNvCxnSpPr>
+          <p:nvPr/>
+        </p:nvCxnSpPr>
+        <p:spPr>
+          <a:xfrm flipV="1">
+            <a:off x="2396554" y="4889417"/>
+            <a:ext cx="3462750" cy="277711"/>
+          </a:xfrm>
+          <a:prstGeom prst="straightConnector1">
+            <a:avLst/>
+          </a:prstGeom>
+          <a:ln w="38100">
+            <a:solidFill>
+              <a:schemeClr val="tx1"/>
+            </a:solidFill>
+            <a:prstDash val="sysDot"/>
+            <a:headEnd type="triangle" w="med" len="med"/>
+            <a:tailEnd type="none" w="med" len="med"/>
+          </a:ln>
+        </p:spPr>
+        <p:style>
+          <a:lnRef idx="1">
+            <a:schemeClr val="accent1"/>
+          </a:lnRef>
+          <a:fillRef idx="0">
+            <a:schemeClr val="accent1"/>
+          </a:fillRef>
+          <a:effectRef idx="0">
+            <a:schemeClr val="accent1"/>
+          </a:effectRef>
+          <a:fontRef idx="minor">
+            <a:schemeClr val="tx1"/>
+          </a:fontRef>
+        </p:style>
+      </p:cxnSp>
+      <p:cxnSp>
+        <p:nvCxnSpPr>
+          <p:cNvPr id="40" name="직선 화살표 연결선 39">
+            <a:extLst>
+              <a:ext uri="{FF2B5EF4-FFF2-40B4-BE49-F238E27FC236}">
+                <a16:creationId xmlns:a16="http://schemas.microsoft.com/office/drawing/2014/main" id="{4871EE59-A1A3-49DE-8AE6-E8ADCFB8933F}"/>
+              </a:ext>
+            </a:extLst>
+          </p:cNvPr>
+          <p:cNvCxnSpPr>
+            <a:cxnSpLocks/>
+          </p:cNvCxnSpPr>
+          <p:nvPr/>
+        </p:nvCxnSpPr>
+        <p:spPr>
+          <a:xfrm flipV="1">
+            <a:off x="2409359" y="5528210"/>
+            <a:ext cx="3462750" cy="297150"/>
+          </a:xfrm>
+          <a:prstGeom prst="straightConnector1">
+            <a:avLst/>
+          </a:prstGeom>
+          <a:ln w="38100">
+            <a:solidFill>
+              <a:schemeClr val="tx1"/>
+            </a:solidFill>
+            <a:prstDash val="solid"/>
+            <a:headEnd type="triangle" w="med" len="med"/>
+            <a:tailEnd type="none" w="med" len="med"/>
+          </a:ln>
+        </p:spPr>
+        <p:style>
+          <a:lnRef idx="1">
+            <a:schemeClr val="accent1"/>
+          </a:lnRef>
+          <a:fillRef idx="0">
+            <a:schemeClr val="accent1"/>
+          </a:fillRef>
+          <a:effectRef idx="0">
+            <a:schemeClr val="accent1"/>
+          </a:effectRef>
+          <a:fontRef idx="minor">
+            <a:schemeClr val="tx1"/>
+          </a:fontRef>
+        </p:style>
+      </p:cxnSp>
+      <p:grpSp>
+        <p:nvGrpSpPr>
+          <p:cNvPr id="34" name="그룹 33"/>
+          <p:cNvGrpSpPr/>
+          <p:nvPr/>
+        </p:nvGrpSpPr>
+        <p:grpSpPr>
+          <a:xfrm>
+            <a:off x="2067395" y="1798825"/>
+            <a:ext cx="629668" cy="641034"/>
+            <a:chOff x="2067395" y="1798825"/>
+            <a:chExt cx="629668" cy="641034"/>
+          </a:xfrm>
+        </p:grpSpPr>
+        <p:sp>
+          <p:nvSpPr>
+            <p:cNvPr id="24" name="타원 23"/>
+            <p:cNvSpPr/>
+            <p:nvPr/>
+          </p:nvSpPr>
+          <p:spPr>
+            <a:xfrm>
+              <a:off x="2209668" y="1798825"/>
+              <a:ext cx="348709" cy="331471"/>
+            </a:xfrm>
+            <a:prstGeom prst="ellipse">
+              <a:avLst/>
+            </a:prstGeom>
+            <a:noFill/>
+            <a:ln w="28575">
+              <a:solidFill>
+                <a:schemeClr val="tx1"/>
+              </a:solidFill>
+            </a:ln>
+          </p:spPr>
+          <p:style>
+            <a:lnRef idx="2">
+              <a:schemeClr val="accent1">
+                <a:shade val="50000"/>
+              </a:schemeClr>
+            </a:lnRef>
+            <a:fillRef idx="1">
+              <a:schemeClr val="accent1"/>
+            </a:fillRef>
+            <a:effectRef idx="0">
+              <a:schemeClr val="accent1"/>
+            </a:effectRef>
+            <a:fontRef idx="minor">
+              <a:schemeClr val="lt1"/>
+            </a:fontRef>
+          </p:style>
+          <p:txBody>
+            <a:bodyPr rtlCol="0" anchor="ctr"/>
+            <a:lstStyle/>
+            <a:p>
+              <a:pPr algn="ctr"/>
+              <a:endParaRPr lang="ko-KR" altLang="en-US"/>
+            </a:p>
+          </p:txBody>
+        </p:sp>
+        <p:sp>
+          <p:nvSpPr>
+            <p:cNvPr id="45" name="자유형 44"/>
+            <p:cNvSpPr/>
+            <p:nvPr/>
+          </p:nvSpPr>
+          <p:spPr>
+            <a:xfrm>
+              <a:off x="2067395" y="2187870"/>
+              <a:ext cx="629668" cy="251989"/>
+            </a:xfrm>
+            <a:custGeom>
+              <a:avLst/>
+              <a:gdLst>
+                <a:gd name="connsiteX0" fmla="*/ 314834 w 629668"/>
+                <a:gd name="connsiteY0" fmla="*/ 0 h 251989"/>
+                <a:gd name="connsiteX1" fmla="*/ 612040 w 629668"/>
+                <a:gd name="connsiteY1" fmla="*/ 195605 h 251989"/>
+                <a:gd name="connsiteX2" fmla="*/ 629668 w 629668"/>
+                <a:gd name="connsiteY2" fmla="*/ 251989 h 251989"/>
+                <a:gd name="connsiteX3" fmla="*/ 0 w 629668"/>
+                <a:gd name="connsiteY3" fmla="*/ 251989 h 251989"/>
+                <a:gd name="connsiteX4" fmla="*/ 17628 w 629668"/>
+                <a:gd name="connsiteY4" fmla="*/ 195605 h 251989"/>
+                <a:gd name="connsiteX5" fmla="*/ 314834 w 629668"/>
+                <a:gd name="connsiteY5" fmla="*/ 0 h 251989"/>
+              </a:gdLst>
+              <a:ahLst/>
+              <a:cxnLst>
+                <a:cxn ang="0">
+                  <a:pos x="connsiteX0" y="connsiteY0"/>
+                </a:cxn>
+                <a:cxn ang="0">
+                  <a:pos x="connsiteX1" y="connsiteY1"/>
+                </a:cxn>
+                <a:cxn ang="0">
+                  <a:pos x="connsiteX2" y="connsiteY2"/>
+                </a:cxn>
+                <a:cxn ang="0">
+                  <a:pos x="connsiteX3" y="connsiteY3"/>
+                </a:cxn>
+                <a:cxn ang="0">
+                  <a:pos x="connsiteX4" y="connsiteY4"/>
+                </a:cxn>
+                <a:cxn ang="0">
+                  <a:pos x="connsiteX5" y="connsiteY5"/>
+                </a:cxn>
+              </a:cxnLst>
+              <a:rect l="l" t="t" r="r" b="b"/>
+              <a:pathLst>
+                <a:path w="629668" h="251989">
+                  <a:moveTo>
+                    <a:pt x="314834" y="0"/>
+                  </a:moveTo>
+                  <a:cubicBezTo>
+                    <a:pt x="448441" y="0"/>
+                    <a:pt x="563074" y="80656"/>
+                    <a:pt x="612040" y="195605"/>
+                  </a:cubicBezTo>
+                  <a:lnTo>
+                    <a:pt x="629668" y="251989"/>
+                  </a:lnTo>
+                  <a:lnTo>
+                    <a:pt x="0" y="251989"/>
+                  </a:lnTo>
+                  <a:lnTo>
+                    <a:pt x="17628" y="195605"/>
+                  </a:lnTo>
+                  <a:cubicBezTo>
+                    <a:pt x="66594" y="80656"/>
+                    <a:pt x="181228" y="0"/>
+                    <a:pt x="314834" y="0"/>
+                  </a:cubicBezTo>
+                  <a:close/>
+                </a:path>
+              </a:pathLst>
+            </a:custGeom>
+            <a:noFill/>
+            <a:ln w="28575">
+              <a:solidFill>
+                <a:schemeClr val="tx1"/>
+              </a:solidFill>
+            </a:ln>
+          </p:spPr>
+          <p:style>
+            <a:lnRef idx="2">
+              <a:schemeClr val="accent1">
+                <a:shade val="50000"/>
+              </a:schemeClr>
+            </a:lnRef>
+            <a:fillRef idx="1">
+              <a:schemeClr val="accent1"/>
+            </a:fillRef>
+            <a:effectRef idx="0">
+              <a:schemeClr val="accent1"/>
+            </a:effectRef>
+            <a:fontRef idx="minor">
+              <a:schemeClr val="lt1"/>
+            </a:fontRef>
+          </p:style>
+          <p:txBody>
+            <a:bodyPr rtlCol="0" anchor="ctr"/>
+            <a:lstStyle/>
+            <a:p>
+              <a:pPr algn="ctr"/>
+              <a:endParaRPr lang="ko-KR" altLang="en-US"/>
+            </a:p>
+          </p:txBody>
+        </p:sp>
+      </p:grpSp>
     </p:spTree>
     <p:extLst>
       <p:ext uri="{BB962C8B-B14F-4D97-AF65-F5344CB8AC3E}">
@@ -8140,7 +12157,7 @@
           <p:nvPr>
             <p:extLst>
               <p:ext uri="{D42A27DB-BD31-4B8C-83A1-F6EECF244321}">
-                <p14:modId xmlns:p14="http://schemas.microsoft.com/office/powerpoint/2010/main" val="1717010916"/>
+                <p14:modId xmlns:p14="http://schemas.microsoft.com/office/powerpoint/2010/main" val="3009055410"/>
               </p:ext>
             </p:extLst>
           </p:nvPr>
@@ -8414,7 +12431,7 @@
                             <a:schemeClr val="tx1"/>
                           </a:solidFill>
                         </a:rPr>
-                        <a:t>C++, host code, unmanaged memory</a:t>
+                        <a:t>PE, host code, unmanaged memory</a:t>
                       </a:r>
                       <a:endParaRPr lang="ko-KR" altLang="en-US" sz="1200" dirty="0">
                         <a:solidFill>
@@ -8470,12 +12487,20 @@
                     <a:p>
                       <a:pPr algn="ctr" latinLnBrk="1"/>
                       <a:r>
+                        <a:rPr lang="en-US" altLang="ko-KR" sz="1200" dirty="0" err="1">
+                          <a:solidFill>
+                            <a:schemeClr val="tx1"/>
+                          </a:solidFill>
+                        </a:rPr>
+                        <a:t>ptx</a:t>
+                      </a:r>
+                      <a:r>
                         <a:rPr lang="en-US" altLang="ko-KR" sz="1200" dirty="0">
                           <a:solidFill>
                             <a:schemeClr val="tx1"/>
                           </a:solidFill>
                         </a:rPr>
-                        <a:t>device code, many, hardware scheduled thread</a:t>
+                        <a:t>, device code, many, hardware thread</a:t>
                       </a:r>
                       <a:endParaRPr lang="ko-KR" altLang="en-US" sz="1200" dirty="0">
                         <a:solidFill>
@@ -10342,7 +14367,7 @@
           <p:nvPr/>
         </p:nvPicPr>
         <p:blipFill rotWithShape="1">
-          <a:blip r:embed="rId2" cstate="print">
+          <a:blip r:embed="rId3" cstate="print">
             <a:extLst>
               <a:ext uri="{28A0092B-C50C-407E-A947-70E740481C1C}">
                 <a14:useLocalDpi xmlns:a14="http://schemas.microsoft.com/office/drawing/2010/main" val="0"/>
@@ -10382,7 +14407,7 @@
         <p:spPr>
           <a:xfrm>
             <a:off x="1912087" y="2035275"/>
-            <a:ext cx="1550437" cy="488254"/>
+            <a:ext cx="3500402" cy="488254"/>
           </a:xfrm>
           <a:prstGeom prst="rect">
             <a:avLst/>
@@ -10583,7 +14608,7 @@
           <p:nvPr/>
         </p:nvPicPr>
         <p:blipFill rotWithShape="1">
-          <a:blip r:embed="rId3" cstate="print">
+          <a:blip r:embed="rId4" cstate="print">
             <a:extLst>
               <a:ext uri="{28A0092B-C50C-407E-A947-70E740481C1C}">
                 <a14:useLocalDpi xmlns:a14="http://schemas.microsoft.com/office/drawing/2010/main" val="0"/>
@@ -10622,8 +14647,8 @@
         </p:nvSpPr>
         <p:spPr>
           <a:xfrm>
-            <a:off x="1911797" y="2948361"/>
-            <a:ext cx="2743200" cy="488254"/>
+            <a:off x="1911797" y="2868116"/>
+            <a:ext cx="3500692" cy="635105"/>
           </a:xfrm>
           <a:prstGeom prst="rect">
             <a:avLst/>
@@ -10912,7 +14937,7 @@
           <p:nvPr/>
         </p:nvPicPr>
         <p:blipFill>
-          <a:blip r:embed="rId4" cstate="print">
+          <a:blip r:embed="rId5" cstate="print">
             <a:extLst>
               <a:ext uri="{28A0092B-C50C-407E-A947-70E740481C1C}">
                 <a14:useLocalDpi xmlns:a14="http://schemas.microsoft.com/office/drawing/2010/main" val="0"/>
@@ -10951,7 +14976,7 @@
           <p:nvPr/>
         </p:nvPicPr>
         <p:blipFill>
-          <a:blip r:embed="rId4" cstate="print">
+          <a:blip r:embed="rId5" cstate="print">
             <a:extLst>
               <a:ext uri="{28A0092B-C50C-407E-A947-70E740481C1C}">
                 <a14:useLocalDpi xmlns:a14="http://schemas.microsoft.com/office/drawing/2010/main" val="0"/>
@@ -11219,7 +15244,7 @@
           <p:nvPr/>
         </p:nvPicPr>
         <p:blipFill rotWithShape="1">
-          <a:blip r:embed="rId5" cstate="print">
+          <a:blip r:embed="rId6" cstate="print">
             <a:extLst>
               <a:ext uri="{28A0092B-C50C-407E-A947-70E740481C1C}">
                 <a14:useLocalDpi xmlns:a14="http://schemas.microsoft.com/office/drawing/2010/main" val="0"/>
@@ -11258,8 +15283,8 @@
         </p:nvSpPr>
         <p:spPr>
           <a:xfrm>
-            <a:off x="1911797" y="3829698"/>
-            <a:ext cx="2743200" cy="488254"/>
+            <a:off x="1911797" y="3781202"/>
+            <a:ext cx="3500692" cy="603781"/>
           </a:xfrm>
           <a:prstGeom prst="rect">
             <a:avLst/>
@@ -11459,7 +15484,7 @@
           <p:nvPr/>
         </p:nvPicPr>
         <p:blipFill rotWithShape="1">
-          <a:blip r:embed="rId6" cstate="print">
+          <a:blip r:embed="rId7" cstate="print">
             <a:extLst>
               <a:ext uri="{28A0092B-C50C-407E-A947-70E740481C1C}">
                 <a14:useLocalDpi xmlns:a14="http://schemas.microsoft.com/office/drawing/2010/main" val="0"/>
@@ -11497,7 +15522,7 @@
           <p:nvPr/>
         </p:nvPicPr>
         <p:blipFill rotWithShape="1">
-          <a:blip r:embed="rId7" cstate="print">
+          <a:blip r:embed="rId8" cstate="print">
             <a:extLst>
               <a:ext uri="{28A0092B-C50C-407E-A947-70E740481C1C}">
                 <a14:useLocalDpi xmlns:a14="http://schemas.microsoft.com/office/drawing/2010/main" val="0"/>
@@ -11536,8 +15561,8 @@
         </p:nvSpPr>
         <p:spPr>
           <a:xfrm>
-            <a:off x="1924954" y="4700780"/>
-            <a:ext cx="2743200" cy="488254"/>
+            <a:off x="1911797" y="4662963"/>
+            <a:ext cx="3500692" cy="626178"/>
           </a:xfrm>
           <a:prstGeom prst="rect">
             <a:avLst/>
@@ -11717,7 +15742,7 @@
             </a:pPr>
             <a:r>
               <a:rPr lang="en-US" altLang="ko-KR" sz="1600" dirty="0"/>
-              <a:t>C++11/C++14/C++17</a:t>
+              <a:t>C++11,14,17</a:t>
             </a:r>
             <a:endParaRPr lang="ko-KR" altLang="en-US" sz="1600" dirty="0"/>
           </a:p>
@@ -11739,8 +15764,8 @@
         </p:nvSpPr>
         <p:spPr>
           <a:xfrm>
-            <a:off x="1924954" y="5486185"/>
-            <a:ext cx="3487535" cy="488254"/>
+            <a:off x="1924954" y="5377833"/>
+            <a:ext cx="3487535" cy="648316"/>
           </a:xfrm>
           <a:prstGeom prst="rect">
             <a:avLst/>
@@ -12096,7 +16121,7 @@
                 <a:solidFill>
                   <a:schemeClr val="tx1"/>
                 </a:solidFill>
-                <a:hlinkClick r:id="rId2"/>
+                <a:hlinkClick r:id="rId3"/>
               </a:rPr>
               <a:t>https://github.com/hrmrzizon</a:t>
             </a:r>
@@ -12136,7 +16161,7 @@
                 <a:solidFill>
                   <a:schemeClr val="tx1"/>
                 </a:solidFill>
-                <a:hlinkClick r:id="rId3"/>
+                <a:hlinkClick r:id="rId4"/>
               </a:rPr>
               <a:t>https://github.com/banetta</a:t>
             </a:r>
@@ -12168,7 +16193,7 @@
                 <a:solidFill>
                   <a:schemeClr val="tx1"/>
                 </a:solidFill>
-                <a:hlinkClick r:id="rId4"/>
+                <a:hlinkClick r:id="rId5"/>
               </a:rPr>
               <a:t>https://github.com/jiyun-jiyun</a:t>
             </a:r>
@@ -12753,7 +16778,7 @@
             </a:pPr>
             <a:r>
               <a:rPr lang="en-US" altLang="ko-KR" sz="1600" dirty="0">
-                <a:hlinkClick r:id="rId5"/>
+                <a:hlinkClick r:id="rId6"/>
               </a:rPr>
               <a:t>https://github.com/SEETHELIGHTS/CapstonePlanning</a:t>
             </a:r>
@@ -12976,7 +17001,7 @@
             </a:pPr>
             <a:r>
               <a:rPr lang="en-US" altLang="ko-KR" sz="1600" dirty="0">
-                <a:hlinkClick r:id="rId6"/>
+                <a:hlinkClick r:id="rId7"/>
               </a:rPr>
               <a:t>https://github.com/SEETHELIGHTS/RadianceGrabber</a:t>
             </a:r>
@@ -13207,7 +17232,7 @@
             </a:pPr>
             <a:r>
               <a:rPr lang="en-US" altLang="ko-KR" sz="1600" dirty="0">
-                <a:hlinkClick r:id="rId7"/>
+                <a:hlinkClick r:id="rId8"/>
               </a:rPr>
               <a:t>https://github.com/SEETHELIGHTS/CapstoneDesign</a:t>
             </a:r>
@@ -14018,13 +18043,41 @@
               <a:rPr lang="ko-KR" altLang="en-US" dirty="0"/>
               <a:t>여러 개의 이미지를 통한 영상 녹화</a:t>
             </a:r>
+            <a:endParaRPr lang="en-US" altLang="ko-KR" dirty="0"/>
+          </a:p>
+          <a:p>
+            <a:pPr lvl="2">
+              <a:lnSpc>
+                <a:spcPct val="100000"/>
+              </a:lnSpc>
+            </a:pPr>
+            <a:r>
+              <a:rPr lang="ko-KR" altLang="en-US" dirty="0"/>
+              <a:t>영상 녹화</a:t>
+            </a:r>
             <a:r>
               <a:rPr lang="en-US" altLang="ko-KR" dirty="0"/>
-              <a:t>: </a:t>
+              <a:t>/</a:t>
+            </a:r>
+            <a:r>
+              <a:rPr lang="ko-KR" altLang="en-US" dirty="0" err="1"/>
+              <a:t>코덱</a:t>
+            </a:r>
+            <a:r>
+              <a:rPr lang="en-US" altLang="ko-KR" dirty="0"/>
+              <a:t>:</a:t>
             </a:r>
             <a:r>
               <a:rPr lang="ko-KR" altLang="en-US" dirty="0"/>
-              <a:t>오픈소스 혹은 제공 기능 사용</a:t>
+              <a:t> </a:t>
+            </a:r>
+            <a:r>
+              <a:rPr lang="ko-KR" altLang="en-US" dirty="0" err="1"/>
+              <a:t>오픈소스</a:t>
+            </a:r>
+            <a:r>
+              <a:rPr lang="ko-KR" altLang="en-US" dirty="0"/>
+              <a:t> 혹은 제공 기능 사용</a:t>
             </a:r>
             <a:endParaRPr lang="en-US" altLang="ko-KR" dirty="0"/>
           </a:p>
@@ -14129,9 +18182,14 @@
               </a:lnSpc>
             </a:pPr>
             <a:r>
-              <a:rPr lang="en-US" altLang="ko-KR" dirty="0"/>
-              <a:t>Ray-Tracer</a:t>
-            </a:r>
+              <a:rPr lang="ko-KR" altLang="en-US" dirty="0"/>
+              <a:t>광선 </a:t>
+            </a:r>
+            <a:r>
+              <a:rPr lang="ko-KR" altLang="en-US" dirty="0" err="1"/>
+              <a:t>추적기</a:t>
+            </a:r>
+            <a:endParaRPr lang="en-US" altLang="ko-KR" dirty="0"/>
           </a:p>
           <a:p>
             <a:pPr lvl="1">
@@ -14157,7 +18215,7 @@
             </a:r>
             <a:r>
               <a:rPr lang="en-US" altLang="ko-KR" dirty="0"/>
-              <a:t> (Bounding Volume Hierarchy, Linear BVH, SAH, ..)</a:t>
+              <a:t> : Bounding Volume Hierarchy, Linear BVH, SAH, ..</a:t>
             </a:r>
           </a:p>
           <a:p>
@@ -14188,7 +18246,7 @@
             </a:r>
             <a:r>
               <a:rPr lang="en-US" altLang="ko-KR" dirty="0"/>
-              <a:t> (Metropolis light transport, Bidirectional path tracing)</a:t>
+              <a:t> : Metropolis light transport, Bidirectional path tracing</a:t>
             </a:r>
           </a:p>
           <a:p>
@@ -14301,15 +18359,7 @@
             </a:r>
             <a:r>
               <a:rPr lang="ko-KR" altLang="en-US" dirty="0"/>
-              <a:t>의 </a:t>
-            </a:r>
-            <a:r>
-              <a:rPr lang="ko-KR" altLang="en-US" dirty="0" err="1"/>
-              <a:t>커널</a:t>
-            </a:r>
-            <a:r>
-              <a:rPr lang="ko-KR" altLang="en-US" dirty="0"/>
-              <a:t> 프로그램을 실행</a:t>
+              <a:t>에서의 프로그램을 실행</a:t>
             </a:r>
             <a:endParaRPr lang="en-US" altLang="ko-KR" dirty="0"/>
           </a:p>
@@ -23677,17 +27727,17 @@
           <a:p>
             <a:pPr algn="ctr"/>
             <a:r>
-              <a:rPr lang="en-US" altLang="ko-KR" sz="3200" dirty="0"/>
-              <a:t>Ray</a:t>
-            </a:r>
+              <a:rPr lang="ko-KR" altLang="en-US" sz="3200" dirty="0"/>
+              <a:t>광선 </a:t>
+            </a:r>
+            <a:endParaRPr lang="en-US" altLang="ko-KR" sz="3200" dirty="0"/>
           </a:p>
           <a:p>
             <a:pPr algn="ctr"/>
             <a:r>
-              <a:rPr lang="en-US" altLang="ko-KR" sz="3200" dirty="0"/>
-              <a:t>Tracing</a:t>
-            </a:r>
-            <a:endParaRPr lang="ko-KR" altLang="en-US" sz="3200" dirty="0"/>
+              <a:rPr lang="ko-KR" altLang="en-US" sz="3200" dirty="0"/>
+              <a:t>추적</a:t>
+            </a:r>
           </a:p>
         </p:txBody>
       </p:sp>
@@ -25285,6 +29335,20 @@
             <a:r>
               <a:rPr lang="ko-KR" altLang="en-US" sz="1800" dirty="0"/>
               <a:t>구매 가능</a:t>
+            </a:r>
+            <a:endParaRPr lang="en-US" altLang="ko-KR" sz="1800" dirty="0"/>
+          </a:p>
+          <a:p>
+            <a:pPr marL="0" indent="0" algn="ctr" latinLnBrk="0">
+              <a:buNone/>
+            </a:pPr>
+            <a:r>
+              <a:rPr lang="en-US" altLang="ko-KR" sz="1800" dirty="0"/>
+              <a:t>Unity </a:t>
+            </a:r>
+            <a:r>
+              <a:rPr lang="ko-KR" altLang="en-US" sz="1800" dirty="0"/>
+              <a:t>에서의 즉각적인 사용 가능</a:t>
             </a:r>
             <a:endParaRPr lang="en-US" altLang="ko-KR" sz="1800" dirty="0"/>
           </a:p>
@@ -25875,4 +29939,193 @@
     </a:ext>
   </a:extLst>
 </a:theme>
+</file>
+
+<file path=customXml/item1.xml><?xml version="1.0" encoding="utf-8"?>
+<ct:contentTypeSchema xmlns:ct="http://schemas.microsoft.com/office/2006/metadata/contentType" xmlns:ma="http://schemas.microsoft.com/office/2006/metadata/properties/metaAttributes" ct:_="" ma:_="" ma:contentTypeName="문서" ma:contentTypeID="0x0101003DEC4E422DA5674CA0A92A90C48F4363" ma:contentTypeVersion="2" ma:contentTypeDescription="새 문서를 만듭니다." ma:contentTypeScope="" ma:versionID="afbd73bc9fda87434496464b6e339375">
+  <xsd:schema xmlns:xsd="http://www.w3.org/2001/XMLSchema" xmlns:xs="http://www.w3.org/2001/XMLSchema" xmlns:p="http://schemas.microsoft.com/office/2006/metadata/properties" xmlns:ns3="d47ef01c-edce-402d-82fb-400e1649127f" targetNamespace="http://schemas.microsoft.com/office/2006/metadata/properties" ma:root="true" ma:fieldsID="131ba20bbc4d09a1d9c49eeaffd04e92" ns3:_="">
+    <xsd:import namespace="d47ef01c-edce-402d-82fb-400e1649127f"/>
+    <xsd:element name="properties">
+      <xsd:complexType>
+        <xsd:sequence>
+          <xsd:element name="documentManagement">
+            <xsd:complexType>
+              <xsd:all>
+                <xsd:element ref="ns3:MediaServiceMetadata" minOccurs="0"/>
+                <xsd:element ref="ns3:MediaServiceFastMetadata" minOccurs="0"/>
+              </xsd:all>
+            </xsd:complexType>
+          </xsd:element>
+        </xsd:sequence>
+      </xsd:complexType>
+    </xsd:element>
+  </xsd:schema>
+  <xsd:schema xmlns:xsd="http://www.w3.org/2001/XMLSchema" xmlns:xs="http://www.w3.org/2001/XMLSchema" xmlns:dms="http://schemas.microsoft.com/office/2006/documentManagement/types" xmlns:pc="http://schemas.microsoft.com/office/infopath/2007/PartnerControls" targetNamespace="d47ef01c-edce-402d-82fb-400e1649127f" elementFormDefault="qualified">
+    <xsd:import namespace="http://schemas.microsoft.com/office/2006/documentManagement/types"/>
+    <xsd:import namespace="http://schemas.microsoft.com/office/infopath/2007/PartnerControls"/>
+    <xsd:element name="MediaServiceMetadata" ma:index="8" nillable="true" ma:displayName="MediaServiceMetadata" ma:hidden="true" ma:internalName="MediaServiceMetadata" ma:readOnly="true">
+      <xsd:simpleType>
+        <xsd:restriction base="dms:Note"/>
+      </xsd:simpleType>
+    </xsd:element>
+    <xsd:element name="MediaServiceFastMetadata" ma:index="9" nillable="true" ma:displayName="MediaServiceFastMetadata" ma:hidden="true" ma:internalName="MediaServiceFastMetadata" ma:readOnly="true">
+      <xsd:simpleType>
+        <xsd:restriction base="dms:Note"/>
+      </xsd:simpleType>
+    </xsd:element>
+  </xsd:schema>
+  <xsd:schema xmlns="http://schemas.openxmlformats.org/package/2006/metadata/core-properties" xmlns:xsd="http://www.w3.org/2001/XMLSchema" xmlns:xsi="http://www.w3.org/2001/XMLSchema-instance" xmlns:dc="http://purl.org/dc/elements/1.1/" xmlns:dcterms="http://purl.org/dc/terms/" xmlns:odoc="http://schemas.microsoft.com/internal/obd" targetNamespace="http://schemas.openxmlformats.org/package/2006/metadata/core-properties" elementFormDefault="qualified" attributeFormDefault="unqualified" blockDefault="#all">
+    <xsd:import namespace="http://purl.org/dc/elements/1.1/" schemaLocation="http://dublincore.org/schemas/xmls/qdc/2003/04/02/dc.xsd"/>
+    <xsd:import namespace="http://purl.org/dc/terms/" schemaLocation="http://dublincore.org/schemas/xmls/qdc/2003/04/02/dcterms.xsd"/>
+    <xsd:element name="coreProperties" type="CT_coreProperties"/>
+    <xsd:complexType name="CT_coreProperties">
+      <xsd:all>
+        <xsd:element ref="dc:creator" minOccurs="0" maxOccurs="1"/>
+        <xsd:element ref="dcterms:created" minOccurs="0" maxOccurs="1"/>
+        <xsd:element ref="dc:identifier" minOccurs="0" maxOccurs="1"/>
+        <xsd:element name="contentType" minOccurs="0" maxOccurs="1" type="xsd:string" ma:index="0" ma:displayName="콘텐츠 형식"/>
+        <xsd:element ref="dc:title" minOccurs="0" maxOccurs="1" ma:index="4" ma:displayName="제목"/>
+        <xsd:element ref="dc:subject" minOccurs="0" maxOccurs="1"/>
+        <xsd:element ref="dc:description" minOccurs="0" maxOccurs="1"/>
+        <xsd:element name="keywords" minOccurs="0" maxOccurs="1" type="xsd:string"/>
+        <xsd:element ref="dc:language" minOccurs="0" maxOccurs="1"/>
+        <xsd:element name="category" minOccurs="0" maxOccurs="1" type="xsd:string"/>
+        <xsd:element name="version" minOccurs="0" maxOccurs="1" type="xsd:string"/>
+        <xsd:element name="revision" minOccurs="0" maxOccurs="1" type="xsd:string">
+          <xsd:annotation>
+            <xsd:documentation>
+                        This value indicates the number of saves or revisions. The application is responsible for updating this value after each revision.
+                    </xsd:documentation>
+          </xsd:annotation>
+        </xsd:element>
+        <xsd:element name="lastModifiedBy" minOccurs="0" maxOccurs="1" type="xsd:string"/>
+        <xsd:element ref="dcterms:modified" minOccurs="0" maxOccurs="1"/>
+        <xsd:element name="contentStatus" minOccurs="0" maxOccurs="1" type="xsd:string"/>
+      </xsd:all>
+    </xsd:complexType>
+  </xsd:schema>
+  <xs:schema xmlns:pc="http://schemas.microsoft.com/office/infopath/2007/PartnerControls" xmlns:xs="http://www.w3.org/2001/XMLSchema" targetNamespace="http://schemas.microsoft.com/office/infopath/2007/PartnerControls" elementFormDefault="qualified" attributeFormDefault="unqualified">
+    <xs:element name="Person">
+      <xs:complexType>
+        <xs:sequence>
+          <xs:element ref="pc:DisplayName" minOccurs="0"/>
+          <xs:element ref="pc:AccountId" minOccurs="0"/>
+          <xs:element ref="pc:AccountType" minOccurs="0"/>
+        </xs:sequence>
+      </xs:complexType>
+    </xs:element>
+    <xs:element name="DisplayName" type="xs:string"/>
+    <xs:element name="AccountId" type="xs:string"/>
+    <xs:element name="AccountType" type="xs:string"/>
+    <xs:element name="BDCAssociatedEntity">
+      <xs:complexType>
+        <xs:sequence>
+          <xs:element ref="pc:BDCEntity" minOccurs="0" maxOccurs="unbounded"/>
+        </xs:sequence>
+        <xs:attribute ref="pc:EntityNamespace"/>
+        <xs:attribute ref="pc:EntityName"/>
+        <xs:attribute ref="pc:SystemInstanceName"/>
+        <xs:attribute ref="pc:AssociationName"/>
+      </xs:complexType>
+    </xs:element>
+    <xs:attribute name="EntityNamespace" type="xs:string"/>
+    <xs:attribute name="EntityName" type="xs:string"/>
+    <xs:attribute name="SystemInstanceName" type="xs:string"/>
+    <xs:attribute name="AssociationName" type="xs:string"/>
+    <xs:element name="BDCEntity">
+      <xs:complexType>
+        <xs:sequence>
+          <xs:element ref="pc:EntityDisplayName" minOccurs="0"/>
+          <xs:element ref="pc:EntityInstanceReference" minOccurs="0"/>
+          <xs:element ref="pc:EntityId1" minOccurs="0"/>
+          <xs:element ref="pc:EntityId2" minOccurs="0"/>
+          <xs:element ref="pc:EntityId3" minOccurs="0"/>
+          <xs:element ref="pc:EntityId4" minOccurs="0"/>
+          <xs:element ref="pc:EntityId5" minOccurs="0"/>
+        </xs:sequence>
+      </xs:complexType>
+    </xs:element>
+    <xs:element name="EntityDisplayName" type="xs:string"/>
+    <xs:element name="EntityInstanceReference" type="xs:string"/>
+    <xs:element name="EntityId1" type="xs:string"/>
+    <xs:element name="EntityId2" type="xs:string"/>
+    <xs:element name="EntityId3" type="xs:string"/>
+    <xs:element name="EntityId4" type="xs:string"/>
+    <xs:element name="EntityId5" type="xs:string"/>
+    <xs:element name="Terms">
+      <xs:complexType>
+        <xs:sequence>
+          <xs:element ref="pc:TermInfo" minOccurs="0" maxOccurs="unbounded"/>
+        </xs:sequence>
+      </xs:complexType>
+    </xs:element>
+    <xs:element name="TermInfo">
+      <xs:complexType>
+        <xs:sequence>
+          <xs:element ref="pc:TermName" minOccurs="0"/>
+          <xs:element ref="pc:TermId" minOccurs="0"/>
+        </xs:sequence>
+      </xs:complexType>
+    </xs:element>
+    <xs:element name="TermName" type="xs:string"/>
+    <xs:element name="TermId" type="xs:string"/>
+  </xs:schema>
+</ct:contentTypeSchema>
+</file>
+
+<file path=customXml/item2.xml><?xml version="1.0" encoding="utf-8"?>
+<?mso-contentType ?>
+<FormTemplates xmlns="http://schemas.microsoft.com/sharepoint/v3/contenttype/forms">
+  <Display>DocumentLibraryForm</Display>
+  <Edit>DocumentLibraryForm</Edit>
+  <New>DocumentLibraryForm</New>
+</FormTemplates>
+</file>
+
+<file path=customXml/item3.xml><?xml version="1.0" encoding="utf-8"?>
+<p:properties xmlns:p="http://schemas.microsoft.com/office/2006/metadata/properties" xmlns:xsi="http://www.w3.org/2001/XMLSchema-instance" xmlns:pc="http://schemas.microsoft.com/office/infopath/2007/PartnerControls">
+  <documentManagement/>
+</p:properties>
+</file>
+
+<file path=customXml/itemProps1.xml><?xml version="1.0" encoding="utf-8"?>
+<ds:datastoreItem xmlns:ds="http://schemas.openxmlformats.org/officeDocument/2006/customXml" ds:itemID="{BC60E39F-34F3-4FD4-9B4F-265BD0216247}">
+  <ds:schemaRefs>
+    <ds:schemaRef ds:uri="http://schemas.microsoft.com/office/2006/metadata/contentType"/>
+    <ds:schemaRef ds:uri="http://schemas.microsoft.com/office/2006/metadata/properties/metaAttributes"/>
+    <ds:schemaRef ds:uri="http://www.w3.org/2001/XMLSchema"/>
+    <ds:schemaRef ds:uri="http://schemas.microsoft.com/office/2006/metadata/properties"/>
+    <ds:schemaRef ds:uri="d47ef01c-edce-402d-82fb-400e1649127f"/>
+    <ds:schemaRef ds:uri="http://schemas.microsoft.com/office/2006/documentManagement/types"/>
+    <ds:schemaRef ds:uri="http://schemas.microsoft.com/office/infopath/2007/PartnerControls"/>
+    <ds:schemaRef ds:uri="http://schemas.openxmlformats.org/package/2006/metadata/core-properties"/>
+    <ds:schemaRef ds:uri="http://purl.org/dc/elements/1.1/"/>
+    <ds:schemaRef ds:uri="http://purl.org/dc/terms/"/>
+    <ds:schemaRef ds:uri="http://schemas.microsoft.com/internal/obd"/>
+  </ds:schemaRefs>
+</ds:datastoreItem>
+</file>
+
+<file path=customXml/itemProps2.xml><?xml version="1.0" encoding="utf-8"?>
+<ds:datastoreItem xmlns:ds="http://schemas.openxmlformats.org/officeDocument/2006/customXml" ds:itemID="{401FBB27-B0B8-473A-869B-48939B876A5C}">
+  <ds:schemaRefs>
+    <ds:schemaRef ds:uri="http://schemas.microsoft.com/sharepoint/v3/contenttype/forms"/>
+  </ds:schemaRefs>
+</ds:datastoreItem>
+</file>
+
+<file path=customXml/itemProps3.xml><?xml version="1.0" encoding="utf-8"?>
+<ds:datastoreItem xmlns:ds="http://schemas.openxmlformats.org/officeDocument/2006/customXml" ds:itemID="{1592AF99-FCD3-4B73-A673-620A6A3C2FAA}">
+  <ds:schemaRefs>
+    <ds:schemaRef ds:uri="http://schemas.microsoft.com/office/2006/documentManagement/types"/>
+    <ds:schemaRef ds:uri="http://schemas.microsoft.com/office/infopath/2007/PartnerControls"/>
+    <ds:schemaRef ds:uri="http://purl.org/dc/elements/1.1/"/>
+    <ds:schemaRef ds:uri="http://schemas.microsoft.com/office/2006/metadata/properties"/>
+    <ds:schemaRef ds:uri="d47ef01c-edce-402d-82fb-400e1649127f"/>
+    <ds:schemaRef ds:uri="http://purl.org/dc/terms/"/>
+    <ds:schemaRef ds:uri="http://schemas.openxmlformats.org/package/2006/metadata/core-properties"/>
+    <ds:schemaRef ds:uri="http://www.w3.org/XML/1998/namespace"/>
+    <ds:schemaRef ds:uri="http://purl.org/dc/dcmitype/"/>
+  </ds:schemaRefs>
+</ds:datastoreItem>
 </file>